--- a/7.SQL Intro/SQL.pptx
+++ b/7.SQL Intro/SQL.pptx
@@ -151,7 +151,7 @@
   </p:defaultTextStyle>
   <p:extLst>
     <p:ext uri="{EFAFB233-063F-42B5-8137-9DF3F51BA10A}">
-      <p15:sldGuideLst xmlns:p15="http://schemas.microsoft.com/office/powerpoint/2012/main">
+      <p15:sldGuideLst xmlns:p15="http://schemas.microsoft.com/office/powerpoint/2012/main" xmlns="">
         <p15:guide id="1" orient="horz" pos="2160">
           <p15:clr>
             <a:srgbClr val="A4A3A4"/>
@@ -250,7 +250,7 @@
           <a:p>
             <a:fld id="{235C3321-CD16-4B19-8BBD-DA41B5514AE9}" type="datetimeFigureOut">
               <a:rPr lang="en-US" smtClean="0"/>
-              <a:t>2/20/2013</a:t>
+              <a:t>2/21/2013</a:t>
             </a:fld>
             <a:endParaRPr lang="en-US"/>
           </a:p>
@@ -4146,7 +4146,7 @@
               <a:t>Осуществляется с помощью слова </a:t>
             </a:r>
             <a:r>
-              <a:rPr lang="en-US" sz="1200" kern="1200" dirty="0" smtClean="0">
+              <a:rPr lang="en-US" sz="1200" kern="1200" smtClean="0">
                 <a:solidFill>
                   <a:schemeClr val="tx1"/>
                 </a:solidFill>
@@ -4155,7 +4155,7 @@
                 <a:ea typeface="+mn-ea"/>
                 <a:cs typeface="+mn-cs"/>
               </a:rPr>
-              <a:t>DESTINCT </a:t>
+              <a:t>DISTINCT </a:t>
             </a:r>
             <a:r>
               <a:rPr lang="ru-RU" sz="1200" kern="1200" dirty="0" smtClean="0">
@@ -4661,7 +4661,7 @@
             <a:fld id="{1D8BD707-D9CF-40AE-B4C6-C98DA3205C09}" type="datetimeFigureOut">
               <a:rPr lang="en-US" smtClean="0"/>
               <a:pPr/>
-              <a:t>2/20/2013</a:t>
+              <a:t>2/21/2013</a:t>
             </a:fld>
             <a:endParaRPr lang="en-US"/>
           </a:p>
@@ -4828,7 +4828,7 @@
             <a:fld id="{1D8BD707-D9CF-40AE-B4C6-C98DA3205C09}" type="datetimeFigureOut">
               <a:rPr lang="en-US" smtClean="0"/>
               <a:pPr/>
-              <a:t>2/20/2013</a:t>
+              <a:t>2/21/2013</a:t>
             </a:fld>
             <a:endParaRPr lang="en-US"/>
           </a:p>
@@ -5005,7 +5005,7 @@
             <a:fld id="{1D8BD707-D9CF-40AE-B4C6-C98DA3205C09}" type="datetimeFigureOut">
               <a:rPr lang="en-US" smtClean="0"/>
               <a:pPr/>
-              <a:t>2/20/2013</a:t>
+              <a:t>2/21/2013</a:t>
             </a:fld>
             <a:endParaRPr lang="en-US"/>
           </a:p>
@@ -5172,7 +5172,7 @@
             <a:fld id="{1D8BD707-D9CF-40AE-B4C6-C98DA3205C09}" type="datetimeFigureOut">
               <a:rPr lang="en-US" smtClean="0"/>
               <a:pPr/>
-              <a:t>2/20/2013</a:t>
+              <a:t>2/21/2013</a:t>
             </a:fld>
             <a:endParaRPr lang="en-US"/>
           </a:p>
@@ -5415,7 +5415,7 @@
             <a:fld id="{1D8BD707-D9CF-40AE-B4C6-C98DA3205C09}" type="datetimeFigureOut">
               <a:rPr lang="en-US" smtClean="0"/>
               <a:pPr/>
-              <a:t>2/20/2013</a:t>
+              <a:t>2/21/2013</a:t>
             </a:fld>
             <a:endParaRPr lang="en-US"/>
           </a:p>
@@ -5700,7 +5700,7 @@
             <a:fld id="{1D8BD707-D9CF-40AE-B4C6-C98DA3205C09}" type="datetimeFigureOut">
               <a:rPr lang="en-US" smtClean="0"/>
               <a:pPr/>
-              <a:t>2/20/2013</a:t>
+              <a:t>2/21/2013</a:t>
             </a:fld>
             <a:endParaRPr lang="en-US"/>
           </a:p>
@@ -6119,7 +6119,7 @@
             <a:fld id="{1D8BD707-D9CF-40AE-B4C6-C98DA3205C09}" type="datetimeFigureOut">
               <a:rPr lang="en-US" smtClean="0"/>
               <a:pPr/>
-              <a:t>2/20/2013</a:t>
+              <a:t>2/21/2013</a:t>
             </a:fld>
             <a:endParaRPr lang="en-US"/>
           </a:p>
@@ -6234,7 +6234,7 @@
             <a:fld id="{1D8BD707-D9CF-40AE-B4C6-C98DA3205C09}" type="datetimeFigureOut">
               <a:rPr lang="en-US" smtClean="0"/>
               <a:pPr/>
-              <a:t>2/20/2013</a:t>
+              <a:t>2/21/2013</a:t>
             </a:fld>
             <a:endParaRPr lang="en-US"/>
           </a:p>
@@ -6326,7 +6326,7 @@
             <a:fld id="{1D8BD707-D9CF-40AE-B4C6-C98DA3205C09}" type="datetimeFigureOut">
               <a:rPr lang="en-US" smtClean="0"/>
               <a:pPr/>
-              <a:t>2/20/2013</a:t>
+              <a:t>2/21/2013</a:t>
             </a:fld>
             <a:endParaRPr lang="en-US"/>
           </a:p>
@@ -6600,7 +6600,7 @@
             <a:fld id="{1D8BD707-D9CF-40AE-B4C6-C98DA3205C09}" type="datetimeFigureOut">
               <a:rPr lang="en-US" smtClean="0"/>
               <a:pPr/>
-              <a:t>2/20/2013</a:t>
+              <a:t>2/21/2013</a:t>
             </a:fld>
             <a:endParaRPr lang="en-US"/>
           </a:p>
@@ -6850,7 +6850,7 @@
             <a:fld id="{1D8BD707-D9CF-40AE-B4C6-C98DA3205C09}" type="datetimeFigureOut">
               <a:rPr lang="en-US" smtClean="0"/>
               <a:pPr/>
-              <a:t>2/20/2013</a:t>
+              <a:t>2/21/2013</a:t>
             </a:fld>
             <a:endParaRPr lang="en-US"/>
           </a:p>
@@ -7069,7 +7069,7 @@
             <a:fld id="{1D8BD707-D9CF-40AE-B4C6-C98DA3205C09}" type="datetimeFigureOut">
               <a:rPr lang="en-US" smtClean="0"/>
               <a:pPr/>
-              <a:t>2/20/2013</a:t>
+              <a:t>2/21/2013</a:t>
             </a:fld>
             <a:endParaRPr lang="en-US"/>
           </a:p>
@@ -14654,11 +14654,7 @@
             </a:r>
             <a:r>
               <a:rPr lang="en-US" sz="2000" b="1" dirty="0" smtClean="0"/>
-              <a:t> </a:t>
-            </a:r>
-            <a:r>
-              <a:rPr lang="en-US" sz="2000" b="1" dirty="0" smtClean="0"/>
-              <a:t>(</a:t>
+              <a:t> (</a:t>
             </a:r>
             <a:r>
               <a:rPr lang="ru-RU" sz="2000" b="1" dirty="0" smtClean="0"/>
@@ -14670,11 +14666,7 @@
             </a:r>
             <a:r>
               <a:rPr lang="en-US" dirty="0" smtClean="0"/>
-              <a:t>is </a:t>
-            </a:r>
-            <a:r>
-              <a:rPr lang="en-US" dirty="0" smtClean="0"/>
-              <a:t>an organized collection of information.</a:t>
+              <a:t>is an organized collection of information.</a:t>
             </a:r>
             <a:endParaRPr lang="en-US" dirty="0"/>
           </a:p>
@@ -14721,11 +14713,7 @@
             </a:r>
             <a:r>
               <a:rPr lang="en-US" dirty="0" smtClean="0"/>
-              <a:t>is </a:t>
-            </a:r>
-            <a:r>
-              <a:rPr lang="en-US" dirty="0" smtClean="0"/>
-              <a:t>a program that stores, retrieves and modifies data in the database on request.   </a:t>
+              <a:t>is a program that stores, retrieves and modifies data in the database on request.   </a:t>
             </a:r>
             <a:endParaRPr lang="en-US" dirty="0"/>
           </a:p>
@@ -14772,11 +14760,7 @@
             </a:r>
             <a:r>
               <a:rPr lang="en-US" dirty="0" smtClean="0"/>
-              <a:t>is </a:t>
-            </a:r>
-            <a:r>
-              <a:rPr lang="en-US" dirty="0" smtClean="0"/>
-              <a:t>the basic storage structure of DBMS.   </a:t>
+              <a:t>is the basic storage structure of DBMS.   </a:t>
             </a:r>
             <a:endParaRPr lang="en-US" dirty="0"/>
           </a:p>
@@ -14823,11 +14807,7 @@
             </a:r>
             <a:r>
               <a:rPr lang="en-US" dirty="0" smtClean="0"/>
-              <a:t>represents </a:t>
-            </a:r>
-            <a:r>
-              <a:rPr lang="en-US" dirty="0" smtClean="0"/>
-              <a:t>all data for a particular object.   </a:t>
+              <a:t>represents all data for a particular object.   </a:t>
             </a:r>
             <a:endParaRPr lang="en-US" dirty="0"/>
           </a:p>
@@ -14874,11 +14854,7 @@
             </a:r>
             <a:r>
               <a:rPr lang="en-US" dirty="0" smtClean="0"/>
-              <a:t>represents </a:t>
-            </a:r>
-            <a:r>
-              <a:rPr lang="en-US" dirty="0" smtClean="0"/>
-              <a:t>one kind of data in a table.   </a:t>
+              <a:t>represents one kind of data in a table.   </a:t>
             </a:r>
             <a:endParaRPr lang="en-US" dirty="0"/>
           </a:p>

--- a/7.SQL Intro/SQL.pptx
+++ b/7.SQL Intro/SQL.pptx
@@ -5,7 +5,7 @@
     <p:sldMasterId id="2147483648" r:id="rId1"/>
   </p:sldMasterIdLst>
   <p:notesMasterIdLst>
-    <p:notesMasterId r:id="rId45"/>
+    <p:notesMasterId r:id="rId46"/>
   </p:notesMasterIdLst>
   <p:sldIdLst>
     <p:sldId id="280" r:id="rId2"/>
@@ -37,20 +37,21 @@
     <p:sldId id="315" r:id="rId28"/>
     <p:sldId id="321" r:id="rId29"/>
     <p:sldId id="322" r:id="rId30"/>
-    <p:sldId id="335" r:id="rId31"/>
-    <p:sldId id="308" r:id="rId32"/>
-    <p:sldId id="285" r:id="rId33"/>
-    <p:sldId id="317" r:id="rId34"/>
+    <p:sldId id="341" r:id="rId31"/>
+    <p:sldId id="335" r:id="rId32"/>
+    <p:sldId id="308" r:id="rId33"/>
+    <p:sldId id="285" r:id="rId34"/>
     <p:sldId id="316" r:id="rId35"/>
-    <p:sldId id="318" r:id="rId36"/>
-    <p:sldId id="319" r:id="rId37"/>
-    <p:sldId id="320" r:id="rId38"/>
-    <p:sldId id="336" r:id="rId39"/>
-    <p:sldId id="324" r:id="rId40"/>
-    <p:sldId id="323" r:id="rId41"/>
-    <p:sldId id="325" r:id="rId42"/>
-    <p:sldId id="326" r:id="rId43"/>
-    <p:sldId id="337" r:id="rId44"/>
+    <p:sldId id="317" r:id="rId36"/>
+    <p:sldId id="318" r:id="rId37"/>
+    <p:sldId id="319" r:id="rId38"/>
+    <p:sldId id="320" r:id="rId39"/>
+    <p:sldId id="336" r:id="rId40"/>
+    <p:sldId id="324" r:id="rId41"/>
+    <p:sldId id="323" r:id="rId42"/>
+    <p:sldId id="325" r:id="rId43"/>
+    <p:sldId id="326" r:id="rId44"/>
+    <p:sldId id="337" r:id="rId45"/>
   </p:sldIdLst>
   <p:sldSz cx="9144000" cy="6858000" type="screen4x3"/>
   <p:notesSz cx="6858000" cy="9144000"/>
@@ -151,7 +152,7 @@
   </p:defaultTextStyle>
   <p:extLst>
     <p:ext uri="{EFAFB233-063F-42B5-8137-9DF3F51BA10A}">
-      <p15:sldGuideLst xmlns:p15="http://schemas.microsoft.com/office/powerpoint/2012/main" xmlns="">
+      <p15:sldGuideLst xmlns:p15="http://schemas.microsoft.com/office/powerpoint/2012/main">
         <p15:guide id="1" orient="horz" pos="2160">
           <p15:clr>
             <a:srgbClr val="A4A3A4"/>
@@ -250,7 +251,7 @@
           <a:p>
             <a:fld id="{235C3321-CD16-4B19-8BBD-DA41B5514AE9}" type="datetimeFigureOut">
               <a:rPr lang="en-US" smtClean="0"/>
-              <a:t>2/21/2013</a:t>
+              <a:t>2/22/2013</a:t>
             </a:fld>
             <a:endParaRPr lang="en-US"/>
           </a:p>
@@ -2730,19 +2731,7 @@
           <a:bodyPr/>
           <a:lstStyle/>
           <a:p>
-            <a:pPr marL="171450" indent="-171450">
-              <a:buFont typeface="Arial" pitchFamily="34" charset="0"/>
-              <a:buChar char="•"/>
-            </a:pPr>
-            <a:endParaRPr lang="en-US" sz="1200" kern="1200" dirty="0">
-              <a:solidFill>
-                <a:schemeClr val="tx1"/>
-              </a:solidFill>
-              <a:effectLst/>
-              <a:latin typeface="+mn-lt"/>
-              <a:ea typeface="+mn-ea"/>
-              <a:cs typeface="+mn-cs"/>
-            </a:endParaRPr>
+            <a:endParaRPr lang="en-US" dirty="0" smtClean="0"/>
           </a:p>
         </p:txBody>
       </p:sp>
@@ -2772,7 +2761,7 @@
     </p:spTree>
     <p:extLst>
       <p:ext uri="{BB962C8B-B14F-4D97-AF65-F5344CB8AC3E}">
-        <p14:creationId xmlns:p14="http://schemas.microsoft.com/office/powerpoint/2010/main" val="930881477"/>
+        <p14:creationId xmlns:p14="http://schemas.microsoft.com/office/powerpoint/2010/main" val="4049833681"/>
       </p:ext>
     </p:extLst>
   </p:cSld>
@@ -2826,7 +2815,19 @@
           <a:bodyPr/>
           <a:lstStyle/>
           <a:p>
-            <a:endParaRPr lang="en-US" dirty="0" smtClean="0"/>
+            <a:pPr marL="171450" indent="-171450">
+              <a:buFont typeface="Arial" pitchFamily="34" charset="0"/>
+              <a:buChar char="•"/>
+            </a:pPr>
+            <a:endParaRPr lang="en-US" sz="1200" kern="1200" dirty="0">
+              <a:solidFill>
+                <a:schemeClr val="tx1"/>
+              </a:solidFill>
+              <a:effectLst/>
+              <a:latin typeface="+mn-lt"/>
+              <a:ea typeface="+mn-ea"/>
+              <a:cs typeface="+mn-cs"/>
+            </a:endParaRPr>
           </a:p>
         </p:txBody>
       </p:sp>
@@ -2998,7 +2999,7 @@
           <a:bodyPr/>
           <a:lstStyle/>
           <a:p>
-            <a:endParaRPr lang="en-US" dirty="0"/>
+            <a:endParaRPr lang="en-US" dirty="0" smtClean="0"/>
           </a:p>
         </p:txBody>
       </p:sp>
@@ -3019,7 +3020,7 @@
           <a:p>
             <a:fld id="{CA64AA7C-4BF2-4DCC-B6D3-024C03F34AB4}" type="slidenum">
               <a:rPr lang="en-US" smtClean="0"/>
-              <a:t>33</a:t>
+              <a:t>32</a:t>
             </a:fld>
             <a:endParaRPr lang="en-US"/>
           </a:p>
@@ -3028,7 +3029,7 @@
     </p:spTree>
     <p:extLst>
       <p:ext uri="{BB962C8B-B14F-4D97-AF65-F5344CB8AC3E}">
-        <p14:creationId xmlns:p14="http://schemas.microsoft.com/office/powerpoint/2010/main" val="1861610224"/>
+        <p14:creationId xmlns:p14="http://schemas.microsoft.com/office/powerpoint/2010/main" val="930881477"/>
       </p:ext>
     </p:extLst>
   </p:cSld>
@@ -3418,19 +3419,7 @@
           <a:bodyPr/>
           <a:lstStyle/>
           <a:p>
-            <a:pPr marL="171450" indent="-171450">
-              <a:buFont typeface="Arial" pitchFamily="34" charset="0"/>
-              <a:buChar char="•"/>
-            </a:pPr>
-            <a:endParaRPr lang="en-US" sz="1200" kern="1200" dirty="0">
-              <a:solidFill>
-                <a:schemeClr val="tx1"/>
-              </a:solidFill>
-              <a:effectLst/>
-              <a:latin typeface="+mn-lt"/>
-              <a:ea typeface="+mn-ea"/>
-              <a:cs typeface="+mn-cs"/>
-            </a:endParaRPr>
+            <a:endParaRPr lang="en-US" dirty="0"/>
           </a:p>
         </p:txBody>
       </p:sp>
@@ -3460,7 +3449,7 @@
     </p:spTree>
     <p:extLst>
       <p:ext uri="{BB962C8B-B14F-4D97-AF65-F5344CB8AC3E}">
-        <p14:creationId xmlns:p14="http://schemas.microsoft.com/office/powerpoint/2010/main" val="930881477"/>
+        <p14:creationId xmlns:p14="http://schemas.microsoft.com/office/powerpoint/2010/main" val="1861610224"/>
       </p:ext>
     </p:extLst>
   </p:cSld>
@@ -3514,7 +3503,19 @@
           <a:bodyPr/>
           <a:lstStyle/>
           <a:p>
-            <a:endParaRPr lang="en-US" dirty="0" smtClean="0"/>
+            <a:pPr marL="171450" indent="-171450">
+              <a:buFont typeface="Arial" pitchFamily="34" charset="0"/>
+              <a:buChar char="•"/>
+            </a:pPr>
+            <a:endParaRPr lang="en-US" sz="1200" kern="1200" dirty="0">
+              <a:solidFill>
+                <a:schemeClr val="tx1"/>
+              </a:solidFill>
+              <a:effectLst/>
+              <a:latin typeface="+mn-lt"/>
+              <a:ea typeface="+mn-ea"/>
+              <a:cs typeface="+mn-cs"/>
+            </a:endParaRPr>
           </a:p>
         </p:txBody>
       </p:sp>
@@ -3598,7 +3599,7 @@
           <a:bodyPr/>
           <a:lstStyle/>
           <a:p>
-            <a:endParaRPr lang="en-US" dirty="0"/>
+            <a:endParaRPr lang="en-US" dirty="0" smtClean="0"/>
           </a:p>
         </p:txBody>
       </p:sp>
@@ -3628,7 +3629,7 @@
     </p:spTree>
     <p:extLst>
       <p:ext uri="{BB962C8B-B14F-4D97-AF65-F5344CB8AC3E}">
-        <p14:creationId xmlns:p14="http://schemas.microsoft.com/office/powerpoint/2010/main" val="1861610224"/>
+        <p14:creationId xmlns:p14="http://schemas.microsoft.com/office/powerpoint/2010/main" val="930881477"/>
       </p:ext>
     </p:extLst>
   </p:cSld>
@@ -3938,7 +3939,7 @@
           <a:bodyPr/>
           <a:lstStyle/>
           <a:p>
-            <a:endParaRPr lang="en-US" dirty="0" smtClean="0"/>
+            <a:endParaRPr lang="en-US" dirty="0"/>
           </a:p>
         </p:txBody>
       </p:sp>
@@ -3960,6 +3961,90 @@
             <a:fld id="{CA64AA7C-4BF2-4DCC-B6D3-024C03F34AB4}" type="slidenum">
               <a:rPr lang="en-US" smtClean="0"/>
               <a:t>43</a:t>
+            </a:fld>
+            <a:endParaRPr lang="en-US"/>
+          </a:p>
+        </p:txBody>
+      </p:sp>
+    </p:spTree>
+    <p:extLst>
+      <p:ext uri="{BB962C8B-B14F-4D97-AF65-F5344CB8AC3E}">
+        <p14:creationId xmlns:p14="http://schemas.microsoft.com/office/powerpoint/2010/main" val="1861610224"/>
+      </p:ext>
+    </p:extLst>
+  </p:cSld>
+  <p:clrMapOvr>
+    <a:masterClrMapping/>
+  </p:clrMapOvr>
+</p:notes>
+</file>
+
+<file path=ppt/notesSlides/notesSlide41.xml><?xml version="1.0" encoding="utf-8"?>
+<p:notes xmlns:a="http://schemas.openxmlformats.org/drawingml/2006/main" xmlns:r="http://schemas.openxmlformats.org/officeDocument/2006/relationships" xmlns:p="http://schemas.openxmlformats.org/presentationml/2006/main">
+  <p:cSld>
+    <p:spTree>
+      <p:nvGrpSpPr>
+        <p:cNvPr id="1" name=""/>
+        <p:cNvGrpSpPr/>
+        <p:nvPr/>
+      </p:nvGrpSpPr>
+      <p:grpSpPr>
+        <a:xfrm>
+          <a:off x="0" y="0"/>
+          <a:ext cx="0" cy="0"/>
+          <a:chOff x="0" y="0"/>
+          <a:chExt cx="0" cy="0"/>
+        </a:xfrm>
+      </p:grpSpPr>
+      <p:sp>
+        <p:nvSpPr>
+          <p:cNvPr id="2" name="Slide Image Placeholder 1"/>
+          <p:cNvSpPr>
+            <a:spLocks noGrp="1" noRot="1" noChangeAspect="1"/>
+          </p:cNvSpPr>
+          <p:nvPr>
+            <p:ph type="sldImg"/>
+          </p:nvPr>
+        </p:nvSpPr>
+        <p:spPr/>
+      </p:sp>
+      <p:sp>
+        <p:nvSpPr>
+          <p:cNvPr id="3" name="Notes Placeholder 2"/>
+          <p:cNvSpPr>
+            <a:spLocks noGrp="1"/>
+          </p:cNvSpPr>
+          <p:nvPr>
+            <p:ph type="body" idx="1"/>
+          </p:nvPr>
+        </p:nvSpPr>
+        <p:spPr/>
+        <p:txBody>
+          <a:bodyPr/>
+          <a:lstStyle/>
+          <a:p>
+            <a:endParaRPr lang="en-US" dirty="0" smtClean="0"/>
+          </a:p>
+        </p:txBody>
+      </p:sp>
+      <p:sp>
+        <p:nvSpPr>
+          <p:cNvPr id="4" name="Slide Number Placeholder 3"/>
+          <p:cNvSpPr>
+            <a:spLocks noGrp="1"/>
+          </p:cNvSpPr>
+          <p:nvPr>
+            <p:ph type="sldNum" sz="quarter" idx="10"/>
+          </p:nvPr>
+        </p:nvSpPr>
+        <p:spPr/>
+        <p:txBody>
+          <a:bodyPr/>
+          <a:lstStyle/>
+          <a:p>
+            <a:fld id="{CA64AA7C-4BF2-4DCC-B6D3-024C03F34AB4}" type="slidenum">
+              <a:rPr lang="en-US" smtClean="0"/>
+              <a:t>44</a:t>
             </a:fld>
             <a:endParaRPr lang="en-US"/>
           </a:p>
@@ -4661,7 +4746,7 @@
             <a:fld id="{1D8BD707-D9CF-40AE-B4C6-C98DA3205C09}" type="datetimeFigureOut">
               <a:rPr lang="en-US" smtClean="0"/>
               <a:pPr/>
-              <a:t>2/21/2013</a:t>
+              <a:t>2/22/2013</a:t>
             </a:fld>
             <a:endParaRPr lang="en-US"/>
           </a:p>
@@ -4828,7 +4913,7 @@
             <a:fld id="{1D8BD707-D9CF-40AE-B4C6-C98DA3205C09}" type="datetimeFigureOut">
               <a:rPr lang="en-US" smtClean="0"/>
               <a:pPr/>
-              <a:t>2/21/2013</a:t>
+              <a:t>2/22/2013</a:t>
             </a:fld>
             <a:endParaRPr lang="en-US"/>
           </a:p>
@@ -5005,7 +5090,7 @@
             <a:fld id="{1D8BD707-D9CF-40AE-B4C6-C98DA3205C09}" type="datetimeFigureOut">
               <a:rPr lang="en-US" smtClean="0"/>
               <a:pPr/>
-              <a:t>2/21/2013</a:t>
+              <a:t>2/22/2013</a:t>
             </a:fld>
             <a:endParaRPr lang="en-US"/>
           </a:p>
@@ -5172,7 +5257,7 @@
             <a:fld id="{1D8BD707-D9CF-40AE-B4C6-C98DA3205C09}" type="datetimeFigureOut">
               <a:rPr lang="en-US" smtClean="0"/>
               <a:pPr/>
-              <a:t>2/21/2013</a:t>
+              <a:t>2/22/2013</a:t>
             </a:fld>
             <a:endParaRPr lang="en-US"/>
           </a:p>
@@ -5415,7 +5500,7 @@
             <a:fld id="{1D8BD707-D9CF-40AE-B4C6-C98DA3205C09}" type="datetimeFigureOut">
               <a:rPr lang="en-US" smtClean="0"/>
               <a:pPr/>
-              <a:t>2/21/2013</a:t>
+              <a:t>2/22/2013</a:t>
             </a:fld>
             <a:endParaRPr lang="en-US"/>
           </a:p>
@@ -5700,7 +5785,7 @@
             <a:fld id="{1D8BD707-D9CF-40AE-B4C6-C98DA3205C09}" type="datetimeFigureOut">
               <a:rPr lang="en-US" smtClean="0"/>
               <a:pPr/>
-              <a:t>2/21/2013</a:t>
+              <a:t>2/22/2013</a:t>
             </a:fld>
             <a:endParaRPr lang="en-US"/>
           </a:p>
@@ -6119,7 +6204,7 @@
             <a:fld id="{1D8BD707-D9CF-40AE-B4C6-C98DA3205C09}" type="datetimeFigureOut">
               <a:rPr lang="en-US" smtClean="0"/>
               <a:pPr/>
-              <a:t>2/21/2013</a:t>
+              <a:t>2/22/2013</a:t>
             </a:fld>
             <a:endParaRPr lang="en-US"/>
           </a:p>
@@ -6234,7 +6319,7 @@
             <a:fld id="{1D8BD707-D9CF-40AE-B4C6-C98DA3205C09}" type="datetimeFigureOut">
               <a:rPr lang="en-US" smtClean="0"/>
               <a:pPr/>
-              <a:t>2/21/2013</a:t>
+              <a:t>2/22/2013</a:t>
             </a:fld>
             <a:endParaRPr lang="en-US"/>
           </a:p>
@@ -6326,7 +6411,7 @@
             <a:fld id="{1D8BD707-D9CF-40AE-B4C6-C98DA3205C09}" type="datetimeFigureOut">
               <a:rPr lang="en-US" smtClean="0"/>
               <a:pPr/>
-              <a:t>2/21/2013</a:t>
+              <a:t>2/22/2013</a:t>
             </a:fld>
             <a:endParaRPr lang="en-US"/>
           </a:p>
@@ -6600,7 +6685,7 @@
             <a:fld id="{1D8BD707-D9CF-40AE-B4C6-C98DA3205C09}" type="datetimeFigureOut">
               <a:rPr lang="en-US" smtClean="0"/>
               <a:pPr/>
-              <a:t>2/21/2013</a:t>
+              <a:t>2/22/2013</a:t>
             </a:fld>
             <a:endParaRPr lang="en-US"/>
           </a:p>
@@ -6850,7 +6935,7 @@
             <a:fld id="{1D8BD707-D9CF-40AE-B4C6-C98DA3205C09}" type="datetimeFigureOut">
               <a:rPr lang="en-US" smtClean="0"/>
               <a:pPr/>
-              <a:t>2/21/2013</a:t>
+              <a:t>2/22/2013</a:t>
             </a:fld>
             <a:endParaRPr lang="en-US"/>
           </a:p>
@@ -7069,7 +7154,7 @@
             <a:fld id="{1D8BD707-D9CF-40AE-B4C6-C98DA3205C09}" type="datetimeFigureOut">
               <a:rPr lang="en-US" smtClean="0"/>
               <a:pPr/>
-              <a:t>2/21/2013</a:t>
+              <a:t>2/22/2013</a:t>
             </a:fld>
             <a:endParaRPr lang="en-US"/>
           </a:p>
@@ -14094,7 +14179,7 @@
         </p:nvSpPr>
         <p:spPr>
           <a:xfrm>
-            <a:off x="531143" y="4797152"/>
+            <a:off x="531143" y="4653136"/>
             <a:ext cx="8280920" cy="1477328"/>
           </a:xfrm>
           <a:prstGeom prst="rect">
@@ -14155,7 +14240,15 @@
                 <a:ea typeface="Calibri" pitchFamily="34" charset="0"/>
                 <a:cs typeface="Times New Roman" pitchFamily="18" charset="0"/>
               </a:rPr>
-              <a:t>MAX, MIN</a:t>
+              <a:t>MAX, </a:t>
+            </a:r>
+            <a:r>
+              <a:rPr lang="en-US" sz="2000" b="1" dirty="0" smtClean="0">
+                <a:latin typeface="Calibri" pitchFamily="34" charset="0"/>
+                <a:ea typeface="Calibri" pitchFamily="34" charset="0"/>
+                <a:cs typeface="Times New Roman" pitchFamily="18" charset="0"/>
+              </a:rPr>
+              <a:t>MIN</a:t>
             </a:r>
           </a:p>
           <a:p>
@@ -14176,14 +14269,24 @@
               </a:tabLst>
             </a:pPr>
             <a:r>
+              <a:rPr lang="en-US" sz="2000" b="1" dirty="0">
+                <a:latin typeface="Calibri" pitchFamily="34" charset="0"/>
+                <a:ea typeface="Calibri" pitchFamily="34" charset="0"/>
+                <a:cs typeface="Times New Roman" pitchFamily="18" charset="0"/>
+                <a:hlinkClick r:id="rId3"/>
+              </a:rPr>
+              <a:t>http://www.techonthenet.com/sql</a:t>
+            </a:r>
+            <a:r>
               <a:rPr lang="en-US" sz="2000" b="1" dirty="0" smtClean="0">
                 <a:latin typeface="Calibri" pitchFamily="34" charset="0"/>
                 <a:ea typeface="Calibri" pitchFamily="34" charset="0"/>
                 <a:cs typeface="Times New Roman" pitchFamily="18" charset="0"/>
-              </a:rPr>
-              <a:t>STDDEV, VARIANCE</a:t>
-            </a:r>
-            <a:endParaRPr lang="en-US" sz="2000" dirty="0" smtClean="0">
+                <a:hlinkClick r:id="rId3"/>
+              </a:rPr>
+              <a:t>/</a:t>
+            </a:r>
+            <a:endParaRPr lang="en-US" sz="2000" b="1" dirty="0" smtClean="0">
               <a:latin typeface="Calibri" pitchFamily="34" charset="0"/>
               <a:ea typeface="Calibri" pitchFamily="34" charset="0"/>
               <a:cs typeface="Times New Roman" pitchFamily="18" charset="0"/>
@@ -14942,6 +15045,454 @@
       </p:grpSpPr>
       <p:sp>
         <p:nvSpPr>
+          <p:cNvPr id="2" name="TextBox 1"/>
+          <p:cNvSpPr txBox="1"/>
+          <p:nvPr/>
+        </p:nvSpPr>
+        <p:spPr>
+          <a:xfrm>
+            <a:off x="531143" y="448519"/>
+            <a:ext cx="7354514" cy="630942"/>
+          </a:xfrm>
+          <a:prstGeom prst="rect">
+            <a:avLst/>
+          </a:prstGeom>
+          <a:noFill/>
+        </p:spPr>
+        <p:txBody>
+          <a:bodyPr wrap="none" rtlCol="0">
+            <a:spAutoFit/>
+          </a:bodyPr>
+          <a:lstStyle/>
+          <a:p>
+            <a:r>
+              <a:rPr lang="ru-RU" sz="3500" dirty="0" smtClean="0">
+                <a:solidFill>
+                  <a:schemeClr val="tx1">
+                    <a:lumMod val="65000"/>
+                    <a:lumOff val="35000"/>
+                  </a:schemeClr>
+                </a:solidFill>
+                <a:effectLst>
+                  <a:outerShdw blurRad="38100" dist="38100" dir="2700000" algn="tl">
+                    <a:srgbClr val="000000">
+                      <a:alpha val="43137"/>
+                    </a:srgbClr>
+                  </a:outerShdw>
+                </a:effectLst>
+              </a:rPr>
+              <a:t>Значение </a:t>
+            </a:r>
+            <a:r>
+              <a:rPr lang="en-US" sz="3500" dirty="0" smtClean="0">
+                <a:solidFill>
+                  <a:schemeClr val="tx1">
+                    <a:lumMod val="65000"/>
+                    <a:lumOff val="35000"/>
+                  </a:schemeClr>
+                </a:solidFill>
+                <a:effectLst>
+                  <a:outerShdw blurRad="38100" dist="38100" dir="2700000" algn="tl">
+                    <a:srgbClr val="000000">
+                      <a:alpha val="43137"/>
+                    </a:srgbClr>
+                  </a:outerShdw>
+                </a:effectLst>
+              </a:rPr>
+              <a:t>NULL – </a:t>
+            </a:r>
+            <a:r>
+              <a:rPr lang="ru-RU" sz="3500" dirty="0" smtClean="0">
+                <a:solidFill>
+                  <a:schemeClr val="tx1">
+                    <a:lumMod val="65000"/>
+                    <a:lumOff val="35000"/>
+                  </a:schemeClr>
+                </a:solidFill>
+                <a:effectLst>
+                  <a:outerShdw blurRad="38100" dist="38100" dir="2700000" algn="tl">
+                    <a:srgbClr val="000000">
+                      <a:alpha val="43137"/>
+                    </a:srgbClr>
+                  </a:outerShdw>
+                </a:effectLst>
+              </a:rPr>
+              <a:t>отсутствие значения</a:t>
+            </a:r>
+            <a:endParaRPr lang="en-US" sz="3500" dirty="0">
+              <a:solidFill>
+                <a:schemeClr val="tx1">
+                  <a:lumMod val="65000"/>
+                  <a:lumOff val="35000"/>
+                </a:schemeClr>
+              </a:solidFill>
+              <a:effectLst>
+                <a:outerShdw blurRad="38100" dist="38100" dir="2700000" algn="tl">
+                  <a:srgbClr val="000000">
+                    <a:alpha val="43137"/>
+                  </a:srgbClr>
+                </a:outerShdw>
+              </a:effectLst>
+            </a:endParaRPr>
+          </a:p>
+        </p:txBody>
+      </p:sp>
+      <p:sp>
+        <p:nvSpPr>
+          <p:cNvPr id="5" name="Rectangle 4"/>
+          <p:cNvSpPr/>
+          <p:nvPr/>
+        </p:nvSpPr>
+        <p:spPr>
+          <a:xfrm>
+            <a:off x="824024" y="1124744"/>
+            <a:ext cx="6768752" cy="5170646"/>
+          </a:xfrm>
+          <a:prstGeom prst="rect">
+            <a:avLst/>
+          </a:prstGeom>
+        </p:spPr>
+        <p:txBody>
+          <a:bodyPr wrap="square">
+            <a:spAutoFit/>
+          </a:bodyPr>
+          <a:lstStyle/>
+          <a:p>
+            <a:pPr fontAlgn="base">
+              <a:lnSpc>
+                <a:spcPct val="150000"/>
+              </a:lnSpc>
+              <a:spcBef>
+                <a:spcPct val="0"/>
+              </a:spcBef>
+              <a:spcAft>
+                <a:spcPct val="0"/>
+              </a:spcAft>
+              <a:tabLst>
+                <a:tab pos="2311400" algn="l"/>
+              </a:tabLst>
+            </a:pPr>
+            <a:r>
+              <a:rPr lang="en-US" sz="2200" b="1" dirty="0" smtClean="0">
+                <a:latin typeface="Calibri" pitchFamily="34" charset="0"/>
+                <a:ea typeface="Calibri" pitchFamily="34" charset="0"/>
+                <a:cs typeface="Times New Roman" pitchFamily="18" charset="0"/>
+              </a:rPr>
+              <a:t>NULL </a:t>
+            </a:r>
+            <a:r>
+              <a:rPr lang="en-US" sz="2200" dirty="0">
+                <a:latin typeface="Calibri" pitchFamily="34" charset="0"/>
+                <a:ea typeface="Calibri" pitchFamily="34" charset="0"/>
+                <a:cs typeface="Times New Roman" pitchFamily="18" charset="0"/>
+              </a:rPr>
+              <a:t>–</a:t>
+            </a:r>
+            <a:r>
+              <a:rPr lang="en-US" sz="2200" dirty="0" smtClean="0">
+                <a:latin typeface="Calibri" pitchFamily="34" charset="0"/>
+                <a:ea typeface="Calibri" pitchFamily="34" charset="0"/>
+                <a:cs typeface="Times New Roman" pitchFamily="18" charset="0"/>
+              </a:rPr>
+              <a:t> </a:t>
+            </a:r>
+            <a:r>
+              <a:rPr lang="ru-RU" sz="2200" dirty="0" smtClean="0">
+                <a:latin typeface="Calibri" pitchFamily="34" charset="0"/>
+                <a:ea typeface="Calibri" pitchFamily="34" charset="0"/>
+                <a:cs typeface="Times New Roman" pitchFamily="18" charset="0"/>
+              </a:rPr>
+              <a:t>обозначает отсутствие какого-либо значения в ячейке</a:t>
+            </a:r>
+          </a:p>
+          <a:p>
+            <a:pPr fontAlgn="base">
+              <a:lnSpc>
+                <a:spcPct val="150000"/>
+              </a:lnSpc>
+              <a:spcBef>
+                <a:spcPct val="0"/>
+              </a:spcBef>
+              <a:spcAft>
+                <a:spcPct val="0"/>
+              </a:spcAft>
+              <a:tabLst>
+                <a:tab pos="2311400" algn="l"/>
+              </a:tabLst>
+            </a:pPr>
+            <a:endParaRPr lang="ru-RU" sz="2200" b="1" dirty="0">
+              <a:latin typeface="Calibri" pitchFamily="34" charset="0"/>
+              <a:ea typeface="Calibri" pitchFamily="34" charset="0"/>
+              <a:cs typeface="Times New Roman" pitchFamily="18" charset="0"/>
+            </a:endParaRPr>
+          </a:p>
+          <a:p>
+            <a:pPr fontAlgn="base">
+              <a:lnSpc>
+                <a:spcPct val="150000"/>
+              </a:lnSpc>
+              <a:spcBef>
+                <a:spcPct val="0"/>
+              </a:spcBef>
+              <a:spcAft>
+                <a:spcPct val="0"/>
+              </a:spcAft>
+              <a:tabLst>
+                <a:tab pos="2311400" algn="l"/>
+              </a:tabLst>
+            </a:pPr>
+            <a:r>
+              <a:rPr lang="en-US" sz="2200" b="1" dirty="0" smtClean="0">
+                <a:latin typeface="Calibri" pitchFamily="34" charset="0"/>
+                <a:ea typeface="Calibri" pitchFamily="34" charset="0"/>
+                <a:cs typeface="Times New Roman" pitchFamily="18" charset="0"/>
+              </a:rPr>
+              <a:t>NULL</a:t>
+            </a:r>
+            <a:r>
+              <a:rPr lang="en-US" sz="2200" dirty="0" smtClean="0">
+                <a:latin typeface="Calibri" pitchFamily="34" charset="0"/>
+                <a:ea typeface="Calibri" pitchFamily="34" charset="0"/>
+                <a:cs typeface="Times New Roman" pitchFamily="18" charset="0"/>
+              </a:rPr>
+              <a:t> – </a:t>
+            </a:r>
+            <a:r>
+              <a:rPr lang="ru-RU" sz="2200" dirty="0" smtClean="0">
+                <a:latin typeface="Calibri" pitchFamily="34" charset="0"/>
+                <a:ea typeface="Calibri" pitchFamily="34" charset="0"/>
+                <a:cs typeface="Times New Roman" pitchFamily="18" charset="0"/>
+              </a:rPr>
+              <a:t>результатом операции с операндом </a:t>
+            </a:r>
+            <a:r>
+              <a:rPr lang="en-US" sz="2200" dirty="0" smtClean="0">
+                <a:latin typeface="Calibri" pitchFamily="34" charset="0"/>
+                <a:ea typeface="Calibri" pitchFamily="34" charset="0"/>
+                <a:cs typeface="Times New Roman" pitchFamily="18" charset="0"/>
+              </a:rPr>
+              <a:t>NULL </a:t>
+            </a:r>
+            <a:r>
+              <a:rPr lang="ru-RU" sz="2200" dirty="0" smtClean="0">
+                <a:latin typeface="Calibri" pitchFamily="34" charset="0"/>
+                <a:ea typeface="Calibri" pitchFamily="34" charset="0"/>
+                <a:cs typeface="Times New Roman" pitchFamily="18" charset="0"/>
+              </a:rPr>
+              <a:t>тоже будет </a:t>
+            </a:r>
+            <a:r>
+              <a:rPr lang="en-US" sz="2200" dirty="0" smtClean="0">
+                <a:latin typeface="Calibri" pitchFamily="34" charset="0"/>
+                <a:ea typeface="Calibri" pitchFamily="34" charset="0"/>
+                <a:cs typeface="Times New Roman" pitchFamily="18" charset="0"/>
+              </a:rPr>
+              <a:t>NULL</a:t>
+            </a:r>
+          </a:p>
+          <a:p>
+            <a:pPr fontAlgn="base">
+              <a:lnSpc>
+                <a:spcPct val="150000"/>
+              </a:lnSpc>
+              <a:spcBef>
+                <a:spcPct val="0"/>
+              </a:spcBef>
+              <a:spcAft>
+                <a:spcPct val="0"/>
+              </a:spcAft>
+              <a:tabLst>
+                <a:tab pos="2311400" algn="l"/>
+              </a:tabLst>
+            </a:pPr>
+            <a:endParaRPr lang="en-US" sz="2200" dirty="0">
+              <a:latin typeface="Calibri" pitchFamily="34" charset="0"/>
+              <a:ea typeface="Calibri" pitchFamily="34" charset="0"/>
+              <a:cs typeface="Times New Roman" pitchFamily="18" charset="0"/>
+            </a:endParaRPr>
+          </a:p>
+          <a:p>
+            <a:pPr fontAlgn="base">
+              <a:lnSpc>
+                <a:spcPct val="150000"/>
+              </a:lnSpc>
+              <a:spcBef>
+                <a:spcPct val="0"/>
+              </a:spcBef>
+              <a:spcAft>
+                <a:spcPct val="0"/>
+              </a:spcAft>
+              <a:tabLst>
+                <a:tab pos="2311400" algn="l"/>
+              </a:tabLst>
+            </a:pPr>
+            <a:r>
+              <a:rPr lang="ru-RU" sz="2200" dirty="0" smtClean="0">
+                <a:latin typeface="Calibri" pitchFamily="34" charset="0"/>
+                <a:ea typeface="Calibri" pitchFamily="34" charset="0"/>
+                <a:cs typeface="Times New Roman" pitchFamily="18" charset="0"/>
+              </a:rPr>
+              <a:t>Для сравнений нельзя использовать </a:t>
+            </a:r>
+            <a:r>
+              <a:rPr lang="en-US" sz="2200" b="1" dirty="0" smtClean="0">
+                <a:latin typeface="Calibri" pitchFamily="34" charset="0"/>
+                <a:ea typeface="Calibri" pitchFamily="34" charset="0"/>
+                <a:cs typeface="Times New Roman" pitchFamily="18" charset="0"/>
+              </a:rPr>
+              <a:t>&lt;field&gt; = NULL</a:t>
+            </a:r>
+          </a:p>
+          <a:p>
+            <a:pPr fontAlgn="base">
+              <a:lnSpc>
+                <a:spcPct val="150000"/>
+              </a:lnSpc>
+              <a:spcBef>
+                <a:spcPct val="0"/>
+              </a:spcBef>
+              <a:spcAft>
+                <a:spcPct val="0"/>
+              </a:spcAft>
+              <a:tabLst>
+                <a:tab pos="2311400" algn="l"/>
+              </a:tabLst>
+            </a:pPr>
+            <a:r>
+              <a:rPr lang="ru-RU" sz="2200" dirty="0" smtClean="0">
+                <a:latin typeface="Calibri" pitchFamily="34" charset="0"/>
+                <a:ea typeface="Calibri" pitchFamily="34" charset="0"/>
+                <a:cs typeface="Times New Roman" pitchFamily="18" charset="0"/>
+              </a:rPr>
+              <a:t>Нужно пользоваться сравнениями</a:t>
+            </a:r>
+          </a:p>
+          <a:p>
+            <a:pPr fontAlgn="base">
+              <a:lnSpc>
+                <a:spcPct val="150000"/>
+              </a:lnSpc>
+              <a:spcBef>
+                <a:spcPct val="0"/>
+              </a:spcBef>
+              <a:spcAft>
+                <a:spcPct val="0"/>
+              </a:spcAft>
+              <a:tabLst>
+                <a:tab pos="2311400" algn="l"/>
+              </a:tabLst>
+            </a:pPr>
+            <a:r>
+              <a:rPr lang="ru-RU" sz="2200" b="1" dirty="0">
+                <a:latin typeface="Calibri" pitchFamily="34" charset="0"/>
+                <a:ea typeface="Calibri" pitchFamily="34" charset="0"/>
+                <a:cs typeface="Times New Roman" pitchFamily="18" charset="0"/>
+              </a:rPr>
+              <a:t>	</a:t>
+            </a:r>
+            <a:r>
+              <a:rPr lang="en-US" sz="2200" b="1" dirty="0">
+                <a:latin typeface="Calibri" pitchFamily="34" charset="0"/>
+                <a:ea typeface="Calibri" pitchFamily="34" charset="0"/>
+                <a:cs typeface="Times New Roman" pitchFamily="18" charset="0"/>
+              </a:rPr>
+              <a:t> &lt;field&gt; </a:t>
+            </a:r>
+            <a:r>
+              <a:rPr lang="en-US" sz="2200" b="1" dirty="0" smtClean="0">
+                <a:latin typeface="Calibri" pitchFamily="34" charset="0"/>
+                <a:ea typeface="Calibri" pitchFamily="34" charset="0"/>
+                <a:cs typeface="Times New Roman" pitchFamily="18" charset="0"/>
+              </a:rPr>
+              <a:t>IS NULL</a:t>
+            </a:r>
+          </a:p>
+          <a:p>
+            <a:pPr fontAlgn="base">
+              <a:lnSpc>
+                <a:spcPct val="150000"/>
+              </a:lnSpc>
+              <a:spcBef>
+                <a:spcPct val="0"/>
+              </a:spcBef>
+              <a:spcAft>
+                <a:spcPct val="0"/>
+              </a:spcAft>
+              <a:tabLst>
+                <a:tab pos="2311400" algn="l"/>
+              </a:tabLst>
+            </a:pPr>
+            <a:r>
+              <a:rPr lang="en-US" sz="2200" b="1" dirty="0">
+                <a:latin typeface="Calibri" pitchFamily="34" charset="0"/>
+                <a:ea typeface="Calibri" pitchFamily="34" charset="0"/>
+                <a:cs typeface="Times New Roman" pitchFamily="18" charset="0"/>
+              </a:rPr>
+              <a:t>	</a:t>
+            </a:r>
+            <a:r>
+              <a:rPr lang="en-US" sz="2200" b="1" dirty="0">
+                <a:latin typeface="Calibri" pitchFamily="34" charset="0"/>
+                <a:ea typeface="Calibri" pitchFamily="34" charset="0"/>
+                <a:cs typeface="Times New Roman" pitchFamily="18" charset="0"/>
+              </a:rPr>
+              <a:t> &lt;field&gt; IS </a:t>
+            </a:r>
+            <a:r>
+              <a:rPr lang="en-US" sz="2200" b="1" dirty="0" smtClean="0">
+                <a:latin typeface="Calibri" pitchFamily="34" charset="0"/>
+                <a:ea typeface="Calibri" pitchFamily="34" charset="0"/>
+                <a:cs typeface="Times New Roman" pitchFamily="18" charset="0"/>
+              </a:rPr>
+              <a:t>NOT NULL</a:t>
+            </a:r>
+            <a:endParaRPr lang="en-US" sz="2200" b="1" dirty="0" smtClean="0">
+              <a:latin typeface="Calibri" pitchFamily="34" charset="0"/>
+              <a:ea typeface="Calibri" pitchFamily="34" charset="0"/>
+              <a:cs typeface="Times New Roman" pitchFamily="18" charset="0"/>
+            </a:endParaRPr>
+          </a:p>
+        </p:txBody>
+      </p:sp>
+    </p:spTree>
+    <p:extLst>
+      <p:ext uri="{BB962C8B-B14F-4D97-AF65-F5344CB8AC3E}">
+        <p14:creationId xmlns:p14="http://schemas.microsoft.com/office/powerpoint/2010/main" val="500989790"/>
+      </p:ext>
+    </p:extLst>
+  </p:cSld>
+  <p:clrMapOvr>
+    <a:masterClrMapping/>
+  </p:clrMapOvr>
+  <p:timing>
+    <p:tnLst>
+      <p:par>
+        <p:cTn id="1" dur="indefinite" restart="never" nodeType="tmRoot"/>
+      </p:par>
+    </p:tnLst>
+  </p:timing>
+</p:sld>
+</file>
+
+<file path=ppt/slides/slide31.xml><?xml version="1.0" encoding="utf-8"?>
+<p:sld xmlns:a="http://schemas.openxmlformats.org/drawingml/2006/main" xmlns:r="http://schemas.openxmlformats.org/officeDocument/2006/relationships" xmlns:p="http://schemas.openxmlformats.org/presentationml/2006/main">
+  <p:cSld>
+    <p:spTree>
+      <p:nvGrpSpPr>
+        <p:cNvPr id="1" name=""/>
+        <p:cNvGrpSpPr/>
+        <p:nvPr/>
+      </p:nvGrpSpPr>
+      <p:grpSpPr>
+        <a:xfrm>
+          <a:off x="0" y="0"/>
+          <a:ext cx="0" cy="0"/>
+          <a:chOff x="0" y="0"/>
+          <a:chExt cx="0" cy="0"/>
+        </a:xfrm>
+      </p:grpSpPr>
+      <p:sp>
+        <p:nvSpPr>
           <p:cNvPr id="4" name="TextBox 3"/>
           <p:cNvSpPr txBox="1"/>
           <p:nvPr/>
@@ -15117,7 +15668,7 @@
 </p:sld>
 </file>
 
-<file path=ppt/slides/slide31.xml><?xml version="1.0" encoding="utf-8"?>
+<file path=ppt/slides/slide32.xml><?xml version="1.0" encoding="utf-8"?>
 <p:sld xmlns:a="http://schemas.openxmlformats.org/drawingml/2006/main" xmlns:r="http://schemas.openxmlformats.org/officeDocument/2006/relationships" xmlns:p="http://schemas.openxmlformats.org/presentationml/2006/main">
   <p:cSld>
     <p:spTree>
@@ -15142,8 +15693,8 @@
         </p:nvSpPr>
         <p:spPr>
           <a:xfrm>
-            <a:off x="4644007" y="2420888"/>
-            <a:ext cx="3895675" cy="630942"/>
+            <a:off x="3635897" y="2420888"/>
+            <a:ext cx="4903786" cy="1169551"/>
           </a:xfrm>
           <a:prstGeom prst="rect">
             <a:avLst/>
@@ -15210,7 +15761,46 @@
                   </a:outerShdw>
                 </a:effectLst>
               </a:rPr>
-              <a:t>Joining tables</a:t>
+              <a:t>Joining </a:t>
+            </a:r>
+            <a:r>
+              <a:rPr lang="en-US" sz="3500" dirty="0" smtClean="0">
+                <a:solidFill>
+                  <a:schemeClr val="tx1">
+                    <a:lumMod val="65000"/>
+                    <a:lumOff val="35000"/>
+                  </a:schemeClr>
+                </a:solidFill>
+                <a:effectLst>
+                  <a:outerShdw blurRad="38100" dist="38100" dir="2700000" algn="tl">
+                    <a:srgbClr val="000000">
+                      <a:alpha val="43137"/>
+                    </a:srgbClr>
+                  </a:outerShdw>
+                </a:effectLst>
+              </a:rPr>
+              <a:t>tables</a:t>
+            </a:r>
+          </a:p>
+          <a:p>
+            <a:pPr algn="r"/>
+            <a:r>
+              <a:rPr lang="ru-RU" sz="3500" dirty="0" smtClean="0">
+                <a:solidFill>
+                  <a:schemeClr val="tx1">
+                    <a:lumMod val="65000"/>
+                    <a:lumOff val="35000"/>
+                  </a:schemeClr>
+                </a:solidFill>
+                <a:effectLst>
+                  <a:outerShdw blurRad="38100" dist="38100" dir="2700000" algn="tl">
+                    <a:srgbClr val="000000">
+                      <a:alpha val="43137"/>
+                    </a:srgbClr>
+                  </a:outerShdw>
+                </a:effectLst>
+              </a:rPr>
+              <a:t>Объединение таблиц</a:t>
             </a:r>
             <a:endParaRPr lang="en-US" sz="3500" dirty="0">
               <a:solidFill>
@@ -15234,248 +15824,6 @@
     <p:extLst>
       <p:ext uri="{BB962C8B-B14F-4D97-AF65-F5344CB8AC3E}">
         <p14:creationId xmlns:p14="http://schemas.microsoft.com/office/powerpoint/2010/main" val="807930233"/>
-      </p:ext>
-    </p:extLst>
-  </p:cSld>
-  <p:clrMapOvr>
-    <a:masterClrMapping/>
-  </p:clrMapOvr>
-  <p:timing>
-    <p:tnLst>
-      <p:par>
-        <p:cTn id="1" dur="indefinite" restart="never" nodeType="tmRoot"/>
-      </p:par>
-    </p:tnLst>
-  </p:timing>
-</p:sld>
-</file>
-
-<file path=ppt/slides/slide32.xml><?xml version="1.0" encoding="utf-8"?>
-<p:sld xmlns:a="http://schemas.openxmlformats.org/drawingml/2006/main" xmlns:r="http://schemas.openxmlformats.org/officeDocument/2006/relationships" xmlns:p="http://schemas.openxmlformats.org/presentationml/2006/main">
-  <p:cSld>
-    <p:spTree>
-      <p:nvGrpSpPr>
-        <p:cNvPr id="1" name=""/>
-        <p:cNvGrpSpPr/>
-        <p:nvPr/>
-      </p:nvGrpSpPr>
-      <p:grpSpPr>
-        <a:xfrm>
-          <a:off x="0" y="0"/>
-          <a:ext cx="0" cy="0"/>
-          <a:chOff x="0" y="0"/>
-          <a:chExt cx="0" cy="0"/>
-        </a:xfrm>
-      </p:grpSpPr>
-      <p:sp>
-        <p:nvSpPr>
-          <p:cNvPr id="4" name="TextBox 3"/>
-          <p:cNvSpPr txBox="1"/>
-          <p:nvPr/>
-        </p:nvSpPr>
-        <p:spPr>
-          <a:xfrm>
-            <a:off x="533400" y="404664"/>
-            <a:ext cx="4177106" cy="630942"/>
-          </a:xfrm>
-          <a:prstGeom prst="rect">
-            <a:avLst/>
-          </a:prstGeom>
-          <a:noFill/>
-        </p:spPr>
-        <p:txBody>
-          <a:bodyPr wrap="none" rtlCol="0">
-            <a:spAutoFit/>
-          </a:bodyPr>
-          <a:lstStyle/>
-          <a:p>
-            <a:r>
-              <a:rPr lang="en-US" sz="3500" dirty="0" smtClean="0">
-                <a:solidFill>
-                  <a:schemeClr val="tx1">
-                    <a:lumMod val="65000"/>
-                    <a:lumOff val="35000"/>
-                  </a:schemeClr>
-                </a:solidFill>
-                <a:effectLst>
-                  <a:outerShdw blurRad="38100" dist="38100" dir="2700000" algn="tl">
-                    <a:srgbClr val="000000">
-                      <a:alpha val="43137"/>
-                    </a:srgbClr>
-                  </a:outerShdw>
-                </a:effectLst>
-              </a:rPr>
-              <a:t>Joining Tables - Syntax</a:t>
-            </a:r>
-            <a:endParaRPr lang="en-US" sz="3500" dirty="0">
-              <a:solidFill>
-                <a:schemeClr val="tx1">
-                  <a:lumMod val="65000"/>
-                  <a:lumOff val="35000"/>
-                </a:schemeClr>
-              </a:solidFill>
-              <a:effectLst>
-                <a:outerShdw blurRad="38100" dist="38100" dir="2700000" algn="tl">
-                  <a:srgbClr val="000000">
-                    <a:alpha val="43137"/>
-                  </a:srgbClr>
-                </a:outerShdw>
-              </a:effectLst>
-            </a:endParaRPr>
-          </a:p>
-        </p:txBody>
-      </p:sp>
-      <p:sp>
-        <p:nvSpPr>
-          <p:cNvPr id="9" name="Rectangle 8"/>
-          <p:cNvSpPr/>
-          <p:nvPr/>
-        </p:nvSpPr>
-        <p:spPr>
-          <a:xfrm>
-            <a:off x="640507" y="1556792"/>
-            <a:ext cx="8064896" cy="1938992"/>
-          </a:xfrm>
-          <a:prstGeom prst="rect">
-            <a:avLst/>
-          </a:prstGeom>
-        </p:spPr>
-        <p:txBody>
-          <a:bodyPr wrap="square">
-            <a:spAutoFit/>
-          </a:bodyPr>
-          <a:lstStyle/>
-          <a:p>
-            <a:pPr fontAlgn="base">
-              <a:lnSpc>
-                <a:spcPct val="150000"/>
-              </a:lnSpc>
-              <a:spcBef>
-                <a:spcPct val="0"/>
-              </a:spcBef>
-              <a:spcAft>
-                <a:spcPct val="0"/>
-              </a:spcAft>
-              <a:tabLst>
-                <a:tab pos="2311400" algn="l"/>
-              </a:tabLst>
-            </a:pPr>
-            <a:r>
-              <a:rPr lang="en-US" sz="2000" b="1" dirty="0" smtClean="0">
-                <a:latin typeface="Calibri" pitchFamily="34" charset="0"/>
-                <a:ea typeface="Calibri" pitchFamily="34" charset="0"/>
-                <a:cs typeface="Times New Roman" pitchFamily="18" charset="0"/>
-              </a:rPr>
-              <a:t>SELECT FIELD [,… n]</a:t>
-            </a:r>
-            <a:endParaRPr lang="en-US" sz="2000" dirty="0" smtClean="0">
-              <a:latin typeface="Calibri" pitchFamily="34" charset="0"/>
-              <a:ea typeface="Calibri" pitchFamily="34" charset="0"/>
-              <a:cs typeface="Times New Roman" pitchFamily="18" charset="0"/>
-            </a:endParaRPr>
-          </a:p>
-          <a:p>
-            <a:pPr fontAlgn="base">
-              <a:lnSpc>
-                <a:spcPct val="150000"/>
-              </a:lnSpc>
-              <a:spcBef>
-                <a:spcPct val="0"/>
-              </a:spcBef>
-              <a:spcAft>
-                <a:spcPct val="0"/>
-              </a:spcAft>
-              <a:tabLst>
-                <a:tab pos="2311400" algn="l"/>
-              </a:tabLst>
-            </a:pPr>
-            <a:r>
-              <a:rPr lang="en-US" sz="2000" b="1" dirty="0" smtClean="0">
-                <a:latin typeface="Calibri" pitchFamily="34" charset="0"/>
-                <a:ea typeface="Calibri" pitchFamily="34" charset="0"/>
-                <a:cs typeface="Times New Roman" pitchFamily="18" charset="0"/>
-              </a:rPr>
-              <a:t>FROM</a:t>
-            </a:r>
-            <a:r>
-              <a:rPr lang="en-US" sz="2000" dirty="0" smtClean="0">
-                <a:latin typeface="Calibri" pitchFamily="34" charset="0"/>
-                <a:ea typeface="Calibri" pitchFamily="34" charset="0"/>
-                <a:cs typeface="Times New Roman" pitchFamily="18" charset="0"/>
-              </a:rPr>
-              <a:t> table1</a:t>
-            </a:r>
-          </a:p>
-          <a:p>
-            <a:pPr fontAlgn="base">
-              <a:lnSpc>
-                <a:spcPct val="150000"/>
-              </a:lnSpc>
-              <a:spcBef>
-                <a:spcPct val="0"/>
-              </a:spcBef>
-              <a:spcAft>
-                <a:spcPct val="0"/>
-              </a:spcAft>
-              <a:tabLst>
-                <a:tab pos="2311400" algn="l"/>
-              </a:tabLst>
-            </a:pPr>
-            <a:r>
-              <a:rPr lang="en-US" sz="2000" b="1" dirty="0" smtClean="0">
-                <a:latin typeface="Calibri" pitchFamily="34" charset="0"/>
-                <a:ea typeface="Calibri" pitchFamily="34" charset="0"/>
-                <a:cs typeface="Times New Roman" pitchFamily="18" charset="0"/>
-              </a:rPr>
-              <a:t>{INNER |{LEFT|RIGHT|FULL} OUTER | CROSS} JOIN</a:t>
-            </a:r>
-            <a:r>
-              <a:rPr lang="en-US" sz="2000" dirty="0" smtClean="0">
-                <a:latin typeface="Calibri" pitchFamily="34" charset="0"/>
-                <a:ea typeface="Calibri" pitchFamily="34" charset="0"/>
-                <a:cs typeface="Times New Roman" pitchFamily="18" charset="0"/>
-              </a:rPr>
-              <a:t> table2</a:t>
-            </a:r>
-          </a:p>
-          <a:p>
-            <a:pPr fontAlgn="base">
-              <a:lnSpc>
-                <a:spcPct val="150000"/>
-              </a:lnSpc>
-              <a:spcBef>
-                <a:spcPct val="0"/>
-              </a:spcBef>
-              <a:spcAft>
-                <a:spcPct val="0"/>
-              </a:spcAft>
-              <a:tabLst>
-                <a:tab pos="2311400" algn="l"/>
-              </a:tabLst>
-            </a:pPr>
-            <a:r>
-              <a:rPr lang="en-US" sz="2000" b="1" dirty="0" smtClean="0">
-                <a:latin typeface="Calibri" pitchFamily="34" charset="0"/>
-                <a:ea typeface="Calibri" pitchFamily="34" charset="0"/>
-                <a:cs typeface="Times New Roman" pitchFamily="18" charset="0"/>
-              </a:rPr>
-              <a:t>ON</a:t>
-            </a:r>
-            <a:r>
-              <a:rPr lang="en-US" sz="2000" dirty="0" smtClean="0">
-                <a:latin typeface="Calibri" pitchFamily="34" charset="0"/>
-                <a:ea typeface="Calibri" pitchFamily="34" charset="0"/>
-                <a:cs typeface="Times New Roman" pitchFamily="18" charset="0"/>
-              </a:rPr>
-              <a:t> &lt;condition&gt;;</a:t>
-            </a:r>
-          </a:p>
-        </p:txBody>
-      </p:sp>
-    </p:spTree>
-    <p:extLst>
-      <p:ext uri="{BB962C8B-B14F-4D97-AF65-F5344CB8AC3E}">
-        <p14:creationId xmlns:p14="http://schemas.microsoft.com/office/powerpoint/2010/main" val="1872340909"/>
       </p:ext>
     </p:extLst>
   </p:cSld>
@@ -15517,8 +15865,8 @@
         </p:nvSpPr>
         <p:spPr>
           <a:xfrm>
-            <a:off x="533400" y="413761"/>
-            <a:ext cx="1968809" cy="630942"/>
+            <a:off x="533400" y="404664"/>
+            <a:ext cx="2688749" cy="630942"/>
           </a:xfrm>
           <a:prstGeom prst="rect">
             <a:avLst/>
@@ -15547,7 +15895,25 @@
                   </a:outerShdw>
                 </a:effectLst>
               </a:rPr>
-              <a:t>Inner Join</a:t>
+              <a:t>Joining </a:t>
+            </a:r>
+            <a:r>
+              <a:rPr lang="en-US" sz="3500" dirty="0" smtClean="0">
+                <a:solidFill>
+                  <a:schemeClr val="tx1">
+                    <a:lumMod val="65000"/>
+                    <a:lumOff val="35000"/>
+                  </a:schemeClr>
+                </a:solidFill>
+                <a:effectLst>
+                  <a:outerShdw blurRad="38100" dist="38100" dir="2700000" algn="tl">
+                    <a:srgbClr val="000000">
+                      <a:alpha val="43137"/>
+                    </a:srgbClr>
+                  </a:outerShdw>
+                </a:effectLst>
+              </a:rPr>
+              <a:t>Tables</a:t>
             </a:r>
             <a:endParaRPr lang="en-US" sz="3500" dirty="0">
               <a:solidFill>
@@ -15575,36 +15941,13 @@
         </p:nvSpPr>
         <p:spPr>
           <a:xfrm>
-            <a:off x="822067" y="1044703"/>
-            <a:ext cx="6666468" cy="923330"/>
+            <a:off x="640507" y="1556792"/>
+            <a:ext cx="8064896" cy="1477328"/>
           </a:xfrm>
           <a:prstGeom prst="rect">
             <a:avLst/>
           </a:prstGeom>
-          <a:solidFill>
-            <a:schemeClr val="accent6">
-              <a:lumMod val="20000"/>
-              <a:lumOff val="80000"/>
-            </a:schemeClr>
-          </a:solidFill>
-          <a:ln>
-            <a:prstDash val="dash"/>
-          </a:ln>
         </p:spPr>
-        <p:style>
-          <a:lnRef idx="2">
-            <a:schemeClr val="accent6"/>
-          </a:lnRef>
-          <a:fillRef idx="1">
-            <a:schemeClr val="lt1"/>
-          </a:fillRef>
-          <a:effectRef idx="0">
-            <a:schemeClr val="accent6"/>
-          </a:effectRef>
-          <a:fontRef idx="minor">
-            <a:schemeClr val="dk1"/>
-          </a:fontRef>
-        </p:style>
         <p:txBody>
           <a:bodyPr wrap="square">
             <a:spAutoFit/>
@@ -15612,6 +15955,9 @@
           <a:lstStyle/>
           <a:p>
             <a:pPr fontAlgn="base">
+              <a:lnSpc>
+                <a:spcPct val="150000"/>
+              </a:lnSpc>
               <a:spcBef>
                 <a:spcPct val="0"/>
               </a:spcBef>
@@ -15623,32 +15969,51 @@
               </a:tabLst>
             </a:pPr>
             <a:r>
-              <a:rPr lang="en-US" b="1" dirty="0">
-                <a:latin typeface="Calibri" pitchFamily="34" charset="0"/>
-                <a:ea typeface="Calibri" pitchFamily="34" charset="0"/>
-                <a:cs typeface="Times New Roman" pitchFamily="18" charset="0"/>
-              </a:rPr>
-              <a:t>SELECT</a:t>
-            </a:r>
-            <a:r>
-              <a:rPr lang="en-US" dirty="0">
-                <a:latin typeface="Calibri" pitchFamily="34" charset="0"/>
-                <a:ea typeface="Calibri" pitchFamily="34" charset="0"/>
-                <a:cs typeface="Times New Roman" pitchFamily="18" charset="0"/>
-              </a:rPr>
-              <a:t> </a:t>
-            </a:r>
-            <a:r>
-              <a:rPr lang="en-US" dirty="0" smtClean="0">
-                <a:latin typeface="Calibri" pitchFamily="34" charset="0"/>
-                <a:ea typeface="Calibri" pitchFamily="34" charset="0"/>
-                <a:cs typeface="Times New Roman" pitchFamily="18" charset="0"/>
-              </a:rPr>
-              <a:t>*</a:t>
+              <a:rPr lang="en-US" sz="2000" b="1" dirty="0">
+                <a:latin typeface="Calibri" pitchFamily="34" charset="0"/>
+                <a:ea typeface="Calibri" pitchFamily="34" charset="0"/>
+                <a:cs typeface="Times New Roman" pitchFamily="18" charset="0"/>
+              </a:rPr>
+              <a:t>SQL join </a:t>
+            </a:r>
+            <a:r>
+              <a:rPr lang="ru-RU" sz="2000" dirty="0">
+                <a:latin typeface="Calibri" pitchFamily="34" charset="0"/>
+                <a:ea typeface="Calibri" pitchFamily="34" charset="0"/>
+                <a:cs typeface="Times New Roman" pitchFamily="18" charset="0"/>
+              </a:rPr>
+              <a:t>используется </a:t>
+            </a:r>
+            <a:r>
+              <a:rPr lang="ru-RU" sz="2000" dirty="0" smtClean="0">
+                <a:latin typeface="Calibri" pitchFamily="34" charset="0"/>
+                <a:ea typeface="Calibri" pitchFamily="34" charset="0"/>
+                <a:cs typeface="Times New Roman" pitchFamily="18" charset="0"/>
+              </a:rPr>
+              <a:t>для </a:t>
+            </a:r>
+            <a:r>
+              <a:rPr lang="ru-RU" sz="2000" dirty="0">
+                <a:latin typeface="Calibri" pitchFamily="34" charset="0"/>
+                <a:ea typeface="Calibri" pitchFamily="34" charset="0"/>
+                <a:cs typeface="Times New Roman" pitchFamily="18" charset="0"/>
+              </a:rPr>
+              <a:t>объединения строк из нескольких </a:t>
+            </a:r>
+            <a:r>
+              <a:rPr lang="ru-RU" sz="2000" dirty="0" smtClean="0">
+                <a:latin typeface="Calibri" pitchFamily="34" charset="0"/>
+                <a:ea typeface="Calibri" pitchFamily="34" charset="0"/>
+                <a:cs typeface="Times New Roman" pitchFamily="18" charset="0"/>
+              </a:rPr>
+              <a:t>таблиц.</a:t>
             </a:r>
           </a:p>
           <a:p>
             <a:pPr fontAlgn="base">
+              <a:lnSpc>
+                <a:spcPct val="150000"/>
+              </a:lnSpc>
               <a:spcBef>
                 <a:spcPct val="0"/>
               </a:spcBef>
@@ -15660,7 +16025,47 @@
               </a:tabLst>
             </a:pPr>
             <a:r>
-              <a:rPr lang="en-US" b="1" dirty="0" smtClean="0">
+              <a:rPr lang="en-US" sz="2000" b="1" dirty="0" smtClean="0">
+                <a:latin typeface="Calibri" pitchFamily="34" charset="0"/>
+                <a:ea typeface="Calibri" pitchFamily="34" charset="0"/>
+                <a:cs typeface="Times New Roman" pitchFamily="18" charset="0"/>
+              </a:rPr>
+              <a:t>SQL </a:t>
+            </a:r>
+            <a:r>
+              <a:rPr lang="en-US" sz="2000" b="1" dirty="0">
+                <a:latin typeface="Calibri" pitchFamily="34" charset="0"/>
+                <a:ea typeface="Calibri" pitchFamily="34" charset="0"/>
+                <a:cs typeface="Times New Roman" pitchFamily="18" charset="0"/>
+              </a:rPr>
+              <a:t>join </a:t>
+            </a:r>
+            <a:r>
+              <a:rPr lang="ru-RU" sz="2000" dirty="0" smtClean="0">
+                <a:latin typeface="Calibri" pitchFamily="34" charset="0"/>
+                <a:ea typeface="Calibri" pitchFamily="34" charset="0"/>
+                <a:cs typeface="Times New Roman" pitchFamily="18" charset="0"/>
+              </a:rPr>
+              <a:t>выполняется</a:t>
+            </a:r>
+            <a:r>
+              <a:rPr lang="ru-RU" sz="2000" dirty="0">
+                <a:latin typeface="Calibri" pitchFamily="34" charset="0"/>
+                <a:ea typeface="Calibri" pitchFamily="34" charset="0"/>
+                <a:cs typeface="Times New Roman" pitchFamily="18" charset="0"/>
+              </a:rPr>
+              <a:t>, когда две или более </a:t>
+            </a:r>
+            <a:r>
+              <a:rPr lang="ru-RU" sz="2000" dirty="0" smtClean="0">
+                <a:latin typeface="Calibri" pitchFamily="34" charset="0"/>
+                <a:ea typeface="Calibri" pitchFamily="34" charset="0"/>
+                <a:cs typeface="Times New Roman" pitchFamily="18" charset="0"/>
+              </a:rPr>
+              <a:t>таблиц перечисляются в части </a:t>
+            </a:r>
+            <a:r>
+              <a:rPr lang="en-US" sz="2000" dirty="0" smtClean="0">
                 <a:latin typeface="Calibri" pitchFamily="34" charset="0"/>
                 <a:ea typeface="Calibri" pitchFamily="34" charset="0"/>
                 <a:cs typeface="Times New Roman" pitchFamily="18" charset="0"/>
@@ -15668,37 +16073,62 @@
               <a:t>FROM</a:t>
             </a:r>
             <a:r>
-              <a:rPr lang="en-US" dirty="0" smtClean="0">
-                <a:latin typeface="Calibri" pitchFamily="34" charset="0"/>
-                <a:ea typeface="Calibri" pitchFamily="34" charset="0"/>
-                <a:cs typeface="Times New Roman" pitchFamily="18" charset="0"/>
-              </a:rPr>
-              <a:t> employees </a:t>
-            </a:r>
-            <a:r>
-              <a:rPr lang="en-US" b="1" dirty="0">
-                <a:latin typeface="Calibri" pitchFamily="34" charset="0"/>
-                <a:ea typeface="Calibri" pitchFamily="34" charset="0"/>
-                <a:cs typeface="Times New Roman" pitchFamily="18" charset="0"/>
-              </a:rPr>
-              <a:t>INNER JOIN</a:t>
-            </a:r>
-            <a:r>
-              <a:rPr lang="en-US" dirty="0">
-                <a:latin typeface="Calibri" pitchFamily="34" charset="0"/>
-                <a:ea typeface="Calibri" pitchFamily="34" charset="0"/>
-                <a:cs typeface="Times New Roman" pitchFamily="18" charset="0"/>
-              </a:rPr>
-              <a:t> departments</a:t>
-            </a:r>
-            <a:endParaRPr lang="en-US" dirty="0" smtClean="0">
+              <a:rPr lang="ru-RU" sz="2000" dirty="0" smtClean="0">
+                <a:latin typeface="Calibri" pitchFamily="34" charset="0"/>
+                <a:ea typeface="Calibri" pitchFamily="34" charset="0"/>
+                <a:cs typeface="Times New Roman" pitchFamily="18" charset="0"/>
+              </a:rPr>
+              <a:t> предложения </a:t>
+            </a:r>
+            <a:r>
+              <a:rPr lang="ru-RU" sz="2000" dirty="0">
+                <a:latin typeface="Calibri" pitchFamily="34" charset="0"/>
+                <a:ea typeface="Calibri" pitchFamily="34" charset="0"/>
+                <a:cs typeface="Times New Roman" pitchFamily="18" charset="0"/>
+              </a:rPr>
+              <a:t>SQL</a:t>
+            </a:r>
+            <a:r>
+              <a:rPr lang="ru-RU" sz="2000" dirty="0" smtClean="0">
+                <a:latin typeface="Calibri" pitchFamily="34" charset="0"/>
+                <a:ea typeface="Calibri" pitchFamily="34" charset="0"/>
+                <a:cs typeface="Times New Roman" pitchFamily="18" charset="0"/>
+              </a:rPr>
+              <a:t>.</a:t>
+            </a:r>
+            <a:endParaRPr lang="en-US" sz="2000" dirty="0" smtClean="0">
               <a:latin typeface="Calibri" pitchFamily="34" charset="0"/>
               <a:ea typeface="Calibri" pitchFamily="34" charset="0"/>
               <a:cs typeface="Times New Roman" pitchFamily="18" charset="0"/>
             </a:endParaRPr>
           </a:p>
+        </p:txBody>
+      </p:sp>
+      <p:sp>
+        <p:nvSpPr>
+          <p:cNvPr id="5" name="Rectangle 4"/>
+          <p:cNvSpPr/>
+          <p:nvPr/>
+        </p:nvSpPr>
+        <p:spPr>
+          <a:xfrm>
+            <a:off x="640507" y="3789040"/>
+            <a:ext cx="8064896" cy="1938992"/>
+          </a:xfrm>
+          <a:prstGeom prst="rect">
+            <a:avLst/>
+          </a:prstGeom>
+        </p:spPr>
+        <p:txBody>
+          <a:bodyPr wrap="square">
+            <a:spAutoFit/>
+          </a:bodyPr>
+          <a:lstStyle/>
           <a:p>
             <a:pPr fontAlgn="base">
+              <a:lnSpc>
+                <a:spcPct val="150000"/>
+              </a:lnSpc>
               <a:spcBef>
                 <a:spcPct val="0"/>
               </a:spcBef>
@@ -15710,93 +16140,27 @@
               </a:tabLst>
             </a:pPr>
             <a:r>
-              <a:rPr lang="en-US" b="1" dirty="0" smtClean="0">
-                <a:latin typeface="Calibri" pitchFamily="34" charset="0"/>
-                <a:ea typeface="Calibri" pitchFamily="34" charset="0"/>
-                <a:cs typeface="Times New Roman" pitchFamily="18" charset="0"/>
-              </a:rPr>
-              <a:t>ON </a:t>
-            </a:r>
-            <a:r>
-              <a:rPr lang="en-US" dirty="0" err="1" smtClean="0">
-                <a:latin typeface="Calibri" pitchFamily="34" charset="0"/>
-                <a:ea typeface="Calibri" pitchFamily="34" charset="0"/>
-                <a:cs typeface="Times New Roman" pitchFamily="18" charset="0"/>
-              </a:rPr>
-              <a:t>employees.departments_id</a:t>
-            </a:r>
-            <a:r>
-              <a:rPr lang="en-US" dirty="0" smtClean="0">
-                <a:latin typeface="Calibri" pitchFamily="34" charset="0"/>
-                <a:ea typeface="Calibri" pitchFamily="34" charset="0"/>
-                <a:cs typeface="Times New Roman" pitchFamily="18" charset="0"/>
-              </a:rPr>
-              <a:t> = </a:t>
-            </a:r>
-            <a:r>
-              <a:rPr lang="en-US" dirty="0" err="1" smtClean="0">
-                <a:latin typeface="Calibri" pitchFamily="34" charset="0"/>
-                <a:ea typeface="Calibri" pitchFamily="34" charset="0"/>
-                <a:cs typeface="Times New Roman" pitchFamily="18" charset="0"/>
-              </a:rPr>
-              <a:t>departments.depatrments_id</a:t>
-            </a:r>
-            <a:r>
-              <a:rPr lang="en-US" dirty="0" smtClean="0">
-                <a:latin typeface="Calibri" pitchFamily="34" charset="0"/>
-                <a:ea typeface="Calibri" pitchFamily="34" charset="0"/>
-                <a:cs typeface="Times New Roman" pitchFamily="18" charset="0"/>
-              </a:rPr>
-              <a:t>;</a:t>
-            </a:r>
-          </a:p>
-        </p:txBody>
-      </p:sp>
-      <p:sp>
-        <p:nvSpPr>
-          <p:cNvPr id="5" name="Rectangle 4"/>
-          <p:cNvSpPr/>
-          <p:nvPr/>
-        </p:nvSpPr>
-        <p:spPr>
-          <a:xfrm>
-            <a:off x="822066" y="2276872"/>
-            <a:ext cx="6702262" cy="923330"/>
-          </a:xfrm>
-          <a:prstGeom prst="rect">
-            <a:avLst/>
-          </a:prstGeom>
-          <a:solidFill>
-            <a:schemeClr val="accent6">
-              <a:lumMod val="20000"/>
-              <a:lumOff val="80000"/>
-            </a:schemeClr>
-          </a:solidFill>
-          <a:ln>
-            <a:prstDash val="dash"/>
-          </a:ln>
-        </p:spPr>
-        <p:style>
-          <a:lnRef idx="2">
-            <a:schemeClr val="accent6"/>
-          </a:lnRef>
-          <a:fillRef idx="1">
-            <a:schemeClr val="lt1"/>
-          </a:fillRef>
-          <a:effectRef idx="0">
-            <a:schemeClr val="accent6"/>
-          </a:effectRef>
-          <a:fontRef idx="minor">
-            <a:schemeClr val="dk1"/>
-          </a:fontRef>
-        </p:style>
-        <p:txBody>
-          <a:bodyPr wrap="square">
-            <a:spAutoFit/>
-          </a:bodyPr>
-          <a:lstStyle/>
+              <a:rPr lang="en-US" sz="2000" b="1" dirty="0" smtClean="0">
+                <a:latin typeface="Calibri" pitchFamily="34" charset="0"/>
+                <a:ea typeface="Calibri" pitchFamily="34" charset="0"/>
+                <a:cs typeface="Times New Roman" pitchFamily="18" charset="0"/>
+              </a:rPr>
+              <a:t>SELECT </a:t>
+            </a:r>
+            <a:r>
+              <a:rPr lang="en-US" sz="2000" dirty="0" smtClean="0">
+                <a:latin typeface="Calibri" pitchFamily="34" charset="0"/>
+                <a:ea typeface="Calibri" pitchFamily="34" charset="0"/>
+                <a:cs typeface="Times New Roman" pitchFamily="18" charset="0"/>
+              </a:rPr>
+              <a:t>FIELD [,… n]</a:t>
+            </a:r>
+          </a:p>
           <a:p>
             <a:pPr fontAlgn="base">
+              <a:lnSpc>
+                <a:spcPct val="150000"/>
+              </a:lnSpc>
               <a:spcBef>
                 <a:spcPct val="0"/>
               </a:spcBef>
@@ -15808,30 +16172,27 @@
               </a:tabLst>
             </a:pPr>
             <a:r>
-              <a:rPr lang="en-US" b="1" dirty="0">
-                <a:solidFill>
-                  <a:schemeClr val="dk1"/>
-                </a:solidFill>
-                <a:latin typeface="Calibri" pitchFamily="34" charset="0"/>
-                <a:ea typeface="Calibri" pitchFamily="34" charset="0"/>
-                <a:cs typeface="Times New Roman" pitchFamily="18" charset="0"/>
-              </a:rPr>
-              <a:t>SELECT </a:t>
-            </a:r>
-            <a:r>
-              <a:rPr lang="en-US" dirty="0">
-                <a:solidFill>
-                  <a:schemeClr val="dk1"/>
-                </a:solidFill>
-                <a:latin typeface="Calibri" pitchFamily="34" charset="0"/>
-                <a:ea typeface="Calibri" pitchFamily="34" charset="0"/>
-                <a:cs typeface="Times New Roman" pitchFamily="18" charset="0"/>
-              </a:rPr>
-              <a:t>*</a:t>
+              <a:rPr lang="en-US" sz="2000" b="1" dirty="0" smtClean="0">
+                <a:latin typeface="Calibri" pitchFamily="34" charset="0"/>
+                <a:ea typeface="Calibri" pitchFamily="34" charset="0"/>
+                <a:cs typeface="Times New Roman" pitchFamily="18" charset="0"/>
+              </a:rPr>
+              <a:t>FROM</a:t>
+            </a:r>
+            <a:r>
+              <a:rPr lang="en-US" sz="2000" dirty="0" smtClean="0">
+                <a:latin typeface="Calibri" pitchFamily="34" charset="0"/>
+                <a:ea typeface="Calibri" pitchFamily="34" charset="0"/>
+                <a:cs typeface="Times New Roman" pitchFamily="18" charset="0"/>
+              </a:rPr>
+              <a:t> table1</a:t>
             </a:r>
           </a:p>
           <a:p>
             <a:pPr fontAlgn="base">
+              <a:lnSpc>
+                <a:spcPct val="150000"/>
+              </a:lnSpc>
               <a:spcBef>
                 <a:spcPct val="0"/>
               </a:spcBef>
@@ -15843,30 +16204,27 @@
               </a:tabLst>
             </a:pPr>
             <a:r>
-              <a:rPr lang="en-US" b="1" dirty="0">
-                <a:solidFill>
-                  <a:schemeClr val="dk1"/>
-                </a:solidFill>
-                <a:latin typeface="Calibri" pitchFamily="34" charset="0"/>
-                <a:ea typeface="Calibri" pitchFamily="34" charset="0"/>
-                <a:cs typeface="Times New Roman" pitchFamily="18" charset="0"/>
-              </a:rPr>
-              <a:t>FROM </a:t>
-            </a:r>
-            <a:r>
-              <a:rPr lang="en-US" dirty="0">
-                <a:solidFill>
-                  <a:schemeClr val="dk1"/>
-                </a:solidFill>
-                <a:latin typeface="Calibri" pitchFamily="34" charset="0"/>
-                <a:ea typeface="Calibri" pitchFamily="34" charset="0"/>
-                <a:cs typeface="Times New Roman" pitchFamily="18" charset="0"/>
-              </a:rPr>
-              <a:t>employees, departments</a:t>
+              <a:rPr lang="en-US" sz="2000" b="1" dirty="0" smtClean="0">
+                <a:latin typeface="Calibri" pitchFamily="34" charset="0"/>
+                <a:ea typeface="Calibri" pitchFamily="34" charset="0"/>
+                <a:cs typeface="Times New Roman" pitchFamily="18" charset="0"/>
+              </a:rPr>
+              <a:t>{INNER |{LEFT|RIGHT|FULL} OUTER | CROSS} JOIN</a:t>
+            </a:r>
+            <a:r>
+              <a:rPr lang="en-US" sz="2000" dirty="0" smtClean="0">
+                <a:latin typeface="Calibri" pitchFamily="34" charset="0"/>
+                <a:ea typeface="Calibri" pitchFamily="34" charset="0"/>
+                <a:cs typeface="Times New Roman" pitchFamily="18" charset="0"/>
+              </a:rPr>
+              <a:t> table2</a:t>
             </a:r>
           </a:p>
           <a:p>
             <a:pPr fontAlgn="base">
+              <a:lnSpc>
+                <a:spcPct val="150000"/>
+              </a:lnSpc>
               <a:spcBef>
                 <a:spcPct val="0"/>
               </a:spcBef>
@@ -15878,436 +16236,20 @@
               </a:tabLst>
             </a:pPr>
             <a:r>
-              <a:rPr lang="en-US" b="1" dirty="0">
-                <a:solidFill>
-                  <a:schemeClr val="dk1"/>
-                </a:solidFill>
-                <a:latin typeface="Calibri" pitchFamily="34" charset="0"/>
-                <a:ea typeface="Calibri" pitchFamily="34" charset="0"/>
-                <a:cs typeface="Times New Roman" pitchFamily="18" charset="0"/>
-              </a:rPr>
-              <a:t>WHERE </a:t>
-            </a:r>
-            <a:r>
-              <a:rPr lang="en-US" dirty="0" err="1">
-                <a:solidFill>
-                  <a:schemeClr val="dk1"/>
-                </a:solidFill>
-                <a:latin typeface="Calibri" pitchFamily="34" charset="0"/>
-                <a:ea typeface="Calibri" pitchFamily="34" charset="0"/>
-                <a:cs typeface="Times New Roman" pitchFamily="18" charset="0"/>
-              </a:rPr>
-              <a:t>employees.departments_id</a:t>
-            </a:r>
-            <a:r>
-              <a:rPr lang="en-US" dirty="0">
-                <a:solidFill>
-                  <a:schemeClr val="dk1"/>
-                </a:solidFill>
-                <a:latin typeface="Calibri" pitchFamily="34" charset="0"/>
-                <a:ea typeface="Calibri" pitchFamily="34" charset="0"/>
-                <a:cs typeface="Times New Roman" pitchFamily="18" charset="0"/>
-              </a:rPr>
-              <a:t> = </a:t>
-            </a:r>
-            <a:r>
-              <a:rPr lang="en-US" dirty="0" err="1">
-                <a:solidFill>
-                  <a:schemeClr val="dk1"/>
-                </a:solidFill>
-                <a:latin typeface="Calibri" pitchFamily="34" charset="0"/>
-                <a:ea typeface="Calibri" pitchFamily="34" charset="0"/>
-                <a:cs typeface="Times New Roman" pitchFamily="18" charset="0"/>
-              </a:rPr>
-              <a:t>departments.depatrments_id</a:t>
-            </a:r>
-            <a:r>
-              <a:rPr lang="en-US" dirty="0">
-                <a:solidFill>
-                  <a:schemeClr val="dk1"/>
-                </a:solidFill>
-                <a:latin typeface="Calibri" pitchFamily="34" charset="0"/>
-                <a:ea typeface="Calibri" pitchFamily="34" charset="0"/>
-                <a:cs typeface="Times New Roman" pitchFamily="18" charset="0"/>
-              </a:rPr>
-              <a:t>;</a:t>
-            </a:r>
-          </a:p>
-        </p:txBody>
-      </p:sp>
-      <p:sp>
-        <p:nvSpPr>
-          <p:cNvPr id="6" name="Rectangle 5"/>
-          <p:cNvSpPr/>
-          <p:nvPr/>
-        </p:nvSpPr>
-        <p:spPr>
-          <a:xfrm>
-            <a:off x="829519" y="3501008"/>
-            <a:ext cx="6659016" cy="923330"/>
-          </a:xfrm>
-          <a:prstGeom prst="rect">
-            <a:avLst/>
-          </a:prstGeom>
-          <a:solidFill>
-            <a:schemeClr val="accent6">
-              <a:lumMod val="20000"/>
-              <a:lumOff val="80000"/>
-            </a:schemeClr>
-          </a:solidFill>
-          <a:ln>
-            <a:prstDash val="dash"/>
-          </a:ln>
-        </p:spPr>
-        <p:style>
-          <a:lnRef idx="2">
-            <a:schemeClr val="accent6"/>
-          </a:lnRef>
-          <a:fillRef idx="1">
-            <a:schemeClr val="lt1"/>
-          </a:fillRef>
-          <a:effectRef idx="0">
-            <a:schemeClr val="accent6"/>
-          </a:effectRef>
-          <a:fontRef idx="minor">
-            <a:schemeClr val="dk1"/>
-          </a:fontRef>
-        </p:style>
-        <p:txBody>
-          <a:bodyPr wrap="square">
-            <a:spAutoFit/>
-          </a:bodyPr>
-          <a:lstStyle/>
-          <a:p>
-            <a:pPr fontAlgn="base">
-              <a:spcBef>
-                <a:spcPct val="0"/>
-              </a:spcBef>
-              <a:spcAft>
-                <a:spcPct val="0"/>
-              </a:spcAft>
-              <a:tabLst>
-                <a:tab pos="2311400" algn="l"/>
-              </a:tabLst>
-            </a:pPr>
-            <a:r>
-              <a:rPr lang="en-US" b="1" dirty="0">
-                <a:solidFill>
-                  <a:schemeClr val="dk1"/>
-                </a:solidFill>
-                <a:latin typeface="Calibri" pitchFamily="34" charset="0"/>
-                <a:ea typeface="Calibri" pitchFamily="34" charset="0"/>
-                <a:cs typeface="Times New Roman" pitchFamily="18" charset="0"/>
-              </a:rPr>
-              <a:t>SELECT *</a:t>
-            </a:r>
-          </a:p>
-          <a:p>
-            <a:pPr fontAlgn="base">
-              <a:spcBef>
-                <a:spcPct val="0"/>
-              </a:spcBef>
-              <a:spcAft>
-                <a:spcPct val="0"/>
-              </a:spcAft>
-              <a:tabLst>
-                <a:tab pos="2311400" algn="l"/>
-              </a:tabLst>
-            </a:pPr>
-            <a:r>
-              <a:rPr lang="en-US" b="1" dirty="0">
-                <a:solidFill>
-                  <a:schemeClr val="dk1"/>
-                </a:solidFill>
-                <a:latin typeface="Calibri" pitchFamily="34" charset="0"/>
-                <a:ea typeface="Calibri" pitchFamily="34" charset="0"/>
-                <a:cs typeface="Times New Roman" pitchFamily="18" charset="0"/>
-              </a:rPr>
-              <a:t>FROM </a:t>
-            </a:r>
-            <a:r>
-              <a:rPr lang="en-US" dirty="0">
-                <a:solidFill>
-                  <a:schemeClr val="dk1"/>
-                </a:solidFill>
-                <a:latin typeface="Calibri" pitchFamily="34" charset="0"/>
-                <a:ea typeface="Calibri" pitchFamily="34" charset="0"/>
-                <a:cs typeface="Times New Roman" pitchFamily="18" charset="0"/>
-              </a:rPr>
-              <a:t>employees</a:t>
-            </a:r>
-            <a:r>
-              <a:rPr lang="en-US" b="1" dirty="0">
-                <a:solidFill>
-                  <a:schemeClr val="dk1"/>
-                </a:solidFill>
-                <a:latin typeface="Calibri" pitchFamily="34" charset="0"/>
-                <a:ea typeface="Calibri" pitchFamily="34" charset="0"/>
-                <a:cs typeface="Times New Roman" pitchFamily="18" charset="0"/>
-              </a:rPr>
-              <a:t> JOIN </a:t>
-            </a:r>
-            <a:r>
-              <a:rPr lang="en-US" dirty="0">
-                <a:solidFill>
-                  <a:schemeClr val="dk1"/>
-                </a:solidFill>
-                <a:latin typeface="Calibri" pitchFamily="34" charset="0"/>
-                <a:ea typeface="Calibri" pitchFamily="34" charset="0"/>
-                <a:cs typeface="Times New Roman" pitchFamily="18" charset="0"/>
-              </a:rPr>
-              <a:t>departments</a:t>
-            </a:r>
-          </a:p>
-          <a:p>
-            <a:pPr fontAlgn="base">
-              <a:spcBef>
-                <a:spcPct val="0"/>
-              </a:spcBef>
-              <a:spcAft>
-                <a:spcPct val="0"/>
-              </a:spcAft>
-              <a:tabLst>
-                <a:tab pos="2311400" algn="l"/>
-              </a:tabLst>
-            </a:pPr>
-            <a:r>
-              <a:rPr lang="en-US" b="1" dirty="0">
-                <a:solidFill>
-                  <a:schemeClr val="dk1"/>
-                </a:solidFill>
-                <a:latin typeface="Calibri" pitchFamily="34" charset="0"/>
-                <a:ea typeface="Calibri" pitchFamily="34" charset="0"/>
-                <a:cs typeface="Times New Roman" pitchFamily="18" charset="0"/>
-              </a:rPr>
-              <a:t>ON </a:t>
-            </a:r>
-            <a:r>
-              <a:rPr lang="en-US" dirty="0" err="1">
-                <a:solidFill>
-                  <a:schemeClr val="dk1"/>
-                </a:solidFill>
-                <a:latin typeface="Calibri" pitchFamily="34" charset="0"/>
-                <a:ea typeface="Calibri" pitchFamily="34" charset="0"/>
-                <a:cs typeface="Times New Roman" pitchFamily="18" charset="0"/>
-              </a:rPr>
-              <a:t>employees.departments_id</a:t>
-            </a:r>
-            <a:r>
-              <a:rPr lang="en-US" dirty="0">
-                <a:solidFill>
-                  <a:schemeClr val="dk1"/>
-                </a:solidFill>
-                <a:latin typeface="Calibri" pitchFamily="34" charset="0"/>
-                <a:ea typeface="Calibri" pitchFamily="34" charset="0"/>
-                <a:cs typeface="Times New Roman" pitchFamily="18" charset="0"/>
-              </a:rPr>
-              <a:t> = </a:t>
-            </a:r>
-            <a:r>
-              <a:rPr lang="en-US" dirty="0" err="1">
-                <a:solidFill>
-                  <a:schemeClr val="dk1"/>
-                </a:solidFill>
-                <a:latin typeface="Calibri" pitchFamily="34" charset="0"/>
-                <a:ea typeface="Calibri" pitchFamily="34" charset="0"/>
-                <a:cs typeface="Times New Roman" pitchFamily="18" charset="0"/>
-              </a:rPr>
-              <a:t>departments.depatrments_id</a:t>
-            </a:r>
-            <a:r>
-              <a:rPr lang="en-US" dirty="0">
-                <a:solidFill>
-                  <a:schemeClr val="dk1"/>
-                </a:solidFill>
-                <a:latin typeface="Calibri" pitchFamily="34" charset="0"/>
-                <a:ea typeface="Calibri" pitchFamily="34" charset="0"/>
-                <a:cs typeface="Times New Roman" pitchFamily="18" charset="0"/>
-              </a:rPr>
-              <a:t>;</a:t>
-            </a:r>
-          </a:p>
-        </p:txBody>
-      </p:sp>
-      <p:sp>
-        <p:nvSpPr>
-          <p:cNvPr id="7" name="Rectangle 6"/>
-          <p:cNvSpPr/>
-          <p:nvPr/>
-        </p:nvSpPr>
-        <p:spPr>
-          <a:xfrm>
-            <a:off x="822065" y="4903142"/>
-            <a:ext cx="6666469" cy="923330"/>
-          </a:xfrm>
-          <a:prstGeom prst="rect">
-            <a:avLst/>
-          </a:prstGeom>
-          <a:solidFill>
-            <a:schemeClr val="accent6">
-              <a:lumMod val="20000"/>
-              <a:lumOff val="80000"/>
-            </a:schemeClr>
-          </a:solidFill>
-          <a:ln>
-            <a:prstDash val="dash"/>
-          </a:ln>
-        </p:spPr>
-        <p:style>
-          <a:lnRef idx="2">
-            <a:schemeClr val="accent6"/>
-          </a:lnRef>
-          <a:fillRef idx="1">
-            <a:schemeClr val="lt1"/>
-          </a:fillRef>
-          <a:effectRef idx="0">
-            <a:schemeClr val="accent6"/>
-          </a:effectRef>
-          <a:fontRef idx="minor">
-            <a:schemeClr val="dk1"/>
-          </a:fontRef>
-        </p:style>
-        <p:txBody>
-          <a:bodyPr wrap="square">
-            <a:spAutoFit/>
-          </a:bodyPr>
-          <a:lstStyle/>
-          <a:p>
-            <a:pPr fontAlgn="base">
-              <a:spcBef>
-                <a:spcPct val="0"/>
-              </a:spcBef>
-              <a:spcAft>
-                <a:spcPct val="0"/>
-              </a:spcAft>
-              <a:tabLst>
-                <a:tab pos="2311400" algn="l"/>
-              </a:tabLst>
-            </a:pPr>
-            <a:r>
-              <a:rPr lang="en-US" b="1" dirty="0">
-                <a:solidFill>
-                  <a:schemeClr val="dk1"/>
-                </a:solidFill>
-                <a:latin typeface="Calibri" pitchFamily="34" charset="0"/>
-                <a:ea typeface="Calibri" pitchFamily="34" charset="0"/>
-                <a:cs typeface="Times New Roman" pitchFamily="18" charset="0"/>
-              </a:rPr>
-              <a:t>SELECT *</a:t>
-            </a:r>
-          </a:p>
-          <a:p>
-            <a:pPr fontAlgn="base">
-              <a:spcBef>
-                <a:spcPct val="0"/>
-              </a:spcBef>
-              <a:spcAft>
-                <a:spcPct val="0"/>
-              </a:spcAft>
-              <a:tabLst>
-                <a:tab pos="2311400" algn="l"/>
-              </a:tabLst>
-            </a:pPr>
-            <a:r>
-              <a:rPr lang="en-US" b="1" dirty="0">
-                <a:solidFill>
-                  <a:schemeClr val="dk1"/>
-                </a:solidFill>
-                <a:latin typeface="Calibri" pitchFamily="34" charset="0"/>
-                <a:ea typeface="Calibri" pitchFamily="34" charset="0"/>
-                <a:cs typeface="Times New Roman" pitchFamily="18" charset="0"/>
-              </a:rPr>
-              <a:t>FROM </a:t>
-            </a:r>
-            <a:r>
-              <a:rPr lang="en-US" dirty="0">
-                <a:solidFill>
-                  <a:schemeClr val="dk1"/>
-                </a:solidFill>
-                <a:latin typeface="Calibri" pitchFamily="34" charset="0"/>
-                <a:ea typeface="Calibri" pitchFamily="34" charset="0"/>
-                <a:cs typeface="Times New Roman" pitchFamily="18" charset="0"/>
-              </a:rPr>
-              <a:t>employees</a:t>
-            </a:r>
-            <a:r>
-              <a:rPr lang="en-US" b="1" dirty="0">
-                <a:solidFill>
-                  <a:schemeClr val="dk1"/>
-                </a:solidFill>
-                <a:latin typeface="Calibri" pitchFamily="34" charset="0"/>
-                <a:ea typeface="Calibri" pitchFamily="34" charset="0"/>
-                <a:cs typeface="Times New Roman" pitchFamily="18" charset="0"/>
-              </a:rPr>
-              <a:t> INNER JOIN </a:t>
-            </a:r>
-            <a:r>
-              <a:rPr lang="en-US" dirty="0">
-                <a:solidFill>
-                  <a:schemeClr val="dk1"/>
-                </a:solidFill>
-                <a:latin typeface="Calibri" pitchFamily="34" charset="0"/>
-                <a:ea typeface="Calibri" pitchFamily="34" charset="0"/>
-                <a:cs typeface="Times New Roman" pitchFamily="18" charset="0"/>
-              </a:rPr>
-              <a:t>departments</a:t>
-            </a:r>
-          </a:p>
-          <a:p>
-            <a:pPr fontAlgn="base">
-              <a:spcBef>
-                <a:spcPct val="0"/>
-              </a:spcBef>
-              <a:spcAft>
-                <a:spcPct val="0"/>
-              </a:spcAft>
-              <a:tabLst>
-                <a:tab pos="2311400" algn="l"/>
-              </a:tabLst>
-            </a:pPr>
-            <a:r>
-              <a:rPr lang="en-US" b="1" dirty="0">
-                <a:solidFill>
-                  <a:schemeClr val="dk1"/>
-                </a:solidFill>
-                <a:latin typeface="Calibri" pitchFamily="34" charset="0"/>
-                <a:ea typeface="Calibri" pitchFamily="34" charset="0"/>
-                <a:cs typeface="Times New Roman" pitchFamily="18" charset="0"/>
-              </a:rPr>
-              <a:t>USING </a:t>
-            </a:r>
-            <a:r>
-              <a:rPr lang="en-US" dirty="0">
-                <a:solidFill>
-                  <a:schemeClr val="dk1"/>
-                </a:solidFill>
-                <a:latin typeface="Calibri" pitchFamily="34" charset="0"/>
-                <a:ea typeface="Calibri" pitchFamily="34" charset="0"/>
-                <a:cs typeface="Times New Roman" pitchFamily="18" charset="0"/>
-              </a:rPr>
-              <a:t>(</a:t>
-            </a:r>
-            <a:r>
-              <a:rPr lang="en-US" dirty="0" err="1">
-                <a:solidFill>
-                  <a:schemeClr val="dk1"/>
-                </a:solidFill>
-                <a:latin typeface="Calibri" pitchFamily="34" charset="0"/>
-                <a:ea typeface="Calibri" pitchFamily="34" charset="0"/>
-                <a:cs typeface="Times New Roman" pitchFamily="18" charset="0"/>
-              </a:rPr>
-              <a:t>departments_id</a:t>
-            </a:r>
-            <a:r>
-              <a:rPr lang="en-US" dirty="0">
-                <a:solidFill>
-                  <a:schemeClr val="dk1"/>
-                </a:solidFill>
-                <a:latin typeface="Calibri" pitchFamily="34" charset="0"/>
-                <a:ea typeface="Calibri" pitchFamily="34" charset="0"/>
-                <a:cs typeface="Times New Roman" pitchFamily="18" charset="0"/>
-              </a:rPr>
-              <a:t>);</a:t>
+              <a:rPr lang="en-US" sz="2000" b="1" dirty="0" smtClean="0">
+                <a:latin typeface="Calibri" pitchFamily="34" charset="0"/>
+                <a:ea typeface="Calibri" pitchFamily="34" charset="0"/>
+                <a:cs typeface="Times New Roman" pitchFamily="18" charset="0"/>
+              </a:rPr>
+              <a:t>ON</a:t>
+            </a:r>
+            <a:r>
+              <a:rPr lang="en-US" sz="2000" dirty="0" smtClean="0">
+                <a:latin typeface="Calibri" pitchFamily="34" charset="0"/>
+                <a:ea typeface="Calibri" pitchFamily="34" charset="0"/>
+                <a:cs typeface="Times New Roman" pitchFamily="18" charset="0"/>
+              </a:rPr>
+              <a:t> &lt;condition&gt;;</a:t>
             </a:r>
           </a:p>
         </p:txBody>
@@ -16315,7 +16257,7 @@
     </p:spTree>
     <p:extLst>
       <p:ext uri="{BB962C8B-B14F-4D97-AF65-F5344CB8AC3E}">
-        <p14:creationId xmlns:p14="http://schemas.microsoft.com/office/powerpoint/2010/main" val="3297498847"/>
+        <p14:creationId xmlns:p14="http://schemas.microsoft.com/office/powerpoint/2010/main" val="1872340909"/>
       </p:ext>
     </p:extLst>
   </p:cSld>
@@ -16415,7 +16357,7 @@
         </p:nvSpPr>
         <p:spPr>
           <a:xfrm>
-            <a:off x="629097" y="1340768"/>
+            <a:off x="658110" y="2204864"/>
             <a:ext cx="8064896" cy="1477328"/>
           </a:xfrm>
           <a:prstGeom prst="rect">
@@ -16585,7 +16527,7 @@
         </p:blipFill>
         <p:spPr bwMode="auto">
           <a:xfrm>
-            <a:off x="680542" y="2818096"/>
+            <a:off x="658110" y="3789040"/>
             <a:ext cx="7524130" cy="2170250"/>
           </a:xfrm>
           <a:prstGeom prst="rect">
@@ -16626,6 +16568,62 @@
           </a:extLst>
         </p:spPr>
       </p:pic>
+      <p:sp>
+        <p:nvSpPr>
+          <p:cNvPr id="5" name="TextBox 4"/>
+          <p:cNvSpPr txBox="1"/>
+          <p:nvPr/>
+        </p:nvSpPr>
+        <p:spPr>
+          <a:xfrm>
+            <a:off x="1331640" y="1361437"/>
+            <a:ext cx="5354050" cy="646331"/>
+          </a:xfrm>
+          <a:prstGeom prst="rect">
+            <a:avLst/>
+          </a:prstGeom>
+          <a:noFill/>
+        </p:spPr>
+        <p:txBody>
+          <a:bodyPr wrap="square" rtlCol="0">
+            <a:spAutoFit/>
+          </a:bodyPr>
+          <a:lstStyle/>
+          <a:p>
+            <a:r>
+              <a:rPr lang="en-US" b="1" dirty="0"/>
+              <a:t>SQL </a:t>
+            </a:r>
+            <a:r>
+              <a:rPr lang="en-US" b="1" dirty="0" smtClean="0"/>
+              <a:t>cross join</a:t>
+            </a:r>
+            <a:r>
+              <a:rPr lang="en-US" dirty="0" smtClean="0"/>
+              <a:t> </a:t>
+            </a:r>
+            <a:r>
+              <a:rPr lang="ru-RU" dirty="0" smtClean="0"/>
+              <a:t>- возвращает </a:t>
+            </a:r>
+            <a:r>
+              <a:rPr lang="ru-RU" dirty="0"/>
+              <a:t>из таблиц </a:t>
+            </a:r>
+            <a:r>
+              <a:rPr lang="ru-RU" dirty="0" smtClean="0"/>
+              <a:t>все строки,</a:t>
+            </a:r>
+          </a:p>
+          <a:p>
+            <a:r>
+              <a:rPr lang="ru-RU" dirty="0" smtClean="0"/>
+              <a:t>соединяя их по принципу «каждый с каждым»</a:t>
+            </a:r>
+            <a:endParaRPr lang="ru-RU" dirty="0"/>
+          </a:p>
+        </p:txBody>
+      </p:sp>
     </p:spTree>
     <p:extLst>
       <p:ext uri="{BB962C8B-B14F-4D97-AF65-F5344CB8AC3E}">
@@ -16671,8 +16669,8 @@
         </p:nvSpPr>
         <p:spPr>
           <a:xfrm>
-            <a:off x="533399" y="404664"/>
-            <a:ext cx="4737964" cy="630942"/>
+            <a:off x="533400" y="413761"/>
+            <a:ext cx="1968809" cy="630942"/>
           </a:xfrm>
           <a:prstGeom prst="rect">
             <a:avLst/>
@@ -16701,7 +16699,25 @@
                   </a:outerShdw>
                 </a:effectLst>
               </a:rPr>
-              <a:t>Left Outer Join - Example</a:t>
+              <a:t>Inner </a:t>
+            </a:r>
+            <a:r>
+              <a:rPr lang="en-US" sz="3500" dirty="0" smtClean="0">
+                <a:solidFill>
+                  <a:schemeClr val="tx1">
+                    <a:lumMod val="65000"/>
+                    <a:lumOff val="35000"/>
+                  </a:schemeClr>
+                </a:solidFill>
+                <a:effectLst>
+                  <a:outerShdw blurRad="38100" dist="38100" dir="2700000" algn="tl">
+                    <a:srgbClr val="000000">
+                      <a:alpha val="43137"/>
+                    </a:srgbClr>
+                  </a:outerShdw>
+                </a:effectLst>
+              </a:rPr>
+              <a:t>Join</a:t>
             </a:r>
             <a:endParaRPr lang="en-US" sz="3500" dirty="0">
               <a:solidFill>
@@ -16729,7 +16745,931 @@
         </p:nvSpPr>
         <p:spPr>
           <a:xfrm>
-            <a:off x="629097" y="1340768"/>
+            <a:off x="822067" y="1988840"/>
+            <a:ext cx="6666468" cy="923330"/>
+          </a:xfrm>
+          <a:prstGeom prst="rect">
+            <a:avLst/>
+          </a:prstGeom>
+          <a:solidFill>
+            <a:schemeClr val="accent6">
+              <a:lumMod val="20000"/>
+              <a:lumOff val="80000"/>
+            </a:schemeClr>
+          </a:solidFill>
+          <a:ln>
+            <a:prstDash val="dash"/>
+          </a:ln>
+        </p:spPr>
+        <p:style>
+          <a:lnRef idx="2">
+            <a:schemeClr val="accent6"/>
+          </a:lnRef>
+          <a:fillRef idx="1">
+            <a:schemeClr val="lt1"/>
+          </a:fillRef>
+          <a:effectRef idx="0">
+            <a:schemeClr val="accent6"/>
+          </a:effectRef>
+          <a:fontRef idx="minor">
+            <a:schemeClr val="dk1"/>
+          </a:fontRef>
+        </p:style>
+        <p:txBody>
+          <a:bodyPr wrap="square">
+            <a:spAutoFit/>
+          </a:bodyPr>
+          <a:lstStyle/>
+          <a:p>
+            <a:pPr fontAlgn="base">
+              <a:spcBef>
+                <a:spcPct val="0"/>
+              </a:spcBef>
+              <a:spcAft>
+                <a:spcPct val="0"/>
+              </a:spcAft>
+              <a:tabLst>
+                <a:tab pos="2311400" algn="l"/>
+              </a:tabLst>
+            </a:pPr>
+            <a:r>
+              <a:rPr lang="en-US" b="1" dirty="0">
+                <a:latin typeface="Calibri" pitchFamily="34" charset="0"/>
+                <a:ea typeface="Calibri" pitchFamily="34" charset="0"/>
+                <a:cs typeface="Times New Roman" pitchFamily="18" charset="0"/>
+              </a:rPr>
+              <a:t>SELECT</a:t>
+            </a:r>
+            <a:r>
+              <a:rPr lang="en-US" dirty="0">
+                <a:latin typeface="Calibri" pitchFamily="34" charset="0"/>
+                <a:ea typeface="Calibri" pitchFamily="34" charset="0"/>
+                <a:cs typeface="Times New Roman" pitchFamily="18" charset="0"/>
+              </a:rPr>
+              <a:t> </a:t>
+            </a:r>
+            <a:r>
+              <a:rPr lang="en-US" dirty="0" smtClean="0">
+                <a:latin typeface="Calibri" pitchFamily="34" charset="0"/>
+                <a:ea typeface="Calibri" pitchFamily="34" charset="0"/>
+                <a:cs typeface="Times New Roman" pitchFamily="18" charset="0"/>
+              </a:rPr>
+              <a:t>*</a:t>
+            </a:r>
+          </a:p>
+          <a:p>
+            <a:pPr fontAlgn="base">
+              <a:spcBef>
+                <a:spcPct val="0"/>
+              </a:spcBef>
+              <a:spcAft>
+                <a:spcPct val="0"/>
+              </a:spcAft>
+              <a:tabLst>
+                <a:tab pos="2311400" algn="l"/>
+              </a:tabLst>
+            </a:pPr>
+            <a:r>
+              <a:rPr lang="en-US" b="1" dirty="0" smtClean="0">
+                <a:latin typeface="Calibri" pitchFamily="34" charset="0"/>
+                <a:ea typeface="Calibri" pitchFamily="34" charset="0"/>
+                <a:cs typeface="Times New Roman" pitchFamily="18" charset="0"/>
+              </a:rPr>
+              <a:t>FROM</a:t>
+            </a:r>
+            <a:r>
+              <a:rPr lang="en-US" dirty="0" smtClean="0">
+                <a:latin typeface="Calibri" pitchFamily="34" charset="0"/>
+                <a:ea typeface="Calibri" pitchFamily="34" charset="0"/>
+                <a:cs typeface="Times New Roman" pitchFamily="18" charset="0"/>
+              </a:rPr>
+              <a:t> employees </a:t>
+            </a:r>
+            <a:r>
+              <a:rPr lang="en-US" b="1" dirty="0">
+                <a:latin typeface="Calibri" pitchFamily="34" charset="0"/>
+                <a:ea typeface="Calibri" pitchFamily="34" charset="0"/>
+                <a:cs typeface="Times New Roman" pitchFamily="18" charset="0"/>
+              </a:rPr>
+              <a:t>INNER JOIN</a:t>
+            </a:r>
+            <a:r>
+              <a:rPr lang="en-US" dirty="0">
+                <a:latin typeface="Calibri" pitchFamily="34" charset="0"/>
+                <a:ea typeface="Calibri" pitchFamily="34" charset="0"/>
+                <a:cs typeface="Times New Roman" pitchFamily="18" charset="0"/>
+              </a:rPr>
+              <a:t> departments</a:t>
+            </a:r>
+            <a:endParaRPr lang="en-US" dirty="0" smtClean="0">
+              <a:latin typeface="Calibri" pitchFamily="34" charset="0"/>
+              <a:ea typeface="Calibri" pitchFamily="34" charset="0"/>
+              <a:cs typeface="Times New Roman" pitchFamily="18" charset="0"/>
+            </a:endParaRPr>
+          </a:p>
+          <a:p>
+            <a:pPr fontAlgn="base">
+              <a:spcBef>
+                <a:spcPct val="0"/>
+              </a:spcBef>
+              <a:spcAft>
+                <a:spcPct val="0"/>
+              </a:spcAft>
+              <a:tabLst>
+                <a:tab pos="2311400" algn="l"/>
+              </a:tabLst>
+            </a:pPr>
+            <a:r>
+              <a:rPr lang="en-US" b="1" dirty="0" smtClean="0">
+                <a:latin typeface="Calibri" pitchFamily="34" charset="0"/>
+                <a:ea typeface="Calibri" pitchFamily="34" charset="0"/>
+                <a:cs typeface="Times New Roman" pitchFamily="18" charset="0"/>
+              </a:rPr>
+              <a:t>ON </a:t>
+            </a:r>
+            <a:r>
+              <a:rPr lang="en-US" dirty="0" err="1" smtClean="0">
+                <a:latin typeface="Calibri" pitchFamily="34" charset="0"/>
+                <a:ea typeface="Calibri" pitchFamily="34" charset="0"/>
+                <a:cs typeface="Times New Roman" pitchFamily="18" charset="0"/>
+              </a:rPr>
+              <a:t>employees.department_id</a:t>
+            </a:r>
+            <a:r>
+              <a:rPr lang="en-US" dirty="0" smtClean="0">
+                <a:latin typeface="Calibri" pitchFamily="34" charset="0"/>
+                <a:ea typeface="Calibri" pitchFamily="34" charset="0"/>
+                <a:cs typeface="Times New Roman" pitchFamily="18" charset="0"/>
+              </a:rPr>
+              <a:t> </a:t>
+            </a:r>
+            <a:r>
+              <a:rPr lang="en-US" dirty="0" smtClean="0">
+                <a:latin typeface="Calibri" pitchFamily="34" charset="0"/>
+                <a:ea typeface="Calibri" pitchFamily="34" charset="0"/>
+                <a:cs typeface="Times New Roman" pitchFamily="18" charset="0"/>
+              </a:rPr>
+              <a:t>= </a:t>
+            </a:r>
+            <a:r>
+              <a:rPr lang="en-US" dirty="0" err="1" smtClean="0">
+                <a:latin typeface="Calibri" pitchFamily="34" charset="0"/>
+                <a:ea typeface="Calibri" pitchFamily="34" charset="0"/>
+                <a:cs typeface="Times New Roman" pitchFamily="18" charset="0"/>
+              </a:rPr>
+              <a:t>departments.department_id</a:t>
+            </a:r>
+            <a:r>
+              <a:rPr lang="en-US" dirty="0" smtClean="0">
+                <a:latin typeface="Calibri" pitchFamily="34" charset="0"/>
+                <a:ea typeface="Calibri" pitchFamily="34" charset="0"/>
+                <a:cs typeface="Times New Roman" pitchFamily="18" charset="0"/>
+              </a:rPr>
+              <a:t>;</a:t>
+            </a:r>
+          </a:p>
+        </p:txBody>
+      </p:sp>
+      <p:sp>
+        <p:nvSpPr>
+          <p:cNvPr id="5" name="Rectangle 4"/>
+          <p:cNvSpPr/>
+          <p:nvPr/>
+        </p:nvSpPr>
+        <p:spPr>
+          <a:xfrm>
+            <a:off x="822066" y="3068960"/>
+            <a:ext cx="6702262" cy="923330"/>
+          </a:xfrm>
+          <a:prstGeom prst="rect">
+            <a:avLst/>
+          </a:prstGeom>
+          <a:solidFill>
+            <a:schemeClr val="accent6">
+              <a:lumMod val="20000"/>
+              <a:lumOff val="80000"/>
+            </a:schemeClr>
+          </a:solidFill>
+          <a:ln>
+            <a:prstDash val="dash"/>
+          </a:ln>
+        </p:spPr>
+        <p:style>
+          <a:lnRef idx="2">
+            <a:schemeClr val="accent6"/>
+          </a:lnRef>
+          <a:fillRef idx="1">
+            <a:schemeClr val="lt1"/>
+          </a:fillRef>
+          <a:effectRef idx="0">
+            <a:schemeClr val="accent6"/>
+          </a:effectRef>
+          <a:fontRef idx="minor">
+            <a:schemeClr val="dk1"/>
+          </a:fontRef>
+        </p:style>
+        <p:txBody>
+          <a:bodyPr wrap="square">
+            <a:spAutoFit/>
+          </a:bodyPr>
+          <a:lstStyle/>
+          <a:p>
+            <a:pPr fontAlgn="base">
+              <a:spcBef>
+                <a:spcPct val="0"/>
+              </a:spcBef>
+              <a:spcAft>
+                <a:spcPct val="0"/>
+              </a:spcAft>
+              <a:tabLst>
+                <a:tab pos="2311400" algn="l"/>
+              </a:tabLst>
+            </a:pPr>
+            <a:r>
+              <a:rPr lang="en-US" b="1" dirty="0">
+                <a:solidFill>
+                  <a:schemeClr val="dk1"/>
+                </a:solidFill>
+                <a:latin typeface="Calibri" pitchFamily="34" charset="0"/>
+                <a:ea typeface="Calibri" pitchFamily="34" charset="0"/>
+                <a:cs typeface="Times New Roman" pitchFamily="18" charset="0"/>
+              </a:rPr>
+              <a:t>SELECT </a:t>
+            </a:r>
+            <a:r>
+              <a:rPr lang="en-US" dirty="0">
+                <a:solidFill>
+                  <a:schemeClr val="dk1"/>
+                </a:solidFill>
+                <a:latin typeface="Calibri" pitchFamily="34" charset="0"/>
+                <a:ea typeface="Calibri" pitchFamily="34" charset="0"/>
+                <a:cs typeface="Times New Roman" pitchFamily="18" charset="0"/>
+              </a:rPr>
+              <a:t>*</a:t>
+            </a:r>
+          </a:p>
+          <a:p>
+            <a:pPr fontAlgn="base">
+              <a:spcBef>
+                <a:spcPct val="0"/>
+              </a:spcBef>
+              <a:spcAft>
+                <a:spcPct val="0"/>
+              </a:spcAft>
+              <a:tabLst>
+                <a:tab pos="2311400" algn="l"/>
+              </a:tabLst>
+            </a:pPr>
+            <a:r>
+              <a:rPr lang="en-US" b="1" dirty="0">
+                <a:solidFill>
+                  <a:schemeClr val="dk1"/>
+                </a:solidFill>
+                <a:latin typeface="Calibri" pitchFamily="34" charset="0"/>
+                <a:ea typeface="Calibri" pitchFamily="34" charset="0"/>
+                <a:cs typeface="Times New Roman" pitchFamily="18" charset="0"/>
+              </a:rPr>
+              <a:t>FROM </a:t>
+            </a:r>
+            <a:r>
+              <a:rPr lang="en-US" dirty="0">
+                <a:solidFill>
+                  <a:schemeClr val="dk1"/>
+                </a:solidFill>
+                <a:latin typeface="Calibri" pitchFamily="34" charset="0"/>
+                <a:ea typeface="Calibri" pitchFamily="34" charset="0"/>
+                <a:cs typeface="Times New Roman" pitchFamily="18" charset="0"/>
+              </a:rPr>
+              <a:t>employees, departments</a:t>
+            </a:r>
+          </a:p>
+          <a:p>
+            <a:pPr fontAlgn="base">
+              <a:spcBef>
+                <a:spcPct val="0"/>
+              </a:spcBef>
+              <a:spcAft>
+                <a:spcPct val="0"/>
+              </a:spcAft>
+              <a:tabLst>
+                <a:tab pos="2311400" algn="l"/>
+              </a:tabLst>
+            </a:pPr>
+            <a:r>
+              <a:rPr lang="en-US" b="1" dirty="0">
+                <a:solidFill>
+                  <a:schemeClr val="dk1"/>
+                </a:solidFill>
+                <a:latin typeface="Calibri" pitchFamily="34" charset="0"/>
+                <a:ea typeface="Calibri" pitchFamily="34" charset="0"/>
+                <a:cs typeface="Times New Roman" pitchFamily="18" charset="0"/>
+              </a:rPr>
+              <a:t>WHERE </a:t>
+            </a:r>
+            <a:r>
+              <a:rPr lang="en-US" dirty="0" err="1" smtClean="0">
+                <a:solidFill>
+                  <a:schemeClr val="dk1"/>
+                </a:solidFill>
+                <a:latin typeface="Calibri" pitchFamily="34" charset="0"/>
+                <a:ea typeface="Calibri" pitchFamily="34" charset="0"/>
+                <a:cs typeface="Times New Roman" pitchFamily="18" charset="0"/>
+              </a:rPr>
+              <a:t>employees.department_id</a:t>
+            </a:r>
+            <a:r>
+              <a:rPr lang="en-US" dirty="0" smtClean="0">
+                <a:solidFill>
+                  <a:schemeClr val="dk1"/>
+                </a:solidFill>
+                <a:latin typeface="Calibri" pitchFamily="34" charset="0"/>
+                <a:ea typeface="Calibri" pitchFamily="34" charset="0"/>
+                <a:cs typeface="Times New Roman" pitchFamily="18" charset="0"/>
+              </a:rPr>
+              <a:t> </a:t>
+            </a:r>
+            <a:r>
+              <a:rPr lang="en-US" dirty="0">
+                <a:solidFill>
+                  <a:schemeClr val="dk1"/>
+                </a:solidFill>
+                <a:latin typeface="Calibri" pitchFamily="34" charset="0"/>
+                <a:ea typeface="Calibri" pitchFamily="34" charset="0"/>
+                <a:cs typeface="Times New Roman" pitchFamily="18" charset="0"/>
+              </a:rPr>
+              <a:t>= </a:t>
+            </a:r>
+            <a:r>
+              <a:rPr lang="en-US" dirty="0" err="1" smtClean="0">
+                <a:latin typeface="Calibri" pitchFamily="34" charset="0"/>
+                <a:ea typeface="Calibri" pitchFamily="34" charset="0"/>
+                <a:cs typeface="Times New Roman" pitchFamily="18" charset="0"/>
+              </a:rPr>
+              <a:t>departments.department_id</a:t>
+            </a:r>
+            <a:r>
+              <a:rPr lang="en-US" dirty="0">
+                <a:solidFill>
+                  <a:schemeClr val="dk1"/>
+                </a:solidFill>
+                <a:latin typeface="Calibri" pitchFamily="34" charset="0"/>
+                <a:ea typeface="Calibri" pitchFamily="34" charset="0"/>
+                <a:cs typeface="Times New Roman" pitchFamily="18" charset="0"/>
+              </a:rPr>
+              <a:t>;</a:t>
+            </a:r>
+          </a:p>
+        </p:txBody>
+      </p:sp>
+      <p:sp>
+        <p:nvSpPr>
+          <p:cNvPr id="6" name="Rectangle 5"/>
+          <p:cNvSpPr/>
+          <p:nvPr/>
+        </p:nvSpPr>
+        <p:spPr>
+          <a:xfrm>
+            <a:off x="822066" y="4149080"/>
+            <a:ext cx="6659016" cy="923330"/>
+          </a:xfrm>
+          <a:prstGeom prst="rect">
+            <a:avLst/>
+          </a:prstGeom>
+          <a:solidFill>
+            <a:schemeClr val="accent6">
+              <a:lumMod val="20000"/>
+              <a:lumOff val="80000"/>
+            </a:schemeClr>
+          </a:solidFill>
+          <a:ln>
+            <a:prstDash val="dash"/>
+          </a:ln>
+        </p:spPr>
+        <p:style>
+          <a:lnRef idx="2">
+            <a:schemeClr val="accent6"/>
+          </a:lnRef>
+          <a:fillRef idx="1">
+            <a:schemeClr val="lt1"/>
+          </a:fillRef>
+          <a:effectRef idx="0">
+            <a:schemeClr val="accent6"/>
+          </a:effectRef>
+          <a:fontRef idx="minor">
+            <a:schemeClr val="dk1"/>
+          </a:fontRef>
+        </p:style>
+        <p:txBody>
+          <a:bodyPr wrap="square">
+            <a:spAutoFit/>
+          </a:bodyPr>
+          <a:lstStyle/>
+          <a:p>
+            <a:pPr fontAlgn="base">
+              <a:spcBef>
+                <a:spcPct val="0"/>
+              </a:spcBef>
+              <a:spcAft>
+                <a:spcPct val="0"/>
+              </a:spcAft>
+              <a:tabLst>
+                <a:tab pos="2311400" algn="l"/>
+              </a:tabLst>
+            </a:pPr>
+            <a:r>
+              <a:rPr lang="en-US" b="1" dirty="0">
+                <a:solidFill>
+                  <a:schemeClr val="dk1"/>
+                </a:solidFill>
+                <a:latin typeface="Calibri" pitchFamily="34" charset="0"/>
+                <a:ea typeface="Calibri" pitchFamily="34" charset="0"/>
+                <a:cs typeface="Times New Roman" pitchFamily="18" charset="0"/>
+              </a:rPr>
+              <a:t>SELECT *</a:t>
+            </a:r>
+          </a:p>
+          <a:p>
+            <a:pPr fontAlgn="base">
+              <a:spcBef>
+                <a:spcPct val="0"/>
+              </a:spcBef>
+              <a:spcAft>
+                <a:spcPct val="0"/>
+              </a:spcAft>
+              <a:tabLst>
+                <a:tab pos="2311400" algn="l"/>
+              </a:tabLst>
+            </a:pPr>
+            <a:r>
+              <a:rPr lang="en-US" b="1" dirty="0">
+                <a:solidFill>
+                  <a:schemeClr val="dk1"/>
+                </a:solidFill>
+                <a:latin typeface="Calibri" pitchFamily="34" charset="0"/>
+                <a:ea typeface="Calibri" pitchFamily="34" charset="0"/>
+                <a:cs typeface="Times New Roman" pitchFamily="18" charset="0"/>
+              </a:rPr>
+              <a:t>FROM </a:t>
+            </a:r>
+            <a:r>
+              <a:rPr lang="en-US" dirty="0">
+                <a:solidFill>
+                  <a:schemeClr val="dk1"/>
+                </a:solidFill>
+                <a:latin typeface="Calibri" pitchFamily="34" charset="0"/>
+                <a:ea typeface="Calibri" pitchFamily="34" charset="0"/>
+                <a:cs typeface="Times New Roman" pitchFamily="18" charset="0"/>
+              </a:rPr>
+              <a:t>employees</a:t>
+            </a:r>
+            <a:r>
+              <a:rPr lang="en-US" b="1" dirty="0">
+                <a:solidFill>
+                  <a:schemeClr val="dk1"/>
+                </a:solidFill>
+                <a:latin typeface="Calibri" pitchFamily="34" charset="0"/>
+                <a:ea typeface="Calibri" pitchFamily="34" charset="0"/>
+                <a:cs typeface="Times New Roman" pitchFamily="18" charset="0"/>
+              </a:rPr>
+              <a:t> JOIN </a:t>
+            </a:r>
+            <a:r>
+              <a:rPr lang="en-US" dirty="0">
+                <a:solidFill>
+                  <a:schemeClr val="dk1"/>
+                </a:solidFill>
+                <a:latin typeface="Calibri" pitchFamily="34" charset="0"/>
+                <a:ea typeface="Calibri" pitchFamily="34" charset="0"/>
+                <a:cs typeface="Times New Roman" pitchFamily="18" charset="0"/>
+              </a:rPr>
+              <a:t>departments</a:t>
+            </a:r>
+          </a:p>
+          <a:p>
+            <a:pPr fontAlgn="base">
+              <a:spcBef>
+                <a:spcPct val="0"/>
+              </a:spcBef>
+              <a:spcAft>
+                <a:spcPct val="0"/>
+              </a:spcAft>
+              <a:tabLst>
+                <a:tab pos="2311400" algn="l"/>
+              </a:tabLst>
+            </a:pPr>
+            <a:r>
+              <a:rPr lang="en-US" b="1" dirty="0">
+                <a:solidFill>
+                  <a:schemeClr val="dk1"/>
+                </a:solidFill>
+                <a:latin typeface="Calibri" pitchFamily="34" charset="0"/>
+                <a:ea typeface="Calibri" pitchFamily="34" charset="0"/>
+                <a:cs typeface="Times New Roman" pitchFamily="18" charset="0"/>
+              </a:rPr>
+              <a:t>ON </a:t>
+            </a:r>
+            <a:r>
+              <a:rPr lang="en-US" dirty="0" err="1" smtClean="0">
+                <a:solidFill>
+                  <a:schemeClr val="dk1"/>
+                </a:solidFill>
+                <a:latin typeface="Calibri" pitchFamily="34" charset="0"/>
+                <a:ea typeface="Calibri" pitchFamily="34" charset="0"/>
+                <a:cs typeface="Times New Roman" pitchFamily="18" charset="0"/>
+              </a:rPr>
+              <a:t>employees.department_id</a:t>
+            </a:r>
+            <a:r>
+              <a:rPr lang="en-US" dirty="0" smtClean="0">
+                <a:solidFill>
+                  <a:schemeClr val="dk1"/>
+                </a:solidFill>
+                <a:latin typeface="Calibri" pitchFamily="34" charset="0"/>
+                <a:ea typeface="Calibri" pitchFamily="34" charset="0"/>
+                <a:cs typeface="Times New Roman" pitchFamily="18" charset="0"/>
+              </a:rPr>
+              <a:t> </a:t>
+            </a:r>
+            <a:r>
+              <a:rPr lang="en-US" dirty="0">
+                <a:solidFill>
+                  <a:schemeClr val="dk1"/>
+                </a:solidFill>
+                <a:latin typeface="Calibri" pitchFamily="34" charset="0"/>
+                <a:ea typeface="Calibri" pitchFamily="34" charset="0"/>
+                <a:cs typeface="Times New Roman" pitchFamily="18" charset="0"/>
+              </a:rPr>
+              <a:t>= </a:t>
+            </a:r>
+            <a:r>
+              <a:rPr lang="en-US" dirty="0" err="1" smtClean="0">
+                <a:latin typeface="Calibri" pitchFamily="34" charset="0"/>
+                <a:ea typeface="Calibri" pitchFamily="34" charset="0"/>
+                <a:cs typeface="Times New Roman" pitchFamily="18" charset="0"/>
+              </a:rPr>
+              <a:t>departments.department_id</a:t>
+            </a:r>
+            <a:r>
+              <a:rPr lang="en-US" dirty="0">
+                <a:solidFill>
+                  <a:schemeClr val="dk1"/>
+                </a:solidFill>
+                <a:latin typeface="Calibri" pitchFamily="34" charset="0"/>
+                <a:ea typeface="Calibri" pitchFamily="34" charset="0"/>
+                <a:cs typeface="Times New Roman" pitchFamily="18" charset="0"/>
+              </a:rPr>
+              <a:t>;</a:t>
+            </a:r>
+          </a:p>
+        </p:txBody>
+      </p:sp>
+      <p:sp>
+        <p:nvSpPr>
+          <p:cNvPr id="7" name="Rectangle 6"/>
+          <p:cNvSpPr/>
+          <p:nvPr/>
+        </p:nvSpPr>
+        <p:spPr>
+          <a:xfrm>
+            <a:off x="822066" y="5229200"/>
+            <a:ext cx="6666469" cy="923330"/>
+          </a:xfrm>
+          <a:prstGeom prst="rect">
+            <a:avLst/>
+          </a:prstGeom>
+          <a:solidFill>
+            <a:schemeClr val="accent6">
+              <a:lumMod val="20000"/>
+              <a:lumOff val="80000"/>
+            </a:schemeClr>
+          </a:solidFill>
+          <a:ln>
+            <a:prstDash val="dash"/>
+          </a:ln>
+        </p:spPr>
+        <p:style>
+          <a:lnRef idx="2">
+            <a:schemeClr val="accent6"/>
+          </a:lnRef>
+          <a:fillRef idx="1">
+            <a:schemeClr val="lt1"/>
+          </a:fillRef>
+          <a:effectRef idx="0">
+            <a:schemeClr val="accent6"/>
+          </a:effectRef>
+          <a:fontRef idx="minor">
+            <a:schemeClr val="dk1"/>
+          </a:fontRef>
+        </p:style>
+        <p:txBody>
+          <a:bodyPr wrap="square">
+            <a:spAutoFit/>
+          </a:bodyPr>
+          <a:lstStyle/>
+          <a:p>
+            <a:pPr fontAlgn="base">
+              <a:spcBef>
+                <a:spcPct val="0"/>
+              </a:spcBef>
+              <a:spcAft>
+                <a:spcPct val="0"/>
+              </a:spcAft>
+              <a:tabLst>
+                <a:tab pos="2311400" algn="l"/>
+              </a:tabLst>
+            </a:pPr>
+            <a:r>
+              <a:rPr lang="en-US" b="1" dirty="0">
+                <a:solidFill>
+                  <a:schemeClr val="dk1"/>
+                </a:solidFill>
+                <a:latin typeface="Calibri" pitchFamily="34" charset="0"/>
+                <a:ea typeface="Calibri" pitchFamily="34" charset="0"/>
+                <a:cs typeface="Times New Roman" pitchFamily="18" charset="0"/>
+              </a:rPr>
+              <a:t>SELECT *</a:t>
+            </a:r>
+          </a:p>
+          <a:p>
+            <a:pPr fontAlgn="base">
+              <a:spcBef>
+                <a:spcPct val="0"/>
+              </a:spcBef>
+              <a:spcAft>
+                <a:spcPct val="0"/>
+              </a:spcAft>
+              <a:tabLst>
+                <a:tab pos="2311400" algn="l"/>
+              </a:tabLst>
+            </a:pPr>
+            <a:r>
+              <a:rPr lang="en-US" b="1" dirty="0">
+                <a:solidFill>
+                  <a:schemeClr val="dk1"/>
+                </a:solidFill>
+                <a:latin typeface="Calibri" pitchFamily="34" charset="0"/>
+                <a:ea typeface="Calibri" pitchFamily="34" charset="0"/>
+                <a:cs typeface="Times New Roman" pitchFamily="18" charset="0"/>
+              </a:rPr>
+              <a:t>FROM </a:t>
+            </a:r>
+            <a:r>
+              <a:rPr lang="en-US" dirty="0">
+                <a:solidFill>
+                  <a:schemeClr val="dk1"/>
+                </a:solidFill>
+                <a:latin typeface="Calibri" pitchFamily="34" charset="0"/>
+                <a:ea typeface="Calibri" pitchFamily="34" charset="0"/>
+                <a:cs typeface="Times New Roman" pitchFamily="18" charset="0"/>
+              </a:rPr>
+              <a:t>employees</a:t>
+            </a:r>
+            <a:r>
+              <a:rPr lang="en-US" b="1" dirty="0">
+                <a:solidFill>
+                  <a:schemeClr val="dk1"/>
+                </a:solidFill>
+                <a:latin typeface="Calibri" pitchFamily="34" charset="0"/>
+                <a:ea typeface="Calibri" pitchFamily="34" charset="0"/>
+                <a:cs typeface="Times New Roman" pitchFamily="18" charset="0"/>
+              </a:rPr>
+              <a:t> INNER JOIN </a:t>
+            </a:r>
+            <a:r>
+              <a:rPr lang="en-US" dirty="0">
+                <a:solidFill>
+                  <a:schemeClr val="dk1"/>
+                </a:solidFill>
+                <a:latin typeface="Calibri" pitchFamily="34" charset="0"/>
+                <a:ea typeface="Calibri" pitchFamily="34" charset="0"/>
+                <a:cs typeface="Times New Roman" pitchFamily="18" charset="0"/>
+              </a:rPr>
+              <a:t>departments</a:t>
+            </a:r>
+          </a:p>
+          <a:p>
+            <a:pPr fontAlgn="base">
+              <a:spcBef>
+                <a:spcPct val="0"/>
+              </a:spcBef>
+              <a:spcAft>
+                <a:spcPct val="0"/>
+              </a:spcAft>
+              <a:tabLst>
+                <a:tab pos="2311400" algn="l"/>
+              </a:tabLst>
+            </a:pPr>
+            <a:r>
+              <a:rPr lang="en-US" b="1" dirty="0">
+                <a:solidFill>
+                  <a:schemeClr val="dk1"/>
+                </a:solidFill>
+                <a:latin typeface="Calibri" pitchFamily="34" charset="0"/>
+                <a:ea typeface="Calibri" pitchFamily="34" charset="0"/>
+                <a:cs typeface="Times New Roman" pitchFamily="18" charset="0"/>
+              </a:rPr>
+              <a:t>USING </a:t>
+            </a:r>
+            <a:r>
+              <a:rPr lang="en-US" dirty="0">
+                <a:solidFill>
+                  <a:schemeClr val="dk1"/>
+                </a:solidFill>
+                <a:latin typeface="Calibri" pitchFamily="34" charset="0"/>
+                <a:ea typeface="Calibri" pitchFamily="34" charset="0"/>
+                <a:cs typeface="Times New Roman" pitchFamily="18" charset="0"/>
+              </a:rPr>
+              <a:t>(</a:t>
+            </a:r>
+            <a:r>
+              <a:rPr lang="en-US" dirty="0" err="1" smtClean="0">
+                <a:solidFill>
+                  <a:schemeClr val="dk1"/>
+                </a:solidFill>
+                <a:latin typeface="Calibri" pitchFamily="34" charset="0"/>
+                <a:ea typeface="Calibri" pitchFamily="34" charset="0"/>
+                <a:cs typeface="Times New Roman" pitchFamily="18" charset="0"/>
+              </a:rPr>
+              <a:t>department_id</a:t>
+            </a:r>
+            <a:r>
+              <a:rPr lang="en-US" dirty="0">
+                <a:solidFill>
+                  <a:schemeClr val="dk1"/>
+                </a:solidFill>
+                <a:latin typeface="Calibri" pitchFamily="34" charset="0"/>
+                <a:ea typeface="Calibri" pitchFamily="34" charset="0"/>
+                <a:cs typeface="Times New Roman" pitchFamily="18" charset="0"/>
+              </a:rPr>
+              <a:t>);</a:t>
+            </a:r>
+          </a:p>
+        </p:txBody>
+      </p:sp>
+      <p:sp>
+        <p:nvSpPr>
+          <p:cNvPr id="2" name="TextBox 1"/>
+          <p:cNvSpPr txBox="1"/>
+          <p:nvPr/>
+        </p:nvSpPr>
+        <p:spPr>
+          <a:xfrm>
+            <a:off x="533400" y="1094479"/>
+            <a:ext cx="8215064" cy="646331"/>
+          </a:xfrm>
+          <a:prstGeom prst="rect">
+            <a:avLst/>
+          </a:prstGeom>
+          <a:noFill/>
+        </p:spPr>
+        <p:txBody>
+          <a:bodyPr wrap="square" rtlCol="0">
+            <a:spAutoFit/>
+          </a:bodyPr>
+          <a:lstStyle/>
+          <a:p>
+            <a:r>
+              <a:rPr lang="en-US" b="1" dirty="0"/>
+              <a:t>SQL inner </a:t>
+            </a:r>
+            <a:r>
+              <a:rPr lang="en-US" b="1" dirty="0" smtClean="0"/>
+              <a:t>join</a:t>
+            </a:r>
+            <a:r>
+              <a:rPr lang="ru-RU" b="1" dirty="0" smtClean="0"/>
+              <a:t> (просто </a:t>
+            </a:r>
+            <a:r>
+              <a:rPr lang="en-US" b="1" dirty="0" smtClean="0"/>
+              <a:t>JOIN</a:t>
+            </a:r>
+            <a:r>
+              <a:rPr lang="ru-RU" b="1" dirty="0" smtClean="0"/>
+              <a:t>, или перечисление имен таблиц)</a:t>
+            </a:r>
+          </a:p>
+          <a:p>
+            <a:r>
+              <a:rPr lang="ru-RU" dirty="0" smtClean="0"/>
+              <a:t>- возвращает </a:t>
+            </a:r>
+            <a:r>
+              <a:rPr lang="ru-RU" dirty="0"/>
+              <a:t>из таблиц </a:t>
+            </a:r>
+            <a:r>
+              <a:rPr lang="ru-RU" dirty="0" smtClean="0"/>
+              <a:t>все строки, в которых соблюдается условие объединения</a:t>
+            </a:r>
+            <a:endParaRPr lang="ru-RU" dirty="0"/>
+          </a:p>
+        </p:txBody>
+      </p:sp>
+    </p:spTree>
+    <p:extLst>
+      <p:ext uri="{BB962C8B-B14F-4D97-AF65-F5344CB8AC3E}">
+        <p14:creationId xmlns:p14="http://schemas.microsoft.com/office/powerpoint/2010/main" val="3297498847"/>
+      </p:ext>
+    </p:extLst>
+  </p:cSld>
+  <p:clrMapOvr>
+    <a:masterClrMapping/>
+  </p:clrMapOvr>
+  <p:timing>
+    <p:tnLst>
+      <p:par>
+        <p:cTn id="1" dur="indefinite" restart="never" nodeType="tmRoot"/>
+      </p:par>
+    </p:tnLst>
+  </p:timing>
+</p:sld>
+</file>
+
+<file path=ppt/slides/slide36.xml><?xml version="1.0" encoding="utf-8"?>
+<p:sld xmlns:a="http://schemas.openxmlformats.org/drawingml/2006/main" xmlns:r="http://schemas.openxmlformats.org/officeDocument/2006/relationships" xmlns:p="http://schemas.openxmlformats.org/presentationml/2006/main">
+  <p:cSld>
+    <p:spTree>
+      <p:nvGrpSpPr>
+        <p:cNvPr id="1" name=""/>
+        <p:cNvGrpSpPr/>
+        <p:nvPr/>
+      </p:nvGrpSpPr>
+      <p:grpSpPr>
+        <a:xfrm>
+          <a:off x="0" y="0"/>
+          <a:ext cx="0" cy="0"/>
+          <a:chOff x="0" y="0"/>
+          <a:chExt cx="0" cy="0"/>
+        </a:xfrm>
+      </p:grpSpPr>
+      <p:sp>
+        <p:nvSpPr>
+          <p:cNvPr id="4" name="TextBox 3"/>
+          <p:cNvSpPr txBox="1"/>
+          <p:nvPr/>
+        </p:nvSpPr>
+        <p:spPr>
+          <a:xfrm>
+            <a:off x="533399" y="404664"/>
+            <a:ext cx="4737964" cy="630942"/>
+          </a:xfrm>
+          <a:prstGeom prst="rect">
+            <a:avLst/>
+          </a:prstGeom>
+          <a:noFill/>
+        </p:spPr>
+        <p:txBody>
+          <a:bodyPr wrap="none" rtlCol="0">
+            <a:spAutoFit/>
+          </a:bodyPr>
+          <a:lstStyle/>
+          <a:p>
+            <a:r>
+              <a:rPr lang="en-US" sz="3500" dirty="0" smtClean="0">
+                <a:solidFill>
+                  <a:schemeClr val="tx1">
+                    <a:lumMod val="65000"/>
+                    <a:lumOff val="35000"/>
+                  </a:schemeClr>
+                </a:solidFill>
+                <a:effectLst>
+                  <a:outerShdw blurRad="38100" dist="38100" dir="2700000" algn="tl">
+                    <a:srgbClr val="000000">
+                      <a:alpha val="43137"/>
+                    </a:srgbClr>
+                  </a:outerShdw>
+                </a:effectLst>
+              </a:rPr>
+              <a:t>Left Outer Join - Example</a:t>
+            </a:r>
+            <a:endParaRPr lang="en-US" sz="3500" dirty="0">
+              <a:solidFill>
+                <a:schemeClr val="tx1">
+                  <a:lumMod val="65000"/>
+                  <a:lumOff val="35000"/>
+                </a:schemeClr>
+              </a:solidFill>
+              <a:effectLst>
+                <a:outerShdw blurRad="38100" dist="38100" dir="2700000" algn="tl">
+                  <a:srgbClr val="000000">
+                    <a:alpha val="43137"/>
+                  </a:srgbClr>
+                </a:outerShdw>
+              </a:effectLst>
+            </a:endParaRPr>
+          </a:p>
+        </p:txBody>
+      </p:sp>
+      <p:sp>
+        <p:nvSpPr>
+          <p:cNvPr id="9" name="Rectangle 8"/>
+          <p:cNvSpPr/>
+          <p:nvPr/>
+        </p:nvSpPr>
+        <p:spPr>
+          <a:xfrm>
+            <a:off x="653340" y="1772608"/>
             <a:ext cx="8064896" cy="1938992"/>
           </a:xfrm>
           <a:prstGeom prst="rect">
@@ -16971,7 +17911,7 @@
         </p:blipFill>
         <p:spPr bwMode="auto">
           <a:xfrm>
-            <a:off x="648519" y="3399606"/>
+            <a:off x="653340" y="3717032"/>
             <a:ext cx="6896100" cy="2524125"/>
           </a:xfrm>
           <a:prstGeom prst="rect">
@@ -17012,6 +17952,72 @@
           </a:extLst>
         </p:spPr>
       </p:pic>
+      <p:sp>
+        <p:nvSpPr>
+          <p:cNvPr id="5" name="TextBox 4"/>
+          <p:cNvSpPr txBox="1"/>
+          <p:nvPr/>
+        </p:nvSpPr>
+        <p:spPr>
+          <a:xfrm>
+            <a:off x="395536" y="1120845"/>
+            <a:ext cx="8322700" cy="646331"/>
+          </a:xfrm>
+          <a:prstGeom prst="rect">
+            <a:avLst/>
+          </a:prstGeom>
+          <a:noFill/>
+        </p:spPr>
+        <p:txBody>
+          <a:bodyPr wrap="square" rtlCol="0">
+            <a:spAutoFit/>
+          </a:bodyPr>
+          <a:lstStyle/>
+          <a:p>
+            <a:r>
+              <a:rPr lang="en-US" b="1" dirty="0"/>
+              <a:t>SQL inner </a:t>
+            </a:r>
+            <a:r>
+              <a:rPr lang="en-US" b="1" dirty="0" smtClean="0"/>
+              <a:t>join</a:t>
+            </a:r>
+            <a:r>
+              <a:rPr lang="en-US" dirty="0" smtClean="0"/>
+              <a:t> </a:t>
+            </a:r>
+            <a:r>
+              <a:rPr lang="ru-RU" dirty="0" smtClean="0"/>
+              <a:t>- возвращает </a:t>
+            </a:r>
+            <a:r>
+              <a:rPr lang="ru-RU" dirty="0"/>
+              <a:t>из таблиц </a:t>
+            </a:r>
+            <a:r>
+              <a:rPr lang="ru-RU" dirty="0" smtClean="0"/>
+              <a:t>все строки, в которых соблюдается условие объединения, заполняя </a:t>
+            </a:r>
+            <a:r>
+              <a:rPr lang="en-US" dirty="0" smtClean="0"/>
+              <a:t>NULL </a:t>
+            </a:r>
+            <a:r>
+              <a:rPr lang="ru-RU" dirty="0" smtClean="0"/>
+              <a:t>несуществующие соответствия для </a:t>
+            </a:r>
+            <a:r>
+              <a:rPr lang="ru-RU" b="1" dirty="0" smtClean="0"/>
+              <a:t>левой</a:t>
+            </a:r>
+            <a:r>
+              <a:rPr lang="ru-RU" dirty="0" smtClean="0"/>
+              <a:t> таблицы</a:t>
+            </a:r>
+            <a:endParaRPr lang="ru-RU" dirty="0"/>
+          </a:p>
+        </p:txBody>
+      </p:sp>
     </p:spTree>
     <p:extLst>
       <p:ext uri="{BB962C8B-B14F-4D97-AF65-F5344CB8AC3E}">
@@ -17032,7 +18038,7 @@
 </p:sld>
 </file>
 
-<file path=ppt/slides/slide36.xml><?xml version="1.0" encoding="utf-8"?>
+<file path=ppt/slides/slide37.xml><?xml version="1.0" encoding="utf-8"?>
 <p:sld xmlns:a="http://schemas.openxmlformats.org/drawingml/2006/main" xmlns:r="http://schemas.openxmlformats.org/officeDocument/2006/relationships" xmlns:p="http://schemas.openxmlformats.org/presentationml/2006/main">
   <p:cSld>
     <p:spTree>
@@ -17115,7 +18121,7 @@
         </p:nvSpPr>
         <p:spPr>
           <a:xfrm>
-            <a:off x="629097" y="1340768"/>
+            <a:off x="683568" y="1772608"/>
             <a:ext cx="8064896" cy="1938992"/>
           </a:xfrm>
           <a:prstGeom prst="rect">
@@ -17357,7 +18363,7 @@
         </p:blipFill>
         <p:spPr bwMode="auto">
           <a:xfrm>
-            <a:off x="698004" y="3308707"/>
+            <a:off x="683568" y="3717032"/>
             <a:ext cx="7000875" cy="2447925"/>
           </a:xfrm>
           <a:prstGeom prst="rect">
@@ -17398,6 +18404,72 @@
           </a:extLst>
         </p:spPr>
       </p:pic>
+      <p:sp>
+        <p:nvSpPr>
+          <p:cNvPr id="5" name="TextBox 4"/>
+          <p:cNvSpPr txBox="1"/>
+          <p:nvPr/>
+        </p:nvSpPr>
+        <p:spPr>
+          <a:xfrm>
+            <a:off x="395536" y="1120845"/>
+            <a:ext cx="8322700" cy="646331"/>
+          </a:xfrm>
+          <a:prstGeom prst="rect">
+            <a:avLst/>
+          </a:prstGeom>
+          <a:noFill/>
+        </p:spPr>
+        <p:txBody>
+          <a:bodyPr wrap="square" rtlCol="0">
+            <a:spAutoFit/>
+          </a:bodyPr>
+          <a:lstStyle/>
+          <a:p>
+            <a:r>
+              <a:rPr lang="en-US" b="1" dirty="0"/>
+              <a:t>SQL inner </a:t>
+            </a:r>
+            <a:r>
+              <a:rPr lang="en-US" b="1" dirty="0" smtClean="0"/>
+              <a:t>join</a:t>
+            </a:r>
+            <a:r>
+              <a:rPr lang="en-US" dirty="0" smtClean="0"/>
+              <a:t> </a:t>
+            </a:r>
+            <a:r>
+              <a:rPr lang="ru-RU" dirty="0" smtClean="0"/>
+              <a:t>- возвращает </a:t>
+            </a:r>
+            <a:r>
+              <a:rPr lang="ru-RU" dirty="0"/>
+              <a:t>из таблиц </a:t>
+            </a:r>
+            <a:r>
+              <a:rPr lang="ru-RU" dirty="0" smtClean="0"/>
+              <a:t>все строки, в которых соблюдается условие объединения, заполняя </a:t>
+            </a:r>
+            <a:r>
+              <a:rPr lang="en-US" dirty="0" smtClean="0"/>
+              <a:t>NULL </a:t>
+            </a:r>
+            <a:r>
+              <a:rPr lang="ru-RU" dirty="0" smtClean="0"/>
+              <a:t>несуществующие соответствия для </a:t>
+            </a:r>
+            <a:r>
+              <a:rPr lang="ru-RU" b="1" dirty="0" smtClean="0"/>
+              <a:t>правой</a:t>
+            </a:r>
+            <a:r>
+              <a:rPr lang="ru-RU" dirty="0" smtClean="0"/>
+              <a:t> таблицы</a:t>
+            </a:r>
+            <a:endParaRPr lang="ru-RU" dirty="0"/>
+          </a:p>
+        </p:txBody>
+      </p:sp>
     </p:spTree>
     <p:extLst>
       <p:ext uri="{BB962C8B-B14F-4D97-AF65-F5344CB8AC3E}">
@@ -17418,7 +18490,7 @@
 </p:sld>
 </file>
 
-<file path=ppt/slides/slide37.xml><?xml version="1.0" encoding="utf-8"?>
+<file path=ppt/slides/slide38.xml><?xml version="1.0" encoding="utf-8"?>
 <p:sld xmlns:a="http://schemas.openxmlformats.org/drawingml/2006/main" xmlns:r="http://schemas.openxmlformats.org/officeDocument/2006/relationships" xmlns:p="http://schemas.openxmlformats.org/presentationml/2006/main">
   <p:cSld>
     <p:spTree>
@@ -17501,7 +18573,7 @@
         </p:nvSpPr>
         <p:spPr>
           <a:xfrm>
-            <a:off x="629097" y="1340768"/>
+            <a:off x="629097" y="1693804"/>
             <a:ext cx="8064896" cy="1938992"/>
           </a:xfrm>
           <a:prstGeom prst="rect">
@@ -17743,7 +18815,7 @@
         </p:blipFill>
         <p:spPr bwMode="auto">
           <a:xfrm>
-            <a:off x="638250" y="3279759"/>
+            <a:off x="638250" y="3632795"/>
             <a:ext cx="6991350" cy="2676525"/>
           </a:xfrm>
           <a:prstGeom prst="rect">
@@ -17784,6 +18856,72 @@
           </a:extLst>
         </p:spPr>
       </p:pic>
+      <p:sp>
+        <p:nvSpPr>
+          <p:cNvPr id="5" name="TextBox 4"/>
+          <p:cNvSpPr txBox="1"/>
+          <p:nvPr/>
+        </p:nvSpPr>
+        <p:spPr>
+          <a:xfrm>
+            <a:off x="395536" y="1120845"/>
+            <a:ext cx="8322700" cy="646331"/>
+          </a:xfrm>
+          <a:prstGeom prst="rect">
+            <a:avLst/>
+          </a:prstGeom>
+          <a:noFill/>
+        </p:spPr>
+        <p:txBody>
+          <a:bodyPr wrap="square" rtlCol="0">
+            <a:spAutoFit/>
+          </a:bodyPr>
+          <a:lstStyle/>
+          <a:p>
+            <a:r>
+              <a:rPr lang="en-US" b="1" dirty="0"/>
+              <a:t>SQL inner </a:t>
+            </a:r>
+            <a:r>
+              <a:rPr lang="en-US" b="1" dirty="0" smtClean="0"/>
+              <a:t>join</a:t>
+            </a:r>
+            <a:r>
+              <a:rPr lang="en-US" dirty="0" smtClean="0"/>
+              <a:t> </a:t>
+            </a:r>
+            <a:r>
+              <a:rPr lang="ru-RU" dirty="0" smtClean="0"/>
+              <a:t>- возвращает </a:t>
+            </a:r>
+            <a:r>
+              <a:rPr lang="ru-RU" dirty="0"/>
+              <a:t>из таблиц </a:t>
+            </a:r>
+            <a:r>
+              <a:rPr lang="ru-RU" dirty="0" smtClean="0"/>
+              <a:t>все строки, в которых соблюдается условие объединения, заполняя </a:t>
+            </a:r>
+            <a:r>
+              <a:rPr lang="en-US" dirty="0" smtClean="0"/>
+              <a:t>NULL </a:t>
+            </a:r>
+            <a:r>
+              <a:rPr lang="ru-RU" dirty="0" smtClean="0"/>
+              <a:t>несуществующие соответствия для </a:t>
+            </a:r>
+            <a:r>
+              <a:rPr lang="ru-RU" b="1" dirty="0" smtClean="0"/>
+              <a:t>обеих</a:t>
+            </a:r>
+            <a:r>
+              <a:rPr lang="ru-RU" dirty="0" smtClean="0"/>
+              <a:t> таблиц</a:t>
+            </a:r>
+            <a:endParaRPr lang="ru-RU" dirty="0"/>
+          </a:p>
+        </p:txBody>
+      </p:sp>
     </p:spTree>
     <p:extLst>
       <p:ext uri="{BB962C8B-B14F-4D97-AF65-F5344CB8AC3E}">
@@ -17804,7 +18942,7 @@
 </p:sld>
 </file>
 
-<file path=ppt/slides/slide38.xml><?xml version="1.0" encoding="utf-8"?>
+<file path=ppt/slides/slide39.xml><?xml version="1.0" encoding="utf-8"?>
 <p:sld xmlns:a="http://schemas.openxmlformats.org/drawingml/2006/main" xmlns:r="http://schemas.openxmlformats.org/officeDocument/2006/relationships" xmlns:p="http://schemas.openxmlformats.org/presentationml/2006/main">
   <p:cSld>
     <p:spTree>
@@ -17996,7 +19134,185 @@
 </p:sld>
 </file>
 
-<file path=ppt/slides/slide39.xml><?xml version="1.0" encoding="utf-8"?>
+<file path=ppt/slides/slide4.xml><?xml version="1.0" encoding="utf-8"?>
+<p:sld xmlns:a="http://schemas.openxmlformats.org/drawingml/2006/main" xmlns:r="http://schemas.openxmlformats.org/officeDocument/2006/relationships" xmlns:p="http://schemas.openxmlformats.org/presentationml/2006/main">
+  <p:cSld>
+    <p:spTree>
+      <p:nvGrpSpPr>
+        <p:cNvPr id="1" name=""/>
+        <p:cNvGrpSpPr/>
+        <p:nvPr/>
+      </p:nvGrpSpPr>
+      <p:grpSpPr>
+        <a:xfrm>
+          <a:off x="0" y="0"/>
+          <a:ext cx="0" cy="0"/>
+          <a:chOff x="0" y="0"/>
+          <a:chExt cx="0" cy="0"/>
+        </a:xfrm>
+      </p:grpSpPr>
+      <p:sp>
+        <p:nvSpPr>
+          <p:cNvPr id="3" name="TextBox 2"/>
+          <p:cNvSpPr txBox="1"/>
+          <p:nvPr/>
+        </p:nvSpPr>
+        <p:spPr>
+          <a:xfrm>
+            <a:off x="468288" y="404664"/>
+            <a:ext cx="5448736" cy="630942"/>
+          </a:xfrm>
+          <a:prstGeom prst="rect">
+            <a:avLst/>
+          </a:prstGeom>
+          <a:noFill/>
+        </p:spPr>
+        <p:txBody>
+          <a:bodyPr wrap="none" rtlCol="0">
+            <a:spAutoFit/>
+          </a:bodyPr>
+          <a:lstStyle/>
+          <a:p>
+            <a:r>
+              <a:rPr lang="ru-RU" sz="3500" dirty="0" smtClean="0">
+                <a:solidFill>
+                  <a:schemeClr val="tx1">
+                    <a:lumMod val="65000"/>
+                    <a:lumOff val="35000"/>
+                  </a:schemeClr>
+                </a:solidFill>
+                <a:effectLst>
+                  <a:outerShdw blurRad="38100" dist="38100" dir="2700000" algn="tl">
+                    <a:srgbClr val="000000">
+                      <a:alpha val="43137"/>
+                    </a:srgbClr>
+                  </a:outerShdw>
+                </a:effectLst>
+              </a:rPr>
+              <a:t>Типы БД по модели данных</a:t>
+            </a:r>
+            <a:endParaRPr lang="en-US" sz="3500" dirty="0">
+              <a:solidFill>
+                <a:schemeClr val="tx1">
+                  <a:lumMod val="65000"/>
+                  <a:lumOff val="35000"/>
+                </a:schemeClr>
+              </a:solidFill>
+              <a:effectLst>
+                <a:outerShdw blurRad="38100" dist="38100" dir="2700000" algn="tl">
+                  <a:srgbClr val="000000">
+                    <a:alpha val="43137"/>
+                  </a:srgbClr>
+                </a:outerShdw>
+              </a:effectLst>
+            </a:endParaRPr>
+          </a:p>
+        </p:txBody>
+      </p:sp>
+      <p:sp>
+        <p:nvSpPr>
+          <p:cNvPr id="2" name="Rectangle 1"/>
+          <p:cNvSpPr/>
+          <p:nvPr/>
+        </p:nvSpPr>
+        <p:spPr>
+          <a:xfrm>
+            <a:off x="647969" y="1292076"/>
+            <a:ext cx="7111752" cy="2677656"/>
+          </a:xfrm>
+          <a:prstGeom prst="rect">
+            <a:avLst/>
+          </a:prstGeom>
+        </p:spPr>
+        <p:txBody>
+          <a:bodyPr wrap="square">
+            <a:spAutoFit/>
+          </a:bodyPr>
+          <a:lstStyle/>
+          <a:p>
+            <a:pPr marL="285750" indent="-285750">
+              <a:buFont typeface="Arial" panose="020B0604020202020204" pitchFamily="34" charset="0"/>
+              <a:buChar char="•"/>
+            </a:pPr>
+            <a:r>
+              <a:rPr lang="ru-RU" sz="2400" dirty="0" smtClean="0"/>
+              <a:t>Иерархическая</a:t>
+            </a:r>
+            <a:endParaRPr lang="en-US" sz="2400" dirty="0" smtClean="0"/>
+          </a:p>
+          <a:p>
+            <a:pPr marL="285750" indent="-285750">
+              <a:buFont typeface="Arial" panose="020B0604020202020204" pitchFamily="34" charset="0"/>
+              <a:buChar char="•"/>
+            </a:pPr>
+            <a:endParaRPr lang="en-US" sz="2400" dirty="0"/>
+          </a:p>
+          <a:p>
+            <a:pPr marL="285750" indent="-285750">
+              <a:buFont typeface="Arial" panose="020B0604020202020204" pitchFamily="34" charset="0"/>
+              <a:buChar char="•"/>
+            </a:pPr>
+            <a:r>
+              <a:rPr lang="ru-RU" sz="2400" dirty="0" smtClean="0"/>
+              <a:t>Сетевая</a:t>
+            </a:r>
+            <a:endParaRPr lang="en-US" sz="2400" dirty="0" smtClean="0"/>
+          </a:p>
+          <a:p>
+            <a:pPr marL="285750" indent="-285750">
+              <a:buFont typeface="Arial" panose="020B0604020202020204" pitchFamily="34" charset="0"/>
+              <a:buChar char="•"/>
+            </a:pPr>
+            <a:endParaRPr lang="en-US" sz="2400" dirty="0"/>
+          </a:p>
+          <a:p>
+            <a:pPr marL="285750" indent="-285750">
+              <a:buFont typeface="Arial" panose="020B0604020202020204" pitchFamily="34" charset="0"/>
+              <a:buChar char="•"/>
+            </a:pPr>
+            <a:r>
+              <a:rPr lang="ru-RU" sz="2400" dirty="0" smtClean="0"/>
+              <a:t>Реляционная</a:t>
+            </a:r>
+            <a:endParaRPr lang="en-US" sz="2400" dirty="0" smtClean="0"/>
+          </a:p>
+          <a:p>
+            <a:endParaRPr lang="en-US" sz="2400" dirty="0"/>
+          </a:p>
+          <a:p>
+            <a:pPr marL="285750" indent="-285750">
+              <a:buFont typeface="Arial" panose="020B0604020202020204" pitchFamily="34" charset="0"/>
+              <a:buChar char="•"/>
+            </a:pPr>
+            <a:r>
+              <a:rPr lang="ru-RU" sz="2400" dirty="0"/>
+              <a:t>Объектно-реляционная</a:t>
+            </a:r>
+            <a:endParaRPr lang="en-US" sz="2400" dirty="0"/>
+          </a:p>
+        </p:txBody>
+      </p:sp>
+    </p:spTree>
+    <p:extLst>
+      <p:ext uri="{BB962C8B-B14F-4D97-AF65-F5344CB8AC3E}">
+        <p14:creationId xmlns:p14="http://schemas.microsoft.com/office/powerpoint/2010/main" val="3565547697"/>
+      </p:ext>
+    </p:extLst>
+  </p:cSld>
+  <p:clrMapOvr>
+    <a:masterClrMapping/>
+  </p:clrMapOvr>
+  <p:timing>
+    <p:tnLst>
+      <p:par>
+        <p:cTn id="1" dur="indefinite" restart="never" nodeType="tmRoot"/>
+      </p:par>
+    </p:tnLst>
+  </p:timing>
+</p:sld>
+</file>
+
+<file path=ppt/slides/slide40.xml><?xml version="1.0" encoding="utf-8"?>
 <p:sld xmlns:a="http://schemas.openxmlformats.org/drawingml/2006/main" xmlns:r="http://schemas.openxmlformats.org/officeDocument/2006/relationships" xmlns:p="http://schemas.openxmlformats.org/presentationml/2006/main">
   <p:cSld>
     <p:spTree>
@@ -18129,580 +19445,6 @@
 </p:sld>
 </file>
 
-<file path=ppt/slides/slide4.xml><?xml version="1.0" encoding="utf-8"?>
-<p:sld xmlns:a="http://schemas.openxmlformats.org/drawingml/2006/main" xmlns:r="http://schemas.openxmlformats.org/officeDocument/2006/relationships" xmlns:p="http://schemas.openxmlformats.org/presentationml/2006/main">
-  <p:cSld>
-    <p:spTree>
-      <p:nvGrpSpPr>
-        <p:cNvPr id="1" name=""/>
-        <p:cNvGrpSpPr/>
-        <p:nvPr/>
-      </p:nvGrpSpPr>
-      <p:grpSpPr>
-        <a:xfrm>
-          <a:off x="0" y="0"/>
-          <a:ext cx="0" cy="0"/>
-          <a:chOff x="0" y="0"/>
-          <a:chExt cx="0" cy="0"/>
-        </a:xfrm>
-      </p:grpSpPr>
-      <p:sp>
-        <p:nvSpPr>
-          <p:cNvPr id="3" name="TextBox 2"/>
-          <p:cNvSpPr txBox="1"/>
-          <p:nvPr/>
-        </p:nvSpPr>
-        <p:spPr>
-          <a:xfrm>
-            <a:off x="468288" y="404664"/>
-            <a:ext cx="5448736" cy="630942"/>
-          </a:xfrm>
-          <a:prstGeom prst="rect">
-            <a:avLst/>
-          </a:prstGeom>
-          <a:noFill/>
-        </p:spPr>
-        <p:txBody>
-          <a:bodyPr wrap="none" rtlCol="0">
-            <a:spAutoFit/>
-          </a:bodyPr>
-          <a:lstStyle/>
-          <a:p>
-            <a:r>
-              <a:rPr lang="ru-RU" sz="3500" dirty="0" smtClean="0">
-                <a:solidFill>
-                  <a:schemeClr val="tx1">
-                    <a:lumMod val="65000"/>
-                    <a:lumOff val="35000"/>
-                  </a:schemeClr>
-                </a:solidFill>
-                <a:effectLst>
-                  <a:outerShdw blurRad="38100" dist="38100" dir="2700000" algn="tl">
-                    <a:srgbClr val="000000">
-                      <a:alpha val="43137"/>
-                    </a:srgbClr>
-                  </a:outerShdw>
-                </a:effectLst>
-              </a:rPr>
-              <a:t>Типы БД по модели данных</a:t>
-            </a:r>
-            <a:endParaRPr lang="en-US" sz="3500" dirty="0">
-              <a:solidFill>
-                <a:schemeClr val="tx1">
-                  <a:lumMod val="65000"/>
-                  <a:lumOff val="35000"/>
-                </a:schemeClr>
-              </a:solidFill>
-              <a:effectLst>
-                <a:outerShdw blurRad="38100" dist="38100" dir="2700000" algn="tl">
-                  <a:srgbClr val="000000">
-                    <a:alpha val="43137"/>
-                  </a:srgbClr>
-                </a:outerShdw>
-              </a:effectLst>
-            </a:endParaRPr>
-          </a:p>
-        </p:txBody>
-      </p:sp>
-      <p:sp>
-        <p:nvSpPr>
-          <p:cNvPr id="2" name="Rectangle 1"/>
-          <p:cNvSpPr/>
-          <p:nvPr/>
-        </p:nvSpPr>
-        <p:spPr>
-          <a:xfrm>
-            <a:off x="647969" y="1292076"/>
-            <a:ext cx="7111752" cy="2677656"/>
-          </a:xfrm>
-          <a:prstGeom prst="rect">
-            <a:avLst/>
-          </a:prstGeom>
-        </p:spPr>
-        <p:txBody>
-          <a:bodyPr wrap="square">
-            <a:spAutoFit/>
-          </a:bodyPr>
-          <a:lstStyle/>
-          <a:p>
-            <a:pPr marL="285750" indent="-285750">
-              <a:buFont typeface="Arial" panose="020B0604020202020204" pitchFamily="34" charset="0"/>
-              <a:buChar char="•"/>
-            </a:pPr>
-            <a:r>
-              <a:rPr lang="ru-RU" sz="2400" dirty="0" smtClean="0"/>
-              <a:t>Иерархическая</a:t>
-            </a:r>
-            <a:endParaRPr lang="en-US" sz="2400" dirty="0" smtClean="0"/>
-          </a:p>
-          <a:p>
-            <a:pPr marL="285750" indent="-285750">
-              <a:buFont typeface="Arial" panose="020B0604020202020204" pitchFamily="34" charset="0"/>
-              <a:buChar char="•"/>
-            </a:pPr>
-            <a:endParaRPr lang="en-US" sz="2400" dirty="0"/>
-          </a:p>
-          <a:p>
-            <a:pPr marL="285750" indent="-285750">
-              <a:buFont typeface="Arial" panose="020B0604020202020204" pitchFamily="34" charset="0"/>
-              <a:buChar char="•"/>
-            </a:pPr>
-            <a:r>
-              <a:rPr lang="ru-RU" sz="2400" dirty="0" smtClean="0"/>
-              <a:t>Сетевая</a:t>
-            </a:r>
-            <a:endParaRPr lang="en-US" sz="2400" dirty="0" smtClean="0"/>
-          </a:p>
-          <a:p>
-            <a:pPr marL="285750" indent="-285750">
-              <a:buFont typeface="Arial" panose="020B0604020202020204" pitchFamily="34" charset="0"/>
-              <a:buChar char="•"/>
-            </a:pPr>
-            <a:endParaRPr lang="en-US" sz="2400" dirty="0"/>
-          </a:p>
-          <a:p>
-            <a:pPr marL="285750" indent="-285750">
-              <a:buFont typeface="Arial" panose="020B0604020202020204" pitchFamily="34" charset="0"/>
-              <a:buChar char="•"/>
-            </a:pPr>
-            <a:r>
-              <a:rPr lang="ru-RU" sz="2400" dirty="0" smtClean="0"/>
-              <a:t>Реляционная</a:t>
-            </a:r>
-            <a:endParaRPr lang="en-US" sz="2400" dirty="0" smtClean="0"/>
-          </a:p>
-          <a:p>
-            <a:endParaRPr lang="en-US" sz="2400" dirty="0"/>
-          </a:p>
-          <a:p>
-            <a:pPr marL="285750" indent="-285750">
-              <a:buFont typeface="Arial" panose="020B0604020202020204" pitchFamily="34" charset="0"/>
-              <a:buChar char="•"/>
-            </a:pPr>
-            <a:r>
-              <a:rPr lang="ru-RU" sz="2400" dirty="0"/>
-              <a:t>Объектно-реляционная</a:t>
-            </a:r>
-            <a:endParaRPr lang="en-US" sz="2400" dirty="0"/>
-          </a:p>
-        </p:txBody>
-      </p:sp>
-    </p:spTree>
-    <p:extLst>
-      <p:ext uri="{BB962C8B-B14F-4D97-AF65-F5344CB8AC3E}">
-        <p14:creationId xmlns:p14="http://schemas.microsoft.com/office/powerpoint/2010/main" val="3565547697"/>
-      </p:ext>
-    </p:extLst>
-  </p:cSld>
-  <p:clrMapOvr>
-    <a:masterClrMapping/>
-  </p:clrMapOvr>
-  <p:timing>
-    <p:tnLst>
-      <p:par>
-        <p:cTn id="1" dur="indefinite" restart="never" nodeType="tmRoot"/>
-      </p:par>
-    </p:tnLst>
-  </p:timing>
-</p:sld>
-</file>
-
-<file path=ppt/slides/slide40.xml><?xml version="1.0" encoding="utf-8"?>
-<p:sld xmlns:a="http://schemas.openxmlformats.org/drawingml/2006/main" xmlns:r="http://schemas.openxmlformats.org/officeDocument/2006/relationships" xmlns:p="http://schemas.openxmlformats.org/presentationml/2006/main">
-  <p:cSld>
-    <p:spTree>
-      <p:nvGrpSpPr>
-        <p:cNvPr id="1" name=""/>
-        <p:cNvGrpSpPr/>
-        <p:nvPr/>
-      </p:nvGrpSpPr>
-      <p:grpSpPr>
-        <a:xfrm>
-          <a:off x="0" y="0"/>
-          <a:ext cx="0" cy="0"/>
-          <a:chOff x="0" y="0"/>
-          <a:chExt cx="0" cy="0"/>
-        </a:xfrm>
-      </p:grpSpPr>
-      <p:sp>
-        <p:nvSpPr>
-          <p:cNvPr id="4" name="TextBox 3"/>
-          <p:cNvSpPr txBox="1"/>
-          <p:nvPr/>
-        </p:nvSpPr>
-        <p:spPr>
-          <a:xfrm>
-            <a:off x="533399" y="404664"/>
-            <a:ext cx="3468706" cy="630942"/>
-          </a:xfrm>
-          <a:prstGeom prst="rect">
-            <a:avLst/>
-          </a:prstGeom>
-          <a:noFill/>
-        </p:spPr>
-        <p:txBody>
-          <a:bodyPr wrap="none" rtlCol="0">
-            <a:spAutoFit/>
-          </a:bodyPr>
-          <a:lstStyle/>
-          <a:p>
-            <a:r>
-              <a:rPr lang="en-US" sz="3500" dirty="0" smtClean="0">
-                <a:solidFill>
-                  <a:schemeClr val="tx1">
-                    <a:lumMod val="65000"/>
-                    <a:lumOff val="35000"/>
-                  </a:schemeClr>
-                </a:solidFill>
-                <a:effectLst>
-                  <a:outerShdw blurRad="38100" dist="38100" dir="2700000" algn="tl">
-                    <a:srgbClr val="000000">
-                      <a:alpha val="43137"/>
-                    </a:srgbClr>
-                  </a:outerShdw>
-                </a:effectLst>
-              </a:rPr>
-              <a:t>INSERT Statement</a:t>
-            </a:r>
-            <a:endParaRPr lang="en-US" sz="3500" dirty="0">
-              <a:solidFill>
-                <a:schemeClr val="tx1">
-                  <a:lumMod val="65000"/>
-                  <a:lumOff val="35000"/>
-                </a:schemeClr>
-              </a:solidFill>
-              <a:effectLst>
-                <a:outerShdw blurRad="38100" dist="38100" dir="2700000" algn="tl">
-                  <a:srgbClr val="000000">
-                    <a:alpha val="43137"/>
-                  </a:srgbClr>
-                </a:outerShdw>
-              </a:effectLst>
-            </a:endParaRPr>
-          </a:p>
-        </p:txBody>
-      </p:sp>
-      <p:sp>
-        <p:nvSpPr>
-          <p:cNvPr id="9" name="Rectangle 8"/>
-          <p:cNvSpPr/>
-          <p:nvPr/>
-        </p:nvSpPr>
-        <p:spPr>
-          <a:xfrm>
-            <a:off x="629097" y="1340768"/>
-            <a:ext cx="8064896" cy="1015663"/>
-          </a:xfrm>
-          <a:prstGeom prst="rect">
-            <a:avLst/>
-          </a:prstGeom>
-        </p:spPr>
-        <p:txBody>
-          <a:bodyPr wrap="square">
-            <a:spAutoFit/>
-          </a:bodyPr>
-          <a:lstStyle/>
-          <a:p>
-            <a:pPr fontAlgn="base">
-              <a:lnSpc>
-                <a:spcPct val="150000"/>
-              </a:lnSpc>
-              <a:spcBef>
-                <a:spcPct val="0"/>
-              </a:spcBef>
-              <a:spcAft>
-                <a:spcPct val="0"/>
-              </a:spcAft>
-              <a:tabLst>
-                <a:tab pos="2311400" algn="l"/>
-              </a:tabLst>
-            </a:pPr>
-            <a:r>
-              <a:rPr lang="en-US" sz="2000" b="1" dirty="0" smtClean="0">
-                <a:latin typeface="Calibri" pitchFamily="34" charset="0"/>
-                <a:ea typeface="Calibri" pitchFamily="34" charset="0"/>
-                <a:cs typeface="Times New Roman" pitchFamily="18" charset="0"/>
-              </a:rPr>
-              <a:t>INSERT INTO</a:t>
-            </a:r>
-            <a:r>
-              <a:rPr lang="en-US" sz="2000" dirty="0" smtClean="0">
-                <a:latin typeface="Calibri" pitchFamily="34" charset="0"/>
-                <a:ea typeface="Calibri" pitchFamily="34" charset="0"/>
-                <a:cs typeface="Times New Roman" pitchFamily="18" charset="0"/>
-              </a:rPr>
-              <a:t> 	</a:t>
-            </a:r>
-            <a:r>
-              <a:rPr lang="en-US" sz="2000" i="1" dirty="0" smtClean="0">
-                <a:latin typeface="Calibri" pitchFamily="34" charset="0"/>
-                <a:ea typeface="Calibri" pitchFamily="34" charset="0"/>
-                <a:cs typeface="Times New Roman" pitchFamily="18" charset="0"/>
-              </a:rPr>
-              <a:t>table [(column [, column…])]</a:t>
-            </a:r>
-          </a:p>
-          <a:p>
-            <a:pPr fontAlgn="base">
-              <a:lnSpc>
-                <a:spcPct val="150000"/>
-              </a:lnSpc>
-              <a:spcBef>
-                <a:spcPct val="0"/>
-              </a:spcBef>
-              <a:spcAft>
-                <a:spcPct val="0"/>
-              </a:spcAft>
-              <a:tabLst>
-                <a:tab pos="2311400" algn="l"/>
-              </a:tabLst>
-            </a:pPr>
-            <a:r>
-              <a:rPr lang="en-US" sz="2000" b="1" dirty="0" smtClean="0">
-                <a:latin typeface="Calibri" pitchFamily="34" charset="0"/>
-                <a:ea typeface="Calibri" pitchFamily="34" charset="0"/>
-                <a:cs typeface="Times New Roman" pitchFamily="18" charset="0"/>
-              </a:rPr>
-              <a:t>VALUES	</a:t>
-            </a:r>
-            <a:r>
-              <a:rPr lang="en-US" sz="2000" i="1" dirty="0" smtClean="0">
-                <a:latin typeface="Calibri" pitchFamily="34" charset="0"/>
-                <a:ea typeface="Calibri" pitchFamily="34" charset="0"/>
-                <a:cs typeface="Times New Roman" pitchFamily="18" charset="0"/>
-              </a:rPr>
-              <a:t>(value [, value…]);</a:t>
-            </a:r>
-          </a:p>
-        </p:txBody>
-      </p:sp>
-      <p:sp>
-        <p:nvSpPr>
-          <p:cNvPr id="2" name="Rectangle 1"/>
-          <p:cNvSpPr/>
-          <p:nvPr/>
-        </p:nvSpPr>
-        <p:spPr>
-          <a:xfrm>
-            <a:off x="664915" y="3068960"/>
-            <a:ext cx="1135439" cy="400110"/>
-          </a:xfrm>
-          <a:prstGeom prst="rect">
-            <a:avLst/>
-          </a:prstGeom>
-        </p:spPr>
-        <p:txBody>
-          <a:bodyPr wrap="none">
-            <a:spAutoFit/>
-          </a:bodyPr>
-          <a:lstStyle/>
-          <a:p>
-            <a:r>
-              <a:rPr lang="en-US" sz="2000" dirty="0" smtClean="0">
-                <a:solidFill>
-                  <a:schemeClr val="tx1">
-                    <a:lumMod val="65000"/>
-                    <a:lumOff val="35000"/>
-                  </a:schemeClr>
-                </a:solidFill>
-                <a:effectLst>
-                  <a:outerShdw blurRad="38100" dist="38100" dir="2700000" algn="tl">
-                    <a:srgbClr val="000000">
-                      <a:alpha val="43137"/>
-                    </a:srgbClr>
-                  </a:outerShdw>
-                </a:effectLst>
-              </a:rPr>
-              <a:t>Example:</a:t>
-            </a:r>
-            <a:endParaRPr lang="en-US" sz="2000" dirty="0">
-              <a:solidFill>
-                <a:schemeClr val="tx1">
-                  <a:lumMod val="65000"/>
-                  <a:lumOff val="35000"/>
-                </a:schemeClr>
-              </a:solidFill>
-              <a:effectLst>
-                <a:outerShdw blurRad="38100" dist="38100" dir="2700000" algn="tl">
-                  <a:srgbClr val="000000">
-                    <a:alpha val="43137"/>
-                  </a:srgbClr>
-                </a:outerShdw>
-              </a:effectLst>
-            </a:endParaRPr>
-          </a:p>
-        </p:txBody>
-      </p:sp>
-      <p:sp>
-        <p:nvSpPr>
-          <p:cNvPr id="6" name="Rectangle 5"/>
-          <p:cNvSpPr/>
-          <p:nvPr/>
-        </p:nvSpPr>
-        <p:spPr>
-          <a:xfrm>
-            <a:off x="664915" y="3469070"/>
-            <a:ext cx="8064896" cy="1477328"/>
-          </a:xfrm>
-          <a:prstGeom prst="rect">
-            <a:avLst/>
-          </a:prstGeom>
-        </p:spPr>
-        <p:txBody>
-          <a:bodyPr wrap="square">
-            <a:spAutoFit/>
-          </a:bodyPr>
-          <a:lstStyle/>
-          <a:p>
-            <a:pPr fontAlgn="base">
-              <a:lnSpc>
-                <a:spcPct val="150000"/>
-              </a:lnSpc>
-              <a:spcBef>
-                <a:spcPct val="0"/>
-              </a:spcBef>
-              <a:spcAft>
-                <a:spcPct val="0"/>
-              </a:spcAft>
-              <a:tabLst>
-                <a:tab pos="2311400" algn="l"/>
-              </a:tabLst>
-            </a:pPr>
-            <a:r>
-              <a:rPr lang="en-US" sz="2000" b="1" dirty="0" smtClean="0">
-                <a:latin typeface="Calibri" pitchFamily="34" charset="0"/>
-                <a:ea typeface="Calibri" pitchFamily="34" charset="0"/>
-                <a:cs typeface="Times New Roman" pitchFamily="18" charset="0"/>
-              </a:rPr>
-              <a:t>INSERT INTO</a:t>
-            </a:r>
-            <a:r>
-              <a:rPr lang="en-US" sz="2000" dirty="0" smtClean="0">
-                <a:latin typeface="Calibri" pitchFamily="34" charset="0"/>
-                <a:ea typeface="Calibri" pitchFamily="34" charset="0"/>
-                <a:cs typeface="Times New Roman" pitchFamily="18" charset="0"/>
-              </a:rPr>
-              <a:t> departments (</a:t>
-            </a:r>
-            <a:r>
-              <a:rPr lang="en-US" sz="2000" dirty="0" err="1" smtClean="0">
-                <a:latin typeface="Calibri" pitchFamily="34" charset="0"/>
-                <a:ea typeface="Calibri" pitchFamily="34" charset="0"/>
-                <a:cs typeface="Times New Roman" pitchFamily="18" charset="0"/>
-              </a:rPr>
-              <a:t>department_id</a:t>
-            </a:r>
-            <a:r>
-              <a:rPr lang="en-US" sz="2000" dirty="0" smtClean="0">
-                <a:latin typeface="Calibri" pitchFamily="34" charset="0"/>
-                <a:ea typeface="Calibri" pitchFamily="34" charset="0"/>
-                <a:cs typeface="Times New Roman" pitchFamily="18" charset="0"/>
-              </a:rPr>
-              <a:t>, </a:t>
-            </a:r>
-            <a:r>
-              <a:rPr lang="en-US" sz="2000" dirty="0" err="1" smtClean="0">
-                <a:latin typeface="Calibri" pitchFamily="34" charset="0"/>
-                <a:ea typeface="Calibri" pitchFamily="34" charset="0"/>
-                <a:cs typeface="Times New Roman" pitchFamily="18" charset="0"/>
-              </a:rPr>
-              <a:t>department_name</a:t>
-            </a:r>
-            <a:r>
-              <a:rPr lang="en-US" sz="2000" dirty="0" smtClean="0">
-                <a:latin typeface="Calibri" pitchFamily="34" charset="0"/>
-                <a:ea typeface="Calibri" pitchFamily="34" charset="0"/>
-                <a:cs typeface="Times New Roman" pitchFamily="18" charset="0"/>
-              </a:rPr>
-              <a:t>, </a:t>
-            </a:r>
-            <a:r>
-              <a:rPr lang="en-US" sz="2000" dirty="0" err="1" smtClean="0">
-                <a:latin typeface="Calibri" pitchFamily="34" charset="0"/>
-                <a:ea typeface="Calibri" pitchFamily="34" charset="0"/>
-                <a:cs typeface="Times New Roman" pitchFamily="18" charset="0"/>
-              </a:rPr>
-              <a:t>manger_id</a:t>
-            </a:r>
-            <a:r>
-              <a:rPr lang="en-US" sz="2000" dirty="0" smtClean="0">
-                <a:latin typeface="Calibri" pitchFamily="34" charset="0"/>
-                <a:ea typeface="Calibri" pitchFamily="34" charset="0"/>
-                <a:cs typeface="Times New Roman" pitchFamily="18" charset="0"/>
-              </a:rPr>
-              <a:t>, </a:t>
-            </a:r>
-            <a:r>
-              <a:rPr lang="en-US" sz="2000" dirty="0" err="1" smtClean="0">
-                <a:latin typeface="Calibri" pitchFamily="34" charset="0"/>
-                <a:ea typeface="Calibri" pitchFamily="34" charset="0"/>
-                <a:cs typeface="Times New Roman" pitchFamily="18" charset="0"/>
-              </a:rPr>
-              <a:t>location_id</a:t>
-            </a:r>
-            <a:r>
-              <a:rPr lang="en-US" sz="2000" dirty="0" smtClean="0">
-                <a:latin typeface="Calibri" pitchFamily="34" charset="0"/>
-                <a:ea typeface="Calibri" pitchFamily="34" charset="0"/>
-                <a:cs typeface="Times New Roman" pitchFamily="18" charset="0"/>
-              </a:rPr>
-              <a:t>)</a:t>
-            </a:r>
-          </a:p>
-          <a:p>
-            <a:pPr fontAlgn="base">
-              <a:lnSpc>
-                <a:spcPct val="150000"/>
-              </a:lnSpc>
-              <a:spcBef>
-                <a:spcPct val="0"/>
-              </a:spcBef>
-              <a:spcAft>
-                <a:spcPct val="0"/>
-              </a:spcAft>
-              <a:tabLst>
-                <a:tab pos="2311400" algn="l"/>
-              </a:tabLst>
-            </a:pPr>
-            <a:r>
-              <a:rPr lang="en-US" sz="2000" b="1" dirty="0" smtClean="0">
-                <a:latin typeface="Calibri" pitchFamily="34" charset="0"/>
-                <a:ea typeface="Calibri" pitchFamily="34" charset="0"/>
-                <a:cs typeface="Times New Roman" pitchFamily="18" charset="0"/>
-              </a:rPr>
-              <a:t>VALUES</a:t>
-            </a:r>
-            <a:r>
-              <a:rPr lang="en-US" sz="2000" dirty="0" smtClean="0">
-                <a:latin typeface="Calibri" pitchFamily="34" charset="0"/>
-                <a:ea typeface="Calibri" pitchFamily="34" charset="0"/>
-                <a:cs typeface="Times New Roman" pitchFamily="18" charset="0"/>
-              </a:rPr>
-              <a:t> (70,’Public Relations’, 100, 1700);</a:t>
-            </a:r>
-          </a:p>
-        </p:txBody>
-      </p:sp>
-    </p:spTree>
-    <p:extLst>
-      <p:ext uri="{BB962C8B-B14F-4D97-AF65-F5344CB8AC3E}">
-        <p14:creationId xmlns:p14="http://schemas.microsoft.com/office/powerpoint/2010/main" val="3622466474"/>
-      </p:ext>
-    </p:extLst>
-  </p:cSld>
-  <p:clrMapOvr>
-    <a:masterClrMapping/>
-  </p:clrMapOvr>
-  <p:timing>
-    <p:tnLst>
-      <p:par>
-        <p:cTn id="1" dur="indefinite" restart="never" nodeType="tmRoot"/>
-      </p:par>
-    </p:tnLst>
-  </p:timing>
-</p:sld>
-</file>
-
 <file path=ppt/slides/slide41.xml><?xml version="1.0" encoding="utf-8"?>
 <p:sld xmlns:a="http://schemas.openxmlformats.org/drawingml/2006/main" xmlns:r="http://schemas.openxmlformats.org/officeDocument/2006/relationships" xmlns:p="http://schemas.openxmlformats.org/presentationml/2006/main">
   <p:cSld>
@@ -18729,7 +19471,7 @@
         <p:spPr>
           <a:xfrm>
             <a:off x="533399" y="404664"/>
-            <a:ext cx="3633367" cy="630942"/>
+            <a:ext cx="3468706" cy="630942"/>
           </a:xfrm>
           <a:prstGeom prst="rect">
             <a:avLst/>
@@ -18758,7 +19500,7 @@
                   </a:outerShdw>
                 </a:effectLst>
               </a:rPr>
-              <a:t>UPDATE Statement</a:t>
+              <a:t>INSERT Statement</a:t>
             </a:r>
             <a:endParaRPr lang="en-US" sz="3500" dirty="0">
               <a:solidFill>
@@ -18786,8 +19528,8 @@
         </p:nvSpPr>
         <p:spPr>
           <a:xfrm>
-            <a:off x="764976" y="1348036"/>
-            <a:ext cx="6471320" cy="1477328"/>
+            <a:off x="629097" y="1340768"/>
+            <a:ext cx="8064896" cy="1015663"/>
           </a:xfrm>
           <a:prstGeom prst="rect">
             <a:avLst/>
@@ -18819,7 +19561,7 @@
                 <a:ea typeface="Calibri" pitchFamily="34" charset="0"/>
                 <a:cs typeface="Times New Roman" pitchFamily="18" charset="0"/>
               </a:rPr>
-              <a:t>UPDATE</a:t>
+              <a:t>INSERT INTO</a:t>
             </a:r>
             <a:r>
               <a:rPr lang="en-US" sz="2000" dirty="0" smtClean="0">
@@ -18827,7 +19569,7 @@
                 <a:ea typeface="Calibri" pitchFamily="34" charset="0"/>
                 <a:cs typeface="Times New Roman" pitchFamily="18" charset="0"/>
               </a:rPr>
-              <a:t>	</a:t>
+              <a:t> 	</a:t>
             </a:r>
             <a:r>
               <a:rPr lang="en-US" sz="2000" i="1" dirty="0" smtClean="0">
@@ -18835,7 +19577,7 @@
                 <a:ea typeface="Calibri" pitchFamily="34" charset="0"/>
                 <a:cs typeface="Times New Roman" pitchFamily="18" charset="0"/>
               </a:rPr>
-              <a:t>table</a:t>
+              <a:t>table [(column [, column…])]</a:t>
             </a:r>
           </a:p>
           <a:p>
@@ -18859,7 +19601,7 @@
                 <a:ea typeface="Calibri" pitchFamily="34" charset="0"/>
                 <a:cs typeface="Times New Roman" pitchFamily="18" charset="0"/>
               </a:rPr>
-              <a:t>SET	</a:t>
+              <a:t>VALUES	</a:t>
             </a:r>
             <a:r>
               <a:rPr lang="en-US" sz="2000" i="1" dirty="0" smtClean="0">
@@ -18867,87 +19609,7 @@
                 <a:ea typeface="Calibri" pitchFamily="34" charset="0"/>
                 <a:cs typeface="Times New Roman" pitchFamily="18" charset="0"/>
               </a:rPr>
-              <a:t>column = value </a:t>
-            </a:r>
-            <a:r>
-              <a:rPr lang="en-US" sz="2000" dirty="0" smtClean="0">
-                <a:latin typeface="Calibri" pitchFamily="34" charset="0"/>
-                <a:ea typeface="Calibri" pitchFamily="34" charset="0"/>
-                <a:cs typeface="Times New Roman" pitchFamily="18" charset="0"/>
-              </a:rPr>
-              <a:t>[</a:t>
-            </a:r>
-            <a:r>
-              <a:rPr lang="en-US" sz="2000" i="1" dirty="0" smtClean="0">
-                <a:latin typeface="Calibri" pitchFamily="34" charset="0"/>
-                <a:ea typeface="Calibri" pitchFamily="34" charset="0"/>
-                <a:cs typeface="Times New Roman" pitchFamily="18" charset="0"/>
-              </a:rPr>
-              <a:t>, column = value,…</a:t>
-            </a:r>
-            <a:r>
-              <a:rPr lang="en-US" sz="2000" dirty="0" smtClean="0">
-                <a:latin typeface="Calibri" pitchFamily="34" charset="0"/>
-                <a:ea typeface="Calibri" pitchFamily="34" charset="0"/>
-                <a:cs typeface="Times New Roman" pitchFamily="18" charset="0"/>
-              </a:rPr>
-              <a:t>]</a:t>
-            </a:r>
-          </a:p>
-          <a:p>
-            <a:pPr fontAlgn="base">
-              <a:lnSpc>
-                <a:spcPct val="150000"/>
-              </a:lnSpc>
-              <a:spcBef>
-                <a:spcPct val="0"/>
-              </a:spcBef>
-              <a:spcAft>
-                <a:spcPct val="0"/>
-              </a:spcAft>
-              <a:tabLst>
-                <a:tab pos="2311400" algn="l"/>
-              </a:tabLst>
-            </a:pPr>
-            <a:r>
-              <a:rPr lang="en-US" sz="2000" dirty="0" smtClean="0">
-                <a:latin typeface="Calibri" pitchFamily="34" charset="0"/>
-                <a:ea typeface="Calibri" pitchFamily="34" charset="0"/>
-                <a:cs typeface="Times New Roman" pitchFamily="18" charset="0"/>
-              </a:rPr>
-              <a:t>[</a:t>
-            </a:r>
-            <a:r>
-              <a:rPr lang="en-US" sz="2000" b="1" dirty="0" smtClean="0">
-                <a:latin typeface="Calibri" pitchFamily="34" charset="0"/>
-                <a:ea typeface="Calibri" pitchFamily="34" charset="0"/>
-                <a:cs typeface="Times New Roman" pitchFamily="18" charset="0"/>
-              </a:rPr>
-              <a:t>WHERE</a:t>
-            </a:r>
-            <a:r>
-              <a:rPr lang="en-US" sz="2000" dirty="0" smtClean="0">
-                <a:latin typeface="Calibri" pitchFamily="34" charset="0"/>
-                <a:ea typeface="Calibri" pitchFamily="34" charset="0"/>
-                <a:cs typeface="Times New Roman" pitchFamily="18" charset="0"/>
-              </a:rPr>
-              <a:t>	</a:t>
-            </a:r>
-            <a:r>
-              <a:rPr lang="en-US" sz="2000" i="1" dirty="0" smtClean="0">
-                <a:latin typeface="Calibri" pitchFamily="34" charset="0"/>
-                <a:ea typeface="Calibri" pitchFamily="34" charset="0"/>
-                <a:cs typeface="Times New Roman" pitchFamily="18" charset="0"/>
-              </a:rPr>
-              <a:t>condition</a:t>
-            </a:r>
-            <a:r>
-              <a:rPr lang="en-US" sz="2000" dirty="0" smtClean="0">
-                <a:latin typeface="Calibri" pitchFamily="34" charset="0"/>
-                <a:ea typeface="Calibri" pitchFamily="34" charset="0"/>
-                <a:cs typeface="Times New Roman" pitchFamily="18" charset="0"/>
-              </a:rPr>
-              <a:t>];</a:t>
+              <a:t>(value [, value…]);</a:t>
             </a:r>
           </a:p>
         </p:txBody>
@@ -18960,15 +19622,15 @@
         </p:nvSpPr>
         <p:spPr>
           <a:xfrm>
-            <a:off x="764976" y="3138686"/>
-            <a:ext cx="1350615" cy="400110"/>
+            <a:off x="664915" y="3068960"/>
+            <a:ext cx="1135439" cy="400110"/>
           </a:xfrm>
           <a:prstGeom prst="rect">
             <a:avLst/>
           </a:prstGeom>
         </p:spPr>
         <p:txBody>
-          <a:bodyPr wrap="square">
+          <a:bodyPr wrap="none">
             <a:spAutoFit/>
           </a:bodyPr>
           <a:lstStyle/>
@@ -18989,7 +19651,7 @@
                   </a:outerShdw>
                 </a:effectLst>
               </a:rPr>
-              <a:t>Examples:</a:t>
+              <a:t>Example:</a:t>
             </a:r>
             <a:endParaRPr lang="en-US" sz="2000" dirty="0">
               <a:solidFill>
@@ -19011,106 +19673,29 @@
       </p:sp>
       <p:sp>
         <p:nvSpPr>
-          <p:cNvPr id="3" name="TextBox 2"/>
-          <p:cNvSpPr txBox="1"/>
+          <p:cNvPr id="6" name="Rectangle 5"/>
+          <p:cNvSpPr/>
           <p:nvPr/>
         </p:nvSpPr>
         <p:spPr>
           <a:xfrm>
-            <a:off x="4189065" y="4036422"/>
-            <a:ext cx="2016224" cy="369332"/>
+            <a:off x="664915" y="3469070"/>
+            <a:ext cx="8064896" cy="1477328"/>
           </a:xfrm>
           <a:prstGeom prst="rect">
             <a:avLst/>
           </a:prstGeom>
-          <a:noFill/>
         </p:spPr>
         <p:txBody>
-          <a:bodyPr wrap="square" rtlCol="0">
+          <a:bodyPr wrap="square">
             <a:spAutoFit/>
           </a:bodyPr>
           <a:lstStyle/>
           <a:p>
-            <a:r>
-              <a:rPr lang="en-US" dirty="0" smtClean="0"/>
-              <a:t>1 row updated</a:t>
-            </a:r>
-            <a:endParaRPr lang="en-US" dirty="0"/>
-          </a:p>
-        </p:txBody>
-      </p:sp>
-      <p:sp>
-        <p:nvSpPr>
-          <p:cNvPr id="8" name="TextBox 7"/>
-          <p:cNvSpPr txBox="1"/>
-          <p:nvPr/>
-        </p:nvSpPr>
-        <p:spPr>
-          <a:xfrm>
-            <a:off x="4166766" y="5304541"/>
-            <a:ext cx="2016224" cy="369332"/>
-          </a:xfrm>
-          <a:prstGeom prst="rect">
-            <a:avLst/>
-          </a:prstGeom>
-          <a:noFill/>
-        </p:spPr>
-        <p:txBody>
-          <a:bodyPr wrap="square" rtlCol="0">
-            <a:spAutoFit/>
-          </a:bodyPr>
-          <a:lstStyle/>
-          <a:p>
-            <a:r>
-              <a:rPr lang="en-US" dirty="0" smtClean="0"/>
-              <a:t>22 rows updated</a:t>
-            </a:r>
-            <a:endParaRPr lang="en-US" dirty="0"/>
-          </a:p>
-        </p:txBody>
-      </p:sp>
-      <p:sp>
-        <p:nvSpPr>
-          <p:cNvPr id="5" name="Right Arrow Callout 4"/>
-          <p:cNvSpPr/>
-          <p:nvPr/>
-        </p:nvSpPr>
-        <p:spPr>
-          <a:xfrm>
-            <a:off x="764976" y="3645024"/>
-            <a:ext cx="3302968" cy="1152128"/>
-          </a:xfrm>
-          <a:prstGeom prst="rightArrowCallout">
-            <a:avLst>
-              <a:gd name="adj1" fmla="val 10287"/>
-              <a:gd name="adj2" fmla="val 15637"/>
-              <a:gd name="adj3" fmla="val 16305"/>
-              <a:gd name="adj4" fmla="val 87052"/>
-            </a:avLst>
-          </a:prstGeom>
-          <a:ln w="12700">
-            <a:prstDash val="sysDash"/>
-          </a:ln>
-        </p:spPr>
-        <p:style>
-          <a:lnRef idx="2">
-            <a:schemeClr val="accent6"/>
-          </a:lnRef>
-          <a:fillRef idx="1">
-            <a:schemeClr val="lt1"/>
-          </a:fillRef>
-          <a:effectRef idx="0">
-            <a:schemeClr val="accent6"/>
-          </a:effectRef>
-          <a:fontRef idx="minor">
-            <a:schemeClr val="dk1"/>
-          </a:fontRef>
-        </p:style>
-        <p:txBody>
-          <a:bodyPr rtlCol="0" anchor="ctr"/>
-          <a:lstStyle/>
-          <a:p>
             <a:pPr fontAlgn="base">
+              <a:lnSpc>
+                <a:spcPct val="150000"/>
+              </a:lnSpc>
               <a:spcBef>
                 <a:spcPct val="0"/>
               </a:spcBef>
@@ -19122,24 +19707,91 @@
               </a:tabLst>
             </a:pPr>
             <a:r>
-              <a:rPr lang="en-US" b="1" dirty="0">
-                <a:latin typeface="Calibri" pitchFamily="34" charset="0"/>
-                <a:ea typeface="Calibri" pitchFamily="34" charset="0"/>
-                <a:cs typeface="Times New Roman" pitchFamily="18" charset="0"/>
-              </a:rPr>
-              <a:t>UPDATE </a:t>
-            </a:r>
-            <a:r>
-              <a:rPr lang="en-US" dirty="0">
-                <a:latin typeface="Calibri" pitchFamily="34" charset="0"/>
-                <a:ea typeface="Calibri" pitchFamily="34" charset="0"/>
-                <a:cs typeface="Times New Roman" pitchFamily="18" charset="0"/>
-              </a:rPr>
-              <a:t>employees</a:t>
+              <a:rPr lang="en-US" sz="2000" b="1" dirty="0" smtClean="0">
+                <a:latin typeface="Calibri" pitchFamily="34" charset="0"/>
+                <a:ea typeface="Calibri" pitchFamily="34" charset="0"/>
+                <a:cs typeface="Times New Roman" pitchFamily="18" charset="0"/>
+              </a:rPr>
+              <a:t>INSERT INTO</a:t>
+            </a:r>
+            <a:r>
+              <a:rPr lang="en-US" sz="2000" dirty="0" smtClean="0">
+                <a:latin typeface="Calibri" pitchFamily="34" charset="0"/>
+                <a:ea typeface="Calibri" pitchFamily="34" charset="0"/>
+                <a:cs typeface="Times New Roman" pitchFamily="18" charset="0"/>
+              </a:rPr>
+              <a:t> departments (</a:t>
+            </a:r>
+            <a:r>
+              <a:rPr lang="en-US" sz="2000" dirty="0" err="1" smtClean="0">
+                <a:latin typeface="Calibri" pitchFamily="34" charset="0"/>
+                <a:ea typeface="Calibri" pitchFamily="34" charset="0"/>
+                <a:cs typeface="Times New Roman" pitchFamily="18" charset="0"/>
+              </a:rPr>
+              <a:t>department_id</a:t>
+            </a:r>
+            <a:r>
+              <a:rPr lang="en-US" sz="2000" dirty="0" smtClean="0">
+                <a:latin typeface="Calibri" pitchFamily="34" charset="0"/>
+                <a:ea typeface="Calibri" pitchFamily="34" charset="0"/>
+                <a:cs typeface="Times New Roman" pitchFamily="18" charset="0"/>
+              </a:rPr>
+              <a:t>, </a:t>
+            </a:r>
+            <a:r>
+              <a:rPr lang="en-US" sz="2000" dirty="0" err="1" smtClean="0">
+                <a:latin typeface="Calibri" pitchFamily="34" charset="0"/>
+                <a:ea typeface="Calibri" pitchFamily="34" charset="0"/>
+                <a:cs typeface="Times New Roman" pitchFamily="18" charset="0"/>
+              </a:rPr>
+              <a:t>department_name</a:t>
+            </a:r>
+            <a:r>
+              <a:rPr lang="en-US" sz="2000" dirty="0" smtClean="0">
+                <a:latin typeface="Calibri" pitchFamily="34" charset="0"/>
+                <a:ea typeface="Calibri" pitchFamily="34" charset="0"/>
+                <a:cs typeface="Times New Roman" pitchFamily="18" charset="0"/>
+              </a:rPr>
+              <a:t>, </a:t>
+            </a:r>
+            <a:r>
+              <a:rPr lang="en-US" sz="2000" dirty="0" err="1" smtClean="0">
+                <a:latin typeface="Calibri" pitchFamily="34" charset="0"/>
+                <a:ea typeface="Calibri" pitchFamily="34" charset="0"/>
+                <a:cs typeface="Times New Roman" pitchFamily="18" charset="0"/>
+              </a:rPr>
+              <a:t>manger_id</a:t>
+            </a:r>
+            <a:r>
+              <a:rPr lang="en-US" sz="2000" dirty="0" smtClean="0">
+                <a:latin typeface="Calibri" pitchFamily="34" charset="0"/>
+                <a:ea typeface="Calibri" pitchFamily="34" charset="0"/>
+                <a:cs typeface="Times New Roman" pitchFamily="18" charset="0"/>
+              </a:rPr>
+              <a:t>, </a:t>
+            </a:r>
+            <a:r>
+              <a:rPr lang="en-US" sz="2000" dirty="0" err="1" smtClean="0">
+                <a:latin typeface="Calibri" pitchFamily="34" charset="0"/>
+                <a:ea typeface="Calibri" pitchFamily="34" charset="0"/>
+                <a:cs typeface="Times New Roman" pitchFamily="18" charset="0"/>
+              </a:rPr>
+              <a:t>location_id</a:t>
+            </a:r>
+            <a:r>
+              <a:rPr lang="en-US" sz="2000" dirty="0" smtClean="0">
+                <a:latin typeface="Calibri" pitchFamily="34" charset="0"/>
+                <a:ea typeface="Calibri" pitchFamily="34" charset="0"/>
+                <a:cs typeface="Times New Roman" pitchFamily="18" charset="0"/>
+              </a:rPr>
+              <a:t>)</a:t>
             </a:r>
           </a:p>
           <a:p>
             <a:pPr fontAlgn="base">
+              <a:lnSpc>
+                <a:spcPct val="150000"/>
+              </a:lnSpc>
               <a:spcBef>
                 <a:spcPct val="0"/>
               </a:spcBef>
@@ -19151,219 +19803,28 @@
               </a:tabLst>
             </a:pPr>
             <a:r>
-              <a:rPr lang="en-US" b="1" dirty="0">
-                <a:latin typeface="Calibri" pitchFamily="34" charset="0"/>
-                <a:ea typeface="Calibri" pitchFamily="34" charset="0"/>
-                <a:cs typeface="Times New Roman" pitchFamily="18" charset="0"/>
-              </a:rPr>
-              <a:t>SET</a:t>
-            </a:r>
-            <a:r>
-              <a:rPr lang="en-US" dirty="0">
-                <a:latin typeface="Calibri" pitchFamily="34" charset="0"/>
-                <a:ea typeface="Calibri" pitchFamily="34" charset="0"/>
-                <a:cs typeface="Times New Roman" pitchFamily="18" charset="0"/>
-              </a:rPr>
-              <a:t> </a:t>
-            </a:r>
-            <a:r>
-              <a:rPr lang="en-US" dirty="0" err="1">
-                <a:latin typeface="Calibri" pitchFamily="34" charset="0"/>
-                <a:ea typeface="Calibri" pitchFamily="34" charset="0"/>
-                <a:cs typeface="Times New Roman" pitchFamily="18" charset="0"/>
-              </a:rPr>
-              <a:t>department_id</a:t>
-            </a:r>
-            <a:r>
-              <a:rPr lang="en-US" dirty="0">
-                <a:latin typeface="Calibri" pitchFamily="34" charset="0"/>
-                <a:ea typeface="Calibri" pitchFamily="34" charset="0"/>
-                <a:cs typeface="Times New Roman" pitchFamily="18" charset="0"/>
-              </a:rPr>
-              <a:t> = 70</a:t>
-            </a:r>
-          </a:p>
-          <a:p>
-            <a:pPr fontAlgn="base">
-              <a:spcBef>
-                <a:spcPct val="0"/>
-              </a:spcBef>
-              <a:spcAft>
-                <a:spcPct val="0"/>
-              </a:spcAft>
-              <a:tabLst>
-                <a:tab pos="2311400" algn="l"/>
-              </a:tabLst>
-            </a:pPr>
-            <a:r>
-              <a:rPr lang="en-US" b="1" dirty="0">
-                <a:latin typeface="Calibri" pitchFamily="34" charset="0"/>
-                <a:ea typeface="Calibri" pitchFamily="34" charset="0"/>
-                <a:cs typeface="Times New Roman" pitchFamily="18" charset="0"/>
-              </a:rPr>
-              <a:t>WHERE</a:t>
-            </a:r>
-            <a:r>
-              <a:rPr lang="en-US" dirty="0">
-                <a:latin typeface="Calibri" pitchFamily="34" charset="0"/>
-                <a:ea typeface="Calibri" pitchFamily="34" charset="0"/>
-                <a:cs typeface="Times New Roman" pitchFamily="18" charset="0"/>
-              </a:rPr>
-              <a:t> </a:t>
-            </a:r>
-            <a:r>
-              <a:rPr lang="en-US" dirty="0" err="1">
-                <a:latin typeface="Calibri" pitchFamily="34" charset="0"/>
-                <a:ea typeface="Calibri" pitchFamily="34" charset="0"/>
-                <a:cs typeface="Times New Roman" pitchFamily="18" charset="0"/>
-              </a:rPr>
-              <a:t>emplotee_id</a:t>
-            </a:r>
-            <a:r>
-              <a:rPr lang="en-US" dirty="0">
-                <a:latin typeface="Calibri" pitchFamily="34" charset="0"/>
-                <a:ea typeface="Calibri" pitchFamily="34" charset="0"/>
-                <a:cs typeface="Times New Roman" pitchFamily="18" charset="0"/>
-              </a:rPr>
-              <a:t> = 113;</a:t>
-            </a:r>
-            <a:endParaRPr lang="en-US" dirty="0"/>
-          </a:p>
-        </p:txBody>
-      </p:sp>
-      <p:sp>
-        <p:nvSpPr>
-          <p:cNvPr id="10" name="Right Arrow Callout 9"/>
-          <p:cNvSpPr/>
-          <p:nvPr/>
-        </p:nvSpPr>
-        <p:spPr>
-          <a:xfrm>
-            <a:off x="764976" y="4913585"/>
-            <a:ext cx="3302968" cy="1152128"/>
-          </a:xfrm>
-          <a:prstGeom prst="rightArrowCallout">
-            <a:avLst>
-              <a:gd name="adj1" fmla="val 10287"/>
-              <a:gd name="adj2" fmla="val 15637"/>
-              <a:gd name="adj3" fmla="val 16305"/>
-              <a:gd name="adj4" fmla="val 87052"/>
-            </a:avLst>
-          </a:prstGeom>
-          <a:ln w="12700">
-            <a:prstDash val="sysDash"/>
-          </a:ln>
-        </p:spPr>
-        <p:style>
-          <a:lnRef idx="2">
-            <a:schemeClr val="accent6"/>
-          </a:lnRef>
-          <a:fillRef idx="1">
-            <a:schemeClr val="lt1"/>
-          </a:fillRef>
-          <a:effectRef idx="0">
-            <a:schemeClr val="accent6"/>
-          </a:effectRef>
-          <a:fontRef idx="minor">
-            <a:schemeClr val="dk1"/>
-          </a:fontRef>
-        </p:style>
-        <p:txBody>
-          <a:bodyPr rtlCol="0" anchor="ctr"/>
-          <a:lstStyle/>
-          <a:p>
-            <a:pPr fontAlgn="base">
-              <a:spcBef>
-                <a:spcPct val="0"/>
-              </a:spcBef>
-              <a:spcAft>
-                <a:spcPct val="0"/>
-              </a:spcAft>
-              <a:tabLst>
-                <a:tab pos="2311400" algn="l"/>
-              </a:tabLst>
-            </a:pPr>
-            <a:r>
-              <a:rPr lang="en-US" b="1" dirty="0">
-                <a:latin typeface="Calibri" pitchFamily="34" charset="0"/>
-                <a:ea typeface="Calibri" pitchFamily="34" charset="0"/>
-                <a:cs typeface="Times New Roman" pitchFamily="18" charset="0"/>
-              </a:rPr>
-              <a:t>UPDATE </a:t>
-            </a:r>
-            <a:r>
-              <a:rPr lang="en-US" dirty="0">
-                <a:latin typeface="Calibri" pitchFamily="34" charset="0"/>
-                <a:ea typeface="Calibri" pitchFamily="34" charset="0"/>
-                <a:cs typeface="Times New Roman" pitchFamily="18" charset="0"/>
-              </a:rPr>
-              <a:t>employees</a:t>
-            </a:r>
-          </a:p>
-          <a:p>
-            <a:pPr fontAlgn="base">
-              <a:spcBef>
-                <a:spcPct val="0"/>
-              </a:spcBef>
-              <a:spcAft>
-                <a:spcPct val="0"/>
-              </a:spcAft>
-              <a:tabLst>
-                <a:tab pos="2311400" algn="l"/>
-              </a:tabLst>
-            </a:pPr>
-            <a:r>
-              <a:rPr lang="en-US" b="1" dirty="0">
-                <a:latin typeface="Calibri" pitchFamily="34" charset="0"/>
-                <a:ea typeface="Calibri" pitchFamily="34" charset="0"/>
-                <a:cs typeface="Times New Roman" pitchFamily="18" charset="0"/>
-              </a:rPr>
-              <a:t>SET</a:t>
-            </a:r>
-            <a:r>
-              <a:rPr lang="en-US" dirty="0">
-                <a:latin typeface="Calibri" pitchFamily="34" charset="0"/>
-                <a:ea typeface="Calibri" pitchFamily="34" charset="0"/>
-                <a:cs typeface="Times New Roman" pitchFamily="18" charset="0"/>
-              </a:rPr>
-              <a:t> </a:t>
-            </a:r>
-            <a:r>
-              <a:rPr lang="en-US" dirty="0" err="1">
-                <a:latin typeface="Calibri" pitchFamily="34" charset="0"/>
-                <a:ea typeface="Calibri" pitchFamily="34" charset="0"/>
-                <a:cs typeface="Times New Roman" pitchFamily="18" charset="0"/>
-              </a:rPr>
-              <a:t>department_id</a:t>
-            </a:r>
-            <a:r>
-              <a:rPr lang="en-US" dirty="0">
-                <a:latin typeface="Calibri" pitchFamily="34" charset="0"/>
-                <a:ea typeface="Calibri" pitchFamily="34" charset="0"/>
-                <a:cs typeface="Times New Roman" pitchFamily="18" charset="0"/>
-              </a:rPr>
-              <a:t> = </a:t>
-            </a:r>
-            <a:r>
-              <a:rPr lang="en-US" dirty="0" smtClean="0">
-                <a:latin typeface="Calibri" pitchFamily="34" charset="0"/>
-                <a:ea typeface="Calibri" pitchFamily="34" charset="0"/>
-                <a:cs typeface="Times New Roman" pitchFamily="18" charset="0"/>
-              </a:rPr>
-              <a:t>70;</a:t>
-            </a:r>
-            <a:endParaRPr lang="en-US" dirty="0">
-              <a:latin typeface="Calibri" pitchFamily="34" charset="0"/>
-              <a:ea typeface="Calibri" pitchFamily="34" charset="0"/>
-              <a:cs typeface="Times New Roman" pitchFamily="18" charset="0"/>
-            </a:endParaRPr>
+              <a:rPr lang="en-US" sz="2000" b="1" dirty="0" smtClean="0">
+                <a:latin typeface="Calibri" pitchFamily="34" charset="0"/>
+                <a:ea typeface="Calibri" pitchFamily="34" charset="0"/>
+                <a:cs typeface="Times New Roman" pitchFamily="18" charset="0"/>
+              </a:rPr>
+              <a:t>VALUES</a:t>
+            </a:r>
+            <a:r>
+              <a:rPr lang="en-US" sz="2000" dirty="0" smtClean="0">
+                <a:latin typeface="Calibri" pitchFamily="34" charset="0"/>
+                <a:ea typeface="Calibri" pitchFamily="34" charset="0"/>
+                <a:cs typeface="Times New Roman" pitchFamily="18" charset="0"/>
+              </a:rPr>
+              <a:t> (70,’Public Relations’, 100, 1700);</a:t>
+            </a:r>
           </a:p>
         </p:txBody>
       </p:sp>
     </p:spTree>
     <p:extLst>
       <p:ext uri="{BB962C8B-B14F-4D97-AF65-F5344CB8AC3E}">
-        <p14:creationId xmlns:p14="http://schemas.microsoft.com/office/powerpoint/2010/main" val="1946204808"/>
+        <p14:creationId xmlns:p14="http://schemas.microsoft.com/office/powerpoint/2010/main" val="3622466474"/>
       </p:ext>
     </p:extLst>
   </p:cSld>
@@ -19406,7 +19867,7 @@
         <p:spPr>
           <a:xfrm>
             <a:off x="533399" y="404664"/>
-            <a:ext cx="3487237" cy="630942"/>
+            <a:ext cx="3633367" cy="630942"/>
           </a:xfrm>
           <a:prstGeom prst="rect">
             <a:avLst/>
@@ -19435,7 +19896,7 @@
                   </a:outerShdw>
                 </a:effectLst>
               </a:rPr>
-              <a:t>DELETE statement</a:t>
+              <a:t>UPDATE Statement</a:t>
             </a:r>
             <a:endParaRPr lang="en-US" sz="3500" dirty="0">
               <a:solidFill>
@@ -19464,7 +19925,7 @@
         <p:spPr>
           <a:xfrm>
             <a:off x="764976" y="1348036"/>
-            <a:ext cx="6471320" cy="1015663"/>
+            <a:ext cx="6471320" cy="1477328"/>
           </a:xfrm>
           <a:prstGeom prst="rect">
             <a:avLst/>
@@ -19496,7 +19957,7 @@
                 <a:ea typeface="Calibri" pitchFamily="34" charset="0"/>
                 <a:cs typeface="Times New Roman" pitchFamily="18" charset="0"/>
               </a:rPr>
-              <a:t>DELETE [FROM]</a:t>
+              <a:t>UPDATE</a:t>
             </a:r>
             <a:r>
               <a:rPr lang="en-US" sz="2000" dirty="0" smtClean="0">
@@ -19531,6 +19992,62 @@
               </a:tabLst>
             </a:pPr>
             <a:r>
+              <a:rPr lang="en-US" sz="2000" b="1" dirty="0" smtClean="0">
+                <a:latin typeface="Calibri" pitchFamily="34" charset="0"/>
+                <a:ea typeface="Calibri" pitchFamily="34" charset="0"/>
+                <a:cs typeface="Times New Roman" pitchFamily="18" charset="0"/>
+              </a:rPr>
+              <a:t>SET	</a:t>
+            </a:r>
+            <a:r>
+              <a:rPr lang="en-US" sz="2000" i="1" dirty="0" smtClean="0">
+                <a:latin typeface="Calibri" pitchFamily="34" charset="0"/>
+                <a:ea typeface="Calibri" pitchFamily="34" charset="0"/>
+                <a:cs typeface="Times New Roman" pitchFamily="18" charset="0"/>
+              </a:rPr>
+              <a:t>column = value </a:t>
+            </a:r>
+            <a:r>
+              <a:rPr lang="en-US" sz="2000" dirty="0" smtClean="0">
+                <a:latin typeface="Calibri" pitchFamily="34" charset="0"/>
+                <a:ea typeface="Calibri" pitchFamily="34" charset="0"/>
+                <a:cs typeface="Times New Roman" pitchFamily="18" charset="0"/>
+              </a:rPr>
+              <a:t>[</a:t>
+            </a:r>
+            <a:r>
+              <a:rPr lang="en-US" sz="2000" i="1" dirty="0" smtClean="0">
+                <a:latin typeface="Calibri" pitchFamily="34" charset="0"/>
+                <a:ea typeface="Calibri" pitchFamily="34" charset="0"/>
+                <a:cs typeface="Times New Roman" pitchFamily="18" charset="0"/>
+              </a:rPr>
+              <a:t>, column = value,…</a:t>
+            </a:r>
+            <a:r>
+              <a:rPr lang="en-US" sz="2000" dirty="0" smtClean="0">
+                <a:latin typeface="Calibri" pitchFamily="34" charset="0"/>
+                <a:ea typeface="Calibri" pitchFamily="34" charset="0"/>
+                <a:cs typeface="Times New Roman" pitchFamily="18" charset="0"/>
+              </a:rPr>
+              <a:t>]</a:t>
+            </a:r>
+          </a:p>
+          <a:p>
+            <a:pPr fontAlgn="base">
+              <a:lnSpc>
+                <a:spcPct val="150000"/>
+              </a:lnSpc>
+              <a:spcBef>
+                <a:spcPct val="0"/>
+              </a:spcBef>
+              <a:spcAft>
+                <a:spcPct val="0"/>
+              </a:spcAft>
+              <a:tabLst>
+                <a:tab pos="2311400" algn="l"/>
+              </a:tabLst>
+            </a:pPr>
+            <a:r>
               <a:rPr lang="en-US" sz="2000" dirty="0" smtClean="0">
                 <a:latin typeface="Calibri" pitchFamily="34" charset="0"/>
                 <a:ea typeface="Calibri" pitchFamily="34" charset="0"/>
@@ -19581,7 +20098,7 @@
         </p:nvSpPr>
         <p:spPr>
           <a:xfrm>
-            <a:off x="764976" y="2924944"/>
+            <a:off x="764976" y="3138686"/>
             <a:ext cx="1350615" cy="400110"/>
           </a:xfrm>
           <a:prstGeom prst="rect">
@@ -19638,7 +20155,7 @@
         </p:nvSpPr>
         <p:spPr>
           <a:xfrm>
-            <a:off x="5229200" y="3714668"/>
+            <a:off x="4189065" y="4036422"/>
             <a:ext cx="2016224" cy="369332"/>
           </a:xfrm>
           <a:prstGeom prst="rect">
@@ -19654,7 +20171,7 @@
           <a:p>
             <a:r>
               <a:rPr lang="en-US" dirty="0" smtClean="0"/>
-              <a:t>1 row deleted</a:t>
+              <a:t>1 row updated</a:t>
             </a:r>
             <a:endParaRPr lang="en-US" dirty="0"/>
           </a:p>
@@ -19668,7 +20185,7 @@
         </p:nvSpPr>
         <p:spPr>
           <a:xfrm>
-            <a:off x="5197176" y="4934158"/>
+            <a:off x="4166766" y="5304541"/>
             <a:ext cx="2016224" cy="369332"/>
           </a:xfrm>
           <a:prstGeom prst="rect">
@@ -19684,7 +20201,7 @@
           <a:p>
             <a:r>
               <a:rPr lang="en-US" dirty="0" smtClean="0"/>
-              <a:t>22 rows deleted</a:t>
+              <a:t>22 rows updated</a:t>
             </a:r>
             <a:endParaRPr lang="en-US" dirty="0"/>
           </a:p>
@@ -19698,8 +20215,8 @@
         </p:nvSpPr>
         <p:spPr>
           <a:xfrm>
-            <a:off x="764975" y="3431282"/>
-            <a:ext cx="4432201" cy="936104"/>
+            <a:off x="764976" y="3645024"/>
+            <a:ext cx="3302968" cy="1152128"/>
           </a:xfrm>
           <a:prstGeom prst="rightArrowCallout">
             <a:avLst>
@@ -19743,26 +20260,21 @@
               </a:tabLst>
             </a:pPr>
             <a:r>
-              <a:rPr lang="en-US" b="1" dirty="0" smtClean="0">
-                <a:latin typeface="Calibri" pitchFamily="34" charset="0"/>
-                <a:ea typeface="Calibri" pitchFamily="34" charset="0"/>
-                <a:cs typeface="Times New Roman" pitchFamily="18" charset="0"/>
-              </a:rPr>
-              <a:t>DELETE FROM </a:t>
-            </a:r>
-            <a:r>
-              <a:rPr lang="en-US" dirty="0" smtClean="0">
-                <a:latin typeface="Calibri" pitchFamily="34" charset="0"/>
-                <a:ea typeface="Calibri" pitchFamily="34" charset="0"/>
-                <a:cs typeface="Times New Roman" pitchFamily="18" charset="0"/>
-              </a:rPr>
-              <a:t>departments</a:t>
-            </a:r>
-            <a:endParaRPr lang="en-US" dirty="0">
-              <a:latin typeface="Calibri" pitchFamily="34" charset="0"/>
-              <a:ea typeface="Calibri" pitchFamily="34" charset="0"/>
-              <a:cs typeface="Times New Roman" pitchFamily="18" charset="0"/>
-            </a:endParaRPr>
+              <a:rPr lang="en-US" b="1" dirty="0">
+                <a:latin typeface="Calibri" pitchFamily="34" charset="0"/>
+                <a:ea typeface="Calibri" pitchFamily="34" charset="0"/>
+                <a:cs typeface="Times New Roman" pitchFamily="18" charset="0"/>
+              </a:rPr>
+              <a:t>UPDATE </a:t>
+            </a:r>
+            <a:r>
+              <a:rPr lang="en-US" dirty="0">
+                <a:latin typeface="Calibri" pitchFamily="34" charset="0"/>
+                <a:ea typeface="Calibri" pitchFamily="34" charset="0"/>
+                <a:cs typeface="Times New Roman" pitchFamily="18" charset="0"/>
+              </a:rPr>
+              <a:t>employees</a:t>
+            </a:r>
           </a:p>
           <a:p>
             <a:pPr fontAlgn="base">
@@ -19777,7 +20289,52 @@
               </a:tabLst>
             </a:pPr>
             <a:r>
-              <a:rPr lang="en-US" b="1" dirty="0" smtClean="0">
+              <a:rPr lang="en-US" b="1" dirty="0">
+                <a:latin typeface="Calibri" pitchFamily="34" charset="0"/>
+                <a:ea typeface="Calibri" pitchFamily="34" charset="0"/>
+                <a:cs typeface="Times New Roman" pitchFamily="18" charset="0"/>
+              </a:rPr>
+              <a:t>SET</a:t>
+            </a:r>
+            <a:r>
+              <a:rPr lang="en-US" dirty="0">
+                <a:latin typeface="Calibri" pitchFamily="34" charset="0"/>
+                <a:ea typeface="Calibri" pitchFamily="34" charset="0"/>
+                <a:cs typeface="Times New Roman" pitchFamily="18" charset="0"/>
+              </a:rPr>
+              <a:t> </a:t>
+            </a:r>
+            <a:r>
+              <a:rPr lang="en-US" dirty="0" err="1">
+                <a:latin typeface="Calibri" pitchFamily="34" charset="0"/>
+                <a:ea typeface="Calibri" pitchFamily="34" charset="0"/>
+                <a:cs typeface="Times New Roman" pitchFamily="18" charset="0"/>
+              </a:rPr>
+              <a:t>department_id</a:t>
+            </a:r>
+            <a:r>
+              <a:rPr lang="en-US" dirty="0">
+                <a:latin typeface="Calibri" pitchFamily="34" charset="0"/>
+                <a:ea typeface="Calibri" pitchFamily="34" charset="0"/>
+                <a:cs typeface="Times New Roman" pitchFamily="18" charset="0"/>
+              </a:rPr>
+              <a:t> = 70</a:t>
+            </a:r>
+          </a:p>
+          <a:p>
+            <a:pPr fontAlgn="base">
+              <a:spcBef>
+                <a:spcPct val="0"/>
+              </a:spcBef>
+              <a:spcAft>
+                <a:spcPct val="0"/>
+              </a:spcAft>
+              <a:tabLst>
+                <a:tab pos="2311400" algn="l"/>
+              </a:tabLst>
+            </a:pPr>
+            <a:r>
+              <a:rPr lang="en-US" b="1" dirty="0">
                 <a:latin typeface="Calibri" pitchFamily="34" charset="0"/>
                 <a:ea typeface="Calibri" pitchFamily="34" charset="0"/>
                 <a:cs typeface="Times New Roman" pitchFamily="18" charset="0"/>
@@ -19785,7 +20342,7 @@
               <a:t>WHERE</a:t>
             </a:r>
             <a:r>
-              <a:rPr lang="en-US" dirty="0" smtClean="0">
+              <a:rPr lang="en-US" dirty="0">
                 <a:latin typeface="Calibri" pitchFamily="34" charset="0"/>
                 <a:ea typeface="Calibri" pitchFamily="34" charset="0"/>
                 <a:cs typeface="Times New Roman" pitchFamily="18" charset="0"/>
@@ -19793,20 +20350,12 @@
               <a:t> </a:t>
             </a:r>
             <a:r>
-              <a:rPr lang="en-US" dirty="0" err="1" smtClean="0">
-                <a:latin typeface="Calibri" pitchFamily="34" charset="0"/>
-                <a:ea typeface="Calibri" pitchFamily="34" charset="0"/>
-                <a:cs typeface="Times New Roman" pitchFamily="18" charset="0"/>
-              </a:rPr>
-              <a:t>department_name</a:t>
-            </a:r>
-            <a:r>
-              <a:rPr lang="en-US" dirty="0" smtClean="0">
-                <a:latin typeface="Calibri" pitchFamily="34" charset="0"/>
-                <a:ea typeface="Calibri" pitchFamily="34" charset="0"/>
-                <a:cs typeface="Times New Roman" pitchFamily="18" charset="0"/>
-              </a:rPr>
-              <a:t> </a:t>
+              <a:rPr lang="en-US" dirty="0" err="1">
+                <a:latin typeface="Calibri" pitchFamily="34" charset="0"/>
+                <a:ea typeface="Calibri" pitchFamily="34" charset="0"/>
+                <a:cs typeface="Times New Roman" pitchFamily="18" charset="0"/>
+              </a:rPr>
+              <a:t>emplotee_id</a:t>
             </a:r>
             <a:r>
               <a:rPr lang="en-US" dirty="0">
@@ -19814,15 +20363,7 @@
                 <a:ea typeface="Calibri" pitchFamily="34" charset="0"/>
                 <a:cs typeface="Times New Roman" pitchFamily="18" charset="0"/>
               </a:rPr>
-              <a:t>= </a:t>
-            </a:r>
-            <a:r>
-              <a:rPr lang="en-US" dirty="0" smtClean="0">
-                <a:latin typeface="Calibri" pitchFamily="34" charset="0"/>
-                <a:ea typeface="Calibri" pitchFamily="34" charset="0"/>
-                <a:cs typeface="Times New Roman" pitchFamily="18" charset="0"/>
-              </a:rPr>
-              <a:t>‘Finance’;</a:t>
+              <a:t> = 113;</a:t>
             </a:r>
             <a:endParaRPr lang="en-US" dirty="0"/>
           </a:p>
@@ -19836,8 +20377,8 @@
         </p:nvSpPr>
         <p:spPr>
           <a:xfrm>
-            <a:off x="764976" y="4699843"/>
-            <a:ext cx="4455096" cy="891679"/>
+            <a:off x="764976" y="4913585"/>
+            <a:ext cx="3302968" cy="1152128"/>
           </a:xfrm>
           <a:prstGeom prst="rightArrowCallout">
             <a:avLst>
@@ -19881,20 +20422,65 @@
               </a:tabLst>
             </a:pPr>
             <a:r>
-              <a:rPr lang="en-US" b="1" dirty="0" smtClean="0">
-                <a:latin typeface="Calibri" pitchFamily="34" charset="0"/>
-                <a:ea typeface="Calibri" pitchFamily="34" charset="0"/>
-                <a:cs typeface="Times New Roman" pitchFamily="18" charset="0"/>
-              </a:rPr>
-              <a:t>DELETE FROM </a:t>
-            </a:r>
-            <a:r>
-              <a:rPr lang="en-US" dirty="0" err="1" smtClean="0">
-                <a:latin typeface="Calibri" pitchFamily="34" charset="0"/>
-                <a:ea typeface="Calibri" pitchFamily="34" charset="0"/>
-                <a:cs typeface="Times New Roman" pitchFamily="18" charset="0"/>
-              </a:rPr>
-              <a:t>copy_emp</a:t>
+              <a:rPr lang="en-US" b="1" dirty="0">
+                <a:latin typeface="Calibri" pitchFamily="34" charset="0"/>
+                <a:ea typeface="Calibri" pitchFamily="34" charset="0"/>
+                <a:cs typeface="Times New Roman" pitchFamily="18" charset="0"/>
+              </a:rPr>
+              <a:t>UPDATE </a:t>
+            </a:r>
+            <a:r>
+              <a:rPr lang="en-US" dirty="0">
+                <a:latin typeface="Calibri" pitchFamily="34" charset="0"/>
+                <a:ea typeface="Calibri" pitchFamily="34" charset="0"/>
+                <a:cs typeface="Times New Roman" pitchFamily="18" charset="0"/>
+              </a:rPr>
+              <a:t>employees</a:t>
+            </a:r>
+          </a:p>
+          <a:p>
+            <a:pPr fontAlgn="base">
+              <a:spcBef>
+                <a:spcPct val="0"/>
+              </a:spcBef>
+              <a:spcAft>
+                <a:spcPct val="0"/>
+              </a:spcAft>
+              <a:tabLst>
+                <a:tab pos="2311400" algn="l"/>
+              </a:tabLst>
+            </a:pPr>
+            <a:r>
+              <a:rPr lang="en-US" b="1" dirty="0">
+                <a:latin typeface="Calibri" pitchFamily="34" charset="0"/>
+                <a:ea typeface="Calibri" pitchFamily="34" charset="0"/>
+                <a:cs typeface="Times New Roman" pitchFamily="18" charset="0"/>
+              </a:rPr>
+              <a:t>SET</a:t>
+            </a:r>
+            <a:r>
+              <a:rPr lang="en-US" dirty="0">
+                <a:latin typeface="Calibri" pitchFamily="34" charset="0"/>
+                <a:ea typeface="Calibri" pitchFamily="34" charset="0"/>
+                <a:cs typeface="Times New Roman" pitchFamily="18" charset="0"/>
+              </a:rPr>
+              <a:t> </a:t>
+            </a:r>
+            <a:r>
+              <a:rPr lang="en-US" dirty="0" err="1">
+                <a:latin typeface="Calibri" pitchFamily="34" charset="0"/>
+                <a:ea typeface="Calibri" pitchFamily="34" charset="0"/>
+                <a:cs typeface="Times New Roman" pitchFamily="18" charset="0"/>
+              </a:rPr>
+              <a:t>department_id</a:t>
+            </a:r>
+            <a:r>
+              <a:rPr lang="en-US" dirty="0">
+                <a:latin typeface="Calibri" pitchFamily="34" charset="0"/>
+                <a:ea typeface="Calibri" pitchFamily="34" charset="0"/>
+                <a:cs typeface="Times New Roman" pitchFamily="18" charset="0"/>
+              </a:rPr>
+              <a:t> = </a:t>
             </a:r>
             <a:r>
               <a:rPr lang="en-US" dirty="0" smtClean="0">
@@ -19902,7 +20488,7 @@
                 <a:ea typeface="Calibri" pitchFamily="34" charset="0"/>
                 <a:cs typeface="Times New Roman" pitchFamily="18" charset="0"/>
               </a:rPr>
-              <a:t>;</a:t>
+              <a:t>70;</a:t>
             </a:r>
             <a:endParaRPr lang="en-US" dirty="0">
               <a:latin typeface="Calibri" pitchFamily="34" charset="0"/>
@@ -19915,7 +20501,7 @@
     </p:spTree>
     <p:extLst>
       <p:ext uri="{BB962C8B-B14F-4D97-AF65-F5344CB8AC3E}">
-        <p14:creationId xmlns:p14="http://schemas.microsoft.com/office/powerpoint/2010/main" val="2838671944"/>
+        <p14:creationId xmlns:p14="http://schemas.microsoft.com/office/powerpoint/2010/main" val="1946204808"/>
       </p:ext>
     </p:extLst>
   </p:cSld>
@@ -19951,14 +20537,14 @@
       </p:grpSpPr>
       <p:sp>
         <p:nvSpPr>
-          <p:cNvPr id="3" name="TextBox 2"/>
+          <p:cNvPr id="4" name="TextBox 3"/>
           <p:cNvSpPr txBox="1"/>
           <p:nvPr/>
         </p:nvSpPr>
         <p:spPr>
           <a:xfrm>
             <a:off x="533399" y="404664"/>
-            <a:ext cx="1002197" cy="630942"/>
+            <a:ext cx="3487237" cy="630942"/>
           </a:xfrm>
           <a:prstGeom prst="rect">
             <a:avLst/>
@@ -19987,7 +20573,7 @@
                   </a:outerShdw>
                 </a:effectLst>
               </a:rPr>
-              <a:t>Quiz</a:t>
+              <a:t>DELETE statement</a:t>
             </a:r>
             <a:endParaRPr lang="en-US" sz="3500" dirty="0">
               <a:solidFill>
@@ -20009,6 +20595,558 @@
       </p:sp>
       <p:sp>
         <p:nvSpPr>
+          <p:cNvPr id="9" name="Rectangle 8"/>
+          <p:cNvSpPr/>
+          <p:nvPr/>
+        </p:nvSpPr>
+        <p:spPr>
+          <a:xfrm>
+            <a:off x="764976" y="1348036"/>
+            <a:ext cx="6471320" cy="1015663"/>
+          </a:xfrm>
+          <a:prstGeom prst="rect">
+            <a:avLst/>
+          </a:prstGeom>
+        </p:spPr>
+        <p:txBody>
+          <a:bodyPr wrap="square">
+            <a:spAutoFit/>
+          </a:bodyPr>
+          <a:lstStyle/>
+          <a:p>
+            <a:pPr fontAlgn="base">
+              <a:lnSpc>
+                <a:spcPct val="150000"/>
+              </a:lnSpc>
+              <a:spcBef>
+                <a:spcPct val="0"/>
+              </a:spcBef>
+              <a:spcAft>
+                <a:spcPct val="0"/>
+              </a:spcAft>
+              <a:tabLst>
+                <a:tab pos="2311400" algn="l"/>
+              </a:tabLst>
+            </a:pPr>
+            <a:r>
+              <a:rPr lang="en-US" sz="2000" b="1" dirty="0" smtClean="0">
+                <a:latin typeface="Calibri" pitchFamily="34" charset="0"/>
+                <a:ea typeface="Calibri" pitchFamily="34" charset="0"/>
+                <a:cs typeface="Times New Roman" pitchFamily="18" charset="0"/>
+              </a:rPr>
+              <a:t>DELETE [FROM]</a:t>
+            </a:r>
+            <a:r>
+              <a:rPr lang="en-US" sz="2000" dirty="0" smtClean="0">
+                <a:latin typeface="Calibri" pitchFamily="34" charset="0"/>
+                <a:ea typeface="Calibri" pitchFamily="34" charset="0"/>
+                <a:cs typeface="Times New Roman" pitchFamily="18" charset="0"/>
+              </a:rPr>
+              <a:t>	</a:t>
+            </a:r>
+            <a:r>
+              <a:rPr lang="en-US" sz="2000" i="1" dirty="0" smtClean="0">
+                <a:latin typeface="Calibri" pitchFamily="34" charset="0"/>
+                <a:ea typeface="Calibri" pitchFamily="34" charset="0"/>
+                <a:cs typeface="Times New Roman" pitchFamily="18" charset="0"/>
+              </a:rPr>
+              <a:t>table</a:t>
+            </a:r>
+          </a:p>
+          <a:p>
+            <a:pPr fontAlgn="base">
+              <a:lnSpc>
+                <a:spcPct val="150000"/>
+              </a:lnSpc>
+              <a:spcBef>
+                <a:spcPct val="0"/>
+              </a:spcBef>
+              <a:spcAft>
+                <a:spcPct val="0"/>
+              </a:spcAft>
+              <a:tabLst>
+                <a:tab pos="2311400" algn="l"/>
+              </a:tabLst>
+            </a:pPr>
+            <a:r>
+              <a:rPr lang="en-US" sz="2000" dirty="0" smtClean="0">
+                <a:latin typeface="Calibri" pitchFamily="34" charset="0"/>
+                <a:ea typeface="Calibri" pitchFamily="34" charset="0"/>
+                <a:cs typeface="Times New Roman" pitchFamily="18" charset="0"/>
+              </a:rPr>
+              <a:t>[</a:t>
+            </a:r>
+            <a:r>
+              <a:rPr lang="en-US" sz="2000" b="1" dirty="0" smtClean="0">
+                <a:latin typeface="Calibri" pitchFamily="34" charset="0"/>
+                <a:ea typeface="Calibri" pitchFamily="34" charset="0"/>
+                <a:cs typeface="Times New Roman" pitchFamily="18" charset="0"/>
+              </a:rPr>
+              <a:t>WHERE</a:t>
+            </a:r>
+            <a:r>
+              <a:rPr lang="en-US" sz="2000" dirty="0" smtClean="0">
+                <a:latin typeface="Calibri" pitchFamily="34" charset="0"/>
+                <a:ea typeface="Calibri" pitchFamily="34" charset="0"/>
+                <a:cs typeface="Times New Roman" pitchFamily="18" charset="0"/>
+              </a:rPr>
+              <a:t>	</a:t>
+            </a:r>
+            <a:r>
+              <a:rPr lang="en-US" sz="2000" i="1" dirty="0" smtClean="0">
+                <a:latin typeface="Calibri" pitchFamily="34" charset="0"/>
+                <a:ea typeface="Calibri" pitchFamily="34" charset="0"/>
+                <a:cs typeface="Times New Roman" pitchFamily="18" charset="0"/>
+              </a:rPr>
+              <a:t>condition</a:t>
+            </a:r>
+            <a:r>
+              <a:rPr lang="en-US" sz="2000" dirty="0" smtClean="0">
+                <a:latin typeface="Calibri" pitchFamily="34" charset="0"/>
+                <a:ea typeface="Calibri" pitchFamily="34" charset="0"/>
+                <a:cs typeface="Times New Roman" pitchFamily="18" charset="0"/>
+              </a:rPr>
+              <a:t>];</a:t>
+            </a:r>
+          </a:p>
+        </p:txBody>
+      </p:sp>
+      <p:sp>
+        <p:nvSpPr>
+          <p:cNvPr id="2" name="Rectangle 1"/>
+          <p:cNvSpPr/>
+          <p:nvPr/>
+        </p:nvSpPr>
+        <p:spPr>
+          <a:xfrm>
+            <a:off x="764976" y="2924944"/>
+            <a:ext cx="1350615" cy="400110"/>
+          </a:xfrm>
+          <a:prstGeom prst="rect">
+            <a:avLst/>
+          </a:prstGeom>
+        </p:spPr>
+        <p:txBody>
+          <a:bodyPr wrap="square">
+            <a:spAutoFit/>
+          </a:bodyPr>
+          <a:lstStyle/>
+          <a:p>
+            <a:r>
+              <a:rPr lang="en-US" sz="2000" dirty="0" smtClean="0">
+                <a:solidFill>
+                  <a:schemeClr val="tx1">
+                    <a:lumMod val="65000"/>
+                    <a:lumOff val="35000"/>
+                  </a:schemeClr>
+                </a:solidFill>
+                <a:effectLst>
+                  <a:outerShdw blurRad="38100" dist="38100" dir="2700000" algn="tl">
+                    <a:srgbClr val="000000">
+                      <a:alpha val="43137"/>
+                    </a:srgbClr>
+                  </a:outerShdw>
+                </a:effectLst>
+              </a:rPr>
+              <a:t>Examples:</a:t>
+            </a:r>
+            <a:endParaRPr lang="en-US" sz="2000" dirty="0">
+              <a:solidFill>
+                <a:schemeClr val="tx1">
+                  <a:lumMod val="65000"/>
+                  <a:lumOff val="35000"/>
+                </a:schemeClr>
+              </a:solidFill>
+              <a:effectLst>
+                <a:outerShdw blurRad="38100" dist="38100" dir="2700000" algn="tl">
+                  <a:srgbClr val="000000">
+                    <a:alpha val="43137"/>
+                  </a:srgbClr>
+                </a:outerShdw>
+              </a:effectLst>
+            </a:endParaRPr>
+          </a:p>
+        </p:txBody>
+      </p:sp>
+      <p:sp>
+        <p:nvSpPr>
+          <p:cNvPr id="3" name="TextBox 2"/>
+          <p:cNvSpPr txBox="1"/>
+          <p:nvPr/>
+        </p:nvSpPr>
+        <p:spPr>
+          <a:xfrm>
+            <a:off x="5229200" y="3714668"/>
+            <a:ext cx="2016224" cy="369332"/>
+          </a:xfrm>
+          <a:prstGeom prst="rect">
+            <a:avLst/>
+          </a:prstGeom>
+          <a:noFill/>
+        </p:spPr>
+        <p:txBody>
+          <a:bodyPr wrap="square" rtlCol="0">
+            <a:spAutoFit/>
+          </a:bodyPr>
+          <a:lstStyle/>
+          <a:p>
+            <a:r>
+              <a:rPr lang="en-US" dirty="0" smtClean="0"/>
+              <a:t>1 row deleted</a:t>
+            </a:r>
+            <a:endParaRPr lang="en-US" dirty="0"/>
+          </a:p>
+        </p:txBody>
+      </p:sp>
+      <p:sp>
+        <p:nvSpPr>
+          <p:cNvPr id="8" name="TextBox 7"/>
+          <p:cNvSpPr txBox="1"/>
+          <p:nvPr/>
+        </p:nvSpPr>
+        <p:spPr>
+          <a:xfrm>
+            <a:off x="5197176" y="4934158"/>
+            <a:ext cx="2016224" cy="369332"/>
+          </a:xfrm>
+          <a:prstGeom prst="rect">
+            <a:avLst/>
+          </a:prstGeom>
+          <a:noFill/>
+        </p:spPr>
+        <p:txBody>
+          <a:bodyPr wrap="square" rtlCol="0">
+            <a:spAutoFit/>
+          </a:bodyPr>
+          <a:lstStyle/>
+          <a:p>
+            <a:r>
+              <a:rPr lang="en-US" dirty="0" smtClean="0"/>
+              <a:t>22 rows deleted</a:t>
+            </a:r>
+            <a:endParaRPr lang="en-US" dirty="0"/>
+          </a:p>
+        </p:txBody>
+      </p:sp>
+      <p:sp>
+        <p:nvSpPr>
+          <p:cNvPr id="5" name="Right Arrow Callout 4"/>
+          <p:cNvSpPr/>
+          <p:nvPr/>
+        </p:nvSpPr>
+        <p:spPr>
+          <a:xfrm>
+            <a:off x="764975" y="3431282"/>
+            <a:ext cx="4432201" cy="936104"/>
+          </a:xfrm>
+          <a:prstGeom prst="rightArrowCallout">
+            <a:avLst>
+              <a:gd name="adj1" fmla="val 10287"/>
+              <a:gd name="adj2" fmla="val 15637"/>
+              <a:gd name="adj3" fmla="val 16305"/>
+              <a:gd name="adj4" fmla="val 87052"/>
+            </a:avLst>
+          </a:prstGeom>
+          <a:ln w="12700">
+            <a:prstDash val="sysDash"/>
+          </a:ln>
+        </p:spPr>
+        <p:style>
+          <a:lnRef idx="2">
+            <a:schemeClr val="accent6"/>
+          </a:lnRef>
+          <a:fillRef idx="1">
+            <a:schemeClr val="lt1"/>
+          </a:fillRef>
+          <a:effectRef idx="0">
+            <a:schemeClr val="accent6"/>
+          </a:effectRef>
+          <a:fontRef idx="minor">
+            <a:schemeClr val="dk1"/>
+          </a:fontRef>
+        </p:style>
+        <p:txBody>
+          <a:bodyPr rtlCol="0" anchor="ctr"/>
+          <a:lstStyle/>
+          <a:p>
+            <a:pPr fontAlgn="base">
+              <a:spcBef>
+                <a:spcPct val="0"/>
+              </a:spcBef>
+              <a:spcAft>
+                <a:spcPct val="0"/>
+              </a:spcAft>
+              <a:tabLst>
+                <a:tab pos="2311400" algn="l"/>
+              </a:tabLst>
+            </a:pPr>
+            <a:r>
+              <a:rPr lang="en-US" b="1" dirty="0" smtClean="0">
+                <a:latin typeface="Calibri" pitchFamily="34" charset="0"/>
+                <a:ea typeface="Calibri" pitchFamily="34" charset="0"/>
+                <a:cs typeface="Times New Roman" pitchFamily="18" charset="0"/>
+              </a:rPr>
+              <a:t>DELETE FROM </a:t>
+            </a:r>
+            <a:r>
+              <a:rPr lang="en-US" dirty="0" smtClean="0">
+                <a:latin typeface="Calibri" pitchFamily="34" charset="0"/>
+                <a:ea typeface="Calibri" pitchFamily="34" charset="0"/>
+                <a:cs typeface="Times New Roman" pitchFamily="18" charset="0"/>
+              </a:rPr>
+              <a:t>departments</a:t>
+            </a:r>
+            <a:endParaRPr lang="en-US" dirty="0">
+              <a:latin typeface="Calibri" pitchFamily="34" charset="0"/>
+              <a:ea typeface="Calibri" pitchFamily="34" charset="0"/>
+              <a:cs typeface="Times New Roman" pitchFamily="18" charset="0"/>
+            </a:endParaRPr>
+          </a:p>
+          <a:p>
+            <a:pPr fontAlgn="base">
+              <a:spcBef>
+                <a:spcPct val="0"/>
+              </a:spcBef>
+              <a:spcAft>
+                <a:spcPct val="0"/>
+              </a:spcAft>
+              <a:tabLst>
+                <a:tab pos="2311400" algn="l"/>
+              </a:tabLst>
+            </a:pPr>
+            <a:r>
+              <a:rPr lang="en-US" b="1" dirty="0" smtClean="0">
+                <a:latin typeface="Calibri" pitchFamily="34" charset="0"/>
+                <a:ea typeface="Calibri" pitchFamily="34" charset="0"/>
+                <a:cs typeface="Times New Roman" pitchFamily="18" charset="0"/>
+              </a:rPr>
+              <a:t>WHERE</a:t>
+            </a:r>
+            <a:r>
+              <a:rPr lang="en-US" dirty="0" smtClean="0">
+                <a:latin typeface="Calibri" pitchFamily="34" charset="0"/>
+                <a:ea typeface="Calibri" pitchFamily="34" charset="0"/>
+                <a:cs typeface="Times New Roman" pitchFamily="18" charset="0"/>
+              </a:rPr>
+              <a:t> </a:t>
+            </a:r>
+            <a:r>
+              <a:rPr lang="en-US" dirty="0" err="1" smtClean="0">
+                <a:latin typeface="Calibri" pitchFamily="34" charset="0"/>
+                <a:ea typeface="Calibri" pitchFamily="34" charset="0"/>
+                <a:cs typeface="Times New Roman" pitchFamily="18" charset="0"/>
+              </a:rPr>
+              <a:t>department_name</a:t>
+            </a:r>
+            <a:r>
+              <a:rPr lang="en-US" dirty="0" smtClean="0">
+                <a:latin typeface="Calibri" pitchFamily="34" charset="0"/>
+                <a:ea typeface="Calibri" pitchFamily="34" charset="0"/>
+                <a:cs typeface="Times New Roman" pitchFamily="18" charset="0"/>
+              </a:rPr>
+              <a:t> </a:t>
+            </a:r>
+            <a:r>
+              <a:rPr lang="en-US" dirty="0">
+                <a:latin typeface="Calibri" pitchFamily="34" charset="0"/>
+                <a:ea typeface="Calibri" pitchFamily="34" charset="0"/>
+                <a:cs typeface="Times New Roman" pitchFamily="18" charset="0"/>
+              </a:rPr>
+              <a:t>= </a:t>
+            </a:r>
+            <a:r>
+              <a:rPr lang="en-US" dirty="0" smtClean="0">
+                <a:latin typeface="Calibri" pitchFamily="34" charset="0"/>
+                <a:ea typeface="Calibri" pitchFamily="34" charset="0"/>
+                <a:cs typeface="Times New Roman" pitchFamily="18" charset="0"/>
+              </a:rPr>
+              <a:t>‘Finance’;</a:t>
+            </a:r>
+            <a:endParaRPr lang="en-US" dirty="0"/>
+          </a:p>
+        </p:txBody>
+      </p:sp>
+      <p:sp>
+        <p:nvSpPr>
+          <p:cNvPr id="10" name="Right Arrow Callout 9"/>
+          <p:cNvSpPr/>
+          <p:nvPr/>
+        </p:nvSpPr>
+        <p:spPr>
+          <a:xfrm>
+            <a:off x="764976" y="4699843"/>
+            <a:ext cx="4455096" cy="891679"/>
+          </a:xfrm>
+          <a:prstGeom prst="rightArrowCallout">
+            <a:avLst>
+              <a:gd name="adj1" fmla="val 10287"/>
+              <a:gd name="adj2" fmla="val 15637"/>
+              <a:gd name="adj3" fmla="val 16305"/>
+              <a:gd name="adj4" fmla="val 87052"/>
+            </a:avLst>
+          </a:prstGeom>
+          <a:ln w="12700">
+            <a:prstDash val="sysDash"/>
+          </a:ln>
+        </p:spPr>
+        <p:style>
+          <a:lnRef idx="2">
+            <a:schemeClr val="accent6"/>
+          </a:lnRef>
+          <a:fillRef idx="1">
+            <a:schemeClr val="lt1"/>
+          </a:fillRef>
+          <a:effectRef idx="0">
+            <a:schemeClr val="accent6"/>
+          </a:effectRef>
+          <a:fontRef idx="minor">
+            <a:schemeClr val="dk1"/>
+          </a:fontRef>
+        </p:style>
+        <p:txBody>
+          <a:bodyPr rtlCol="0" anchor="ctr"/>
+          <a:lstStyle/>
+          <a:p>
+            <a:pPr fontAlgn="base">
+              <a:spcBef>
+                <a:spcPct val="0"/>
+              </a:spcBef>
+              <a:spcAft>
+                <a:spcPct val="0"/>
+              </a:spcAft>
+              <a:tabLst>
+                <a:tab pos="2311400" algn="l"/>
+              </a:tabLst>
+            </a:pPr>
+            <a:r>
+              <a:rPr lang="en-US" b="1" dirty="0" smtClean="0">
+                <a:latin typeface="Calibri" pitchFamily="34" charset="0"/>
+                <a:ea typeface="Calibri" pitchFamily="34" charset="0"/>
+                <a:cs typeface="Times New Roman" pitchFamily="18" charset="0"/>
+              </a:rPr>
+              <a:t>DELETE FROM </a:t>
+            </a:r>
+            <a:r>
+              <a:rPr lang="en-US" dirty="0" err="1" smtClean="0">
+                <a:latin typeface="Calibri" pitchFamily="34" charset="0"/>
+                <a:ea typeface="Calibri" pitchFamily="34" charset="0"/>
+                <a:cs typeface="Times New Roman" pitchFamily="18" charset="0"/>
+              </a:rPr>
+              <a:t>copy_emp</a:t>
+            </a:r>
+            <a:r>
+              <a:rPr lang="en-US" dirty="0" smtClean="0">
+                <a:latin typeface="Calibri" pitchFamily="34" charset="0"/>
+                <a:ea typeface="Calibri" pitchFamily="34" charset="0"/>
+                <a:cs typeface="Times New Roman" pitchFamily="18" charset="0"/>
+              </a:rPr>
+              <a:t>;</a:t>
+            </a:r>
+            <a:endParaRPr lang="en-US" dirty="0">
+              <a:latin typeface="Calibri" pitchFamily="34" charset="0"/>
+              <a:ea typeface="Calibri" pitchFamily="34" charset="0"/>
+              <a:cs typeface="Times New Roman" pitchFamily="18" charset="0"/>
+            </a:endParaRPr>
+          </a:p>
+        </p:txBody>
+      </p:sp>
+    </p:spTree>
+    <p:extLst>
+      <p:ext uri="{BB962C8B-B14F-4D97-AF65-F5344CB8AC3E}">
+        <p14:creationId xmlns:p14="http://schemas.microsoft.com/office/powerpoint/2010/main" val="2838671944"/>
+      </p:ext>
+    </p:extLst>
+  </p:cSld>
+  <p:clrMapOvr>
+    <a:masterClrMapping/>
+  </p:clrMapOvr>
+  <p:timing>
+    <p:tnLst>
+      <p:par>
+        <p:cTn id="1" dur="indefinite" restart="never" nodeType="tmRoot"/>
+      </p:par>
+    </p:tnLst>
+  </p:timing>
+</p:sld>
+</file>
+
+<file path=ppt/slides/slide44.xml><?xml version="1.0" encoding="utf-8"?>
+<p:sld xmlns:a="http://schemas.openxmlformats.org/drawingml/2006/main" xmlns:r="http://schemas.openxmlformats.org/officeDocument/2006/relationships" xmlns:p="http://schemas.openxmlformats.org/presentationml/2006/main">
+  <p:cSld>
+    <p:spTree>
+      <p:nvGrpSpPr>
+        <p:cNvPr id="1" name=""/>
+        <p:cNvGrpSpPr/>
+        <p:nvPr/>
+      </p:nvGrpSpPr>
+      <p:grpSpPr>
+        <a:xfrm>
+          <a:off x="0" y="0"/>
+          <a:ext cx="0" cy="0"/>
+          <a:chOff x="0" y="0"/>
+          <a:chExt cx="0" cy="0"/>
+        </a:xfrm>
+      </p:grpSpPr>
+      <p:sp>
+        <p:nvSpPr>
+          <p:cNvPr id="3" name="TextBox 2"/>
+          <p:cNvSpPr txBox="1"/>
+          <p:nvPr/>
+        </p:nvSpPr>
+        <p:spPr>
+          <a:xfrm>
+            <a:off x="533399" y="404664"/>
+            <a:ext cx="1002197" cy="630942"/>
+          </a:xfrm>
+          <a:prstGeom prst="rect">
+            <a:avLst/>
+          </a:prstGeom>
+          <a:noFill/>
+        </p:spPr>
+        <p:txBody>
+          <a:bodyPr wrap="none" rtlCol="0">
+            <a:spAutoFit/>
+          </a:bodyPr>
+          <a:lstStyle/>
+          <a:p>
+            <a:r>
+              <a:rPr lang="en-US" sz="3500" dirty="0" smtClean="0">
+                <a:solidFill>
+                  <a:schemeClr val="tx1">
+                    <a:lumMod val="65000"/>
+                    <a:lumOff val="35000"/>
+                  </a:schemeClr>
+                </a:solidFill>
+                <a:effectLst>
+                  <a:outerShdw blurRad="38100" dist="38100" dir="2700000" algn="tl">
+                    <a:srgbClr val="000000">
+                      <a:alpha val="43137"/>
+                    </a:srgbClr>
+                  </a:outerShdw>
+                </a:effectLst>
+              </a:rPr>
+              <a:t>Quiz</a:t>
+            </a:r>
+            <a:endParaRPr lang="en-US" sz="3500" dirty="0">
+              <a:solidFill>
+                <a:schemeClr val="tx1">
+                  <a:lumMod val="65000"/>
+                  <a:lumOff val="35000"/>
+                </a:schemeClr>
+              </a:solidFill>
+              <a:effectLst>
+                <a:outerShdw blurRad="38100" dist="38100" dir="2700000" algn="tl">
+                  <a:srgbClr val="000000">
+                    <a:alpha val="43137"/>
+                  </a:srgbClr>
+                </a:outerShdw>
+              </a:effectLst>
+            </a:endParaRPr>
+          </a:p>
+        </p:txBody>
+      </p:sp>
+      <p:sp>
+        <p:nvSpPr>
           <p:cNvPr id="4" name="Rectangle 3"/>
           <p:cNvSpPr/>
           <p:nvPr/>
@@ -20016,7 +21154,7 @@
         <p:spPr>
           <a:xfrm>
             <a:off x="533399" y="1196752"/>
-            <a:ext cx="7553326" cy="4662815"/>
+            <a:ext cx="7553326" cy="4247317"/>
           </a:xfrm>
           <a:prstGeom prst="rect">
             <a:avLst/>
@@ -20124,7 +21262,31 @@
                 <a:ea typeface="Calibri" pitchFamily="34" charset="0"/>
                 <a:cs typeface="Times New Roman" pitchFamily="18" charset="0"/>
               </a:rPr>
-              <a:t>What the statement can limit the rows selected? Give an example.</a:t>
+              <a:t>Wh</a:t>
+            </a:r>
+            <a:r>
+              <a:rPr lang="en-US" dirty="0" smtClean="0">
+                <a:latin typeface="Calibri" pitchFamily="34" charset="0"/>
+                <a:ea typeface="Calibri" pitchFamily="34" charset="0"/>
+                <a:cs typeface="Times New Roman" pitchFamily="18" charset="0"/>
+              </a:rPr>
+              <a:t>ich </a:t>
+            </a:r>
+            <a:r>
+              <a:rPr lang="en-US" dirty="0" smtClean="0">
+                <a:latin typeface="Calibri" pitchFamily="34" charset="0"/>
+                <a:ea typeface="Calibri" pitchFamily="34" charset="0"/>
+                <a:cs typeface="Times New Roman" pitchFamily="18" charset="0"/>
+              </a:rPr>
+              <a:t>statements </a:t>
+            </a:r>
+            <a:r>
+              <a:rPr lang="en-US" dirty="0" smtClean="0">
+                <a:latin typeface="Calibri" pitchFamily="34" charset="0"/>
+                <a:ea typeface="Calibri" pitchFamily="34" charset="0"/>
+                <a:cs typeface="Times New Roman" pitchFamily="18" charset="0"/>
+              </a:rPr>
+              <a:t>can limit the rows selected? Give an example.</a:t>
             </a:r>
           </a:p>
           <a:p>
@@ -20174,8 +21336,37 @@
                 <a:ea typeface="Calibri" pitchFamily="34" charset="0"/>
                 <a:cs typeface="Times New Roman" pitchFamily="18" charset="0"/>
               </a:rPr>
-              <a:t>What kind of SQL functions do you know? </a:t>
-            </a:r>
+              <a:t>Which</a:t>
+            </a:r>
+            <a:r>
+              <a:rPr lang="en-US" dirty="0" smtClean="0">
+                <a:latin typeface="Calibri" pitchFamily="34" charset="0"/>
+                <a:ea typeface="Calibri" pitchFamily="34" charset="0"/>
+                <a:cs typeface="Times New Roman" pitchFamily="18" charset="0"/>
+              </a:rPr>
+              <a:t> </a:t>
+            </a:r>
+            <a:r>
+              <a:rPr lang="en-US" dirty="0" smtClean="0">
+                <a:latin typeface="Calibri" pitchFamily="34" charset="0"/>
+                <a:ea typeface="Calibri" pitchFamily="34" charset="0"/>
+                <a:cs typeface="Times New Roman" pitchFamily="18" charset="0"/>
+              </a:rPr>
+              <a:t>SQL functions do you know</a:t>
+            </a:r>
+            <a:r>
+              <a:rPr lang="en-US" dirty="0" smtClean="0">
+                <a:latin typeface="Calibri" pitchFamily="34" charset="0"/>
+                <a:ea typeface="Calibri" pitchFamily="34" charset="0"/>
+                <a:cs typeface="Times New Roman" pitchFamily="18" charset="0"/>
+              </a:rPr>
+              <a:t>?</a:t>
+            </a:r>
+            <a:endParaRPr lang="en-US" dirty="0" smtClean="0">
+              <a:latin typeface="Calibri" pitchFamily="34" charset="0"/>
+              <a:ea typeface="Calibri" pitchFamily="34" charset="0"/>
+              <a:cs typeface="Times New Roman" pitchFamily="18" charset="0"/>
+            </a:endParaRPr>
           </a:p>
           <a:p>
             <a:pPr marL="457200" indent="-457200" fontAlgn="base">
@@ -20199,32 +21390,15 @@
                 <a:ea typeface="Calibri" pitchFamily="34" charset="0"/>
                 <a:cs typeface="Times New Roman" pitchFamily="18" charset="0"/>
               </a:rPr>
-              <a:t>Name Character- manipulation functions. </a:t>
-            </a:r>
-          </a:p>
-          <a:p>
-            <a:pPr marL="457200" indent="-457200" fontAlgn="base">
-              <a:lnSpc>
-                <a:spcPct val="150000"/>
-              </a:lnSpc>
-              <a:spcBef>
-                <a:spcPct val="0"/>
-              </a:spcBef>
-              <a:spcAft>
-                <a:spcPct val="0"/>
-              </a:spcAft>
-              <a:buAutoNum type="arabicPeriod"/>
-              <a:tabLst>
-                <a:tab pos="2311400" algn="l"/>
-              </a:tabLst>
-            </a:pPr>
+              <a:t>Write </a:t>
+            </a:r>
             <a:r>
               <a:rPr lang="en-US" dirty="0" smtClean="0">
                 <a:latin typeface="Calibri" pitchFamily="34" charset="0"/>
                 <a:ea typeface="Calibri" pitchFamily="34" charset="0"/>
                 <a:cs typeface="Times New Roman" pitchFamily="18" charset="0"/>
               </a:rPr>
-              <a:t>Write the syntax of grouping functions. Name grouping functions and give an example.</a:t>
+              <a:t>the syntax of grouping functions. Name grouping functions and give an example.</a:t>
             </a:r>
           </a:p>
           <a:p>

--- a/7.SQL Intro/SQL.pptx
+++ b/7.SQL Intro/SQL.pptx
@@ -14240,15 +14240,7 @@
                 <a:ea typeface="Calibri" pitchFamily="34" charset="0"/>
                 <a:cs typeface="Times New Roman" pitchFamily="18" charset="0"/>
               </a:rPr>
-              <a:t>MAX, </a:t>
-            </a:r>
-            <a:r>
-              <a:rPr lang="en-US" sz="2000" b="1" dirty="0" smtClean="0">
-                <a:latin typeface="Calibri" pitchFamily="34" charset="0"/>
-                <a:ea typeface="Calibri" pitchFamily="34" charset="0"/>
-                <a:cs typeface="Times New Roman" pitchFamily="18" charset="0"/>
-              </a:rPr>
-              <a:t>MIN</a:t>
+              <a:t>MAX, MIN</a:t>
             </a:r>
           </a:p>
           <a:p>
@@ -15428,15 +15420,7 @@
                 <a:ea typeface="Calibri" pitchFamily="34" charset="0"/>
                 <a:cs typeface="Times New Roman" pitchFamily="18" charset="0"/>
               </a:rPr>
-              <a:t>	</a:t>
-            </a:r>
-            <a:r>
-              <a:rPr lang="en-US" sz="2200" b="1" dirty="0">
-                <a:latin typeface="Calibri" pitchFamily="34" charset="0"/>
-                <a:ea typeface="Calibri" pitchFamily="34" charset="0"/>
-                <a:cs typeface="Times New Roman" pitchFamily="18" charset="0"/>
-              </a:rPr>
-              <a:t> &lt;field&gt; IS </a:t>
+              <a:t>	 &lt;field&gt; IS </a:t>
             </a:r>
             <a:r>
               <a:rPr lang="en-US" sz="2200" b="1" dirty="0" smtClean="0">
@@ -15446,11 +15430,6 @@
               </a:rPr>
               <a:t>NOT NULL</a:t>
             </a:r>
-            <a:endParaRPr lang="en-US" sz="2200" b="1" dirty="0" smtClean="0">
-              <a:latin typeface="Calibri" pitchFamily="34" charset="0"/>
-              <a:ea typeface="Calibri" pitchFamily="34" charset="0"/>
-              <a:cs typeface="Times New Roman" pitchFamily="18" charset="0"/>
-            </a:endParaRPr>
           </a:p>
         </p:txBody>
       </p:sp>
@@ -15761,25 +15740,7 @@
                   </a:outerShdw>
                 </a:effectLst>
               </a:rPr>
-              <a:t>Joining </a:t>
-            </a:r>
-            <a:r>
-              <a:rPr lang="en-US" sz="3500" dirty="0" smtClean="0">
-                <a:solidFill>
-                  <a:schemeClr val="tx1">
-                    <a:lumMod val="65000"/>
-                    <a:lumOff val="35000"/>
-                  </a:schemeClr>
-                </a:solidFill>
-                <a:effectLst>
-                  <a:outerShdw blurRad="38100" dist="38100" dir="2700000" algn="tl">
-                    <a:srgbClr val="000000">
-                      <a:alpha val="43137"/>
-                    </a:srgbClr>
-                  </a:outerShdw>
-                </a:effectLst>
-              </a:rPr>
-              <a:t>tables</a:t>
+              <a:t>Joining tables</a:t>
             </a:r>
           </a:p>
           <a:p>
@@ -15895,25 +15856,7 @@
                   </a:outerShdw>
                 </a:effectLst>
               </a:rPr>
-              <a:t>Joining </a:t>
-            </a:r>
-            <a:r>
-              <a:rPr lang="en-US" sz="3500" dirty="0" smtClean="0">
-                <a:solidFill>
-                  <a:schemeClr val="tx1">
-                    <a:lumMod val="65000"/>
-                    <a:lumOff val="35000"/>
-                  </a:schemeClr>
-                </a:solidFill>
-                <a:effectLst>
-                  <a:outerShdw blurRad="38100" dist="38100" dir="2700000" algn="tl">
-                    <a:srgbClr val="000000">
-                      <a:alpha val="43137"/>
-                    </a:srgbClr>
-                  </a:outerShdw>
-                </a:effectLst>
-              </a:rPr>
-              <a:t>Tables</a:t>
+              <a:t>Joining Tables</a:t>
             </a:r>
             <a:endParaRPr lang="en-US" sz="3500" dirty="0">
               <a:solidFill>
@@ -16699,25 +16642,7 @@
                   </a:outerShdw>
                 </a:effectLst>
               </a:rPr>
-              <a:t>Inner </a:t>
-            </a:r>
-            <a:r>
-              <a:rPr lang="en-US" sz="3500" dirty="0" smtClean="0">
-                <a:solidFill>
-                  <a:schemeClr val="tx1">
-                    <a:lumMod val="65000"/>
-                    <a:lumOff val="35000"/>
-                  </a:schemeClr>
-                </a:solidFill>
-                <a:effectLst>
-                  <a:outerShdw blurRad="38100" dist="38100" dir="2700000" algn="tl">
-                    <a:srgbClr val="000000">
-                      <a:alpha val="43137"/>
-                    </a:srgbClr>
-                  </a:outerShdw>
-                </a:effectLst>
-              </a:rPr>
-              <a:t>Join</a:t>
+              <a:t>Inner Join</a:t>
             </a:r>
             <a:endParaRPr lang="en-US" sz="3500" dirty="0">
               <a:solidFill>
@@ -16901,15 +16826,7 @@
                 <a:ea typeface="Calibri" pitchFamily="34" charset="0"/>
                 <a:cs typeface="Times New Roman" pitchFamily="18" charset="0"/>
               </a:rPr>
-              <a:t> </a:t>
-            </a:r>
-            <a:r>
-              <a:rPr lang="en-US" dirty="0" smtClean="0">
-                <a:latin typeface="Calibri" pitchFamily="34" charset="0"/>
-                <a:ea typeface="Calibri" pitchFamily="34" charset="0"/>
-                <a:cs typeface="Times New Roman" pitchFamily="18" charset="0"/>
-              </a:rPr>
-              <a:t>= </a:t>
+              <a:t> = </a:t>
             </a:r>
             <a:r>
               <a:rPr lang="en-US" dirty="0" err="1" smtClean="0">
@@ -18008,11 +17925,15 @@
             </a:r>
             <a:r>
               <a:rPr lang="ru-RU" b="1" dirty="0" smtClean="0"/>
-              <a:t>левой</a:t>
+              <a:t>правой</a:t>
             </a:r>
             <a:r>
               <a:rPr lang="ru-RU" dirty="0" smtClean="0"/>
-              <a:t> таблицы</a:t>
+              <a:t> </a:t>
+            </a:r>
+            <a:r>
+              <a:rPr lang="ru-RU" dirty="0" smtClean="0"/>
+              <a:t>таблицы</a:t>
             </a:r>
             <a:endParaRPr lang="ru-RU" dirty="0"/>
           </a:p>
@@ -18456,15 +18377,19 @@
             </a:r>
             <a:r>
               <a:rPr lang="ru-RU" dirty="0" smtClean="0"/>
-              <a:t>несуществующие соответствия для </a:t>
-            </a:r>
-            <a:r>
-              <a:rPr lang="ru-RU" b="1" dirty="0" smtClean="0"/>
-              <a:t>правой</a:t>
-            </a:r>
-            <a:r>
-              <a:rPr lang="ru-RU" dirty="0" smtClean="0"/>
-              <a:t> таблицы</a:t>
+              <a:t>несуществующие соответствия </a:t>
+            </a:r>
+            <a:r>
+              <a:rPr lang="ru-RU" smtClean="0"/>
+              <a:t>для </a:t>
+            </a:r>
+            <a:r>
+              <a:rPr lang="ru-RU" b="1" smtClean="0"/>
+              <a:t>левой </a:t>
+            </a:r>
+            <a:r>
+              <a:rPr lang="ru-RU" smtClean="0"/>
+              <a:t>таблицы</a:t>
             </a:r>
             <a:endParaRPr lang="ru-RU" dirty="0"/>
           </a:p>
@@ -21262,31 +21187,7 @@
                 <a:ea typeface="Calibri" pitchFamily="34" charset="0"/>
                 <a:cs typeface="Times New Roman" pitchFamily="18" charset="0"/>
               </a:rPr>
-              <a:t>Wh</a:t>
-            </a:r>
-            <a:r>
-              <a:rPr lang="en-US" dirty="0" smtClean="0">
-                <a:latin typeface="Calibri" pitchFamily="34" charset="0"/>
-                <a:ea typeface="Calibri" pitchFamily="34" charset="0"/>
-                <a:cs typeface="Times New Roman" pitchFamily="18" charset="0"/>
-              </a:rPr>
-              <a:t>ich </a:t>
-            </a:r>
-            <a:r>
-              <a:rPr lang="en-US" dirty="0" smtClean="0">
-                <a:latin typeface="Calibri" pitchFamily="34" charset="0"/>
-                <a:ea typeface="Calibri" pitchFamily="34" charset="0"/>
-                <a:cs typeface="Times New Roman" pitchFamily="18" charset="0"/>
-              </a:rPr>
-              <a:t>statements </a:t>
-            </a:r>
-            <a:r>
-              <a:rPr lang="en-US" dirty="0" smtClean="0">
-                <a:latin typeface="Calibri" pitchFamily="34" charset="0"/>
-                <a:ea typeface="Calibri" pitchFamily="34" charset="0"/>
-                <a:cs typeface="Times New Roman" pitchFamily="18" charset="0"/>
-              </a:rPr>
-              <a:t>can limit the rows selected? Give an example.</a:t>
+              <a:t>Which statements can limit the rows selected? Give an example.</a:t>
             </a:r>
           </a:p>
           <a:p>
@@ -21336,37 +21237,8 @@
                 <a:ea typeface="Calibri" pitchFamily="34" charset="0"/>
                 <a:cs typeface="Times New Roman" pitchFamily="18" charset="0"/>
               </a:rPr>
-              <a:t>Which</a:t>
-            </a:r>
-            <a:r>
-              <a:rPr lang="en-US" dirty="0" smtClean="0">
-                <a:latin typeface="Calibri" pitchFamily="34" charset="0"/>
-                <a:ea typeface="Calibri" pitchFamily="34" charset="0"/>
-                <a:cs typeface="Times New Roman" pitchFamily="18" charset="0"/>
-              </a:rPr>
-              <a:t> </a:t>
-            </a:r>
-            <a:r>
-              <a:rPr lang="en-US" dirty="0" smtClean="0">
-                <a:latin typeface="Calibri" pitchFamily="34" charset="0"/>
-                <a:ea typeface="Calibri" pitchFamily="34" charset="0"/>
-                <a:cs typeface="Times New Roman" pitchFamily="18" charset="0"/>
-              </a:rPr>
-              <a:t>SQL functions do you know</a:t>
-            </a:r>
-            <a:r>
-              <a:rPr lang="en-US" dirty="0" smtClean="0">
-                <a:latin typeface="Calibri" pitchFamily="34" charset="0"/>
-                <a:ea typeface="Calibri" pitchFamily="34" charset="0"/>
-                <a:cs typeface="Times New Roman" pitchFamily="18" charset="0"/>
-              </a:rPr>
-              <a:t>?</a:t>
-            </a:r>
-            <a:endParaRPr lang="en-US" dirty="0" smtClean="0">
-              <a:latin typeface="Calibri" pitchFamily="34" charset="0"/>
-              <a:ea typeface="Calibri" pitchFamily="34" charset="0"/>
-              <a:cs typeface="Times New Roman" pitchFamily="18" charset="0"/>
-            </a:endParaRPr>
+              <a:t>Which SQL functions do you know?</a:t>
+            </a:r>
           </a:p>
           <a:p>
             <a:pPr marL="457200" indent="-457200" fontAlgn="base">
@@ -21390,15 +21262,7 @@
                 <a:ea typeface="Calibri" pitchFamily="34" charset="0"/>
                 <a:cs typeface="Times New Roman" pitchFamily="18" charset="0"/>
               </a:rPr>
-              <a:t>Write </a:t>
-            </a:r>
-            <a:r>
-              <a:rPr lang="en-US" dirty="0" smtClean="0">
-                <a:latin typeface="Calibri" pitchFamily="34" charset="0"/>
-                <a:ea typeface="Calibri" pitchFamily="34" charset="0"/>
-                <a:cs typeface="Times New Roman" pitchFamily="18" charset="0"/>
-              </a:rPr>
-              <a:t>the syntax of grouping functions. Name grouping functions and give an example.</a:t>
+              <a:t>Write the syntax of grouping functions. Name grouping functions and give an example.</a:t>
             </a:r>
           </a:p>
           <a:p>

--- a/7.SQL Intro/SQL.pptx
+++ b/7.SQL Intro/SQL.pptx
@@ -5,53 +5,52 @@
     <p:sldMasterId id="2147483648" r:id="rId1"/>
   </p:sldMasterIdLst>
   <p:notesMasterIdLst>
-    <p:notesMasterId r:id="rId46"/>
+    <p:notesMasterId r:id="rId45"/>
   </p:notesMasterIdLst>
   <p:sldIdLst>
     <p:sldId id="280" r:id="rId2"/>
     <p:sldId id="330" r:id="rId3"/>
     <p:sldId id="329" r:id="rId4"/>
     <p:sldId id="338" r:id="rId5"/>
-    <p:sldId id="340" r:id="rId6"/>
-    <p:sldId id="339" r:id="rId7"/>
-    <p:sldId id="327" r:id="rId8"/>
-    <p:sldId id="281" r:id="rId9"/>
-    <p:sldId id="297" r:id="rId10"/>
-    <p:sldId id="298" r:id="rId11"/>
-    <p:sldId id="332" r:id="rId12"/>
-    <p:sldId id="299" r:id="rId13"/>
-    <p:sldId id="333" r:id="rId14"/>
-    <p:sldId id="265" r:id="rId15"/>
-    <p:sldId id="300" r:id="rId16"/>
-    <p:sldId id="301" r:id="rId17"/>
-    <p:sldId id="304" r:id="rId18"/>
-    <p:sldId id="306" r:id="rId19"/>
-    <p:sldId id="307" r:id="rId20"/>
-    <p:sldId id="334" r:id="rId21"/>
-    <p:sldId id="302" r:id="rId22"/>
-    <p:sldId id="309" r:id="rId23"/>
-    <p:sldId id="310" r:id="rId24"/>
-    <p:sldId id="311" r:id="rId25"/>
-    <p:sldId id="313" r:id="rId26"/>
-    <p:sldId id="314" r:id="rId27"/>
-    <p:sldId id="315" r:id="rId28"/>
-    <p:sldId id="321" r:id="rId29"/>
-    <p:sldId id="322" r:id="rId30"/>
-    <p:sldId id="341" r:id="rId31"/>
-    <p:sldId id="335" r:id="rId32"/>
-    <p:sldId id="308" r:id="rId33"/>
-    <p:sldId id="285" r:id="rId34"/>
-    <p:sldId id="316" r:id="rId35"/>
-    <p:sldId id="317" r:id="rId36"/>
-    <p:sldId id="318" r:id="rId37"/>
-    <p:sldId id="319" r:id="rId38"/>
-    <p:sldId id="320" r:id="rId39"/>
-    <p:sldId id="336" r:id="rId40"/>
-    <p:sldId id="324" r:id="rId41"/>
-    <p:sldId id="323" r:id="rId42"/>
-    <p:sldId id="325" r:id="rId43"/>
-    <p:sldId id="326" r:id="rId44"/>
-    <p:sldId id="337" r:id="rId45"/>
+    <p:sldId id="339" r:id="rId6"/>
+    <p:sldId id="327" r:id="rId7"/>
+    <p:sldId id="281" r:id="rId8"/>
+    <p:sldId id="297" r:id="rId9"/>
+    <p:sldId id="298" r:id="rId10"/>
+    <p:sldId id="332" r:id="rId11"/>
+    <p:sldId id="299" r:id="rId12"/>
+    <p:sldId id="333" r:id="rId13"/>
+    <p:sldId id="265" r:id="rId14"/>
+    <p:sldId id="300" r:id="rId15"/>
+    <p:sldId id="301" r:id="rId16"/>
+    <p:sldId id="304" r:id="rId17"/>
+    <p:sldId id="306" r:id="rId18"/>
+    <p:sldId id="307" r:id="rId19"/>
+    <p:sldId id="334" r:id="rId20"/>
+    <p:sldId id="302" r:id="rId21"/>
+    <p:sldId id="309" r:id="rId22"/>
+    <p:sldId id="310" r:id="rId23"/>
+    <p:sldId id="311" r:id="rId24"/>
+    <p:sldId id="313" r:id="rId25"/>
+    <p:sldId id="314" r:id="rId26"/>
+    <p:sldId id="315" r:id="rId27"/>
+    <p:sldId id="321" r:id="rId28"/>
+    <p:sldId id="322" r:id="rId29"/>
+    <p:sldId id="341" r:id="rId30"/>
+    <p:sldId id="335" r:id="rId31"/>
+    <p:sldId id="308" r:id="rId32"/>
+    <p:sldId id="285" r:id="rId33"/>
+    <p:sldId id="316" r:id="rId34"/>
+    <p:sldId id="317" r:id="rId35"/>
+    <p:sldId id="318" r:id="rId36"/>
+    <p:sldId id="319" r:id="rId37"/>
+    <p:sldId id="320" r:id="rId38"/>
+    <p:sldId id="336" r:id="rId39"/>
+    <p:sldId id="324" r:id="rId40"/>
+    <p:sldId id="323" r:id="rId41"/>
+    <p:sldId id="325" r:id="rId42"/>
+    <p:sldId id="326" r:id="rId43"/>
+    <p:sldId id="337" r:id="rId44"/>
   </p:sldIdLst>
   <p:sldSz cx="9144000" cy="6858000" type="screen4x3"/>
   <p:notesSz cx="6858000" cy="9144000"/>
@@ -251,7 +250,7 @@
           <a:p>
             <a:fld id="{235C3321-CD16-4B19-8BBD-DA41B5514AE9}" type="datetimeFigureOut">
               <a:rPr lang="en-US" smtClean="0"/>
-              <a:t>2/22/2013</a:t>
+              <a:t>12/18/2014</a:t>
             </a:fld>
             <a:endParaRPr lang="en-US"/>
           </a:p>
@@ -651,7 +650,19 @@
           <a:bodyPr/>
           <a:lstStyle/>
           <a:p>
-            <a:endParaRPr lang="en-US" dirty="0"/>
+            <a:pPr marL="171450" indent="-171450">
+              <a:buFont typeface="Arial" pitchFamily="34" charset="0"/>
+              <a:buChar char="•"/>
+            </a:pPr>
+            <a:endParaRPr lang="en-US" sz="1200" kern="1200" dirty="0">
+              <a:solidFill>
+                <a:schemeClr val="tx1"/>
+              </a:solidFill>
+              <a:effectLst/>
+              <a:latin typeface="+mn-lt"/>
+              <a:ea typeface="+mn-ea"/>
+              <a:cs typeface="+mn-cs"/>
+            </a:endParaRPr>
           </a:p>
         </p:txBody>
       </p:sp>
@@ -681,7 +692,7 @@
     </p:spTree>
     <p:extLst>
       <p:ext uri="{BB962C8B-B14F-4D97-AF65-F5344CB8AC3E}">
-        <p14:creationId xmlns:p14="http://schemas.microsoft.com/office/powerpoint/2010/main" val="3982621779"/>
+        <p14:creationId xmlns:p14="http://schemas.microsoft.com/office/powerpoint/2010/main" val="930881477"/>
       </p:ext>
     </p:extLst>
   </p:cSld>
@@ -735,11 +746,212 @@
           <a:bodyPr/>
           <a:lstStyle/>
           <a:p>
-            <a:pPr marL="171450" indent="-171450">
-              <a:buFont typeface="Arial" pitchFamily="34" charset="0"/>
-              <a:buChar char="•"/>
-            </a:pPr>
-            <a:endParaRPr lang="en-US" sz="1200" kern="1200" dirty="0">
+            <a:pPr lvl="0"/>
+            <a:r>
+              <a:rPr lang="en-US" sz="1200" kern="1200" dirty="0" smtClean="0">
+                <a:solidFill>
+                  <a:schemeClr val="tx1"/>
+                </a:solidFill>
+                <a:effectLst/>
+                <a:latin typeface="+mn-lt"/>
+                <a:ea typeface="+mn-ea"/>
+                <a:cs typeface="+mn-cs"/>
+              </a:rPr>
+              <a:t>Character strings </a:t>
+            </a:r>
+            <a:r>
+              <a:rPr lang="ru-RU" sz="1200" kern="1200" dirty="0" smtClean="0">
+                <a:solidFill>
+                  <a:schemeClr val="tx1"/>
+                </a:solidFill>
+                <a:effectLst/>
+                <a:latin typeface="+mn-lt"/>
+                <a:ea typeface="+mn-ea"/>
+                <a:cs typeface="+mn-cs"/>
+              </a:rPr>
+              <a:t>и </a:t>
+            </a:r>
+            <a:r>
+              <a:rPr lang="en-US" sz="1200" kern="1200" dirty="0" smtClean="0">
+                <a:solidFill>
+                  <a:schemeClr val="tx1"/>
+                </a:solidFill>
+                <a:effectLst/>
+                <a:latin typeface="+mn-lt"/>
+                <a:ea typeface="+mn-ea"/>
+                <a:cs typeface="+mn-cs"/>
+              </a:rPr>
+              <a:t>date values </a:t>
+            </a:r>
+            <a:r>
+              <a:rPr lang="ru-RU" sz="1200" kern="1200" dirty="0" smtClean="0">
+                <a:solidFill>
+                  <a:schemeClr val="tx1"/>
+                </a:solidFill>
+                <a:effectLst/>
+                <a:latin typeface="+mn-lt"/>
+                <a:ea typeface="+mn-ea"/>
+                <a:cs typeface="+mn-cs"/>
+              </a:rPr>
+              <a:t>заключаются в одинарные кавычки;</a:t>
+            </a:r>
+            <a:endParaRPr lang="en-US" sz="1200" kern="1200" dirty="0" smtClean="0">
+              <a:solidFill>
+                <a:schemeClr val="tx1"/>
+              </a:solidFill>
+              <a:effectLst/>
+              <a:latin typeface="+mn-lt"/>
+              <a:ea typeface="+mn-ea"/>
+              <a:cs typeface="+mn-cs"/>
+            </a:endParaRPr>
+          </a:p>
+          <a:p>
+            <a:pPr lvl="0"/>
+            <a:r>
+              <a:rPr lang="en-US" sz="1200" kern="1200" dirty="0" smtClean="0">
+                <a:solidFill>
+                  <a:schemeClr val="tx1"/>
+                </a:solidFill>
+                <a:effectLst/>
+                <a:latin typeface="+mn-lt"/>
+                <a:ea typeface="+mn-ea"/>
+                <a:cs typeface="+mn-cs"/>
+              </a:rPr>
+              <a:t>Character values </a:t>
+            </a:r>
+            <a:r>
+              <a:rPr lang="ru-RU" sz="1200" kern="1200" dirty="0" smtClean="0">
+                <a:solidFill>
+                  <a:schemeClr val="tx1"/>
+                </a:solidFill>
+                <a:effectLst/>
+                <a:latin typeface="+mn-lt"/>
+                <a:ea typeface="+mn-ea"/>
+                <a:cs typeface="+mn-cs"/>
+              </a:rPr>
+              <a:t>чувствительны к регистру, значения </a:t>
+            </a:r>
+            <a:r>
+              <a:rPr lang="en-US" sz="1200" kern="1200" dirty="0" smtClean="0">
+                <a:solidFill>
+                  <a:schemeClr val="tx1"/>
+                </a:solidFill>
+                <a:effectLst/>
+                <a:latin typeface="+mn-lt"/>
+                <a:ea typeface="+mn-ea"/>
+                <a:cs typeface="+mn-cs"/>
+              </a:rPr>
+              <a:t>dates </a:t>
+            </a:r>
+            <a:r>
+              <a:rPr lang="ru-RU" sz="1200" kern="1200" dirty="0" smtClean="0">
+                <a:solidFill>
+                  <a:schemeClr val="tx1"/>
+                </a:solidFill>
+                <a:effectLst/>
+                <a:latin typeface="+mn-lt"/>
+                <a:ea typeface="+mn-ea"/>
+                <a:cs typeface="+mn-cs"/>
+              </a:rPr>
+              <a:t>чувствительны к формату. </a:t>
+            </a:r>
+            <a:endParaRPr lang="en-US" sz="1200" kern="1200" dirty="0" smtClean="0">
+              <a:solidFill>
+                <a:schemeClr val="tx1"/>
+              </a:solidFill>
+              <a:effectLst/>
+              <a:latin typeface="+mn-lt"/>
+              <a:ea typeface="+mn-ea"/>
+              <a:cs typeface="+mn-cs"/>
+            </a:endParaRPr>
+          </a:p>
+          <a:p>
+            <a:pPr lvl="0"/>
+            <a:r>
+              <a:rPr lang="ru-RU" sz="1200" kern="1200" dirty="0" smtClean="0">
+                <a:solidFill>
+                  <a:schemeClr val="tx1"/>
+                </a:solidFill>
+                <a:effectLst/>
+                <a:latin typeface="+mn-lt"/>
+                <a:ea typeface="+mn-ea"/>
+                <a:cs typeface="+mn-cs"/>
+              </a:rPr>
+              <a:t>Дефалтовый формат дат: </a:t>
+            </a:r>
+            <a:r>
+              <a:rPr lang="en-US" sz="1200" kern="1200" dirty="0" smtClean="0">
+                <a:solidFill>
+                  <a:schemeClr val="tx1"/>
+                </a:solidFill>
+                <a:effectLst/>
+                <a:latin typeface="+mn-lt"/>
+                <a:ea typeface="+mn-ea"/>
+                <a:cs typeface="+mn-cs"/>
+              </a:rPr>
+              <a:t>DD</a:t>
+            </a:r>
+            <a:r>
+              <a:rPr lang="ru-RU" sz="1200" kern="1200" dirty="0" smtClean="0">
+                <a:solidFill>
+                  <a:schemeClr val="tx1"/>
+                </a:solidFill>
+                <a:effectLst/>
+                <a:latin typeface="+mn-lt"/>
+                <a:ea typeface="+mn-ea"/>
+                <a:cs typeface="+mn-cs"/>
+              </a:rPr>
+              <a:t>-</a:t>
+            </a:r>
+            <a:r>
+              <a:rPr lang="en-US" sz="1200" kern="1200" dirty="0" smtClean="0">
+                <a:solidFill>
+                  <a:schemeClr val="tx1"/>
+                </a:solidFill>
+                <a:effectLst/>
+                <a:latin typeface="+mn-lt"/>
+                <a:ea typeface="+mn-ea"/>
+                <a:cs typeface="+mn-cs"/>
+              </a:rPr>
+              <a:t>MON</a:t>
+            </a:r>
+            <a:r>
+              <a:rPr lang="ru-RU" sz="1200" kern="1200" dirty="0" smtClean="0">
+                <a:solidFill>
+                  <a:schemeClr val="tx1"/>
+                </a:solidFill>
+                <a:effectLst/>
+                <a:latin typeface="+mn-lt"/>
+                <a:ea typeface="+mn-ea"/>
+                <a:cs typeface="+mn-cs"/>
+              </a:rPr>
+              <a:t>-</a:t>
+            </a:r>
+            <a:r>
+              <a:rPr lang="en-US" sz="1200" kern="1200" dirty="0" smtClean="0">
+                <a:solidFill>
+                  <a:schemeClr val="tx1"/>
+                </a:solidFill>
+                <a:effectLst/>
+                <a:latin typeface="+mn-lt"/>
+                <a:ea typeface="+mn-ea"/>
+                <a:cs typeface="+mn-cs"/>
+              </a:rPr>
+              <a:t>RR</a:t>
+            </a:r>
+            <a:r>
+              <a:rPr lang="ru-RU" sz="1200" kern="1200" dirty="0" smtClean="0">
+                <a:solidFill>
+                  <a:schemeClr val="tx1"/>
+                </a:solidFill>
+                <a:effectLst/>
+                <a:latin typeface="+mn-lt"/>
+                <a:ea typeface="+mn-ea"/>
+                <a:cs typeface="+mn-cs"/>
+              </a:rPr>
+              <a:t>. </a:t>
+            </a:r>
+            <a:endParaRPr lang="en-US" sz="1200" kern="1200" dirty="0" smtClean="0">
               <a:solidFill>
                 <a:schemeClr val="tx1"/>
               </a:solidFill>
@@ -831,220 +1043,30 @@
           <a:bodyPr/>
           <a:lstStyle/>
           <a:p>
-            <a:pPr lvl="0"/>
-            <a:r>
-              <a:rPr lang="en-US" sz="1200" kern="1200" dirty="0" smtClean="0">
-                <a:solidFill>
-                  <a:schemeClr val="tx1"/>
-                </a:solidFill>
-                <a:effectLst/>
-                <a:latin typeface="+mn-lt"/>
-                <a:ea typeface="+mn-ea"/>
-                <a:cs typeface="+mn-cs"/>
-              </a:rPr>
-              <a:t>Character strings </a:t>
-            </a:r>
-            <a:r>
-              <a:rPr lang="ru-RU" sz="1200" kern="1200" dirty="0" smtClean="0">
-                <a:solidFill>
-                  <a:schemeClr val="tx1"/>
-                </a:solidFill>
-                <a:effectLst/>
-                <a:latin typeface="+mn-lt"/>
-                <a:ea typeface="+mn-ea"/>
-                <a:cs typeface="+mn-cs"/>
-              </a:rPr>
-              <a:t>и </a:t>
-            </a:r>
-            <a:r>
-              <a:rPr lang="en-US" sz="1200" kern="1200" dirty="0" smtClean="0">
-                <a:solidFill>
-                  <a:schemeClr val="tx1"/>
-                </a:solidFill>
-                <a:effectLst/>
-                <a:latin typeface="+mn-lt"/>
-                <a:ea typeface="+mn-ea"/>
-                <a:cs typeface="+mn-cs"/>
-              </a:rPr>
-              <a:t>date values </a:t>
-            </a:r>
-            <a:r>
-              <a:rPr lang="ru-RU" sz="1200" kern="1200" dirty="0" smtClean="0">
-                <a:solidFill>
-                  <a:schemeClr val="tx1"/>
-                </a:solidFill>
-                <a:effectLst/>
-                <a:latin typeface="+mn-lt"/>
-                <a:ea typeface="+mn-ea"/>
-                <a:cs typeface="+mn-cs"/>
-              </a:rPr>
-              <a:t>заключаются в одинарные кавычки;</a:t>
-            </a:r>
-            <a:endParaRPr lang="en-US" sz="1200" kern="1200" dirty="0" smtClean="0">
-              <a:solidFill>
-                <a:schemeClr val="tx1"/>
-              </a:solidFill>
-              <a:effectLst/>
-              <a:latin typeface="+mn-lt"/>
-              <a:ea typeface="+mn-ea"/>
-              <a:cs typeface="+mn-cs"/>
-            </a:endParaRPr>
-          </a:p>
-          <a:p>
-            <a:pPr lvl="0"/>
-            <a:r>
-              <a:rPr lang="en-US" sz="1200" kern="1200" dirty="0" smtClean="0">
-                <a:solidFill>
-                  <a:schemeClr val="tx1"/>
-                </a:solidFill>
-                <a:effectLst/>
-                <a:latin typeface="+mn-lt"/>
-                <a:ea typeface="+mn-ea"/>
-                <a:cs typeface="+mn-cs"/>
-              </a:rPr>
-              <a:t>Character values </a:t>
-            </a:r>
-            <a:r>
-              <a:rPr lang="ru-RU" sz="1200" kern="1200" dirty="0" smtClean="0">
-                <a:solidFill>
-                  <a:schemeClr val="tx1"/>
-                </a:solidFill>
-                <a:effectLst/>
-                <a:latin typeface="+mn-lt"/>
-                <a:ea typeface="+mn-ea"/>
-                <a:cs typeface="+mn-cs"/>
-              </a:rPr>
-              <a:t>чувствительны к регистру, значения </a:t>
-            </a:r>
-            <a:r>
-              <a:rPr lang="en-US" sz="1200" kern="1200" dirty="0" smtClean="0">
-                <a:solidFill>
-                  <a:schemeClr val="tx1"/>
-                </a:solidFill>
-                <a:effectLst/>
-                <a:latin typeface="+mn-lt"/>
-                <a:ea typeface="+mn-ea"/>
-                <a:cs typeface="+mn-cs"/>
-              </a:rPr>
-              <a:t>dates </a:t>
-            </a:r>
-            <a:r>
-              <a:rPr lang="ru-RU" sz="1200" kern="1200" dirty="0" smtClean="0">
-                <a:solidFill>
-                  <a:schemeClr val="tx1"/>
-                </a:solidFill>
-                <a:effectLst/>
-                <a:latin typeface="+mn-lt"/>
-                <a:ea typeface="+mn-ea"/>
-                <a:cs typeface="+mn-cs"/>
-              </a:rPr>
-              <a:t>чувствительны к формату. </a:t>
-            </a:r>
-            <a:endParaRPr lang="en-US" sz="1200" kern="1200" dirty="0" smtClean="0">
-              <a:solidFill>
-                <a:schemeClr val="tx1"/>
-              </a:solidFill>
-              <a:effectLst/>
-              <a:latin typeface="+mn-lt"/>
-              <a:ea typeface="+mn-ea"/>
-              <a:cs typeface="+mn-cs"/>
-            </a:endParaRPr>
-          </a:p>
-          <a:p>
-            <a:pPr lvl="0"/>
-            <a:r>
-              <a:rPr lang="ru-RU" sz="1200" kern="1200" dirty="0" smtClean="0">
-                <a:solidFill>
-                  <a:schemeClr val="tx1"/>
-                </a:solidFill>
-                <a:effectLst/>
-                <a:latin typeface="+mn-lt"/>
-                <a:ea typeface="+mn-ea"/>
-                <a:cs typeface="+mn-cs"/>
-              </a:rPr>
-              <a:t>Дефалтовый формат дат: </a:t>
-            </a:r>
-            <a:r>
-              <a:rPr lang="en-US" sz="1200" kern="1200" dirty="0" smtClean="0">
-                <a:solidFill>
-                  <a:schemeClr val="tx1"/>
-                </a:solidFill>
-                <a:effectLst/>
-                <a:latin typeface="+mn-lt"/>
-                <a:ea typeface="+mn-ea"/>
-                <a:cs typeface="+mn-cs"/>
-              </a:rPr>
-              <a:t>DD</a:t>
-            </a:r>
-            <a:r>
-              <a:rPr lang="ru-RU" sz="1200" kern="1200" dirty="0" smtClean="0">
-                <a:solidFill>
-                  <a:schemeClr val="tx1"/>
-                </a:solidFill>
-                <a:effectLst/>
-                <a:latin typeface="+mn-lt"/>
-                <a:ea typeface="+mn-ea"/>
-                <a:cs typeface="+mn-cs"/>
-              </a:rPr>
-              <a:t>-</a:t>
-            </a:r>
-            <a:r>
-              <a:rPr lang="en-US" sz="1200" kern="1200" dirty="0" smtClean="0">
-                <a:solidFill>
-                  <a:schemeClr val="tx1"/>
-                </a:solidFill>
-                <a:effectLst/>
-                <a:latin typeface="+mn-lt"/>
-                <a:ea typeface="+mn-ea"/>
-                <a:cs typeface="+mn-cs"/>
-              </a:rPr>
-              <a:t>MON</a:t>
-            </a:r>
-            <a:r>
-              <a:rPr lang="ru-RU" sz="1200" kern="1200" dirty="0" smtClean="0">
-                <a:solidFill>
-                  <a:schemeClr val="tx1"/>
-                </a:solidFill>
-                <a:effectLst/>
-                <a:latin typeface="+mn-lt"/>
-                <a:ea typeface="+mn-ea"/>
-                <a:cs typeface="+mn-cs"/>
-              </a:rPr>
-              <a:t>-</a:t>
-            </a:r>
-            <a:r>
-              <a:rPr lang="en-US" sz="1200" kern="1200" dirty="0" smtClean="0">
-                <a:solidFill>
-                  <a:schemeClr val="tx1"/>
-                </a:solidFill>
-                <a:effectLst/>
-                <a:latin typeface="+mn-lt"/>
-                <a:ea typeface="+mn-ea"/>
-                <a:cs typeface="+mn-cs"/>
-              </a:rPr>
-              <a:t>RR</a:t>
-            </a:r>
-            <a:r>
-              <a:rPr lang="ru-RU" sz="1200" kern="1200" dirty="0" smtClean="0">
-                <a:solidFill>
-                  <a:schemeClr val="tx1"/>
-                </a:solidFill>
-                <a:effectLst/>
-                <a:latin typeface="+mn-lt"/>
-                <a:ea typeface="+mn-ea"/>
-                <a:cs typeface="+mn-cs"/>
-              </a:rPr>
+            <a:r>
+              <a:rPr lang="en-US" dirty="0" smtClean="0"/>
+              <a:t>Alias </a:t>
+            </a:r>
+            <a:r>
+              <a:rPr lang="ru-RU" dirty="0" smtClean="0"/>
+              <a:t>не могут быть использованы в </a:t>
+            </a:r>
+            <a:r>
+              <a:rPr lang="en-US" dirty="0" smtClean="0"/>
+              <a:t>WHERE</a:t>
+            </a:r>
+            <a:r>
+              <a:rPr lang="ru-RU" dirty="0" smtClean="0"/>
               <a:t>. </a:t>
             </a:r>
-            <a:endParaRPr lang="en-US" sz="1200" kern="1200" dirty="0" smtClean="0">
-              <a:solidFill>
-                <a:schemeClr val="tx1"/>
-              </a:solidFill>
-              <a:effectLst/>
-              <a:latin typeface="+mn-lt"/>
-              <a:ea typeface="+mn-ea"/>
-              <a:cs typeface="+mn-cs"/>
-            </a:endParaRPr>
+            <a:endParaRPr lang="en-US" dirty="0" smtClean="0"/>
+          </a:p>
+          <a:p>
+            <a:r>
+              <a:rPr lang="ru-RU" dirty="0" smtClean="0"/>
+              <a:t>Символы != и ^= используются для не равно.</a:t>
+            </a:r>
+            <a:endParaRPr lang="en-US" dirty="0" smtClean="0"/>
           </a:p>
         </p:txBody>
       </p:sp>
@@ -1129,29 +1151,73 @@
           <a:lstStyle/>
           <a:p>
             <a:r>
-              <a:rPr lang="en-US" dirty="0" smtClean="0"/>
-              <a:t>Alias </a:t>
-            </a:r>
-            <a:r>
-              <a:rPr lang="ru-RU" dirty="0" smtClean="0"/>
-              <a:t>не могут быть использованы в </a:t>
-            </a:r>
-            <a:r>
-              <a:rPr lang="en-US" dirty="0" smtClean="0"/>
-              <a:t>WHERE</a:t>
-            </a:r>
-            <a:r>
-              <a:rPr lang="ru-RU" dirty="0" smtClean="0"/>
+              <a:rPr lang="ru-RU" sz="1200" kern="1200" dirty="0" smtClean="0">
+                <a:solidFill>
+                  <a:schemeClr val="tx1"/>
+                </a:solidFill>
+                <a:effectLst/>
+                <a:latin typeface="+mn-lt"/>
+                <a:ea typeface="+mn-ea"/>
+                <a:cs typeface="+mn-cs"/>
+              </a:rPr>
+              <a:t>- %   -   обозначает множество симоволов или ни одного;</a:t>
+            </a:r>
+            <a:endParaRPr lang="en-US" sz="1200" kern="1200" dirty="0" smtClean="0">
+              <a:solidFill>
+                <a:schemeClr val="tx1"/>
+              </a:solidFill>
+              <a:effectLst/>
+              <a:latin typeface="+mn-lt"/>
+              <a:ea typeface="+mn-ea"/>
+              <a:cs typeface="+mn-cs"/>
+            </a:endParaRPr>
+          </a:p>
+          <a:p>
+            <a:r>
+              <a:rPr lang="en-US" sz="1200" kern="1200" dirty="0" smtClean="0">
+                <a:solidFill>
+                  <a:schemeClr val="tx1"/>
+                </a:solidFill>
+                <a:effectLst/>
+                <a:latin typeface="+mn-lt"/>
+                <a:ea typeface="+mn-ea"/>
+                <a:cs typeface="+mn-cs"/>
+              </a:rPr>
+              <a:t>- _   -   </a:t>
+            </a:r>
+            <a:r>
+              <a:rPr lang="ru-RU" sz="1200" kern="1200" dirty="0" smtClean="0">
+                <a:solidFill>
+                  <a:schemeClr val="tx1"/>
+                </a:solidFill>
+                <a:effectLst/>
+                <a:latin typeface="+mn-lt"/>
+                <a:ea typeface="+mn-ea"/>
+                <a:cs typeface="+mn-cs"/>
+              </a:rPr>
+              <a:t>обозначает один символ</a:t>
+            </a:r>
+            <a:r>
+              <a:rPr lang="en-US" sz="1200" kern="1200" dirty="0" smtClean="0">
+                <a:solidFill>
+                  <a:schemeClr val="tx1"/>
+                </a:solidFill>
+                <a:effectLst/>
+                <a:latin typeface="+mn-lt"/>
+                <a:ea typeface="+mn-ea"/>
+                <a:cs typeface="+mn-cs"/>
+              </a:rPr>
               <a:t>. </a:t>
             </a:r>
-            <a:endParaRPr lang="en-US" dirty="0" smtClean="0"/>
-          </a:p>
-          <a:p>
-            <a:r>
-              <a:rPr lang="ru-RU" dirty="0" smtClean="0"/>
-              <a:t>Символы != и ^= используются для не равно.</a:t>
-            </a:r>
-            <a:endParaRPr lang="en-US" dirty="0" smtClean="0"/>
+            <a:endParaRPr lang="en-US" sz="1200" kern="1200" dirty="0">
+              <a:solidFill>
+                <a:schemeClr val="tx1"/>
+              </a:solidFill>
+              <a:effectLst/>
+              <a:latin typeface="+mn-lt"/>
+              <a:ea typeface="+mn-ea"/>
+              <a:cs typeface="+mn-cs"/>
+            </a:endParaRPr>
           </a:p>
         </p:txBody>
       </p:sp>
@@ -1235,65 +1301,6 @@
           <a:bodyPr/>
           <a:lstStyle/>
           <a:p>
-            <a:r>
-              <a:rPr lang="ru-RU" sz="1200" kern="1200" dirty="0" smtClean="0">
-                <a:solidFill>
-                  <a:schemeClr val="tx1"/>
-                </a:solidFill>
-                <a:effectLst/>
-                <a:latin typeface="+mn-lt"/>
-                <a:ea typeface="+mn-ea"/>
-                <a:cs typeface="+mn-cs"/>
-              </a:rPr>
-              <a:t>- %   -   обозначает множество симоволов или ни одного;</a:t>
-            </a:r>
-            <a:endParaRPr lang="en-US" sz="1200" kern="1200" dirty="0" smtClean="0">
-              <a:solidFill>
-                <a:schemeClr val="tx1"/>
-              </a:solidFill>
-              <a:effectLst/>
-              <a:latin typeface="+mn-lt"/>
-              <a:ea typeface="+mn-ea"/>
-              <a:cs typeface="+mn-cs"/>
-            </a:endParaRPr>
-          </a:p>
-          <a:p>
-            <a:r>
-              <a:rPr lang="en-US" sz="1200" kern="1200" dirty="0" smtClean="0">
-                <a:solidFill>
-                  <a:schemeClr val="tx1"/>
-                </a:solidFill>
-                <a:effectLst/>
-                <a:latin typeface="+mn-lt"/>
-                <a:ea typeface="+mn-ea"/>
-                <a:cs typeface="+mn-cs"/>
-              </a:rPr>
-              <a:t>- _   -   </a:t>
-            </a:r>
-            <a:r>
-              <a:rPr lang="ru-RU" sz="1200" kern="1200" dirty="0" smtClean="0">
-                <a:solidFill>
-                  <a:schemeClr val="tx1"/>
-                </a:solidFill>
-                <a:effectLst/>
-                <a:latin typeface="+mn-lt"/>
-                <a:ea typeface="+mn-ea"/>
-                <a:cs typeface="+mn-cs"/>
-              </a:rPr>
-              <a:t>обозначает один символ</a:t>
-            </a:r>
-            <a:r>
-              <a:rPr lang="en-US" sz="1200" kern="1200" dirty="0" smtClean="0">
-                <a:solidFill>
-                  <a:schemeClr val="tx1"/>
-                </a:solidFill>
-                <a:effectLst/>
-                <a:latin typeface="+mn-lt"/>
-                <a:ea typeface="+mn-ea"/>
-                <a:cs typeface="+mn-cs"/>
-              </a:rPr>
-              <a:t>. </a:t>
-            </a:r>
             <a:endParaRPr lang="en-US" sz="1200" kern="1200" dirty="0">
               <a:solidFill>
                 <a:schemeClr val="tx1"/>
@@ -1386,15 +1393,52 @@
           <a:bodyPr/>
           <a:lstStyle/>
           <a:p>
-            <a:endParaRPr lang="en-US" sz="1200" kern="1200" dirty="0">
-              <a:solidFill>
-                <a:schemeClr val="tx1"/>
-              </a:solidFill>
-              <a:effectLst/>
-              <a:latin typeface="+mn-lt"/>
-              <a:ea typeface="+mn-ea"/>
-              <a:cs typeface="+mn-cs"/>
-            </a:endParaRPr>
+            <a:pPr marL="457200" indent="-457200">
+              <a:buFontTx/>
+              <a:buChar char="-"/>
+            </a:pPr>
+            <a:r>
+              <a:rPr lang="en-US" sz="1200" b="0" dirty="0" smtClean="0">
+                <a:latin typeface="Calibri" pitchFamily="34" charset="0"/>
+                <a:ea typeface="Calibri" pitchFamily="34" charset="0"/>
+                <a:cs typeface="Times New Roman" pitchFamily="18" charset="0"/>
+              </a:rPr>
+              <a:t>ASC: ascending order, default </a:t>
+            </a:r>
+          </a:p>
+          <a:p>
+            <a:pPr marL="457200" indent="-457200">
+              <a:buFontTx/>
+              <a:buChar char="-"/>
+            </a:pPr>
+            <a:r>
+              <a:rPr lang="en-US" sz="1200" b="0" dirty="0" smtClean="0">
+                <a:latin typeface="Calibri" pitchFamily="34" charset="0"/>
+                <a:cs typeface="Times New Roman" pitchFamily="18" charset="0"/>
+              </a:rPr>
+              <a:t>DESC: descending order</a:t>
+            </a:r>
+          </a:p>
+          <a:p>
+            <a:pPr marL="457200" indent="-457200">
+              <a:buFontTx/>
+              <a:buChar char="-"/>
+            </a:pPr>
+            <a:r>
+              <a:rPr lang="en-US" sz="1200" b="0" dirty="0" smtClean="0">
+                <a:latin typeface="Calibri" pitchFamily="34" charset="0"/>
+                <a:cs typeface="Times New Roman" pitchFamily="18" charset="0"/>
+              </a:rPr>
+              <a:t>The is possibility to sort by</a:t>
+            </a:r>
+            <a:r>
+              <a:rPr lang="en-US" sz="1200" b="0" baseline="0" dirty="0" smtClean="0">
+                <a:latin typeface="Calibri" pitchFamily="34" charset="0"/>
+                <a:cs typeface="Times New Roman" pitchFamily="18" charset="0"/>
+              </a:rPr>
+              <a:t> multiple clauses</a:t>
+            </a:r>
+            <a:endParaRPr lang="en-US" sz="1200" b="0" dirty="0"/>
           </a:p>
         </p:txBody>
       </p:sp>
@@ -1478,52 +1522,19 @@
           <a:bodyPr/>
           <a:lstStyle/>
           <a:p>
-            <a:pPr marL="457200" indent="-457200">
-              <a:buFontTx/>
-              <a:buChar char="-"/>
+            <a:pPr marL="171450" indent="-171450">
+              <a:buFont typeface="Arial" pitchFamily="34" charset="0"/>
+              <a:buChar char="•"/>
             </a:pPr>
-            <a:r>
-              <a:rPr lang="en-US" sz="1200" b="0" dirty="0" smtClean="0">
-                <a:latin typeface="Calibri" pitchFamily="34" charset="0"/>
-                <a:ea typeface="Calibri" pitchFamily="34" charset="0"/>
-                <a:cs typeface="Times New Roman" pitchFamily="18" charset="0"/>
-              </a:rPr>
-              <a:t>ASC: ascending order, default </a:t>
-            </a:r>
-          </a:p>
-          <a:p>
-            <a:pPr marL="457200" indent="-457200">
-              <a:buFontTx/>
-              <a:buChar char="-"/>
-            </a:pPr>
-            <a:r>
-              <a:rPr lang="en-US" sz="1200" b="0" dirty="0" smtClean="0">
-                <a:latin typeface="Calibri" pitchFamily="34" charset="0"/>
-                <a:cs typeface="Times New Roman" pitchFamily="18" charset="0"/>
-              </a:rPr>
-              <a:t>DESC: descending order</a:t>
-            </a:r>
-          </a:p>
-          <a:p>
-            <a:pPr marL="457200" indent="-457200">
-              <a:buFontTx/>
-              <a:buChar char="-"/>
-            </a:pPr>
-            <a:r>
-              <a:rPr lang="en-US" sz="1200" b="0" dirty="0" smtClean="0">
-                <a:latin typeface="Calibri" pitchFamily="34" charset="0"/>
-                <a:cs typeface="Times New Roman" pitchFamily="18" charset="0"/>
-              </a:rPr>
-              <a:t>The is possibility to sort by</a:t>
-            </a:r>
-            <a:r>
-              <a:rPr lang="en-US" sz="1200" b="0" baseline="0" dirty="0" smtClean="0">
-                <a:latin typeface="Calibri" pitchFamily="34" charset="0"/>
-                <a:cs typeface="Times New Roman" pitchFamily="18" charset="0"/>
-              </a:rPr>
-              <a:t> multiple clauses</a:t>
-            </a:r>
-            <a:endParaRPr lang="en-US" sz="1200" b="0" dirty="0"/>
+            <a:endParaRPr lang="en-US" sz="1200" kern="1200" dirty="0">
+              <a:solidFill>
+                <a:schemeClr val="tx1"/>
+              </a:solidFill>
+              <a:effectLst/>
+              <a:latin typeface="+mn-lt"/>
+              <a:ea typeface="+mn-ea"/>
+              <a:cs typeface="+mn-cs"/>
+            </a:endParaRPr>
           </a:p>
         </p:txBody>
       </p:sp>
@@ -1703,19 +1714,7 @@
           <a:bodyPr/>
           <a:lstStyle/>
           <a:p>
-            <a:pPr marL="171450" indent="-171450">
-              <a:buFont typeface="Arial" pitchFamily="34" charset="0"/>
-              <a:buChar char="•"/>
-            </a:pPr>
-            <a:endParaRPr lang="en-US" sz="1200" kern="1200" dirty="0">
-              <a:solidFill>
-                <a:schemeClr val="tx1"/>
-              </a:solidFill>
-              <a:effectLst/>
-              <a:latin typeface="+mn-lt"/>
-              <a:ea typeface="+mn-ea"/>
-              <a:cs typeface="+mn-cs"/>
-            </a:endParaRPr>
+            <a:endParaRPr lang="en-US" dirty="0" smtClean="0"/>
           </a:p>
         </p:txBody>
       </p:sp>
@@ -2139,7 +2138,26 @@
           <a:bodyPr/>
           <a:lstStyle/>
           <a:p>
-            <a:endParaRPr lang="en-US" dirty="0" smtClean="0"/>
+            <a:r>
+              <a:rPr lang="en-US" dirty="0" smtClean="0"/>
+              <a:t>SUBSTR (string, position, length)</a:t>
+            </a:r>
+          </a:p>
+          <a:p>
+            <a:r>
+              <a:rPr lang="en-US" dirty="0" smtClean="0"/>
+              <a:t>INSTR </a:t>
+            </a:r>
+            <a:r>
+              <a:rPr lang="en-US" baseline="0" dirty="0" smtClean="0"/>
+              <a:t> - finds numeric position of named character</a:t>
+            </a:r>
+          </a:p>
+          <a:p>
+            <a:r>
+              <a:rPr lang="en-US" baseline="0" dirty="0" smtClean="0"/>
+              <a:t>LPAD, RPAD – pads the character values right or left- justified</a:t>
+            </a:r>
           </a:p>
         </p:txBody>
       </p:sp>
@@ -2223,26 +2241,7 @@
           <a:bodyPr/>
           <a:lstStyle/>
           <a:p>
-            <a:r>
-              <a:rPr lang="en-US" dirty="0" smtClean="0"/>
-              <a:t>SUBSTR (string, position, length)</a:t>
-            </a:r>
-          </a:p>
-          <a:p>
-            <a:r>
-              <a:rPr lang="en-US" dirty="0" smtClean="0"/>
-              <a:t>INSTR </a:t>
-            </a:r>
-            <a:r>
-              <a:rPr lang="en-US" baseline="0" dirty="0" smtClean="0"/>
-              <a:t> - finds numeric position of named character</a:t>
-            </a:r>
-          </a:p>
-          <a:p>
-            <a:r>
-              <a:rPr lang="en-US" baseline="0" dirty="0" smtClean="0"/>
-              <a:t>LPAD, RPAD – pads the character values right or left- justified</a:t>
-            </a:r>
+            <a:endParaRPr lang="en-US" dirty="0" smtClean="0"/>
           </a:p>
         </p:txBody>
       </p:sp>
@@ -2326,6 +2325,20 @@
           <a:bodyPr/>
           <a:lstStyle/>
           <a:p>
+            <a:r>
+              <a:rPr lang="en-US" dirty="0" smtClean="0"/>
+              <a:t>Th</a:t>
+            </a:r>
+            <a:r>
+              <a:rPr lang="en-US" baseline="0" dirty="0" smtClean="0"/>
+              <a:t>e default date format is DD-MON-RR.</a:t>
+            </a:r>
+          </a:p>
+          <a:p>
+            <a:r>
+              <a:rPr lang="en-US" baseline="0" dirty="0" smtClean="0"/>
+              <a:t>SELECT</a:t>
+            </a:r>
             <a:endParaRPr lang="en-US" dirty="0" smtClean="0"/>
           </a:p>
         </p:txBody>
@@ -2412,17 +2425,58 @@
           <a:p>
             <a:r>
               <a:rPr lang="en-US" dirty="0" smtClean="0"/>
-              <a:t>Th</a:t>
+              <a:t>STDDEV</a:t>
             </a:r>
             <a:r>
               <a:rPr lang="en-US" baseline="0" dirty="0" smtClean="0"/>
-              <a:t>e default date format is DD-MON-RR.</a:t>
-            </a:r>
-          </a:p>
-          <a:p>
-            <a:r>
-              <a:rPr lang="en-US" baseline="0" dirty="0" smtClean="0"/>
-              <a:t>SELECT</a:t>
+              <a:t> - </a:t>
+            </a:r>
+            <a:r>
+              <a:rPr lang="ru-RU" sz="1200" b="0" i="0" kern="1200" dirty="0" smtClean="0">
+                <a:solidFill>
+                  <a:schemeClr val="tx1"/>
+                </a:solidFill>
+                <a:effectLst/>
+                <a:latin typeface="+mn-lt"/>
+                <a:ea typeface="+mn-ea"/>
+                <a:cs typeface="+mn-cs"/>
+              </a:rPr>
+              <a:t>Возвращает статистическое стандартное отклонение всех значений в указанном выражении. </a:t>
+            </a:r>
+            <a:endParaRPr lang="en-US" sz="1200" b="0" i="0" kern="1200" dirty="0" smtClean="0">
+              <a:solidFill>
+                <a:schemeClr val="tx1"/>
+              </a:solidFill>
+              <a:effectLst/>
+              <a:latin typeface="+mn-lt"/>
+              <a:ea typeface="+mn-ea"/>
+              <a:cs typeface="+mn-cs"/>
+            </a:endParaRPr>
+          </a:p>
+          <a:p>
+            <a:r>
+              <a:rPr lang="en-US" sz="1200" b="0" i="0" kern="1200" dirty="0" smtClean="0">
+                <a:solidFill>
+                  <a:schemeClr val="tx1"/>
+                </a:solidFill>
+                <a:effectLst/>
+                <a:latin typeface="+mn-lt"/>
+                <a:ea typeface="+mn-ea"/>
+                <a:cs typeface="+mn-cs"/>
+              </a:rPr>
+              <a:t>VARIANCE - </a:t>
+            </a:r>
+            <a:r>
+              <a:rPr lang="ru-RU" sz="1200" b="0" i="0" kern="1200" dirty="0" smtClean="0">
+                <a:solidFill>
+                  <a:schemeClr val="tx1"/>
+                </a:solidFill>
+                <a:effectLst/>
+                <a:latin typeface="+mn-lt"/>
+                <a:ea typeface="+mn-ea"/>
+                <a:cs typeface="+mn-cs"/>
+              </a:rPr>
+              <a:t>дисперсию</a:t>
             </a:r>
             <a:endParaRPr lang="en-US" dirty="0" smtClean="0"/>
           </a:p>
@@ -2508,61 +2562,6 @@
           <a:bodyPr/>
           <a:lstStyle/>
           <a:p>
-            <a:r>
-              <a:rPr lang="en-US" dirty="0" smtClean="0"/>
-              <a:t>STDDEV</a:t>
-            </a:r>
-            <a:r>
-              <a:rPr lang="en-US" baseline="0" dirty="0" smtClean="0"/>
-              <a:t> - </a:t>
-            </a:r>
-            <a:r>
-              <a:rPr lang="ru-RU" sz="1200" b="0" i="0" kern="1200" dirty="0" smtClean="0">
-                <a:solidFill>
-                  <a:schemeClr val="tx1"/>
-                </a:solidFill>
-                <a:effectLst/>
-                <a:latin typeface="+mn-lt"/>
-                <a:ea typeface="+mn-ea"/>
-                <a:cs typeface="+mn-cs"/>
-              </a:rPr>
-              <a:t>Возвращает статистическое стандартное отклонение всех значений в указанном выражении. </a:t>
-            </a:r>
-            <a:endParaRPr lang="en-US" sz="1200" b="0" i="0" kern="1200" dirty="0" smtClean="0">
-              <a:solidFill>
-                <a:schemeClr val="tx1"/>
-              </a:solidFill>
-              <a:effectLst/>
-              <a:latin typeface="+mn-lt"/>
-              <a:ea typeface="+mn-ea"/>
-              <a:cs typeface="+mn-cs"/>
-            </a:endParaRPr>
-          </a:p>
-          <a:p>
-            <a:r>
-              <a:rPr lang="en-US" sz="1200" b="0" i="0" kern="1200" dirty="0" smtClean="0">
-                <a:solidFill>
-                  <a:schemeClr val="tx1"/>
-                </a:solidFill>
-                <a:effectLst/>
-                <a:latin typeface="+mn-lt"/>
-                <a:ea typeface="+mn-ea"/>
-                <a:cs typeface="+mn-cs"/>
-              </a:rPr>
-              <a:t>VARIANCE - </a:t>
-            </a:r>
-            <a:r>
-              <a:rPr lang="ru-RU" sz="1200" b="0" i="0" kern="1200" dirty="0" smtClean="0">
-                <a:solidFill>
-                  <a:schemeClr val="tx1"/>
-                </a:solidFill>
-                <a:effectLst/>
-                <a:latin typeface="+mn-lt"/>
-                <a:ea typeface="+mn-ea"/>
-                <a:cs typeface="+mn-cs"/>
-              </a:rPr>
-              <a:t>дисперсию</a:t>
-            </a:r>
             <a:endParaRPr lang="en-US" dirty="0" smtClean="0"/>
           </a:p>
         </p:txBody>
@@ -2677,7 +2676,7 @@
     </p:spTree>
     <p:extLst>
       <p:ext uri="{BB962C8B-B14F-4D97-AF65-F5344CB8AC3E}">
-        <p14:creationId xmlns:p14="http://schemas.microsoft.com/office/powerpoint/2010/main" val="930881477"/>
+        <p14:creationId xmlns:p14="http://schemas.microsoft.com/office/powerpoint/2010/main" val="4049833681"/>
       </p:ext>
     </p:extLst>
   </p:cSld>
@@ -2731,7 +2730,19 @@
           <a:bodyPr/>
           <a:lstStyle/>
           <a:p>
-            <a:endParaRPr lang="en-US" dirty="0" smtClean="0"/>
+            <a:pPr marL="171450" indent="-171450">
+              <a:buFont typeface="Arial" pitchFamily="34" charset="0"/>
+              <a:buChar char="•"/>
+            </a:pPr>
+            <a:endParaRPr lang="en-US" sz="1200" kern="1200" dirty="0">
+              <a:solidFill>
+                <a:schemeClr val="tx1"/>
+              </a:solidFill>
+              <a:effectLst/>
+              <a:latin typeface="+mn-lt"/>
+              <a:ea typeface="+mn-ea"/>
+              <a:cs typeface="+mn-cs"/>
+            </a:endParaRPr>
           </a:p>
         </p:txBody>
       </p:sp>
@@ -2761,7 +2772,7 @@
     </p:spTree>
     <p:extLst>
       <p:ext uri="{BB962C8B-B14F-4D97-AF65-F5344CB8AC3E}">
-        <p14:creationId xmlns:p14="http://schemas.microsoft.com/office/powerpoint/2010/main" val="4049833681"/>
+        <p14:creationId xmlns:p14="http://schemas.microsoft.com/office/powerpoint/2010/main" val="930881477"/>
       </p:ext>
     </p:extLst>
   </p:cSld>
@@ -2815,19 +2826,7 @@
           <a:bodyPr/>
           <a:lstStyle/>
           <a:p>
-            <a:pPr marL="171450" indent="-171450">
-              <a:buFont typeface="Arial" pitchFamily="34" charset="0"/>
-              <a:buChar char="•"/>
-            </a:pPr>
-            <a:endParaRPr lang="en-US" sz="1200" kern="1200" dirty="0">
-              <a:solidFill>
-                <a:schemeClr val="tx1"/>
-              </a:solidFill>
-              <a:effectLst/>
-              <a:latin typeface="+mn-lt"/>
-              <a:ea typeface="+mn-ea"/>
-              <a:cs typeface="+mn-cs"/>
-            </a:endParaRPr>
+            <a:endParaRPr lang="en-US" dirty="0" smtClean="0"/>
           </a:p>
         </p:txBody>
       </p:sp>
@@ -2999,7 +2998,7 @@
           <a:bodyPr/>
           <a:lstStyle/>
           <a:p>
-            <a:endParaRPr lang="en-US" dirty="0" smtClean="0"/>
+            <a:endParaRPr lang="en-US" dirty="0"/>
           </a:p>
         </p:txBody>
       </p:sp>
@@ -3020,7 +3019,7 @@
           <a:p>
             <a:fld id="{CA64AA7C-4BF2-4DCC-B6D3-024C03F34AB4}" type="slidenum">
               <a:rPr lang="en-US" smtClean="0"/>
-              <a:t>32</a:t>
+              <a:t>33</a:t>
             </a:fld>
             <a:endParaRPr lang="en-US"/>
           </a:p>
@@ -3029,7 +3028,7 @@
     </p:spTree>
     <p:extLst>
       <p:ext uri="{BB962C8B-B14F-4D97-AF65-F5344CB8AC3E}">
-        <p14:creationId xmlns:p14="http://schemas.microsoft.com/office/powerpoint/2010/main" val="930881477"/>
+        <p14:creationId xmlns:p14="http://schemas.microsoft.com/office/powerpoint/2010/main" val="1861610224"/>
       </p:ext>
     </p:extLst>
   </p:cSld>
@@ -3419,7 +3418,19 @@
           <a:bodyPr/>
           <a:lstStyle/>
           <a:p>
-            <a:endParaRPr lang="en-US" dirty="0"/>
+            <a:pPr marL="171450" indent="-171450">
+              <a:buFont typeface="Arial" pitchFamily="34" charset="0"/>
+              <a:buChar char="•"/>
+            </a:pPr>
+            <a:endParaRPr lang="en-US" sz="1200" kern="1200" dirty="0">
+              <a:solidFill>
+                <a:schemeClr val="tx1"/>
+              </a:solidFill>
+              <a:effectLst/>
+              <a:latin typeface="+mn-lt"/>
+              <a:ea typeface="+mn-ea"/>
+              <a:cs typeface="+mn-cs"/>
+            </a:endParaRPr>
           </a:p>
         </p:txBody>
       </p:sp>
@@ -3449,7 +3460,7 @@
     </p:spTree>
     <p:extLst>
       <p:ext uri="{BB962C8B-B14F-4D97-AF65-F5344CB8AC3E}">
-        <p14:creationId xmlns:p14="http://schemas.microsoft.com/office/powerpoint/2010/main" val="1861610224"/>
+        <p14:creationId xmlns:p14="http://schemas.microsoft.com/office/powerpoint/2010/main" val="930881477"/>
       </p:ext>
     </p:extLst>
   </p:cSld>
@@ -3503,19 +3514,7 @@
           <a:bodyPr/>
           <a:lstStyle/>
           <a:p>
-            <a:pPr marL="171450" indent="-171450">
-              <a:buFont typeface="Arial" pitchFamily="34" charset="0"/>
-              <a:buChar char="•"/>
-            </a:pPr>
-            <a:endParaRPr lang="en-US" sz="1200" kern="1200" dirty="0">
-              <a:solidFill>
-                <a:schemeClr val="tx1"/>
-              </a:solidFill>
-              <a:effectLst/>
-              <a:latin typeface="+mn-lt"/>
-              <a:ea typeface="+mn-ea"/>
-              <a:cs typeface="+mn-cs"/>
-            </a:endParaRPr>
+            <a:endParaRPr lang="en-US" dirty="0" smtClean="0"/>
           </a:p>
         </p:txBody>
       </p:sp>
@@ -3599,7 +3598,7 @@
           <a:bodyPr/>
           <a:lstStyle/>
           <a:p>
-            <a:endParaRPr lang="en-US" dirty="0" smtClean="0"/>
+            <a:endParaRPr lang="en-US" dirty="0"/>
           </a:p>
         </p:txBody>
       </p:sp>
@@ -3629,7 +3628,7 @@
     </p:spTree>
     <p:extLst>
       <p:ext uri="{BB962C8B-B14F-4D97-AF65-F5344CB8AC3E}">
-        <p14:creationId xmlns:p14="http://schemas.microsoft.com/office/powerpoint/2010/main" val="930881477"/>
+        <p14:creationId xmlns:p14="http://schemas.microsoft.com/office/powerpoint/2010/main" val="1861610224"/>
       </p:ext>
     </p:extLst>
   </p:cSld>
@@ -3885,7 +3884,7 @@
     </p:spTree>
     <p:extLst>
       <p:ext uri="{BB962C8B-B14F-4D97-AF65-F5344CB8AC3E}">
-        <p14:creationId xmlns:p14="http://schemas.microsoft.com/office/powerpoint/2010/main" val="2162276716"/>
+        <p14:creationId xmlns:p14="http://schemas.microsoft.com/office/powerpoint/2010/main" val="2845115629"/>
       </p:ext>
     </p:extLst>
   </p:cSld>
@@ -3939,7 +3938,7 @@
           <a:bodyPr/>
           <a:lstStyle/>
           <a:p>
-            <a:endParaRPr lang="en-US" dirty="0"/>
+            <a:endParaRPr lang="en-US" dirty="0" smtClean="0"/>
           </a:p>
         </p:txBody>
       </p:sp>
@@ -3961,90 +3960,6 @@
             <a:fld id="{CA64AA7C-4BF2-4DCC-B6D3-024C03F34AB4}" type="slidenum">
               <a:rPr lang="en-US" smtClean="0"/>
               <a:t>43</a:t>
-            </a:fld>
-            <a:endParaRPr lang="en-US"/>
-          </a:p>
-        </p:txBody>
-      </p:sp>
-    </p:spTree>
-    <p:extLst>
-      <p:ext uri="{BB962C8B-B14F-4D97-AF65-F5344CB8AC3E}">
-        <p14:creationId xmlns:p14="http://schemas.microsoft.com/office/powerpoint/2010/main" val="1861610224"/>
-      </p:ext>
-    </p:extLst>
-  </p:cSld>
-  <p:clrMapOvr>
-    <a:masterClrMapping/>
-  </p:clrMapOvr>
-</p:notes>
-</file>
-
-<file path=ppt/notesSlides/notesSlide41.xml><?xml version="1.0" encoding="utf-8"?>
-<p:notes xmlns:a="http://schemas.openxmlformats.org/drawingml/2006/main" xmlns:r="http://schemas.openxmlformats.org/officeDocument/2006/relationships" xmlns:p="http://schemas.openxmlformats.org/presentationml/2006/main">
-  <p:cSld>
-    <p:spTree>
-      <p:nvGrpSpPr>
-        <p:cNvPr id="1" name=""/>
-        <p:cNvGrpSpPr/>
-        <p:nvPr/>
-      </p:nvGrpSpPr>
-      <p:grpSpPr>
-        <a:xfrm>
-          <a:off x="0" y="0"/>
-          <a:ext cx="0" cy="0"/>
-          <a:chOff x="0" y="0"/>
-          <a:chExt cx="0" cy="0"/>
-        </a:xfrm>
-      </p:grpSpPr>
-      <p:sp>
-        <p:nvSpPr>
-          <p:cNvPr id="2" name="Slide Image Placeholder 1"/>
-          <p:cNvSpPr>
-            <a:spLocks noGrp="1" noRot="1" noChangeAspect="1"/>
-          </p:cNvSpPr>
-          <p:nvPr>
-            <p:ph type="sldImg"/>
-          </p:nvPr>
-        </p:nvSpPr>
-        <p:spPr/>
-      </p:sp>
-      <p:sp>
-        <p:nvSpPr>
-          <p:cNvPr id="3" name="Notes Placeholder 2"/>
-          <p:cNvSpPr>
-            <a:spLocks noGrp="1"/>
-          </p:cNvSpPr>
-          <p:nvPr>
-            <p:ph type="body" idx="1"/>
-          </p:nvPr>
-        </p:nvSpPr>
-        <p:spPr/>
-        <p:txBody>
-          <a:bodyPr/>
-          <a:lstStyle/>
-          <a:p>
-            <a:endParaRPr lang="en-US" dirty="0" smtClean="0"/>
-          </a:p>
-        </p:txBody>
-      </p:sp>
-      <p:sp>
-        <p:nvSpPr>
-          <p:cNvPr id="4" name="Slide Number Placeholder 3"/>
-          <p:cNvSpPr>
-            <a:spLocks noGrp="1"/>
-          </p:cNvSpPr>
-          <p:nvPr>
-            <p:ph type="sldNum" sz="quarter" idx="10"/>
-          </p:nvPr>
-        </p:nvSpPr>
-        <p:spPr/>
-        <p:txBody>
-          <a:bodyPr/>
-          <a:lstStyle/>
-          <a:p>
-            <a:fld id="{CA64AA7C-4BF2-4DCC-B6D3-024C03F34AB4}" type="slidenum">
-              <a:rPr lang="en-US" smtClean="0"/>
-              <a:t>44</a:t>
             </a:fld>
             <a:endParaRPr lang="en-US"/>
           </a:p>
@@ -4107,6 +4022,79 @@
           <a:bodyPr/>
           <a:lstStyle/>
           <a:p>
+            <a:r>
+              <a:rPr lang="en-US" sz="1200" b="1" kern="1200" dirty="0" smtClean="0">
+                <a:solidFill>
+                  <a:schemeClr val="tx1"/>
+                </a:solidFill>
+                <a:effectLst/>
+                <a:latin typeface="+mn-lt"/>
+                <a:ea typeface="+mn-ea"/>
+                <a:cs typeface="+mn-cs"/>
+              </a:rPr>
+              <a:t>Eliminating Duplicate Rows</a:t>
+            </a:r>
+            <a:endParaRPr lang="en-US" sz="1200" kern="1200" dirty="0" smtClean="0">
+              <a:solidFill>
+                <a:schemeClr val="tx1"/>
+              </a:solidFill>
+              <a:effectLst/>
+              <a:latin typeface="+mn-lt"/>
+              <a:ea typeface="+mn-ea"/>
+              <a:cs typeface="+mn-cs"/>
+            </a:endParaRPr>
+          </a:p>
+          <a:p>
+            <a:r>
+              <a:rPr lang="ru-RU" sz="1200" kern="1200" dirty="0" smtClean="0">
+                <a:solidFill>
+                  <a:schemeClr val="tx1"/>
+                </a:solidFill>
+                <a:effectLst/>
+                <a:latin typeface="+mn-lt"/>
+                <a:ea typeface="+mn-ea"/>
+                <a:cs typeface="+mn-cs"/>
+              </a:rPr>
+              <a:t>Осуществляется с помощью слова </a:t>
+            </a:r>
+            <a:r>
+              <a:rPr lang="en-US" sz="1200" kern="1200" smtClean="0">
+                <a:solidFill>
+                  <a:schemeClr val="tx1"/>
+                </a:solidFill>
+                <a:effectLst/>
+                <a:latin typeface="+mn-lt"/>
+                <a:ea typeface="+mn-ea"/>
+                <a:cs typeface="+mn-cs"/>
+              </a:rPr>
+              <a:t>DISTINCT </a:t>
+            </a:r>
+            <a:r>
+              <a:rPr lang="ru-RU" sz="1200" kern="1200" dirty="0" smtClean="0">
+                <a:solidFill>
+                  <a:schemeClr val="tx1"/>
+                </a:solidFill>
+                <a:effectLst/>
+                <a:latin typeface="+mn-lt"/>
+                <a:ea typeface="+mn-ea"/>
+                <a:cs typeface="+mn-cs"/>
+              </a:rPr>
+              <a:t>в операторе </a:t>
+            </a:r>
+            <a:r>
+              <a:rPr lang="en-US" sz="1200" kern="1200" dirty="0" smtClean="0">
+                <a:solidFill>
+                  <a:schemeClr val="tx1"/>
+                </a:solidFill>
+                <a:effectLst/>
+                <a:latin typeface="+mn-lt"/>
+                <a:ea typeface="+mn-ea"/>
+                <a:cs typeface="+mn-cs"/>
+              </a:rPr>
+              <a:t>SELECT. </a:t>
+            </a:r>
+          </a:p>
+          <a:p>
             <a:pPr marL="0" indent="0">
               <a:buFont typeface="Arial" pitchFamily="34" charset="0"/>
               <a:buNone/>
@@ -4132,7 +4120,7 @@
           <a:p>
             <a:fld id="{CA64AA7C-4BF2-4DCC-B6D3-024C03F34AB4}" type="slidenum">
               <a:rPr lang="en-US" smtClean="0"/>
-              <a:t>6</a:t>
+              <a:t>7</a:t>
             </a:fld>
             <a:endParaRPr lang="en-US"/>
           </a:p>
@@ -4141,7 +4129,7 @@
     </p:spTree>
     <p:extLst>
       <p:ext uri="{BB962C8B-B14F-4D97-AF65-F5344CB8AC3E}">
-        <p14:creationId xmlns:p14="http://schemas.microsoft.com/office/powerpoint/2010/main" val="2845115629"/>
+        <p14:creationId xmlns:p14="http://schemas.microsoft.com/office/powerpoint/2010/main" val="3982621779"/>
       </p:ext>
     </p:extLst>
   </p:cSld>
@@ -4195,84 +4183,7 @@
           <a:bodyPr/>
           <a:lstStyle/>
           <a:p>
-            <a:r>
-              <a:rPr lang="en-US" sz="1200" b="1" kern="1200" dirty="0" smtClean="0">
-                <a:solidFill>
-                  <a:schemeClr val="tx1"/>
-                </a:solidFill>
-                <a:effectLst/>
-                <a:latin typeface="+mn-lt"/>
-                <a:ea typeface="+mn-ea"/>
-                <a:cs typeface="+mn-cs"/>
-              </a:rPr>
-              <a:t>Eliminating Duplicate Rows</a:t>
-            </a:r>
-            <a:endParaRPr lang="en-US" sz="1200" kern="1200" dirty="0" smtClean="0">
-              <a:solidFill>
-                <a:schemeClr val="tx1"/>
-              </a:solidFill>
-              <a:effectLst/>
-              <a:latin typeface="+mn-lt"/>
-              <a:ea typeface="+mn-ea"/>
-              <a:cs typeface="+mn-cs"/>
-            </a:endParaRPr>
-          </a:p>
-          <a:p>
-            <a:r>
-              <a:rPr lang="ru-RU" sz="1200" kern="1200" dirty="0" smtClean="0">
-                <a:solidFill>
-                  <a:schemeClr val="tx1"/>
-                </a:solidFill>
-                <a:effectLst/>
-                <a:latin typeface="+mn-lt"/>
-                <a:ea typeface="+mn-ea"/>
-                <a:cs typeface="+mn-cs"/>
-              </a:rPr>
-              <a:t>Осуществляется с помощью слова </a:t>
-            </a:r>
-            <a:r>
-              <a:rPr lang="en-US" sz="1200" kern="1200" smtClean="0">
-                <a:solidFill>
-                  <a:schemeClr val="tx1"/>
-                </a:solidFill>
-                <a:effectLst/>
-                <a:latin typeface="+mn-lt"/>
-                <a:ea typeface="+mn-ea"/>
-                <a:cs typeface="+mn-cs"/>
-              </a:rPr>
-              <a:t>DISTINCT </a:t>
-            </a:r>
-            <a:r>
-              <a:rPr lang="ru-RU" sz="1200" kern="1200" dirty="0" smtClean="0">
-                <a:solidFill>
-                  <a:schemeClr val="tx1"/>
-                </a:solidFill>
-                <a:effectLst/>
-                <a:latin typeface="+mn-lt"/>
-                <a:ea typeface="+mn-ea"/>
-                <a:cs typeface="+mn-cs"/>
-              </a:rPr>
-              <a:t>в операторе </a:t>
-            </a:r>
-            <a:r>
-              <a:rPr lang="en-US" sz="1200" kern="1200" dirty="0" smtClean="0">
-                <a:solidFill>
-                  <a:schemeClr val="tx1"/>
-                </a:solidFill>
-                <a:effectLst/>
-                <a:latin typeface="+mn-lt"/>
-                <a:ea typeface="+mn-ea"/>
-                <a:cs typeface="+mn-cs"/>
-              </a:rPr>
-              <a:t>SELECT. </a:t>
-            </a:r>
-          </a:p>
-          <a:p>
-            <a:pPr marL="0" indent="0">
-              <a:buFont typeface="Arial" pitchFamily="34" charset="0"/>
-              <a:buNone/>
-            </a:pPr>
-            <a:endParaRPr lang="en-US" sz="1200" b="0" dirty="0" smtClean="0"/>
+            <a:endParaRPr lang="en-US" dirty="0"/>
           </a:p>
         </p:txBody>
       </p:sp>
@@ -4746,7 +4657,7 @@
             <a:fld id="{1D8BD707-D9CF-40AE-B4C6-C98DA3205C09}" type="datetimeFigureOut">
               <a:rPr lang="en-US" smtClean="0"/>
               <a:pPr/>
-              <a:t>2/22/2013</a:t>
+              <a:t>12/18/2014</a:t>
             </a:fld>
             <a:endParaRPr lang="en-US"/>
           </a:p>
@@ -4913,7 +4824,7 @@
             <a:fld id="{1D8BD707-D9CF-40AE-B4C6-C98DA3205C09}" type="datetimeFigureOut">
               <a:rPr lang="en-US" smtClean="0"/>
               <a:pPr/>
-              <a:t>2/22/2013</a:t>
+              <a:t>12/18/2014</a:t>
             </a:fld>
             <a:endParaRPr lang="en-US"/>
           </a:p>
@@ -5090,7 +5001,7 @@
             <a:fld id="{1D8BD707-D9CF-40AE-B4C6-C98DA3205C09}" type="datetimeFigureOut">
               <a:rPr lang="en-US" smtClean="0"/>
               <a:pPr/>
-              <a:t>2/22/2013</a:t>
+              <a:t>12/18/2014</a:t>
             </a:fld>
             <a:endParaRPr lang="en-US"/>
           </a:p>
@@ -5257,7 +5168,7 @@
             <a:fld id="{1D8BD707-D9CF-40AE-B4C6-C98DA3205C09}" type="datetimeFigureOut">
               <a:rPr lang="en-US" smtClean="0"/>
               <a:pPr/>
-              <a:t>2/22/2013</a:t>
+              <a:t>12/18/2014</a:t>
             </a:fld>
             <a:endParaRPr lang="en-US"/>
           </a:p>
@@ -5500,7 +5411,7 @@
             <a:fld id="{1D8BD707-D9CF-40AE-B4C6-C98DA3205C09}" type="datetimeFigureOut">
               <a:rPr lang="en-US" smtClean="0"/>
               <a:pPr/>
-              <a:t>2/22/2013</a:t>
+              <a:t>12/18/2014</a:t>
             </a:fld>
             <a:endParaRPr lang="en-US"/>
           </a:p>
@@ -5785,7 +5696,7 @@
             <a:fld id="{1D8BD707-D9CF-40AE-B4C6-C98DA3205C09}" type="datetimeFigureOut">
               <a:rPr lang="en-US" smtClean="0"/>
               <a:pPr/>
-              <a:t>2/22/2013</a:t>
+              <a:t>12/18/2014</a:t>
             </a:fld>
             <a:endParaRPr lang="en-US"/>
           </a:p>
@@ -6204,7 +6115,7 @@
             <a:fld id="{1D8BD707-D9CF-40AE-B4C6-C98DA3205C09}" type="datetimeFigureOut">
               <a:rPr lang="en-US" smtClean="0"/>
               <a:pPr/>
-              <a:t>2/22/2013</a:t>
+              <a:t>12/18/2014</a:t>
             </a:fld>
             <a:endParaRPr lang="en-US"/>
           </a:p>
@@ -6319,7 +6230,7 @@
             <a:fld id="{1D8BD707-D9CF-40AE-B4C6-C98DA3205C09}" type="datetimeFigureOut">
               <a:rPr lang="en-US" smtClean="0"/>
               <a:pPr/>
-              <a:t>2/22/2013</a:t>
+              <a:t>12/18/2014</a:t>
             </a:fld>
             <a:endParaRPr lang="en-US"/>
           </a:p>
@@ -6411,7 +6322,7 @@
             <a:fld id="{1D8BD707-D9CF-40AE-B4C6-C98DA3205C09}" type="datetimeFigureOut">
               <a:rPr lang="en-US" smtClean="0"/>
               <a:pPr/>
-              <a:t>2/22/2013</a:t>
+              <a:t>12/18/2014</a:t>
             </a:fld>
             <a:endParaRPr lang="en-US"/>
           </a:p>
@@ -6685,7 +6596,7 @@
             <a:fld id="{1D8BD707-D9CF-40AE-B4C6-C98DA3205C09}" type="datetimeFigureOut">
               <a:rPr lang="en-US" smtClean="0"/>
               <a:pPr/>
-              <a:t>2/22/2013</a:t>
+              <a:t>12/18/2014</a:t>
             </a:fld>
             <a:endParaRPr lang="en-US"/>
           </a:p>
@@ -6935,7 +6846,7 @@
             <a:fld id="{1D8BD707-D9CF-40AE-B4C6-C98DA3205C09}" type="datetimeFigureOut">
               <a:rPr lang="en-US" smtClean="0"/>
               <a:pPr/>
-              <a:t>2/22/2013</a:t>
+              <a:t>12/18/2014</a:t>
             </a:fld>
             <a:endParaRPr lang="en-US"/>
           </a:p>
@@ -7154,7 +7065,7 @@
             <a:fld id="{1D8BD707-D9CF-40AE-B4C6-C98DA3205C09}" type="datetimeFigureOut">
               <a:rPr lang="en-US" smtClean="0"/>
               <a:pPr/>
-              <a:t>2/22/2013</a:t>
+              <a:t>12/18/2014</a:t>
             </a:fld>
             <a:endParaRPr lang="en-US"/>
           </a:p>
@@ -7667,365 +7578,6 @@
         <p:spPr>
           <a:xfrm>
             <a:off x="466725" y="404664"/>
-            <a:ext cx="4340932" cy="630942"/>
-          </a:xfrm>
-          <a:prstGeom prst="rect">
-            <a:avLst/>
-          </a:prstGeom>
-          <a:noFill/>
-        </p:spPr>
-        <p:txBody>
-          <a:bodyPr wrap="none" rtlCol="0">
-            <a:spAutoFit/>
-          </a:bodyPr>
-          <a:lstStyle/>
-          <a:p>
-            <a:r>
-              <a:rPr lang="en-US" sz="3500" dirty="0" smtClean="0">
-                <a:solidFill>
-                  <a:schemeClr val="tx1">
-                    <a:lumMod val="65000"/>
-                    <a:lumOff val="35000"/>
-                  </a:schemeClr>
-                </a:solidFill>
-                <a:effectLst>
-                  <a:outerShdw blurRad="38100" dist="38100" dir="2700000" algn="tl">
-                    <a:srgbClr val="000000">
-                      <a:alpha val="43137"/>
-                    </a:srgbClr>
-                  </a:outerShdw>
-                </a:effectLst>
-              </a:rPr>
-              <a:t>Arithmetic Expressions</a:t>
-            </a:r>
-            <a:endParaRPr lang="en-US" sz="3500" dirty="0">
-              <a:solidFill>
-                <a:schemeClr val="tx1">
-                  <a:lumMod val="65000"/>
-                  <a:lumOff val="35000"/>
-                </a:schemeClr>
-              </a:solidFill>
-              <a:effectLst>
-                <a:outerShdw blurRad="38100" dist="38100" dir="2700000" algn="tl">
-                  <a:srgbClr val="000000">
-                    <a:alpha val="43137"/>
-                  </a:srgbClr>
-                </a:outerShdw>
-              </a:effectLst>
-            </a:endParaRPr>
-          </a:p>
-        </p:txBody>
-      </p:sp>
-      <p:graphicFrame>
-        <p:nvGraphicFramePr>
-          <p:cNvPr id="4" name="Table 3"/>
-          <p:cNvGraphicFramePr>
-            <a:graphicFrameLocks noGrp="1"/>
-          </p:cNvGraphicFramePr>
-          <p:nvPr>
-            <p:extLst>
-              <p:ext uri="{D42A27DB-BD31-4B8C-83A1-F6EECF244321}">
-                <p14:modId xmlns:p14="http://schemas.microsoft.com/office/powerpoint/2010/main" val="3439603618"/>
-              </p:ext>
-            </p:extLst>
-          </p:nvPr>
-        </p:nvGraphicFramePr>
-        <p:xfrm>
-          <a:off x="1140296" y="1340768"/>
-          <a:ext cx="6096000" cy="1849120"/>
-        </p:xfrm>
-        <a:graphic>
-          <a:graphicData uri="http://schemas.openxmlformats.org/drawingml/2006/table">
-            <a:tbl>
-              <a:tblPr firstRow="1" bandRow="1">
-                <a:tableStyleId>{9D7B26C5-4107-4FEC-AEDC-1716B250A1EF}</a:tableStyleId>
-              </a:tblPr>
-              <a:tblGrid>
-                <a:gridCol w="3048000"/>
-                <a:gridCol w="3048000"/>
-              </a:tblGrid>
-              <a:tr h="298832">
-                <a:tc>
-                  <a:txBody>
-                    <a:bodyPr/>
-                    <a:lstStyle/>
-                    <a:p>
-                      <a:r>
-                        <a:rPr lang="en-US" dirty="0" smtClean="0"/>
-                        <a:t>Operator</a:t>
-                      </a:r>
-                      <a:endParaRPr lang="en-US" dirty="0"/>
-                    </a:p>
-                  </a:txBody>
-                  <a:tcPr/>
-                </a:tc>
-                <a:tc>
-                  <a:txBody>
-                    <a:bodyPr/>
-                    <a:lstStyle/>
-                    <a:p>
-                      <a:r>
-                        <a:rPr lang="en-US" dirty="0" smtClean="0"/>
-                        <a:t>Description</a:t>
-                      </a:r>
-                      <a:endParaRPr lang="en-US" dirty="0"/>
-                    </a:p>
-                  </a:txBody>
-                  <a:tcPr/>
-                </a:tc>
-              </a:tr>
-              <a:tr h="370840">
-                <a:tc>
-                  <a:txBody>
-                    <a:bodyPr/>
-                    <a:lstStyle/>
-                    <a:p>
-                      <a:r>
-                        <a:rPr lang="en-US" dirty="0" smtClean="0"/>
-                        <a:t>+</a:t>
-                      </a:r>
-                      <a:endParaRPr lang="en-US" dirty="0"/>
-                    </a:p>
-                  </a:txBody>
-                  <a:tcPr/>
-                </a:tc>
-                <a:tc>
-                  <a:txBody>
-                    <a:bodyPr/>
-                    <a:lstStyle/>
-                    <a:p>
-                      <a:r>
-                        <a:rPr lang="en-US" dirty="0" smtClean="0"/>
-                        <a:t>Add</a:t>
-                      </a:r>
-                      <a:endParaRPr lang="en-US" dirty="0"/>
-                    </a:p>
-                  </a:txBody>
-                  <a:tcPr/>
-                </a:tc>
-              </a:tr>
-              <a:tr h="370840">
-                <a:tc>
-                  <a:txBody>
-                    <a:bodyPr/>
-                    <a:lstStyle/>
-                    <a:p>
-                      <a:r>
-                        <a:rPr lang="en-US" dirty="0" smtClean="0"/>
-                        <a:t>-</a:t>
-                      </a:r>
-                      <a:endParaRPr lang="en-US" dirty="0"/>
-                    </a:p>
-                  </a:txBody>
-                  <a:tcPr/>
-                </a:tc>
-                <a:tc>
-                  <a:txBody>
-                    <a:bodyPr/>
-                    <a:lstStyle/>
-                    <a:p>
-                      <a:r>
-                        <a:rPr lang="en-US" dirty="0" smtClean="0"/>
-                        <a:t>Subtract</a:t>
-                      </a:r>
-                      <a:endParaRPr lang="en-US" dirty="0"/>
-                    </a:p>
-                  </a:txBody>
-                  <a:tcPr/>
-                </a:tc>
-              </a:tr>
-              <a:tr h="370840">
-                <a:tc>
-                  <a:txBody>
-                    <a:bodyPr/>
-                    <a:lstStyle/>
-                    <a:p>
-                      <a:r>
-                        <a:rPr lang="en-US" dirty="0" smtClean="0"/>
-                        <a:t>*</a:t>
-                      </a:r>
-                      <a:endParaRPr lang="en-US" dirty="0"/>
-                    </a:p>
-                  </a:txBody>
-                  <a:tcPr/>
-                </a:tc>
-                <a:tc>
-                  <a:txBody>
-                    <a:bodyPr/>
-                    <a:lstStyle/>
-                    <a:p>
-                      <a:r>
-                        <a:rPr lang="en-US" dirty="0" smtClean="0"/>
-                        <a:t>Multiply</a:t>
-                      </a:r>
-                      <a:endParaRPr lang="en-US" dirty="0"/>
-                    </a:p>
-                  </a:txBody>
-                  <a:tcPr/>
-                </a:tc>
-              </a:tr>
-              <a:tr h="370840">
-                <a:tc>
-                  <a:txBody>
-                    <a:bodyPr/>
-                    <a:lstStyle/>
-                    <a:p>
-                      <a:r>
-                        <a:rPr lang="en-US" dirty="0" smtClean="0"/>
-                        <a:t>/</a:t>
-                      </a:r>
-                      <a:endParaRPr lang="en-US" dirty="0"/>
-                    </a:p>
-                  </a:txBody>
-                  <a:tcPr/>
-                </a:tc>
-                <a:tc>
-                  <a:txBody>
-                    <a:bodyPr/>
-                    <a:lstStyle/>
-                    <a:p>
-                      <a:r>
-                        <a:rPr lang="en-US" dirty="0" smtClean="0"/>
-                        <a:t>Divide</a:t>
-                      </a:r>
-                      <a:endParaRPr lang="en-US" dirty="0"/>
-                    </a:p>
-                  </a:txBody>
-                  <a:tcPr/>
-                </a:tc>
-              </a:tr>
-            </a:tbl>
-          </a:graphicData>
-        </a:graphic>
-      </p:graphicFrame>
-      <p:sp>
-        <p:nvSpPr>
-          <p:cNvPr id="6" name="Rectangle 5"/>
-          <p:cNvSpPr/>
-          <p:nvPr/>
-        </p:nvSpPr>
-        <p:spPr>
-          <a:xfrm>
-            <a:off x="1140296" y="3429000"/>
-            <a:ext cx="6048672" cy="830997"/>
-          </a:xfrm>
-          <a:prstGeom prst="rect">
-            <a:avLst/>
-          </a:prstGeom>
-        </p:spPr>
-        <p:txBody>
-          <a:bodyPr wrap="square">
-            <a:spAutoFit/>
-          </a:bodyPr>
-          <a:lstStyle/>
-          <a:p>
-            <a:r>
-              <a:rPr lang="en-US" sz="2400" b="1" dirty="0"/>
-              <a:t>SELECT</a:t>
-            </a:r>
-            <a:r>
-              <a:rPr lang="en-US" sz="2400" dirty="0"/>
-              <a:t> </a:t>
-            </a:r>
-            <a:r>
-              <a:rPr lang="en-US" sz="2400" dirty="0" err="1"/>
-              <a:t>last_name</a:t>
-            </a:r>
-            <a:r>
-              <a:rPr lang="en-US" sz="2400" dirty="0"/>
-              <a:t>, salary, salary+300</a:t>
-            </a:r>
-          </a:p>
-          <a:p>
-            <a:r>
-              <a:rPr lang="en-US" sz="2400" b="1" dirty="0"/>
-              <a:t>FROM</a:t>
-            </a:r>
-            <a:r>
-              <a:rPr lang="en-US" sz="2400" dirty="0"/>
-              <a:t> employees</a:t>
-            </a:r>
-            <a:r>
-              <a:rPr lang="ru-RU" sz="2400" dirty="0"/>
-              <a:t>;</a:t>
-            </a:r>
-            <a:endParaRPr lang="en-US" sz="2400" dirty="0"/>
-          </a:p>
-        </p:txBody>
-      </p:sp>
-      <p:pic>
-        <p:nvPicPr>
-          <p:cNvPr id="8" name="Picture 7"/>
-          <p:cNvPicPr/>
-          <p:nvPr/>
-        </p:nvPicPr>
-        <p:blipFill rotWithShape="1">
-          <a:blip r:embed="rId3">
-            <a:extLst>
-              <a:ext uri="{28A0092B-C50C-407E-A947-70E740481C1C}">
-                <a14:useLocalDpi xmlns:a14="http://schemas.microsoft.com/office/drawing/2010/main" val="0"/>
-              </a:ext>
-            </a:extLst>
-          </a:blip>
-          <a:srcRect l="4706" t="56336"/>
-          <a:stretch/>
-        </p:blipFill>
-        <p:spPr>
-          <a:xfrm>
-            <a:off x="1141858" y="4259997"/>
-            <a:ext cx="5543053" cy="1544538"/>
-          </a:xfrm>
-          <a:prstGeom prst="rect">
-            <a:avLst/>
-          </a:prstGeom>
-        </p:spPr>
-      </p:pic>
-    </p:spTree>
-    <p:extLst>
-      <p:ext uri="{BB962C8B-B14F-4D97-AF65-F5344CB8AC3E}">
-        <p14:creationId xmlns:p14="http://schemas.microsoft.com/office/powerpoint/2010/main" val="2531351565"/>
-      </p:ext>
-    </p:extLst>
-  </p:cSld>
-  <p:clrMapOvr>
-    <a:masterClrMapping/>
-  </p:clrMapOvr>
-  <p:timing>
-    <p:tnLst>
-      <p:par>
-        <p:cTn id="1" dur="indefinite" restart="never" nodeType="tmRoot"/>
-      </p:par>
-    </p:tnLst>
-  </p:timing>
-</p:sld>
-</file>
-
-<file path=ppt/slides/slide11.xml><?xml version="1.0" encoding="utf-8"?>
-<p:sld xmlns:a="http://schemas.openxmlformats.org/drawingml/2006/main" xmlns:r="http://schemas.openxmlformats.org/officeDocument/2006/relationships" xmlns:p="http://schemas.openxmlformats.org/presentationml/2006/main">
-  <p:cSld>
-    <p:spTree>
-      <p:nvGrpSpPr>
-        <p:cNvPr id="1" name=""/>
-        <p:cNvGrpSpPr/>
-        <p:nvPr/>
-      </p:nvGrpSpPr>
-      <p:grpSpPr>
-        <a:xfrm>
-          <a:off x="0" y="0"/>
-          <a:ext cx="0" cy="0"/>
-          <a:chOff x="0" y="0"/>
-          <a:chExt cx="0" cy="0"/>
-        </a:xfrm>
-      </p:grpSpPr>
-      <p:sp>
-        <p:nvSpPr>
-          <p:cNvPr id="3" name="TextBox 2"/>
-          <p:cNvSpPr txBox="1"/>
-          <p:nvPr/>
-        </p:nvSpPr>
-        <p:spPr>
-          <a:xfrm>
-            <a:off x="466725" y="404664"/>
             <a:ext cx="5545435" cy="553998"/>
           </a:xfrm>
           <a:prstGeom prst="rect">
@@ -8368,7 +7920,7 @@
 </p:sld>
 </file>
 
-<file path=ppt/slides/slide12.xml><?xml version="1.0" encoding="utf-8"?>
+<file path=ppt/slides/slide11.xml><?xml version="1.0" encoding="utf-8"?>
 <p:sld xmlns:a="http://schemas.openxmlformats.org/drawingml/2006/main" xmlns:r="http://schemas.openxmlformats.org/officeDocument/2006/relationships" xmlns:p="http://schemas.openxmlformats.org/presentationml/2006/main">
   <p:cSld>
     <p:spTree>
@@ -8725,7 +8277,7 @@
 </p:sld>
 </file>
 
-<file path=ppt/slides/slide13.xml><?xml version="1.0" encoding="utf-8"?>
+<file path=ppt/slides/slide12.xml><?xml version="1.0" encoding="utf-8"?>
 <p:sld xmlns:a="http://schemas.openxmlformats.org/drawingml/2006/main" xmlns:r="http://schemas.openxmlformats.org/officeDocument/2006/relationships" xmlns:p="http://schemas.openxmlformats.org/presentationml/2006/main">
   <p:cSld>
     <p:spTree>
@@ -8919,7 +8471,7 @@
 </p:sld>
 </file>
 
-<file path=ppt/slides/slide14.xml><?xml version="1.0" encoding="utf-8"?>
+<file path=ppt/slides/slide13.xml><?xml version="1.0" encoding="utf-8"?>
 <p:sld xmlns:a="http://schemas.openxmlformats.org/drawingml/2006/main" xmlns:r="http://schemas.openxmlformats.org/officeDocument/2006/relationships" xmlns:p="http://schemas.openxmlformats.org/presentationml/2006/main">
   <p:cSld>
     <p:spTree>
@@ -9420,7 +8972,7 @@
 </p:sld>
 </file>
 
-<file path=ppt/slides/slide15.xml><?xml version="1.0" encoding="utf-8"?>
+<file path=ppt/slides/slide14.xml><?xml version="1.0" encoding="utf-8"?>
 <p:sld xmlns:a="http://schemas.openxmlformats.org/drawingml/2006/main" xmlns:r="http://schemas.openxmlformats.org/officeDocument/2006/relationships" xmlns:p="http://schemas.openxmlformats.org/presentationml/2006/main">
   <p:cSld>
     <p:spTree>
@@ -9857,7 +9409,7 @@
 </p:sld>
 </file>
 
-<file path=ppt/slides/slide16.xml><?xml version="1.0" encoding="utf-8"?>
+<file path=ppt/slides/slide15.xml><?xml version="1.0" encoding="utf-8"?>
 <p:sld xmlns:a="http://schemas.openxmlformats.org/drawingml/2006/main" xmlns:r="http://schemas.openxmlformats.org/officeDocument/2006/relationships" xmlns:p="http://schemas.openxmlformats.org/presentationml/2006/main">
   <p:cSld>
     <p:spTree>
@@ -10228,7 +9780,7 @@
 </p:sld>
 </file>
 
-<file path=ppt/slides/slide17.xml><?xml version="1.0" encoding="utf-8"?>
+<file path=ppt/slides/slide16.xml><?xml version="1.0" encoding="utf-8"?>
 <p:sld xmlns:a="http://schemas.openxmlformats.org/drawingml/2006/main" xmlns:r="http://schemas.openxmlformats.org/officeDocument/2006/relationships" xmlns:p="http://schemas.openxmlformats.org/presentationml/2006/main">
   <p:cSld>
     <p:spTree>
@@ -10786,7 +10338,7 @@
 </p:sld>
 </file>
 
-<file path=ppt/slides/slide18.xml><?xml version="1.0" encoding="utf-8"?>
+<file path=ppt/slides/slide17.xml><?xml version="1.0" encoding="utf-8"?>
 <p:sld xmlns:a="http://schemas.openxmlformats.org/drawingml/2006/main" xmlns:r="http://schemas.openxmlformats.org/officeDocument/2006/relationships" xmlns:p="http://schemas.openxmlformats.org/presentationml/2006/main">
   <p:cSld>
     <p:spTree>
@@ -11098,7 +10650,7 @@
 </p:sld>
 </file>
 
-<file path=ppt/slides/slide19.xml><?xml version="1.0" encoding="utf-8"?>
+<file path=ppt/slides/slide18.xml><?xml version="1.0" encoding="utf-8"?>
 <p:sld xmlns:a="http://schemas.openxmlformats.org/drawingml/2006/main" xmlns:r="http://schemas.openxmlformats.org/officeDocument/2006/relationships" xmlns:p="http://schemas.openxmlformats.org/presentationml/2006/main">
   <p:cSld>
     <p:spTree>
@@ -11449,160 +11001,7 @@
 </p:sld>
 </file>
 
-<file path=ppt/slides/slide2.xml><?xml version="1.0" encoding="utf-8"?>
-<p:sld xmlns:a="http://schemas.openxmlformats.org/drawingml/2006/main" xmlns:r="http://schemas.openxmlformats.org/officeDocument/2006/relationships" xmlns:p="http://schemas.openxmlformats.org/presentationml/2006/main">
-  <p:cSld>
-    <p:spTree>
-      <p:nvGrpSpPr>
-        <p:cNvPr id="1" name=""/>
-        <p:cNvGrpSpPr/>
-        <p:nvPr/>
-      </p:nvGrpSpPr>
-      <p:grpSpPr>
-        <a:xfrm>
-          <a:off x="0" y="0"/>
-          <a:ext cx="0" cy="0"/>
-          <a:chOff x="0" y="0"/>
-          <a:chExt cx="0" cy="0"/>
-        </a:xfrm>
-      </p:grpSpPr>
-      <p:sp>
-        <p:nvSpPr>
-          <p:cNvPr id="3" name="TextBox 2"/>
-          <p:cNvSpPr txBox="1"/>
-          <p:nvPr/>
-        </p:nvSpPr>
-        <p:spPr>
-          <a:xfrm>
-            <a:off x="457200" y="533400"/>
-            <a:ext cx="5949899" cy="630942"/>
-          </a:xfrm>
-          <a:prstGeom prst="rect">
-            <a:avLst/>
-          </a:prstGeom>
-          <a:noFill/>
-        </p:spPr>
-        <p:txBody>
-          <a:bodyPr wrap="none" rtlCol="0">
-            <a:spAutoFit/>
-          </a:bodyPr>
-          <a:lstStyle/>
-          <a:p>
-            <a:r>
-              <a:rPr lang="en-US" sz="3500" dirty="0" smtClean="0">
-                <a:solidFill>
-                  <a:schemeClr val="tx1">
-                    <a:lumMod val="65000"/>
-                    <a:lumOff val="35000"/>
-                  </a:schemeClr>
-                </a:solidFill>
-                <a:effectLst>
-                  <a:outerShdw blurRad="38100" dist="38100" dir="2700000" algn="tl">
-                    <a:srgbClr val="000000">
-                      <a:alpha val="43137"/>
-                    </a:srgbClr>
-                  </a:outerShdw>
-                </a:effectLst>
-              </a:rPr>
-              <a:t>Connection to trainee Database</a:t>
-            </a:r>
-            <a:endParaRPr lang="en-US" sz="3500" dirty="0">
-              <a:solidFill>
-                <a:schemeClr val="tx1">
-                  <a:lumMod val="65000"/>
-                  <a:lumOff val="35000"/>
-                </a:schemeClr>
-              </a:solidFill>
-              <a:effectLst>
-                <a:outerShdw blurRad="38100" dist="38100" dir="2700000" algn="tl">
-                  <a:srgbClr val="000000">
-                    <a:alpha val="43137"/>
-                  </a:srgbClr>
-                </a:outerShdw>
-              </a:effectLst>
-            </a:endParaRPr>
-          </a:p>
-        </p:txBody>
-      </p:sp>
-      <p:sp>
-        <p:nvSpPr>
-          <p:cNvPr id="4" name="Rectangle 3"/>
-          <p:cNvSpPr/>
-          <p:nvPr/>
-        </p:nvSpPr>
-        <p:spPr>
-          <a:xfrm>
-            <a:off x="611560" y="1988840"/>
-            <a:ext cx="4572000" cy="1815882"/>
-          </a:xfrm>
-          <a:prstGeom prst="rect">
-            <a:avLst/>
-          </a:prstGeom>
-        </p:spPr>
-        <p:txBody>
-          <a:bodyPr>
-            <a:spAutoFit/>
-          </a:bodyPr>
-          <a:lstStyle/>
-          <a:p>
-            <a:r>
-              <a:rPr lang="en-US" sz="2800" dirty="0">
-                <a:hlinkClick r:id="rId3"/>
-              </a:rPr>
-              <a:t>http://sqlfiddle.com</a:t>
-            </a:r>
-            <a:r>
-              <a:rPr lang="en-US" sz="2800" dirty="0" smtClean="0">
-                <a:hlinkClick r:id="rId3"/>
-              </a:rPr>
-              <a:t>/</a:t>
-            </a:r>
-            <a:endParaRPr lang="ru-RU" sz="2800" dirty="0" smtClean="0"/>
-          </a:p>
-          <a:p>
-            <a:endParaRPr lang="ru-RU" sz="2800" dirty="0"/>
-          </a:p>
-          <a:p>
-            <a:r>
-              <a:rPr lang="en-US" sz="2800" dirty="0">
-                <a:hlinkClick r:id="rId4"/>
-              </a:rPr>
-              <a:t>http://</a:t>
-            </a:r>
-            <a:r>
-              <a:rPr lang="en-US" sz="2800" dirty="0" smtClean="0">
-                <a:hlinkClick r:id="rId4"/>
-              </a:rPr>
-              <a:t>sqlzoo.net/wiki/SELECT</a:t>
-            </a:r>
-            <a:endParaRPr lang="ru-RU" sz="2800" dirty="0" smtClean="0"/>
-          </a:p>
-          <a:p>
-            <a:endParaRPr lang="en-US" sz="2800" dirty="0"/>
-          </a:p>
-        </p:txBody>
-      </p:sp>
-    </p:spTree>
-    <p:extLst>
-      <p:ext uri="{BB962C8B-B14F-4D97-AF65-F5344CB8AC3E}">
-        <p14:creationId xmlns:p14="http://schemas.microsoft.com/office/powerpoint/2010/main" val="493608588"/>
-      </p:ext>
-    </p:extLst>
-  </p:cSld>
-  <p:clrMapOvr>
-    <a:masterClrMapping/>
-  </p:clrMapOvr>
-  <p:timing>
-    <p:tnLst>
-      <p:par>
-        <p:cTn id="1" dur="indefinite" restart="never" nodeType="tmRoot"/>
-      </p:par>
-    </p:tnLst>
-  </p:timing>
-</p:sld>
-</file>
-
-<file path=ppt/slides/slide20.xml><?xml version="1.0" encoding="utf-8"?>
+<file path=ppt/slides/slide19.xml><?xml version="1.0" encoding="utf-8"?>
 <p:sld xmlns:a="http://schemas.openxmlformats.org/drawingml/2006/main" xmlns:r="http://schemas.openxmlformats.org/officeDocument/2006/relationships" xmlns:p="http://schemas.openxmlformats.org/presentationml/2006/main">
   <p:cSld>
     <p:spTree>
@@ -11796,7 +11195,160 @@
 </p:sld>
 </file>
 
-<file path=ppt/slides/slide21.xml><?xml version="1.0" encoding="utf-8"?>
+<file path=ppt/slides/slide2.xml><?xml version="1.0" encoding="utf-8"?>
+<p:sld xmlns:a="http://schemas.openxmlformats.org/drawingml/2006/main" xmlns:r="http://schemas.openxmlformats.org/officeDocument/2006/relationships" xmlns:p="http://schemas.openxmlformats.org/presentationml/2006/main">
+  <p:cSld>
+    <p:spTree>
+      <p:nvGrpSpPr>
+        <p:cNvPr id="1" name=""/>
+        <p:cNvGrpSpPr/>
+        <p:nvPr/>
+      </p:nvGrpSpPr>
+      <p:grpSpPr>
+        <a:xfrm>
+          <a:off x="0" y="0"/>
+          <a:ext cx="0" cy="0"/>
+          <a:chOff x="0" y="0"/>
+          <a:chExt cx="0" cy="0"/>
+        </a:xfrm>
+      </p:grpSpPr>
+      <p:sp>
+        <p:nvSpPr>
+          <p:cNvPr id="3" name="TextBox 2"/>
+          <p:cNvSpPr txBox="1"/>
+          <p:nvPr/>
+        </p:nvSpPr>
+        <p:spPr>
+          <a:xfrm>
+            <a:off x="457200" y="533400"/>
+            <a:ext cx="5949899" cy="630942"/>
+          </a:xfrm>
+          <a:prstGeom prst="rect">
+            <a:avLst/>
+          </a:prstGeom>
+          <a:noFill/>
+        </p:spPr>
+        <p:txBody>
+          <a:bodyPr wrap="none" rtlCol="0">
+            <a:spAutoFit/>
+          </a:bodyPr>
+          <a:lstStyle/>
+          <a:p>
+            <a:r>
+              <a:rPr lang="en-US" sz="3500" dirty="0" smtClean="0">
+                <a:solidFill>
+                  <a:schemeClr val="tx1">
+                    <a:lumMod val="65000"/>
+                    <a:lumOff val="35000"/>
+                  </a:schemeClr>
+                </a:solidFill>
+                <a:effectLst>
+                  <a:outerShdw blurRad="38100" dist="38100" dir="2700000" algn="tl">
+                    <a:srgbClr val="000000">
+                      <a:alpha val="43137"/>
+                    </a:srgbClr>
+                  </a:outerShdw>
+                </a:effectLst>
+              </a:rPr>
+              <a:t>Connection to trainee Database</a:t>
+            </a:r>
+            <a:endParaRPr lang="en-US" sz="3500" dirty="0">
+              <a:solidFill>
+                <a:schemeClr val="tx1">
+                  <a:lumMod val="65000"/>
+                  <a:lumOff val="35000"/>
+                </a:schemeClr>
+              </a:solidFill>
+              <a:effectLst>
+                <a:outerShdw blurRad="38100" dist="38100" dir="2700000" algn="tl">
+                  <a:srgbClr val="000000">
+                    <a:alpha val="43137"/>
+                  </a:srgbClr>
+                </a:outerShdw>
+              </a:effectLst>
+            </a:endParaRPr>
+          </a:p>
+        </p:txBody>
+      </p:sp>
+      <p:sp>
+        <p:nvSpPr>
+          <p:cNvPr id="4" name="Rectangle 3"/>
+          <p:cNvSpPr/>
+          <p:nvPr/>
+        </p:nvSpPr>
+        <p:spPr>
+          <a:xfrm>
+            <a:off x="611560" y="1988840"/>
+            <a:ext cx="4572000" cy="1815882"/>
+          </a:xfrm>
+          <a:prstGeom prst="rect">
+            <a:avLst/>
+          </a:prstGeom>
+        </p:spPr>
+        <p:txBody>
+          <a:bodyPr>
+            <a:spAutoFit/>
+          </a:bodyPr>
+          <a:lstStyle/>
+          <a:p>
+            <a:r>
+              <a:rPr lang="en-US" sz="2800" dirty="0">
+                <a:hlinkClick r:id="rId3"/>
+              </a:rPr>
+              <a:t>http://sqlfiddle.com</a:t>
+            </a:r>
+            <a:r>
+              <a:rPr lang="en-US" sz="2800" dirty="0" smtClean="0">
+                <a:hlinkClick r:id="rId3"/>
+              </a:rPr>
+              <a:t>/</a:t>
+            </a:r>
+            <a:endParaRPr lang="ru-RU" sz="2800" dirty="0" smtClean="0"/>
+          </a:p>
+          <a:p>
+            <a:endParaRPr lang="ru-RU" sz="2800" dirty="0"/>
+          </a:p>
+          <a:p>
+            <a:r>
+              <a:rPr lang="en-US" sz="2800" dirty="0">
+                <a:hlinkClick r:id="rId4"/>
+              </a:rPr>
+              <a:t>http://</a:t>
+            </a:r>
+            <a:r>
+              <a:rPr lang="en-US" sz="2800" dirty="0" smtClean="0">
+                <a:hlinkClick r:id="rId4"/>
+              </a:rPr>
+              <a:t>sqlzoo.net/wiki/SELECT</a:t>
+            </a:r>
+            <a:endParaRPr lang="ru-RU" sz="2800" dirty="0" smtClean="0"/>
+          </a:p>
+          <a:p>
+            <a:endParaRPr lang="en-US" sz="2800" dirty="0"/>
+          </a:p>
+        </p:txBody>
+      </p:sp>
+    </p:spTree>
+    <p:extLst>
+      <p:ext uri="{BB962C8B-B14F-4D97-AF65-F5344CB8AC3E}">
+        <p14:creationId xmlns:p14="http://schemas.microsoft.com/office/powerpoint/2010/main" val="493608588"/>
+      </p:ext>
+    </p:extLst>
+  </p:cSld>
+  <p:clrMapOvr>
+    <a:masterClrMapping/>
+  </p:clrMapOvr>
+  <p:timing>
+    <p:tnLst>
+      <p:par>
+        <p:cTn id="1" dur="indefinite" restart="never" nodeType="tmRoot"/>
+      </p:par>
+    </p:tnLst>
+  </p:timing>
+</p:sld>
+</file>
+
+<file path=ppt/slides/slide20.xml><?xml version="1.0" encoding="utf-8"?>
 <p:sld xmlns:a="http://schemas.openxmlformats.org/drawingml/2006/main" xmlns:r="http://schemas.openxmlformats.org/officeDocument/2006/relationships" xmlns:p="http://schemas.openxmlformats.org/presentationml/2006/main">
   <p:cSld>
     <p:spTree>
@@ -11929,7 +11481,7 @@
 </p:sld>
 </file>
 
-<file path=ppt/slides/slide22.xml><?xml version="1.0" encoding="utf-8"?>
+<file path=ppt/slides/slide21.xml><?xml version="1.0" encoding="utf-8"?>
 <p:sld xmlns:a="http://schemas.openxmlformats.org/drawingml/2006/main" xmlns:r="http://schemas.openxmlformats.org/officeDocument/2006/relationships" xmlns:p="http://schemas.openxmlformats.org/presentationml/2006/main">
   <p:cSld>
     <p:spTree>
@@ -12253,7 +11805,7 @@
 </p:sld>
 </file>
 
-<file path=ppt/slides/slide23.xml><?xml version="1.0" encoding="utf-8"?>
+<file path=ppt/slides/slide22.xml><?xml version="1.0" encoding="utf-8"?>
 <p:sld xmlns:a="http://schemas.openxmlformats.org/drawingml/2006/main" xmlns:r="http://schemas.openxmlformats.org/officeDocument/2006/relationships" xmlns:p="http://schemas.openxmlformats.org/presentationml/2006/main">
   <p:cSld>
     <p:spTree>
@@ -12455,7 +12007,7 @@
 </p:sld>
 </file>
 
-<file path=ppt/slides/slide24.xml><?xml version="1.0" encoding="utf-8"?>
+<file path=ppt/slides/slide23.xml><?xml version="1.0" encoding="utf-8"?>
 <p:sld xmlns:a="http://schemas.openxmlformats.org/drawingml/2006/main" xmlns:r="http://schemas.openxmlformats.org/officeDocument/2006/relationships" xmlns:p="http://schemas.openxmlformats.org/presentationml/2006/main">
   <p:cSld>
     <p:spTree>
@@ -12780,7 +12332,7 @@
 </p:sld>
 </file>
 
-<file path=ppt/slides/slide25.xml><?xml version="1.0" encoding="utf-8"?>
+<file path=ppt/slides/slide24.xml><?xml version="1.0" encoding="utf-8"?>
 <p:sld xmlns:a="http://schemas.openxmlformats.org/drawingml/2006/main" xmlns:r="http://schemas.openxmlformats.org/officeDocument/2006/relationships" xmlns:p="http://schemas.openxmlformats.org/presentationml/2006/main">
   <p:cSld>
     <p:spTree>
@@ -12939,7 +12491,7 @@
 </p:sld>
 </file>
 
-<file path=ppt/slides/slide26.xml><?xml version="1.0" encoding="utf-8"?>
+<file path=ppt/slides/slide25.xml><?xml version="1.0" encoding="utf-8"?>
 <p:sld xmlns:a="http://schemas.openxmlformats.org/drawingml/2006/main" xmlns:r="http://schemas.openxmlformats.org/officeDocument/2006/relationships" xmlns:p="http://schemas.openxmlformats.org/presentationml/2006/main">
   <p:cSld>
     <p:spTree>
@@ -13328,7 +12880,7 @@
 </p:sld>
 </file>
 
-<file path=ppt/slides/slide27.xml><?xml version="1.0" encoding="utf-8"?>
+<file path=ppt/slides/slide26.xml><?xml version="1.0" encoding="utf-8"?>
 <p:sld xmlns:a="http://schemas.openxmlformats.org/drawingml/2006/main" xmlns:r="http://schemas.openxmlformats.org/officeDocument/2006/relationships" xmlns:p="http://schemas.openxmlformats.org/presentationml/2006/main">
   <p:cSld>
     <p:spTree>
@@ -13770,7 +13322,7 @@
 </p:sld>
 </file>
 
-<file path=ppt/slides/slide28.xml><?xml version="1.0" encoding="utf-8"?>
+<file path=ppt/slides/slide27.xml><?xml version="1.0" encoding="utf-8"?>
 <p:sld xmlns:a="http://schemas.openxmlformats.org/drawingml/2006/main" xmlns:r="http://schemas.openxmlformats.org/officeDocument/2006/relationships" xmlns:p="http://schemas.openxmlformats.org/presentationml/2006/main">
   <p:cSld>
     <p:spTree>
@@ -14306,7 +13858,7 @@
 </p:sld>
 </file>
 
-<file path=ppt/slides/slide29.xml><?xml version="1.0" encoding="utf-8"?>
+<file path=ppt/slides/slide28.xml><?xml version="1.0" encoding="utf-8"?>
 <p:sld xmlns:a="http://schemas.openxmlformats.org/drawingml/2006/main" xmlns:r="http://schemas.openxmlformats.org/officeDocument/2006/relationships" xmlns:p="http://schemas.openxmlformats.org/presentationml/2006/main">
   <p:cSld>
     <p:spTree>
@@ -14641,6 +14193,441 @@
 </p:sld>
 </file>
 
+<file path=ppt/slides/slide29.xml><?xml version="1.0" encoding="utf-8"?>
+<p:sld xmlns:a="http://schemas.openxmlformats.org/drawingml/2006/main" xmlns:r="http://schemas.openxmlformats.org/officeDocument/2006/relationships" xmlns:p="http://schemas.openxmlformats.org/presentationml/2006/main">
+  <p:cSld>
+    <p:spTree>
+      <p:nvGrpSpPr>
+        <p:cNvPr id="1" name=""/>
+        <p:cNvGrpSpPr/>
+        <p:nvPr/>
+      </p:nvGrpSpPr>
+      <p:grpSpPr>
+        <a:xfrm>
+          <a:off x="0" y="0"/>
+          <a:ext cx="0" cy="0"/>
+          <a:chOff x="0" y="0"/>
+          <a:chExt cx="0" cy="0"/>
+        </a:xfrm>
+      </p:grpSpPr>
+      <p:sp>
+        <p:nvSpPr>
+          <p:cNvPr id="2" name="TextBox 1"/>
+          <p:cNvSpPr txBox="1"/>
+          <p:nvPr/>
+        </p:nvSpPr>
+        <p:spPr>
+          <a:xfrm>
+            <a:off x="531143" y="448519"/>
+            <a:ext cx="7354514" cy="630942"/>
+          </a:xfrm>
+          <a:prstGeom prst="rect">
+            <a:avLst/>
+          </a:prstGeom>
+          <a:noFill/>
+        </p:spPr>
+        <p:txBody>
+          <a:bodyPr wrap="none" rtlCol="0">
+            <a:spAutoFit/>
+          </a:bodyPr>
+          <a:lstStyle/>
+          <a:p>
+            <a:r>
+              <a:rPr lang="ru-RU" sz="3500" dirty="0" smtClean="0">
+                <a:solidFill>
+                  <a:schemeClr val="tx1">
+                    <a:lumMod val="65000"/>
+                    <a:lumOff val="35000"/>
+                  </a:schemeClr>
+                </a:solidFill>
+                <a:effectLst>
+                  <a:outerShdw blurRad="38100" dist="38100" dir="2700000" algn="tl">
+                    <a:srgbClr val="000000">
+                      <a:alpha val="43137"/>
+                    </a:srgbClr>
+                  </a:outerShdw>
+                </a:effectLst>
+              </a:rPr>
+              <a:t>Значение </a:t>
+            </a:r>
+            <a:r>
+              <a:rPr lang="en-US" sz="3500" dirty="0" smtClean="0">
+                <a:solidFill>
+                  <a:schemeClr val="tx1">
+                    <a:lumMod val="65000"/>
+                    <a:lumOff val="35000"/>
+                  </a:schemeClr>
+                </a:solidFill>
+                <a:effectLst>
+                  <a:outerShdw blurRad="38100" dist="38100" dir="2700000" algn="tl">
+                    <a:srgbClr val="000000">
+                      <a:alpha val="43137"/>
+                    </a:srgbClr>
+                  </a:outerShdw>
+                </a:effectLst>
+              </a:rPr>
+              <a:t>NULL – </a:t>
+            </a:r>
+            <a:r>
+              <a:rPr lang="ru-RU" sz="3500" dirty="0" smtClean="0">
+                <a:solidFill>
+                  <a:schemeClr val="tx1">
+                    <a:lumMod val="65000"/>
+                    <a:lumOff val="35000"/>
+                  </a:schemeClr>
+                </a:solidFill>
+                <a:effectLst>
+                  <a:outerShdw blurRad="38100" dist="38100" dir="2700000" algn="tl">
+                    <a:srgbClr val="000000">
+                      <a:alpha val="43137"/>
+                    </a:srgbClr>
+                  </a:outerShdw>
+                </a:effectLst>
+              </a:rPr>
+              <a:t>отсутствие значения</a:t>
+            </a:r>
+            <a:endParaRPr lang="en-US" sz="3500" dirty="0">
+              <a:solidFill>
+                <a:schemeClr val="tx1">
+                  <a:lumMod val="65000"/>
+                  <a:lumOff val="35000"/>
+                </a:schemeClr>
+              </a:solidFill>
+              <a:effectLst>
+                <a:outerShdw blurRad="38100" dist="38100" dir="2700000" algn="tl">
+                  <a:srgbClr val="000000">
+                    <a:alpha val="43137"/>
+                  </a:srgbClr>
+                </a:outerShdw>
+              </a:effectLst>
+            </a:endParaRPr>
+          </a:p>
+        </p:txBody>
+      </p:sp>
+      <p:sp>
+        <p:nvSpPr>
+          <p:cNvPr id="5" name="Rectangle 4"/>
+          <p:cNvSpPr/>
+          <p:nvPr/>
+        </p:nvSpPr>
+        <p:spPr>
+          <a:xfrm>
+            <a:off x="824024" y="1124744"/>
+            <a:ext cx="6768752" cy="5170646"/>
+          </a:xfrm>
+          <a:prstGeom prst="rect">
+            <a:avLst/>
+          </a:prstGeom>
+        </p:spPr>
+        <p:txBody>
+          <a:bodyPr wrap="square">
+            <a:spAutoFit/>
+          </a:bodyPr>
+          <a:lstStyle/>
+          <a:p>
+            <a:pPr fontAlgn="base">
+              <a:lnSpc>
+                <a:spcPct val="150000"/>
+              </a:lnSpc>
+              <a:spcBef>
+                <a:spcPct val="0"/>
+              </a:spcBef>
+              <a:spcAft>
+                <a:spcPct val="0"/>
+              </a:spcAft>
+              <a:tabLst>
+                <a:tab pos="2311400" algn="l"/>
+              </a:tabLst>
+            </a:pPr>
+            <a:r>
+              <a:rPr lang="en-US" sz="2200" b="1" dirty="0" smtClean="0">
+                <a:latin typeface="Calibri" pitchFamily="34" charset="0"/>
+                <a:ea typeface="Calibri" pitchFamily="34" charset="0"/>
+                <a:cs typeface="Times New Roman" pitchFamily="18" charset="0"/>
+              </a:rPr>
+              <a:t>NULL </a:t>
+            </a:r>
+            <a:r>
+              <a:rPr lang="en-US" sz="2200" dirty="0">
+                <a:latin typeface="Calibri" pitchFamily="34" charset="0"/>
+                <a:ea typeface="Calibri" pitchFamily="34" charset="0"/>
+                <a:cs typeface="Times New Roman" pitchFamily="18" charset="0"/>
+              </a:rPr>
+              <a:t>–</a:t>
+            </a:r>
+            <a:r>
+              <a:rPr lang="en-US" sz="2200" dirty="0" smtClean="0">
+                <a:latin typeface="Calibri" pitchFamily="34" charset="0"/>
+                <a:ea typeface="Calibri" pitchFamily="34" charset="0"/>
+                <a:cs typeface="Times New Roman" pitchFamily="18" charset="0"/>
+              </a:rPr>
+              <a:t> </a:t>
+            </a:r>
+            <a:r>
+              <a:rPr lang="ru-RU" sz="2200" dirty="0" smtClean="0">
+                <a:latin typeface="Calibri" pitchFamily="34" charset="0"/>
+                <a:ea typeface="Calibri" pitchFamily="34" charset="0"/>
+                <a:cs typeface="Times New Roman" pitchFamily="18" charset="0"/>
+              </a:rPr>
+              <a:t>обозначает отсутствие какого-либо значения в ячейке</a:t>
+            </a:r>
+          </a:p>
+          <a:p>
+            <a:pPr fontAlgn="base">
+              <a:lnSpc>
+                <a:spcPct val="150000"/>
+              </a:lnSpc>
+              <a:spcBef>
+                <a:spcPct val="0"/>
+              </a:spcBef>
+              <a:spcAft>
+                <a:spcPct val="0"/>
+              </a:spcAft>
+              <a:tabLst>
+                <a:tab pos="2311400" algn="l"/>
+              </a:tabLst>
+            </a:pPr>
+            <a:endParaRPr lang="ru-RU" sz="2200" b="1" dirty="0">
+              <a:latin typeface="Calibri" pitchFamily="34" charset="0"/>
+              <a:ea typeface="Calibri" pitchFamily="34" charset="0"/>
+              <a:cs typeface="Times New Roman" pitchFamily="18" charset="0"/>
+            </a:endParaRPr>
+          </a:p>
+          <a:p>
+            <a:pPr fontAlgn="base">
+              <a:lnSpc>
+                <a:spcPct val="150000"/>
+              </a:lnSpc>
+              <a:spcBef>
+                <a:spcPct val="0"/>
+              </a:spcBef>
+              <a:spcAft>
+                <a:spcPct val="0"/>
+              </a:spcAft>
+              <a:tabLst>
+                <a:tab pos="2311400" algn="l"/>
+              </a:tabLst>
+            </a:pPr>
+            <a:r>
+              <a:rPr lang="en-US" sz="2200" b="1" dirty="0" smtClean="0">
+                <a:latin typeface="Calibri" pitchFamily="34" charset="0"/>
+                <a:ea typeface="Calibri" pitchFamily="34" charset="0"/>
+                <a:cs typeface="Times New Roman" pitchFamily="18" charset="0"/>
+              </a:rPr>
+              <a:t>NULL</a:t>
+            </a:r>
+            <a:r>
+              <a:rPr lang="en-US" sz="2200" dirty="0" smtClean="0">
+                <a:latin typeface="Calibri" pitchFamily="34" charset="0"/>
+                <a:ea typeface="Calibri" pitchFamily="34" charset="0"/>
+                <a:cs typeface="Times New Roman" pitchFamily="18" charset="0"/>
+              </a:rPr>
+              <a:t> – </a:t>
+            </a:r>
+            <a:r>
+              <a:rPr lang="ru-RU" sz="2200" dirty="0" smtClean="0">
+                <a:latin typeface="Calibri" pitchFamily="34" charset="0"/>
+                <a:ea typeface="Calibri" pitchFamily="34" charset="0"/>
+                <a:cs typeface="Times New Roman" pitchFamily="18" charset="0"/>
+              </a:rPr>
+              <a:t>результатом операции с операндом </a:t>
+            </a:r>
+            <a:r>
+              <a:rPr lang="en-US" sz="2200" dirty="0" smtClean="0">
+                <a:latin typeface="Calibri" pitchFamily="34" charset="0"/>
+                <a:ea typeface="Calibri" pitchFamily="34" charset="0"/>
+                <a:cs typeface="Times New Roman" pitchFamily="18" charset="0"/>
+              </a:rPr>
+              <a:t>NULL </a:t>
+            </a:r>
+            <a:r>
+              <a:rPr lang="ru-RU" sz="2200" dirty="0" smtClean="0">
+                <a:latin typeface="Calibri" pitchFamily="34" charset="0"/>
+                <a:ea typeface="Calibri" pitchFamily="34" charset="0"/>
+                <a:cs typeface="Times New Roman" pitchFamily="18" charset="0"/>
+              </a:rPr>
+              <a:t>тоже будет </a:t>
+            </a:r>
+            <a:r>
+              <a:rPr lang="en-US" sz="2200" dirty="0" smtClean="0">
+                <a:latin typeface="Calibri" pitchFamily="34" charset="0"/>
+                <a:ea typeface="Calibri" pitchFamily="34" charset="0"/>
+                <a:cs typeface="Times New Roman" pitchFamily="18" charset="0"/>
+              </a:rPr>
+              <a:t>NULL</a:t>
+            </a:r>
+          </a:p>
+          <a:p>
+            <a:pPr fontAlgn="base">
+              <a:lnSpc>
+                <a:spcPct val="150000"/>
+              </a:lnSpc>
+              <a:spcBef>
+                <a:spcPct val="0"/>
+              </a:spcBef>
+              <a:spcAft>
+                <a:spcPct val="0"/>
+              </a:spcAft>
+              <a:tabLst>
+                <a:tab pos="2311400" algn="l"/>
+              </a:tabLst>
+            </a:pPr>
+            <a:endParaRPr lang="en-US" sz="2200" dirty="0">
+              <a:latin typeface="Calibri" pitchFamily="34" charset="0"/>
+              <a:ea typeface="Calibri" pitchFamily="34" charset="0"/>
+              <a:cs typeface="Times New Roman" pitchFamily="18" charset="0"/>
+            </a:endParaRPr>
+          </a:p>
+          <a:p>
+            <a:pPr fontAlgn="base">
+              <a:lnSpc>
+                <a:spcPct val="150000"/>
+              </a:lnSpc>
+              <a:spcBef>
+                <a:spcPct val="0"/>
+              </a:spcBef>
+              <a:spcAft>
+                <a:spcPct val="0"/>
+              </a:spcAft>
+              <a:tabLst>
+                <a:tab pos="2311400" algn="l"/>
+              </a:tabLst>
+            </a:pPr>
+            <a:r>
+              <a:rPr lang="ru-RU" sz="2200" dirty="0" smtClean="0">
+                <a:latin typeface="Calibri" pitchFamily="34" charset="0"/>
+                <a:ea typeface="Calibri" pitchFamily="34" charset="0"/>
+                <a:cs typeface="Times New Roman" pitchFamily="18" charset="0"/>
+              </a:rPr>
+              <a:t>Для сравнений нельзя использовать </a:t>
+            </a:r>
+            <a:r>
+              <a:rPr lang="en-US" sz="2200" b="1" dirty="0" smtClean="0">
+                <a:latin typeface="Calibri" pitchFamily="34" charset="0"/>
+                <a:ea typeface="Calibri" pitchFamily="34" charset="0"/>
+                <a:cs typeface="Times New Roman" pitchFamily="18" charset="0"/>
+              </a:rPr>
+              <a:t>&lt;field&gt; = NULL</a:t>
+            </a:r>
+          </a:p>
+          <a:p>
+            <a:pPr fontAlgn="base">
+              <a:lnSpc>
+                <a:spcPct val="150000"/>
+              </a:lnSpc>
+              <a:spcBef>
+                <a:spcPct val="0"/>
+              </a:spcBef>
+              <a:spcAft>
+                <a:spcPct val="0"/>
+              </a:spcAft>
+              <a:tabLst>
+                <a:tab pos="2311400" algn="l"/>
+              </a:tabLst>
+            </a:pPr>
+            <a:r>
+              <a:rPr lang="ru-RU" sz="2200" dirty="0" smtClean="0">
+                <a:latin typeface="Calibri" pitchFamily="34" charset="0"/>
+                <a:ea typeface="Calibri" pitchFamily="34" charset="0"/>
+                <a:cs typeface="Times New Roman" pitchFamily="18" charset="0"/>
+              </a:rPr>
+              <a:t>Нужно пользоваться сравнениями</a:t>
+            </a:r>
+          </a:p>
+          <a:p>
+            <a:pPr fontAlgn="base">
+              <a:lnSpc>
+                <a:spcPct val="150000"/>
+              </a:lnSpc>
+              <a:spcBef>
+                <a:spcPct val="0"/>
+              </a:spcBef>
+              <a:spcAft>
+                <a:spcPct val="0"/>
+              </a:spcAft>
+              <a:tabLst>
+                <a:tab pos="2311400" algn="l"/>
+              </a:tabLst>
+            </a:pPr>
+            <a:r>
+              <a:rPr lang="ru-RU" sz="2200" b="1" dirty="0">
+                <a:latin typeface="Calibri" pitchFamily="34" charset="0"/>
+                <a:ea typeface="Calibri" pitchFamily="34" charset="0"/>
+                <a:cs typeface="Times New Roman" pitchFamily="18" charset="0"/>
+              </a:rPr>
+              <a:t>	</a:t>
+            </a:r>
+            <a:r>
+              <a:rPr lang="en-US" sz="2200" b="1" dirty="0">
+                <a:latin typeface="Calibri" pitchFamily="34" charset="0"/>
+                <a:ea typeface="Calibri" pitchFamily="34" charset="0"/>
+                <a:cs typeface="Times New Roman" pitchFamily="18" charset="0"/>
+              </a:rPr>
+              <a:t> &lt;field&gt; </a:t>
+            </a:r>
+            <a:r>
+              <a:rPr lang="en-US" sz="2200" b="1" dirty="0" smtClean="0">
+                <a:latin typeface="Calibri" pitchFamily="34" charset="0"/>
+                <a:ea typeface="Calibri" pitchFamily="34" charset="0"/>
+                <a:cs typeface="Times New Roman" pitchFamily="18" charset="0"/>
+              </a:rPr>
+              <a:t>IS NULL</a:t>
+            </a:r>
+          </a:p>
+          <a:p>
+            <a:pPr fontAlgn="base">
+              <a:lnSpc>
+                <a:spcPct val="150000"/>
+              </a:lnSpc>
+              <a:spcBef>
+                <a:spcPct val="0"/>
+              </a:spcBef>
+              <a:spcAft>
+                <a:spcPct val="0"/>
+              </a:spcAft>
+              <a:tabLst>
+                <a:tab pos="2311400" algn="l"/>
+              </a:tabLst>
+            </a:pPr>
+            <a:r>
+              <a:rPr lang="en-US" sz="2200" b="1" dirty="0">
+                <a:latin typeface="Calibri" pitchFamily="34" charset="0"/>
+                <a:ea typeface="Calibri" pitchFamily="34" charset="0"/>
+                <a:cs typeface="Times New Roman" pitchFamily="18" charset="0"/>
+              </a:rPr>
+              <a:t>	 &lt;field&gt; IS </a:t>
+            </a:r>
+            <a:r>
+              <a:rPr lang="en-US" sz="2200" b="1" dirty="0" smtClean="0">
+                <a:latin typeface="Calibri" pitchFamily="34" charset="0"/>
+                <a:ea typeface="Calibri" pitchFamily="34" charset="0"/>
+                <a:cs typeface="Times New Roman" pitchFamily="18" charset="0"/>
+              </a:rPr>
+              <a:t>NOT NULL</a:t>
+            </a:r>
+          </a:p>
+        </p:txBody>
+      </p:sp>
+    </p:spTree>
+    <p:extLst>
+      <p:ext uri="{BB962C8B-B14F-4D97-AF65-F5344CB8AC3E}">
+        <p14:creationId xmlns:p14="http://schemas.microsoft.com/office/powerpoint/2010/main" val="500989790"/>
+      </p:ext>
+    </p:extLst>
+  </p:cSld>
+  <p:clrMapOvr>
+    <a:masterClrMapping/>
+  </p:clrMapOvr>
+  <p:timing>
+    <p:tnLst>
+      <p:par>
+        <p:cTn id="1" dur="indefinite" restart="never" nodeType="tmRoot"/>
+      </p:par>
+    </p:tnLst>
+  </p:timing>
+</p:sld>
+</file>
+
 <file path=ppt/slides/slide3.xml><?xml version="1.0" encoding="utf-8"?>
 <p:sld xmlns:a="http://schemas.openxmlformats.org/drawingml/2006/main" xmlns:r="http://schemas.openxmlformats.org/officeDocument/2006/relationships" xmlns:p="http://schemas.openxmlformats.org/presentationml/2006/main">
   <p:cSld>
@@ -15019,441 +15006,6 @@
 </file>
 
 <file path=ppt/slides/slide30.xml><?xml version="1.0" encoding="utf-8"?>
-<p:sld xmlns:a="http://schemas.openxmlformats.org/drawingml/2006/main" xmlns:r="http://schemas.openxmlformats.org/officeDocument/2006/relationships" xmlns:p="http://schemas.openxmlformats.org/presentationml/2006/main">
-  <p:cSld>
-    <p:spTree>
-      <p:nvGrpSpPr>
-        <p:cNvPr id="1" name=""/>
-        <p:cNvGrpSpPr/>
-        <p:nvPr/>
-      </p:nvGrpSpPr>
-      <p:grpSpPr>
-        <a:xfrm>
-          <a:off x="0" y="0"/>
-          <a:ext cx="0" cy="0"/>
-          <a:chOff x="0" y="0"/>
-          <a:chExt cx="0" cy="0"/>
-        </a:xfrm>
-      </p:grpSpPr>
-      <p:sp>
-        <p:nvSpPr>
-          <p:cNvPr id="2" name="TextBox 1"/>
-          <p:cNvSpPr txBox="1"/>
-          <p:nvPr/>
-        </p:nvSpPr>
-        <p:spPr>
-          <a:xfrm>
-            <a:off x="531143" y="448519"/>
-            <a:ext cx="7354514" cy="630942"/>
-          </a:xfrm>
-          <a:prstGeom prst="rect">
-            <a:avLst/>
-          </a:prstGeom>
-          <a:noFill/>
-        </p:spPr>
-        <p:txBody>
-          <a:bodyPr wrap="none" rtlCol="0">
-            <a:spAutoFit/>
-          </a:bodyPr>
-          <a:lstStyle/>
-          <a:p>
-            <a:r>
-              <a:rPr lang="ru-RU" sz="3500" dirty="0" smtClean="0">
-                <a:solidFill>
-                  <a:schemeClr val="tx1">
-                    <a:lumMod val="65000"/>
-                    <a:lumOff val="35000"/>
-                  </a:schemeClr>
-                </a:solidFill>
-                <a:effectLst>
-                  <a:outerShdw blurRad="38100" dist="38100" dir="2700000" algn="tl">
-                    <a:srgbClr val="000000">
-                      <a:alpha val="43137"/>
-                    </a:srgbClr>
-                  </a:outerShdw>
-                </a:effectLst>
-              </a:rPr>
-              <a:t>Значение </a:t>
-            </a:r>
-            <a:r>
-              <a:rPr lang="en-US" sz="3500" dirty="0" smtClean="0">
-                <a:solidFill>
-                  <a:schemeClr val="tx1">
-                    <a:lumMod val="65000"/>
-                    <a:lumOff val="35000"/>
-                  </a:schemeClr>
-                </a:solidFill>
-                <a:effectLst>
-                  <a:outerShdw blurRad="38100" dist="38100" dir="2700000" algn="tl">
-                    <a:srgbClr val="000000">
-                      <a:alpha val="43137"/>
-                    </a:srgbClr>
-                  </a:outerShdw>
-                </a:effectLst>
-              </a:rPr>
-              <a:t>NULL – </a:t>
-            </a:r>
-            <a:r>
-              <a:rPr lang="ru-RU" sz="3500" dirty="0" smtClean="0">
-                <a:solidFill>
-                  <a:schemeClr val="tx1">
-                    <a:lumMod val="65000"/>
-                    <a:lumOff val="35000"/>
-                  </a:schemeClr>
-                </a:solidFill>
-                <a:effectLst>
-                  <a:outerShdw blurRad="38100" dist="38100" dir="2700000" algn="tl">
-                    <a:srgbClr val="000000">
-                      <a:alpha val="43137"/>
-                    </a:srgbClr>
-                  </a:outerShdw>
-                </a:effectLst>
-              </a:rPr>
-              <a:t>отсутствие значения</a:t>
-            </a:r>
-            <a:endParaRPr lang="en-US" sz="3500" dirty="0">
-              <a:solidFill>
-                <a:schemeClr val="tx1">
-                  <a:lumMod val="65000"/>
-                  <a:lumOff val="35000"/>
-                </a:schemeClr>
-              </a:solidFill>
-              <a:effectLst>
-                <a:outerShdw blurRad="38100" dist="38100" dir="2700000" algn="tl">
-                  <a:srgbClr val="000000">
-                    <a:alpha val="43137"/>
-                  </a:srgbClr>
-                </a:outerShdw>
-              </a:effectLst>
-            </a:endParaRPr>
-          </a:p>
-        </p:txBody>
-      </p:sp>
-      <p:sp>
-        <p:nvSpPr>
-          <p:cNvPr id="5" name="Rectangle 4"/>
-          <p:cNvSpPr/>
-          <p:nvPr/>
-        </p:nvSpPr>
-        <p:spPr>
-          <a:xfrm>
-            <a:off x="824024" y="1124744"/>
-            <a:ext cx="6768752" cy="5170646"/>
-          </a:xfrm>
-          <a:prstGeom prst="rect">
-            <a:avLst/>
-          </a:prstGeom>
-        </p:spPr>
-        <p:txBody>
-          <a:bodyPr wrap="square">
-            <a:spAutoFit/>
-          </a:bodyPr>
-          <a:lstStyle/>
-          <a:p>
-            <a:pPr fontAlgn="base">
-              <a:lnSpc>
-                <a:spcPct val="150000"/>
-              </a:lnSpc>
-              <a:spcBef>
-                <a:spcPct val="0"/>
-              </a:spcBef>
-              <a:spcAft>
-                <a:spcPct val="0"/>
-              </a:spcAft>
-              <a:tabLst>
-                <a:tab pos="2311400" algn="l"/>
-              </a:tabLst>
-            </a:pPr>
-            <a:r>
-              <a:rPr lang="en-US" sz="2200" b="1" dirty="0" smtClean="0">
-                <a:latin typeface="Calibri" pitchFamily="34" charset="0"/>
-                <a:ea typeface="Calibri" pitchFamily="34" charset="0"/>
-                <a:cs typeface="Times New Roman" pitchFamily="18" charset="0"/>
-              </a:rPr>
-              <a:t>NULL </a:t>
-            </a:r>
-            <a:r>
-              <a:rPr lang="en-US" sz="2200" dirty="0">
-                <a:latin typeface="Calibri" pitchFamily="34" charset="0"/>
-                <a:ea typeface="Calibri" pitchFamily="34" charset="0"/>
-                <a:cs typeface="Times New Roman" pitchFamily="18" charset="0"/>
-              </a:rPr>
-              <a:t>–</a:t>
-            </a:r>
-            <a:r>
-              <a:rPr lang="en-US" sz="2200" dirty="0" smtClean="0">
-                <a:latin typeface="Calibri" pitchFamily="34" charset="0"/>
-                <a:ea typeface="Calibri" pitchFamily="34" charset="0"/>
-                <a:cs typeface="Times New Roman" pitchFamily="18" charset="0"/>
-              </a:rPr>
-              <a:t> </a:t>
-            </a:r>
-            <a:r>
-              <a:rPr lang="ru-RU" sz="2200" dirty="0" smtClean="0">
-                <a:latin typeface="Calibri" pitchFamily="34" charset="0"/>
-                <a:ea typeface="Calibri" pitchFamily="34" charset="0"/>
-                <a:cs typeface="Times New Roman" pitchFamily="18" charset="0"/>
-              </a:rPr>
-              <a:t>обозначает отсутствие какого-либо значения в ячейке</a:t>
-            </a:r>
-          </a:p>
-          <a:p>
-            <a:pPr fontAlgn="base">
-              <a:lnSpc>
-                <a:spcPct val="150000"/>
-              </a:lnSpc>
-              <a:spcBef>
-                <a:spcPct val="0"/>
-              </a:spcBef>
-              <a:spcAft>
-                <a:spcPct val="0"/>
-              </a:spcAft>
-              <a:tabLst>
-                <a:tab pos="2311400" algn="l"/>
-              </a:tabLst>
-            </a:pPr>
-            <a:endParaRPr lang="ru-RU" sz="2200" b="1" dirty="0">
-              <a:latin typeface="Calibri" pitchFamily="34" charset="0"/>
-              <a:ea typeface="Calibri" pitchFamily="34" charset="0"/>
-              <a:cs typeface="Times New Roman" pitchFamily="18" charset="0"/>
-            </a:endParaRPr>
-          </a:p>
-          <a:p>
-            <a:pPr fontAlgn="base">
-              <a:lnSpc>
-                <a:spcPct val="150000"/>
-              </a:lnSpc>
-              <a:spcBef>
-                <a:spcPct val="0"/>
-              </a:spcBef>
-              <a:spcAft>
-                <a:spcPct val="0"/>
-              </a:spcAft>
-              <a:tabLst>
-                <a:tab pos="2311400" algn="l"/>
-              </a:tabLst>
-            </a:pPr>
-            <a:r>
-              <a:rPr lang="en-US" sz="2200" b="1" dirty="0" smtClean="0">
-                <a:latin typeface="Calibri" pitchFamily="34" charset="0"/>
-                <a:ea typeface="Calibri" pitchFamily="34" charset="0"/>
-                <a:cs typeface="Times New Roman" pitchFamily="18" charset="0"/>
-              </a:rPr>
-              <a:t>NULL</a:t>
-            </a:r>
-            <a:r>
-              <a:rPr lang="en-US" sz="2200" dirty="0" smtClean="0">
-                <a:latin typeface="Calibri" pitchFamily="34" charset="0"/>
-                <a:ea typeface="Calibri" pitchFamily="34" charset="0"/>
-                <a:cs typeface="Times New Roman" pitchFamily="18" charset="0"/>
-              </a:rPr>
-              <a:t> – </a:t>
-            </a:r>
-            <a:r>
-              <a:rPr lang="ru-RU" sz="2200" dirty="0" smtClean="0">
-                <a:latin typeface="Calibri" pitchFamily="34" charset="0"/>
-                <a:ea typeface="Calibri" pitchFamily="34" charset="0"/>
-                <a:cs typeface="Times New Roman" pitchFamily="18" charset="0"/>
-              </a:rPr>
-              <a:t>результатом операции с операндом </a:t>
-            </a:r>
-            <a:r>
-              <a:rPr lang="en-US" sz="2200" dirty="0" smtClean="0">
-                <a:latin typeface="Calibri" pitchFamily="34" charset="0"/>
-                <a:ea typeface="Calibri" pitchFamily="34" charset="0"/>
-                <a:cs typeface="Times New Roman" pitchFamily="18" charset="0"/>
-              </a:rPr>
-              <a:t>NULL </a:t>
-            </a:r>
-            <a:r>
-              <a:rPr lang="ru-RU" sz="2200" dirty="0" smtClean="0">
-                <a:latin typeface="Calibri" pitchFamily="34" charset="0"/>
-                <a:ea typeface="Calibri" pitchFamily="34" charset="0"/>
-                <a:cs typeface="Times New Roman" pitchFamily="18" charset="0"/>
-              </a:rPr>
-              <a:t>тоже будет </a:t>
-            </a:r>
-            <a:r>
-              <a:rPr lang="en-US" sz="2200" dirty="0" smtClean="0">
-                <a:latin typeface="Calibri" pitchFamily="34" charset="0"/>
-                <a:ea typeface="Calibri" pitchFamily="34" charset="0"/>
-                <a:cs typeface="Times New Roman" pitchFamily="18" charset="0"/>
-              </a:rPr>
-              <a:t>NULL</a:t>
-            </a:r>
-          </a:p>
-          <a:p>
-            <a:pPr fontAlgn="base">
-              <a:lnSpc>
-                <a:spcPct val="150000"/>
-              </a:lnSpc>
-              <a:spcBef>
-                <a:spcPct val="0"/>
-              </a:spcBef>
-              <a:spcAft>
-                <a:spcPct val="0"/>
-              </a:spcAft>
-              <a:tabLst>
-                <a:tab pos="2311400" algn="l"/>
-              </a:tabLst>
-            </a:pPr>
-            <a:endParaRPr lang="en-US" sz="2200" dirty="0">
-              <a:latin typeface="Calibri" pitchFamily="34" charset="0"/>
-              <a:ea typeface="Calibri" pitchFamily="34" charset="0"/>
-              <a:cs typeface="Times New Roman" pitchFamily="18" charset="0"/>
-            </a:endParaRPr>
-          </a:p>
-          <a:p>
-            <a:pPr fontAlgn="base">
-              <a:lnSpc>
-                <a:spcPct val="150000"/>
-              </a:lnSpc>
-              <a:spcBef>
-                <a:spcPct val="0"/>
-              </a:spcBef>
-              <a:spcAft>
-                <a:spcPct val="0"/>
-              </a:spcAft>
-              <a:tabLst>
-                <a:tab pos="2311400" algn="l"/>
-              </a:tabLst>
-            </a:pPr>
-            <a:r>
-              <a:rPr lang="ru-RU" sz="2200" dirty="0" smtClean="0">
-                <a:latin typeface="Calibri" pitchFamily="34" charset="0"/>
-                <a:ea typeface="Calibri" pitchFamily="34" charset="0"/>
-                <a:cs typeface="Times New Roman" pitchFamily="18" charset="0"/>
-              </a:rPr>
-              <a:t>Для сравнений нельзя использовать </a:t>
-            </a:r>
-            <a:r>
-              <a:rPr lang="en-US" sz="2200" b="1" dirty="0" smtClean="0">
-                <a:latin typeface="Calibri" pitchFamily="34" charset="0"/>
-                <a:ea typeface="Calibri" pitchFamily="34" charset="0"/>
-                <a:cs typeface="Times New Roman" pitchFamily="18" charset="0"/>
-              </a:rPr>
-              <a:t>&lt;field&gt; = NULL</a:t>
-            </a:r>
-          </a:p>
-          <a:p>
-            <a:pPr fontAlgn="base">
-              <a:lnSpc>
-                <a:spcPct val="150000"/>
-              </a:lnSpc>
-              <a:spcBef>
-                <a:spcPct val="0"/>
-              </a:spcBef>
-              <a:spcAft>
-                <a:spcPct val="0"/>
-              </a:spcAft>
-              <a:tabLst>
-                <a:tab pos="2311400" algn="l"/>
-              </a:tabLst>
-            </a:pPr>
-            <a:r>
-              <a:rPr lang="ru-RU" sz="2200" dirty="0" smtClean="0">
-                <a:latin typeface="Calibri" pitchFamily="34" charset="0"/>
-                <a:ea typeface="Calibri" pitchFamily="34" charset="0"/>
-                <a:cs typeface="Times New Roman" pitchFamily="18" charset="0"/>
-              </a:rPr>
-              <a:t>Нужно пользоваться сравнениями</a:t>
-            </a:r>
-          </a:p>
-          <a:p>
-            <a:pPr fontAlgn="base">
-              <a:lnSpc>
-                <a:spcPct val="150000"/>
-              </a:lnSpc>
-              <a:spcBef>
-                <a:spcPct val="0"/>
-              </a:spcBef>
-              <a:spcAft>
-                <a:spcPct val="0"/>
-              </a:spcAft>
-              <a:tabLst>
-                <a:tab pos="2311400" algn="l"/>
-              </a:tabLst>
-            </a:pPr>
-            <a:r>
-              <a:rPr lang="ru-RU" sz="2200" b="1" dirty="0">
-                <a:latin typeface="Calibri" pitchFamily="34" charset="0"/>
-                <a:ea typeface="Calibri" pitchFamily="34" charset="0"/>
-                <a:cs typeface="Times New Roman" pitchFamily="18" charset="0"/>
-              </a:rPr>
-              <a:t>	</a:t>
-            </a:r>
-            <a:r>
-              <a:rPr lang="en-US" sz="2200" b="1" dirty="0">
-                <a:latin typeface="Calibri" pitchFamily="34" charset="0"/>
-                <a:ea typeface="Calibri" pitchFamily="34" charset="0"/>
-                <a:cs typeface="Times New Roman" pitchFamily="18" charset="0"/>
-              </a:rPr>
-              <a:t> &lt;field&gt; </a:t>
-            </a:r>
-            <a:r>
-              <a:rPr lang="en-US" sz="2200" b="1" dirty="0" smtClean="0">
-                <a:latin typeface="Calibri" pitchFamily="34" charset="0"/>
-                <a:ea typeface="Calibri" pitchFamily="34" charset="0"/>
-                <a:cs typeface="Times New Roman" pitchFamily="18" charset="0"/>
-              </a:rPr>
-              <a:t>IS NULL</a:t>
-            </a:r>
-          </a:p>
-          <a:p>
-            <a:pPr fontAlgn="base">
-              <a:lnSpc>
-                <a:spcPct val="150000"/>
-              </a:lnSpc>
-              <a:spcBef>
-                <a:spcPct val="0"/>
-              </a:spcBef>
-              <a:spcAft>
-                <a:spcPct val="0"/>
-              </a:spcAft>
-              <a:tabLst>
-                <a:tab pos="2311400" algn="l"/>
-              </a:tabLst>
-            </a:pPr>
-            <a:r>
-              <a:rPr lang="en-US" sz="2200" b="1" dirty="0">
-                <a:latin typeface="Calibri" pitchFamily="34" charset="0"/>
-                <a:ea typeface="Calibri" pitchFamily="34" charset="0"/>
-                <a:cs typeface="Times New Roman" pitchFamily="18" charset="0"/>
-              </a:rPr>
-              <a:t>	 &lt;field&gt; IS </a:t>
-            </a:r>
-            <a:r>
-              <a:rPr lang="en-US" sz="2200" b="1" dirty="0" smtClean="0">
-                <a:latin typeface="Calibri" pitchFamily="34" charset="0"/>
-                <a:ea typeface="Calibri" pitchFamily="34" charset="0"/>
-                <a:cs typeface="Times New Roman" pitchFamily="18" charset="0"/>
-              </a:rPr>
-              <a:t>NOT NULL</a:t>
-            </a:r>
-          </a:p>
-        </p:txBody>
-      </p:sp>
-    </p:spTree>
-    <p:extLst>
-      <p:ext uri="{BB962C8B-B14F-4D97-AF65-F5344CB8AC3E}">
-        <p14:creationId xmlns:p14="http://schemas.microsoft.com/office/powerpoint/2010/main" val="500989790"/>
-      </p:ext>
-    </p:extLst>
-  </p:cSld>
-  <p:clrMapOvr>
-    <a:masterClrMapping/>
-  </p:clrMapOvr>
-  <p:timing>
-    <p:tnLst>
-      <p:par>
-        <p:cTn id="1" dur="indefinite" restart="never" nodeType="tmRoot"/>
-      </p:par>
-    </p:tnLst>
-  </p:timing>
-</p:sld>
-</file>
-
-<file path=ppt/slides/slide31.xml><?xml version="1.0" encoding="utf-8"?>
 <p:sld xmlns:a="http://schemas.openxmlformats.org/drawingml/2006/main" xmlns:r="http://schemas.openxmlformats.org/officeDocument/2006/relationships" xmlns:p="http://schemas.openxmlformats.org/presentationml/2006/main">
   <p:cSld>
     <p:spTree>
@@ -15647,7 +15199,7 @@
 </p:sld>
 </file>
 
-<file path=ppt/slides/slide32.xml><?xml version="1.0" encoding="utf-8"?>
+<file path=ppt/slides/slide31.xml><?xml version="1.0" encoding="utf-8"?>
 <p:sld xmlns:a="http://schemas.openxmlformats.org/drawingml/2006/main" xmlns:r="http://schemas.openxmlformats.org/officeDocument/2006/relationships" xmlns:p="http://schemas.openxmlformats.org/presentationml/2006/main">
   <p:cSld>
     <p:spTree>
@@ -15801,7 +15353,7 @@
 </p:sld>
 </file>
 
-<file path=ppt/slides/slide33.xml><?xml version="1.0" encoding="utf-8"?>
+<file path=ppt/slides/slide32.xml><?xml version="1.0" encoding="utf-8"?>
 <p:sld xmlns:a="http://schemas.openxmlformats.org/drawingml/2006/main" xmlns:r="http://schemas.openxmlformats.org/officeDocument/2006/relationships" xmlns:p="http://schemas.openxmlformats.org/presentationml/2006/main">
   <p:cSld>
     <p:spTree>
@@ -16217,7 +15769,7 @@
 </p:sld>
 </file>
 
-<file path=ppt/slides/slide34.xml><?xml version="1.0" encoding="utf-8"?>
+<file path=ppt/slides/slide33.xml><?xml version="1.0" encoding="utf-8"?>
 <p:sld xmlns:a="http://schemas.openxmlformats.org/drawingml/2006/main" xmlns:r="http://schemas.openxmlformats.org/officeDocument/2006/relationships" xmlns:p="http://schemas.openxmlformats.org/presentationml/2006/main">
   <p:cSld>
     <p:spTree>
@@ -16587,7 +16139,7 @@
 </p:sld>
 </file>
 
-<file path=ppt/slides/slide35.xml><?xml version="1.0" encoding="utf-8"?>
+<file path=ppt/slides/slide34.xml><?xml version="1.0" encoding="utf-8"?>
 <p:sld xmlns:a="http://schemas.openxmlformats.org/drawingml/2006/main" xmlns:r="http://schemas.openxmlformats.org/officeDocument/2006/relationships" xmlns:p="http://schemas.openxmlformats.org/presentationml/2006/main">
   <p:cSld>
     <p:spTree>
@@ -17503,7 +17055,7 @@
 </p:sld>
 </file>
 
-<file path=ppt/slides/slide36.xml><?xml version="1.0" encoding="utf-8"?>
+<file path=ppt/slides/slide35.xml><?xml version="1.0" encoding="utf-8"?>
 <p:sld xmlns:a="http://schemas.openxmlformats.org/drawingml/2006/main" xmlns:r="http://schemas.openxmlformats.org/officeDocument/2006/relationships" xmlns:p="http://schemas.openxmlformats.org/presentationml/2006/main">
   <p:cSld>
     <p:spTree>
@@ -17929,11 +17481,7 @@
             </a:r>
             <a:r>
               <a:rPr lang="ru-RU" dirty="0" smtClean="0"/>
-              <a:t> </a:t>
-            </a:r>
-            <a:r>
-              <a:rPr lang="ru-RU" dirty="0" smtClean="0"/>
-              <a:t>таблицы</a:t>
+              <a:t> таблицы</a:t>
             </a:r>
             <a:endParaRPr lang="ru-RU" dirty="0"/>
           </a:p>
@@ -17959,7 +17507,7 @@
 </p:sld>
 </file>
 
-<file path=ppt/slides/slide37.xml><?xml version="1.0" encoding="utf-8"?>
+<file path=ppt/slides/slide36.xml><?xml version="1.0" encoding="utf-8"?>
 <p:sld xmlns:a="http://schemas.openxmlformats.org/drawingml/2006/main" xmlns:r="http://schemas.openxmlformats.org/officeDocument/2006/relationships" xmlns:p="http://schemas.openxmlformats.org/presentationml/2006/main">
   <p:cSld>
     <p:spTree>
@@ -18415,7 +17963,7 @@
 </p:sld>
 </file>
 
-<file path=ppt/slides/slide38.xml><?xml version="1.0" encoding="utf-8"?>
+<file path=ppt/slides/slide37.xml><?xml version="1.0" encoding="utf-8"?>
 <p:sld xmlns:a="http://schemas.openxmlformats.org/drawingml/2006/main" xmlns:r="http://schemas.openxmlformats.org/officeDocument/2006/relationships" xmlns:p="http://schemas.openxmlformats.org/presentationml/2006/main">
   <p:cSld>
     <p:spTree>
@@ -18867,7 +18415,7 @@
 </p:sld>
 </file>
 
-<file path=ppt/slides/slide39.xml><?xml version="1.0" encoding="utf-8"?>
+<file path=ppt/slides/slide38.xml><?xml version="1.0" encoding="utf-8"?>
 <p:sld xmlns:a="http://schemas.openxmlformats.org/drawingml/2006/main" xmlns:r="http://schemas.openxmlformats.org/officeDocument/2006/relationships" xmlns:p="http://schemas.openxmlformats.org/presentationml/2006/main">
   <p:cSld>
     <p:spTree>
@@ -19059,185 +18607,7 @@
 </p:sld>
 </file>
 
-<file path=ppt/slides/slide4.xml><?xml version="1.0" encoding="utf-8"?>
-<p:sld xmlns:a="http://schemas.openxmlformats.org/drawingml/2006/main" xmlns:r="http://schemas.openxmlformats.org/officeDocument/2006/relationships" xmlns:p="http://schemas.openxmlformats.org/presentationml/2006/main">
-  <p:cSld>
-    <p:spTree>
-      <p:nvGrpSpPr>
-        <p:cNvPr id="1" name=""/>
-        <p:cNvGrpSpPr/>
-        <p:nvPr/>
-      </p:nvGrpSpPr>
-      <p:grpSpPr>
-        <a:xfrm>
-          <a:off x="0" y="0"/>
-          <a:ext cx="0" cy="0"/>
-          <a:chOff x="0" y="0"/>
-          <a:chExt cx="0" cy="0"/>
-        </a:xfrm>
-      </p:grpSpPr>
-      <p:sp>
-        <p:nvSpPr>
-          <p:cNvPr id="3" name="TextBox 2"/>
-          <p:cNvSpPr txBox="1"/>
-          <p:nvPr/>
-        </p:nvSpPr>
-        <p:spPr>
-          <a:xfrm>
-            <a:off x="468288" y="404664"/>
-            <a:ext cx="5448736" cy="630942"/>
-          </a:xfrm>
-          <a:prstGeom prst="rect">
-            <a:avLst/>
-          </a:prstGeom>
-          <a:noFill/>
-        </p:spPr>
-        <p:txBody>
-          <a:bodyPr wrap="none" rtlCol="0">
-            <a:spAutoFit/>
-          </a:bodyPr>
-          <a:lstStyle/>
-          <a:p>
-            <a:r>
-              <a:rPr lang="ru-RU" sz="3500" dirty="0" smtClean="0">
-                <a:solidFill>
-                  <a:schemeClr val="tx1">
-                    <a:lumMod val="65000"/>
-                    <a:lumOff val="35000"/>
-                  </a:schemeClr>
-                </a:solidFill>
-                <a:effectLst>
-                  <a:outerShdw blurRad="38100" dist="38100" dir="2700000" algn="tl">
-                    <a:srgbClr val="000000">
-                      <a:alpha val="43137"/>
-                    </a:srgbClr>
-                  </a:outerShdw>
-                </a:effectLst>
-              </a:rPr>
-              <a:t>Типы БД по модели данных</a:t>
-            </a:r>
-            <a:endParaRPr lang="en-US" sz="3500" dirty="0">
-              <a:solidFill>
-                <a:schemeClr val="tx1">
-                  <a:lumMod val="65000"/>
-                  <a:lumOff val="35000"/>
-                </a:schemeClr>
-              </a:solidFill>
-              <a:effectLst>
-                <a:outerShdw blurRad="38100" dist="38100" dir="2700000" algn="tl">
-                  <a:srgbClr val="000000">
-                    <a:alpha val="43137"/>
-                  </a:srgbClr>
-                </a:outerShdw>
-              </a:effectLst>
-            </a:endParaRPr>
-          </a:p>
-        </p:txBody>
-      </p:sp>
-      <p:sp>
-        <p:nvSpPr>
-          <p:cNvPr id="2" name="Rectangle 1"/>
-          <p:cNvSpPr/>
-          <p:nvPr/>
-        </p:nvSpPr>
-        <p:spPr>
-          <a:xfrm>
-            <a:off x="647969" y="1292076"/>
-            <a:ext cx="7111752" cy="2677656"/>
-          </a:xfrm>
-          <a:prstGeom prst="rect">
-            <a:avLst/>
-          </a:prstGeom>
-        </p:spPr>
-        <p:txBody>
-          <a:bodyPr wrap="square">
-            <a:spAutoFit/>
-          </a:bodyPr>
-          <a:lstStyle/>
-          <a:p>
-            <a:pPr marL="285750" indent="-285750">
-              <a:buFont typeface="Arial" panose="020B0604020202020204" pitchFamily="34" charset="0"/>
-              <a:buChar char="•"/>
-            </a:pPr>
-            <a:r>
-              <a:rPr lang="ru-RU" sz="2400" dirty="0" smtClean="0"/>
-              <a:t>Иерархическая</a:t>
-            </a:r>
-            <a:endParaRPr lang="en-US" sz="2400" dirty="0" smtClean="0"/>
-          </a:p>
-          <a:p>
-            <a:pPr marL="285750" indent="-285750">
-              <a:buFont typeface="Arial" panose="020B0604020202020204" pitchFamily="34" charset="0"/>
-              <a:buChar char="•"/>
-            </a:pPr>
-            <a:endParaRPr lang="en-US" sz="2400" dirty="0"/>
-          </a:p>
-          <a:p>
-            <a:pPr marL="285750" indent="-285750">
-              <a:buFont typeface="Arial" panose="020B0604020202020204" pitchFamily="34" charset="0"/>
-              <a:buChar char="•"/>
-            </a:pPr>
-            <a:r>
-              <a:rPr lang="ru-RU" sz="2400" dirty="0" smtClean="0"/>
-              <a:t>Сетевая</a:t>
-            </a:r>
-            <a:endParaRPr lang="en-US" sz="2400" dirty="0" smtClean="0"/>
-          </a:p>
-          <a:p>
-            <a:pPr marL="285750" indent="-285750">
-              <a:buFont typeface="Arial" panose="020B0604020202020204" pitchFamily="34" charset="0"/>
-              <a:buChar char="•"/>
-            </a:pPr>
-            <a:endParaRPr lang="en-US" sz="2400" dirty="0"/>
-          </a:p>
-          <a:p>
-            <a:pPr marL="285750" indent="-285750">
-              <a:buFont typeface="Arial" panose="020B0604020202020204" pitchFamily="34" charset="0"/>
-              <a:buChar char="•"/>
-            </a:pPr>
-            <a:r>
-              <a:rPr lang="ru-RU" sz="2400" dirty="0" smtClean="0"/>
-              <a:t>Реляционная</a:t>
-            </a:r>
-            <a:endParaRPr lang="en-US" sz="2400" dirty="0" smtClean="0"/>
-          </a:p>
-          <a:p>
-            <a:endParaRPr lang="en-US" sz="2400" dirty="0"/>
-          </a:p>
-          <a:p>
-            <a:pPr marL="285750" indent="-285750">
-              <a:buFont typeface="Arial" panose="020B0604020202020204" pitchFamily="34" charset="0"/>
-              <a:buChar char="•"/>
-            </a:pPr>
-            <a:r>
-              <a:rPr lang="ru-RU" sz="2400" dirty="0"/>
-              <a:t>Объектно-реляционная</a:t>
-            </a:r>
-            <a:endParaRPr lang="en-US" sz="2400" dirty="0"/>
-          </a:p>
-        </p:txBody>
-      </p:sp>
-    </p:spTree>
-    <p:extLst>
-      <p:ext uri="{BB962C8B-B14F-4D97-AF65-F5344CB8AC3E}">
-        <p14:creationId xmlns:p14="http://schemas.microsoft.com/office/powerpoint/2010/main" val="3565547697"/>
-      </p:ext>
-    </p:extLst>
-  </p:cSld>
-  <p:clrMapOvr>
-    <a:masterClrMapping/>
-  </p:clrMapOvr>
-  <p:timing>
-    <p:tnLst>
-      <p:par>
-        <p:cTn id="1" dur="indefinite" restart="never" nodeType="tmRoot"/>
-      </p:par>
-    </p:tnLst>
-  </p:timing>
-</p:sld>
-</file>
-
-<file path=ppt/slides/slide40.xml><?xml version="1.0" encoding="utf-8"?>
+<file path=ppt/slides/slide39.xml><?xml version="1.0" encoding="utf-8"?>
 <p:sld xmlns:a="http://schemas.openxmlformats.org/drawingml/2006/main" xmlns:r="http://schemas.openxmlformats.org/officeDocument/2006/relationships" xmlns:p="http://schemas.openxmlformats.org/presentationml/2006/main">
   <p:cSld>
     <p:spTree>
@@ -19370,6 +18740,580 @@
 </p:sld>
 </file>
 
+<file path=ppt/slides/slide4.xml><?xml version="1.0" encoding="utf-8"?>
+<p:sld xmlns:a="http://schemas.openxmlformats.org/drawingml/2006/main" xmlns:r="http://schemas.openxmlformats.org/officeDocument/2006/relationships" xmlns:p="http://schemas.openxmlformats.org/presentationml/2006/main">
+  <p:cSld>
+    <p:spTree>
+      <p:nvGrpSpPr>
+        <p:cNvPr id="1" name=""/>
+        <p:cNvGrpSpPr/>
+        <p:nvPr/>
+      </p:nvGrpSpPr>
+      <p:grpSpPr>
+        <a:xfrm>
+          <a:off x="0" y="0"/>
+          <a:ext cx="0" cy="0"/>
+          <a:chOff x="0" y="0"/>
+          <a:chExt cx="0" cy="0"/>
+        </a:xfrm>
+      </p:grpSpPr>
+      <p:sp>
+        <p:nvSpPr>
+          <p:cNvPr id="3" name="TextBox 2"/>
+          <p:cNvSpPr txBox="1"/>
+          <p:nvPr/>
+        </p:nvSpPr>
+        <p:spPr>
+          <a:xfrm>
+            <a:off x="468288" y="404664"/>
+            <a:ext cx="5448736" cy="630942"/>
+          </a:xfrm>
+          <a:prstGeom prst="rect">
+            <a:avLst/>
+          </a:prstGeom>
+          <a:noFill/>
+        </p:spPr>
+        <p:txBody>
+          <a:bodyPr wrap="none" rtlCol="0">
+            <a:spAutoFit/>
+          </a:bodyPr>
+          <a:lstStyle/>
+          <a:p>
+            <a:r>
+              <a:rPr lang="ru-RU" sz="3500" dirty="0" smtClean="0">
+                <a:solidFill>
+                  <a:schemeClr val="tx1">
+                    <a:lumMod val="65000"/>
+                    <a:lumOff val="35000"/>
+                  </a:schemeClr>
+                </a:solidFill>
+                <a:effectLst>
+                  <a:outerShdw blurRad="38100" dist="38100" dir="2700000" algn="tl">
+                    <a:srgbClr val="000000">
+                      <a:alpha val="43137"/>
+                    </a:srgbClr>
+                  </a:outerShdw>
+                </a:effectLst>
+              </a:rPr>
+              <a:t>Типы БД по модели данных</a:t>
+            </a:r>
+            <a:endParaRPr lang="en-US" sz="3500" dirty="0">
+              <a:solidFill>
+                <a:schemeClr val="tx1">
+                  <a:lumMod val="65000"/>
+                  <a:lumOff val="35000"/>
+                </a:schemeClr>
+              </a:solidFill>
+              <a:effectLst>
+                <a:outerShdw blurRad="38100" dist="38100" dir="2700000" algn="tl">
+                  <a:srgbClr val="000000">
+                    <a:alpha val="43137"/>
+                  </a:srgbClr>
+                </a:outerShdw>
+              </a:effectLst>
+            </a:endParaRPr>
+          </a:p>
+        </p:txBody>
+      </p:sp>
+      <p:sp>
+        <p:nvSpPr>
+          <p:cNvPr id="2" name="Rectangle 1"/>
+          <p:cNvSpPr/>
+          <p:nvPr/>
+        </p:nvSpPr>
+        <p:spPr>
+          <a:xfrm>
+            <a:off x="647969" y="1292076"/>
+            <a:ext cx="7111752" cy="2677656"/>
+          </a:xfrm>
+          <a:prstGeom prst="rect">
+            <a:avLst/>
+          </a:prstGeom>
+        </p:spPr>
+        <p:txBody>
+          <a:bodyPr wrap="square">
+            <a:spAutoFit/>
+          </a:bodyPr>
+          <a:lstStyle/>
+          <a:p>
+            <a:pPr marL="285750" indent="-285750">
+              <a:buFont typeface="Arial" panose="020B0604020202020204" pitchFamily="34" charset="0"/>
+              <a:buChar char="•"/>
+            </a:pPr>
+            <a:r>
+              <a:rPr lang="ru-RU" sz="2400" dirty="0" smtClean="0"/>
+              <a:t>Иерархическая</a:t>
+            </a:r>
+            <a:endParaRPr lang="en-US" sz="2400" dirty="0" smtClean="0"/>
+          </a:p>
+          <a:p>
+            <a:pPr marL="285750" indent="-285750">
+              <a:buFont typeface="Arial" panose="020B0604020202020204" pitchFamily="34" charset="0"/>
+              <a:buChar char="•"/>
+            </a:pPr>
+            <a:endParaRPr lang="en-US" sz="2400" dirty="0"/>
+          </a:p>
+          <a:p>
+            <a:pPr marL="285750" indent="-285750">
+              <a:buFont typeface="Arial" panose="020B0604020202020204" pitchFamily="34" charset="0"/>
+              <a:buChar char="•"/>
+            </a:pPr>
+            <a:r>
+              <a:rPr lang="ru-RU" sz="2400" dirty="0" smtClean="0"/>
+              <a:t>Сетевая</a:t>
+            </a:r>
+            <a:endParaRPr lang="en-US" sz="2400" dirty="0" smtClean="0"/>
+          </a:p>
+          <a:p>
+            <a:pPr marL="285750" indent="-285750">
+              <a:buFont typeface="Arial" panose="020B0604020202020204" pitchFamily="34" charset="0"/>
+              <a:buChar char="•"/>
+            </a:pPr>
+            <a:endParaRPr lang="en-US" sz="2400" dirty="0"/>
+          </a:p>
+          <a:p>
+            <a:pPr marL="285750" indent="-285750">
+              <a:buFont typeface="Arial" panose="020B0604020202020204" pitchFamily="34" charset="0"/>
+              <a:buChar char="•"/>
+            </a:pPr>
+            <a:r>
+              <a:rPr lang="ru-RU" sz="2400" dirty="0" smtClean="0"/>
+              <a:t>Реляционная</a:t>
+            </a:r>
+            <a:endParaRPr lang="en-US" sz="2400" dirty="0" smtClean="0"/>
+          </a:p>
+          <a:p>
+            <a:endParaRPr lang="en-US" sz="2400" dirty="0"/>
+          </a:p>
+          <a:p>
+            <a:pPr marL="285750" indent="-285750">
+              <a:buFont typeface="Arial" panose="020B0604020202020204" pitchFamily="34" charset="0"/>
+              <a:buChar char="•"/>
+            </a:pPr>
+            <a:r>
+              <a:rPr lang="ru-RU" sz="2400" dirty="0"/>
+              <a:t>Объектно-реляционная</a:t>
+            </a:r>
+            <a:endParaRPr lang="en-US" sz="2400" dirty="0"/>
+          </a:p>
+        </p:txBody>
+      </p:sp>
+    </p:spTree>
+    <p:extLst>
+      <p:ext uri="{BB962C8B-B14F-4D97-AF65-F5344CB8AC3E}">
+        <p14:creationId xmlns:p14="http://schemas.microsoft.com/office/powerpoint/2010/main" val="3565547697"/>
+      </p:ext>
+    </p:extLst>
+  </p:cSld>
+  <p:clrMapOvr>
+    <a:masterClrMapping/>
+  </p:clrMapOvr>
+  <p:timing>
+    <p:tnLst>
+      <p:par>
+        <p:cTn id="1" dur="indefinite" restart="never" nodeType="tmRoot"/>
+      </p:par>
+    </p:tnLst>
+  </p:timing>
+</p:sld>
+</file>
+
+<file path=ppt/slides/slide40.xml><?xml version="1.0" encoding="utf-8"?>
+<p:sld xmlns:a="http://schemas.openxmlformats.org/drawingml/2006/main" xmlns:r="http://schemas.openxmlformats.org/officeDocument/2006/relationships" xmlns:p="http://schemas.openxmlformats.org/presentationml/2006/main">
+  <p:cSld>
+    <p:spTree>
+      <p:nvGrpSpPr>
+        <p:cNvPr id="1" name=""/>
+        <p:cNvGrpSpPr/>
+        <p:nvPr/>
+      </p:nvGrpSpPr>
+      <p:grpSpPr>
+        <a:xfrm>
+          <a:off x="0" y="0"/>
+          <a:ext cx="0" cy="0"/>
+          <a:chOff x="0" y="0"/>
+          <a:chExt cx="0" cy="0"/>
+        </a:xfrm>
+      </p:grpSpPr>
+      <p:sp>
+        <p:nvSpPr>
+          <p:cNvPr id="4" name="TextBox 3"/>
+          <p:cNvSpPr txBox="1"/>
+          <p:nvPr/>
+        </p:nvSpPr>
+        <p:spPr>
+          <a:xfrm>
+            <a:off x="533399" y="404664"/>
+            <a:ext cx="3468706" cy="630942"/>
+          </a:xfrm>
+          <a:prstGeom prst="rect">
+            <a:avLst/>
+          </a:prstGeom>
+          <a:noFill/>
+        </p:spPr>
+        <p:txBody>
+          <a:bodyPr wrap="none" rtlCol="0">
+            <a:spAutoFit/>
+          </a:bodyPr>
+          <a:lstStyle/>
+          <a:p>
+            <a:r>
+              <a:rPr lang="en-US" sz="3500" dirty="0" smtClean="0">
+                <a:solidFill>
+                  <a:schemeClr val="tx1">
+                    <a:lumMod val="65000"/>
+                    <a:lumOff val="35000"/>
+                  </a:schemeClr>
+                </a:solidFill>
+                <a:effectLst>
+                  <a:outerShdw blurRad="38100" dist="38100" dir="2700000" algn="tl">
+                    <a:srgbClr val="000000">
+                      <a:alpha val="43137"/>
+                    </a:srgbClr>
+                  </a:outerShdw>
+                </a:effectLst>
+              </a:rPr>
+              <a:t>INSERT Statement</a:t>
+            </a:r>
+            <a:endParaRPr lang="en-US" sz="3500" dirty="0">
+              <a:solidFill>
+                <a:schemeClr val="tx1">
+                  <a:lumMod val="65000"/>
+                  <a:lumOff val="35000"/>
+                </a:schemeClr>
+              </a:solidFill>
+              <a:effectLst>
+                <a:outerShdw blurRad="38100" dist="38100" dir="2700000" algn="tl">
+                  <a:srgbClr val="000000">
+                    <a:alpha val="43137"/>
+                  </a:srgbClr>
+                </a:outerShdw>
+              </a:effectLst>
+            </a:endParaRPr>
+          </a:p>
+        </p:txBody>
+      </p:sp>
+      <p:sp>
+        <p:nvSpPr>
+          <p:cNvPr id="9" name="Rectangle 8"/>
+          <p:cNvSpPr/>
+          <p:nvPr/>
+        </p:nvSpPr>
+        <p:spPr>
+          <a:xfrm>
+            <a:off x="629097" y="1340768"/>
+            <a:ext cx="8064896" cy="1015663"/>
+          </a:xfrm>
+          <a:prstGeom prst="rect">
+            <a:avLst/>
+          </a:prstGeom>
+        </p:spPr>
+        <p:txBody>
+          <a:bodyPr wrap="square">
+            <a:spAutoFit/>
+          </a:bodyPr>
+          <a:lstStyle/>
+          <a:p>
+            <a:pPr fontAlgn="base">
+              <a:lnSpc>
+                <a:spcPct val="150000"/>
+              </a:lnSpc>
+              <a:spcBef>
+                <a:spcPct val="0"/>
+              </a:spcBef>
+              <a:spcAft>
+                <a:spcPct val="0"/>
+              </a:spcAft>
+              <a:tabLst>
+                <a:tab pos="2311400" algn="l"/>
+              </a:tabLst>
+            </a:pPr>
+            <a:r>
+              <a:rPr lang="en-US" sz="2000" b="1" dirty="0" smtClean="0">
+                <a:latin typeface="Calibri" pitchFamily="34" charset="0"/>
+                <a:ea typeface="Calibri" pitchFamily="34" charset="0"/>
+                <a:cs typeface="Times New Roman" pitchFamily="18" charset="0"/>
+              </a:rPr>
+              <a:t>INSERT INTO</a:t>
+            </a:r>
+            <a:r>
+              <a:rPr lang="en-US" sz="2000" dirty="0" smtClean="0">
+                <a:latin typeface="Calibri" pitchFamily="34" charset="0"/>
+                <a:ea typeface="Calibri" pitchFamily="34" charset="0"/>
+                <a:cs typeface="Times New Roman" pitchFamily="18" charset="0"/>
+              </a:rPr>
+              <a:t> 	</a:t>
+            </a:r>
+            <a:r>
+              <a:rPr lang="en-US" sz="2000" i="1" dirty="0" smtClean="0">
+                <a:latin typeface="Calibri" pitchFamily="34" charset="0"/>
+                <a:ea typeface="Calibri" pitchFamily="34" charset="0"/>
+                <a:cs typeface="Times New Roman" pitchFamily="18" charset="0"/>
+              </a:rPr>
+              <a:t>table [(column [, column…])]</a:t>
+            </a:r>
+          </a:p>
+          <a:p>
+            <a:pPr fontAlgn="base">
+              <a:lnSpc>
+                <a:spcPct val="150000"/>
+              </a:lnSpc>
+              <a:spcBef>
+                <a:spcPct val="0"/>
+              </a:spcBef>
+              <a:spcAft>
+                <a:spcPct val="0"/>
+              </a:spcAft>
+              <a:tabLst>
+                <a:tab pos="2311400" algn="l"/>
+              </a:tabLst>
+            </a:pPr>
+            <a:r>
+              <a:rPr lang="en-US" sz="2000" b="1" dirty="0" smtClean="0">
+                <a:latin typeface="Calibri" pitchFamily="34" charset="0"/>
+                <a:ea typeface="Calibri" pitchFamily="34" charset="0"/>
+                <a:cs typeface="Times New Roman" pitchFamily="18" charset="0"/>
+              </a:rPr>
+              <a:t>VALUES	</a:t>
+            </a:r>
+            <a:r>
+              <a:rPr lang="en-US" sz="2000" i="1" dirty="0" smtClean="0">
+                <a:latin typeface="Calibri" pitchFamily="34" charset="0"/>
+                <a:ea typeface="Calibri" pitchFamily="34" charset="0"/>
+                <a:cs typeface="Times New Roman" pitchFamily="18" charset="0"/>
+              </a:rPr>
+              <a:t>(value [, value…]);</a:t>
+            </a:r>
+          </a:p>
+        </p:txBody>
+      </p:sp>
+      <p:sp>
+        <p:nvSpPr>
+          <p:cNvPr id="2" name="Rectangle 1"/>
+          <p:cNvSpPr/>
+          <p:nvPr/>
+        </p:nvSpPr>
+        <p:spPr>
+          <a:xfrm>
+            <a:off x="664915" y="3068960"/>
+            <a:ext cx="1135439" cy="400110"/>
+          </a:xfrm>
+          <a:prstGeom prst="rect">
+            <a:avLst/>
+          </a:prstGeom>
+        </p:spPr>
+        <p:txBody>
+          <a:bodyPr wrap="none">
+            <a:spAutoFit/>
+          </a:bodyPr>
+          <a:lstStyle/>
+          <a:p>
+            <a:r>
+              <a:rPr lang="en-US" sz="2000" dirty="0" smtClean="0">
+                <a:solidFill>
+                  <a:schemeClr val="tx1">
+                    <a:lumMod val="65000"/>
+                    <a:lumOff val="35000"/>
+                  </a:schemeClr>
+                </a:solidFill>
+                <a:effectLst>
+                  <a:outerShdw blurRad="38100" dist="38100" dir="2700000" algn="tl">
+                    <a:srgbClr val="000000">
+                      <a:alpha val="43137"/>
+                    </a:srgbClr>
+                  </a:outerShdw>
+                </a:effectLst>
+              </a:rPr>
+              <a:t>Example:</a:t>
+            </a:r>
+            <a:endParaRPr lang="en-US" sz="2000" dirty="0">
+              <a:solidFill>
+                <a:schemeClr val="tx1">
+                  <a:lumMod val="65000"/>
+                  <a:lumOff val="35000"/>
+                </a:schemeClr>
+              </a:solidFill>
+              <a:effectLst>
+                <a:outerShdw blurRad="38100" dist="38100" dir="2700000" algn="tl">
+                  <a:srgbClr val="000000">
+                    <a:alpha val="43137"/>
+                  </a:srgbClr>
+                </a:outerShdw>
+              </a:effectLst>
+            </a:endParaRPr>
+          </a:p>
+        </p:txBody>
+      </p:sp>
+      <p:sp>
+        <p:nvSpPr>
+          <p:cNvPr id="6" name="Rectangle 5"/>
+          <p:cNvSpPr/>
+          <p:nvPr/>
+        </p:nvSpPr>
+        <p:spPr>
+          <a:xfrm>
+            <a:off x="664915" y="3469070"/>
+            <a:ext cx="8064896" cy="1477328"/>
+          </a:xfrm>
+          <a:prstGeom prst="rect">
+            <a:avLst/>
+          </a:prstGeom>
+        </p:spPr>
+        <p:txBody>
+          <a:bodyPr wrap="square">
+            <a:spAutoFit/>
+          </a:bodyPr>
+          <a:lstStyle/>
+          <a:p>
+            <a:pPr fontAlgn="base">
+              <a:lnSpc>
+                <a:spcPct val="150000"/>
+              </a:lnSpc>
+              <a:spcBef>
+                <a:spcPct val="0"/>
+              </a:spcBef>
+              <a:spcAft>
+                <a:spcPct val="0"/>
+              </a:spcAft>
+              <a:tabLst>
+                <a:tab pos="2311400" algn="l"/>
+              </a:tabLst>
+            </a:pPr>
+            <a:r>
+              <a:rPr lang="en-US" sz="2000" b="1" dirty="0" smtClean="0">
+                <a:latin typeface="Calibri" pitchFamily="34" charset="0"/>
+                <a:ea typeface="Calibri" pitchFamily="34" charset="0"/>
+                <a:cs typeface="Times New Roman" pitchFamily="18" charset="0"/>
+              </a:rPr>
+              <a:t>INSERT INTO</a:t>
+            </a:r>
+            <a:r>
+              <a:rPr lang="en-US" sz="2000" dirty="0" smtClean="0">
+                <a:latin typeface="Calibri" pitchFamily="34" charset="0"/>
+                <a:ea typeface="Calibri" pitchFamily="34" charset="0"/>
+                <a:cs typeface="Times New Roman" pitchFamily="18" charset="0"/>
+              </a:rPr>
+              <a:t> departments (</a:t>
+            </a:r>
+            <a:r>
+              <a:rPr lang="en-US" sz="2000" dirty="0" err="1" smtClean="0">
+                <a:latin typeface="Calibri" pitchFamily="34" charset="0"/>
+                <a:ea typeface="Calibri" pitchFamily="34" charset="0"/>
+                <a:cs typeface="Times New Roman" pitchFamily="18" charset="0"/>
+              </a:rPr>
+              <a:t>department_id</a:t>
+            </a:r>
+            <a:r>
+              <a:rPr lang="en-US" sz="2000" dirty="0" smtClean="0">
+                <a:latin typeface="Calibri" pitchFamily="34" charset="0"/>
+                <a:ea typeface="Calibri" pitchFamily="34" charset="0"/>
+                <a:cs typeface="Times New Roman" pitchFamily="18" charset="0"/>
+              </a:rPr>
+              <a:t>, </a:t>
+            </a:r>
+            <a:r>
+              <a:rPr lang="en-US" sz="2000" dirty="0" err="1" smtClean="0">
+                <a:latin typeface="Calibri" pitchFamily="34" charset="0"/>
+                <a:ea typeface="Calibri" pitchFamily="34" charset="0"/>
+                <a:cs typeface="Times New Roman" pitchFamily="18" charset="0"/>
+              </a:rPr>
+              <a:t>department_name</a:t>
+            </a:r>
+            <a:r>
+              <a:rPr lang="en-US" sz="2000" dirty="0" smtClean="0">
+                <a:latin typeface="Calibri" pitchFamily="34" charset="0"/>
+                <a:ea typeface="Calibri" pitchFamily="34" charset="0"/>
+                <a:cs typeface="Times New Roman" pitchFamily="18" charset="0"/>
+              </a:rPr>
+              <a:t>, </a:t>
+            </a:r>
+            <a:r>
+              <a:rPr lang="en-US" sz="2000" dirty="0" err="1" smtClean="0">
+                <a:latin typeface="Calibri" pitchFamily="34" charset="0"/>
+                <a:ea typeface="Calibri" pitchFamily="34" charset="0"/>
+                <a:cs typeface="Times New Roman" pitchFamily="18" charset="0"/>
+              </a:rPr>
+              <a:t>manger_id</a:t>
+            </a:r>
+            <a:r>
+              <a:rPr lang="en-US" sz="2000" dirty="0" smtClean="0">
+                <a:latin typeface="Calibri" pitchFamily="34" charset="0"/>
+                <a:ea typeface="Calibri" pitchFamily="34" charset="0"/>
+                <a:cs typeface="Times New Roman" pitchFamily="18" charset="0"/>
+              </a:rPr>
+              <a:t>, </a:t>
+            </a:r>
+            <a:r>
+              <a:rPr lang="en-US" sz="2000" dirty="0" err="1" smtClean="0">
+                <a:latin typeface="Calibri" pitchFamily="34" charset="0"/>
+                <a:ea typeface="Calibri" pitchFamily="34" charset="0"/>
+                <a:cs typeface="Times New Roman" pitchFamily="18" charset="0"/>
+              </a:rPr>
+              <a:t>location_id</a:t>
+            </a:r>
+            <a:r>
+              <a:rPr lang="en-US" sz="2000" dirty="0" smtClean="0">
+                <a:latin typeface="Calibri" pitchFamily="34" charset="0"/>
+                <a:ea typeface="Calibri" pitchFamily="34" charset="0"/>
+                <a:cs typeface="Times New Roman" pitchFamily="18" charset="0"/>
+              </a:rPr>
+              <a:t>)</a:t>
+            </a:r>
+          </a:p>
+          <a:p>
+            <a:pPr fontAlgn="base">
+              <a:lnSpc>
+                <a:spcPct val="150000"/>
+              </a:lnSpc>
+              <a:spcBef>
+                <a:spcPct val="0"/>
+              </a:spcBef>
+              <a:spcAft>
+                <a:spcPct val="0"/>
+              </a:spcAft>
+              <a:tabLst>
+                <a:tab pos="2311400" algn="l"/>
+              </a:tabLst>
+            </a:pPr>
+            <a:r>
+              <a:rPr lang="en-US" sz="2000" b="1" dirty="0" smtClean="0">
+                <a:latin typeface="Calibri" pitchFamily="34" charset="0"/>
+                <a:ea typeface="Calibri" pitchFamily="34" charset="0"/>
+                <a:cs typeface="Times New Roman" pitchFamily="18" charset="0"/>
+              </a:rPr>
+              <a:t>VALUES</a:t>
+            </a:r>
+            <a:r>
+              <a:rPr lang="en-US" sz="2000" dirty="0" smtClean="0">
+                <a:latin typeface="Calibri" pitchFamily="34" charset="0"/>
+                <a:ea typeface="Calibri" pitchFamily="34" charset="0"/>
+                <a:cs typeface="Times New Roman" pitchFamily="18" charset="0"/>
+              </a:rPr>
+              <a:t> (70,’Public Relations’, 100, 1700);</a:t>
+            </a:r>
+          </a:p>
+        </p:txBody>
+      </p:sp>
+    </p:spTree>
+    <p:extLst>
+      <p:ext uri="{BB962C8B-B14F-4D97-AF65-F5344CB8AC3E}">
+        <p14:creationId xmlns:p14="http://schemas.microsoft.com/office/powerpoint/2010/main" val="3622466474"/>
+      </p:ext>
+    </p:extLst>
+  </p:cSld>
+  <p:clrMapOvr>
+    <a:masterClrMapping/>
+  </p:clrMapOvr>
+  <p:timing>
+    <p:tnLst>
+      <p:par>
+        <p:cTn id="1" dur="indefinite" restart="never" nodeType="tmRoot"/>
+      </p:par>
+    </p:tnLst>
+  </p:timing>
+</p:sld>
+</file>
+
 <file path=ppt/slides/slide41.xml><?xml version="1.0" encoding="utf-8"?>
 <p:sld xmlns:a="http://schemas.openxmlformats.org/drawingml/2006/main" xmlns:r="http://schemas.openxmlformats.org/officeDocument/2006/relationships" xmlns:p="http://schemas.openxmlformats.org/presentationml/2006/main">
   <p:cSld>
@@ -19396,7 +19340,7 @@
         <p:spPr>
           <a:xfrm>
             <a:off x="533399" y="404664"/>
-            <a:ext cx="3468706" cy="630942"/>
+            <a:ext cx="3633367" cy="630942"/>
           </a:xfrm>
           <a:prstGeom prst="rect">
             <a:avLst/>
@@ -19425,7 +19369,7 @@
                   </a:outerShdw>
                 </a:effectLst>
               </a:rPr>
-              <a:t>INSERT Statement</a:t>
+              <a:t>UPDATE Statement</a:t>
             </a:r>
             <a:endParaRPr lang="en-US" sz="3500" dirty="0">
               <a:solidFill>
@@ -19453,8 +19397,8 @@
         </p:nvSpPr>
         <p:spPr>
           <a:xfrm>
-            <a:off x="629097" y="1340768"/>
-            <a:ext cx="8064896" cy="1015663"/>
+            <a:off x="764976" y="1348036"/>
+            <a:ext cx="6471320" cy="1477328"/>
           </a:xfrm>
           <a:prstGeom prst="rect">
             <a:avLst/>
@@ -19486,7 +19430,7 @@
                 <a:ea typeface="Calibri" pitchFamily="34" charset="0"/>
                 <a:cs typeface="Times New Roman" pitchFamily="18" charset="0"/>
               </a:rPr>
-              <a:t>INSERT INTO</a:t>
+              <a:t>UPDATE</a:t>
             </a:r>
             <a:r>
               <a:rPr lang="en-US" sz="2000" dirty="0" smtClean="0">
@@ -19494,7 +19438,7 @@
                 <a:ea typeface="Calibri" pitchFamily="34" charset="0"/>
                 <a:cs typeface="Times New Roman" pitchFamily="18" charset="0"/>
               </a:rPr>
-              <a:t> 	</a:t>
+              <a:t>	</a:t>
             </a:r>
             <a:r>
               <a:rPr lang="en-US" sz="2000" i="1" dirty="0" smtClean="0">
@@ -19502,7 +19446,7 @@
                 <a:ea typeface="Calibri" pitchFamily="34" charset="0"/>
                 <a:cs typeface="Times New Roman" pitchFamily="18" charset="0"/>
               </a:rPr>
-              <a:t>table [(column [, column…])]</a:t>
+              <a:t>table</a:t>
             </a:r>
           </a:p>
           <a:p>
@@ -19526,7 +19470,7 @@
                 <a:ea typeface="Calibri" pitchFamily="34" charset="0"/>
                 <a:cs typeface="Times New Roman" pitchFamily="18" charset="0"/>
               </a:rPr>
-              <a:t>VALUES	</a:t>
+              <a:t>SET	</a:t>
             </a:r>
             <a:r>
               <a:rPr lang="en-US" sz="2000" i="1" dirty="0" smtClean="0">
@@ -19534,7 +19478,87 @@
                 <a:ea typeface="Calibri" pitchFamily="34" charset="0"/>
                 <a:cs typeface="Times New Roman" pitchFamily="18" charset="0"/>
               </a:rPr>
-              <a:t>(value [, value…]);</a:t>
+              <a:t>column = value </a:t>
+            </a:r>
+            <a:r>
+              <a:rPr lang="en-US" sz="2000" dirty="0" smtClean="0">
+                <a:latin typeface="Calibri" pitchFamily="34" charset="0"/>
+                <a:ea typeface="Calibri" pitchFamily="34" charset="0"/>
+                <a:cs typeface="Times New Roman" pitchFamily="18" charset="0"/>
+              </a:rPr>
+              <a:t>[</a:t>
+            </a:r>
+            <a:r>
+              <a:rPr lang="en-US" sz="2000" i="1" dirty="0" smtClean="0">
+                <a:latin typeface="Calibri" pitchFamily="34" charset="0"/>
+                <a:ea typeface="Calibri" pitchFamily="34" charset="0"/>
+                <a:cs typeface="Times New Roman" pitchFamily="18" charset="0"/>
+              </a:rPr>
+              <a:t>, column = value,…</a:t>
+            </a:r>
+            <a:r>
+              <a:rPr lang="en-US" sz="2000" dirty="0" smtClean="0">
+                <a:latin typeface="Calibri" pitchFamily="34" charset="0"/>
+                <a:ea typeface="Calibri" pitchFamily="34" charset="0"/>
+                <a:cs typeface="Times New Roman" pitchFamily="18" charset="0"/>
+              </a:rPr>
+              <a:t>]</a:t>
+            </a:r>
+          </a:p>
+          <a:p>
+            <a:pPr fontAlgn="base">
+              <a:lnSpc>
+                <a:spcPct val="150000"/>
+              </a:lnSpc>
+              <a:spcBef>
+                <a:spcPct val="0"/>
+              </a:spcBef>
+              <a:spcAft>
+                <a:spcPct val="0"/>
+              </a:spcAft>
+              <a:tabLst>
+                <a:tab pos="2311400" algn="l"/>
+              </a:tabLst>
+            </a:pPr>
+            <a:r>
+              <a:rPr lang="en-US" sz="2000" dirty="0" smtClean="0">
+                <a:latin typeface="Calibri" pitchFamily="34" charset="0"/>
+                <a:ea typeface="Calibri" pitchFamily="34" charset="0"/>
+                <a:cs typeface="Times New Roman" pitchFamily="18" charset="0"/>
+              </a:rPr>
+              <a:t>[</a:t>
+            </a:r>
+            <a:r>
+              <a:rPr lang="en-US" sz="2000" b="1" dirty="0" smtClean="0">
+                <a:latin typeface="Calibri" pitchFamily="34" charset="0"/>
+                <a:ea typeface="Calibri" pitchFamily="34" charset="0"/>
+                <a:cs typeface="Times New Roman" pitchFamily="18" charset="0"/>
+              </a:rPr>
+              <a:t>WHERE</a:t>
+            </a:r>
+            <a:r>
+              <a:rPr lang="en-US" sz="2000" dirty="0" smtClean="0">
+                <a:latin typeface="Calibri" pitchFamily="34" charset="0"/>
+                <a:ea typeface="Calibri" pitchFamily="34" charset="0"/>
+                <a:cs typeface="Times New Roman" pitchFamily="18" charset="0"/>
+              </a:rPr>
+              <a:t>	</a:t>
+            </a:r>
+            <a:r>
+              <a:rPr lang="en-US" sz="2000" i="1" dirty="0" smtClean="0">
+                <a:latin typeface="Calibri" pitchFamily="34" charset="0"/>
+                <a:ea typeface="Calibri" pitchFamily="34" charset="0"/>
+                <a:cs typeface="Times New Roman" pitchFamily="18" charset="0"/>
+              </a:rPr>
+              <a:t>condition</a:t>
+            </a:r>
+            <a:r>
+              <a:rPr lang="en-US" sz="2000" dirty="0" smtClean="0">
+                <a:latin typeface="Calibri" pitchFamily="34" charset="0"/>
+                <a:ea typeface="Calibri" pitchFamily="34" charset="0"/>
+                <a:cs typeface="Times New Roman" pitchFamily="18" charset="0"/>
+              </a:rPr>
+              <a:t>];</a:t>
             </a:r>
           </a:p>
         </p:txBody>
@@ -19547,15 +19571,15 @@
         </p:nvSpPr>
         <p:spPr>
           <a:xfrm>
-            <a:off x="664915" y="3068960"/>
-            <a:ext cx="1135439" cy="400110"/>
+            <a:off x="764976" y="3138686"/>
+            <a:ext cx="1350615" cy="400110"/>
           </a:xfrm>
           <a:prstGeom prst="rect">
             <a:avLst/>
           </a:prstGeom>
         </p:spPr>
         <p:txBody>
-          <a:bodyPr wrap="none">
+          <a:bodyPr wrap="square">
             <a:spAutoFit/>
           </a:bodyPr>
           <a:lstStyle/>
@@ -19576,7 +19600,7 @@
                   </a:outerShdw>
                 </a:effectLst>
               </a:rPr>
-              <a:t>Example:</a:t>
+              <a:t>Examples:</a:t>
             </a:r>
             <a:endParaRPr lang="en-US" sz="2000" dirty="0">
               <a:solidFill>
@@ -19598,29 +19622,106 @@
       </p:sp>
       <p:sp>
         <p:nvSpPr>
-          <p:cNvPr id="6" name="Rectangle 5"/>
-          <p:cNvSpPr/>
+          <p:cNvPr id="3" name="TextBox 2"/>
+          <p:cNvSpPr txBox="1"/>
           <p:nvPr/>
         </p:nvSpPr>
         <p:spPr>
           <a:xfrm>
-            <a:off x="664915" y="3469070"/>
-            <a:ext cx="8064896" cy="1477328"/>
+            <a:off x="4189065" y="4036422"/>
+            <a:ext cx="2016224" cy="369332"/>
           </a:xfrm>
           <a:prstGeom prst="rect">
             <a:avLst/>
           </a:prstGeom>
+          <a:noFill/>
         </p:spPr>
         <p:txBody>
-          <a:bodyPr wrap="square">
+          <a:bodyPr wrap="square" rtlCol="0">
             <a:spAutoFit/>
           </a:bodyPr>
           <a:lstStyle/>
           <a:p>
+            <a:r>
+              <a:rPr lang="en-US" dirty="0" smtClean="0"/>
+              <a:t>1 row updated</a:t>
+            </a:r>
+            <a:endParaRPr lang="en-US" dirty="0"/>
+          </a:p>
+        </p:txBody>
+      </p:sp>
+      <p:sp>
+        <p:nvSpPr>
+          <p:cNvPr id="8" name="TextBox 7"/>
+          <p:cNvSpPr txBox="1"/>
+          <p:nvPr/>
+        </p:nvSpPr>
+        <p:spPr>
+          <a:xfrm>
+            <a:off x="4166766" y="5304541"/>
+            <a:ext cx="2016224" cy="369332"/>
+          </a:xfrm>
+          <a:prstGeom prst="rect">
+            <a:avLst/>
+          </a:prstGeom>
+          <a:noFill/>
+        </p:spPr>
+        <p:txBody>
+          <a:bodyPr wrap="square" rtlCol="0">
+            <a:spAutoFit/>
+          </a:bodyPr>
+          <a:lstStyle/>
+          <a:p>
+            <a:r>
+              <a:rPr lang="en-US" dirty="0" smtClean="0"/>
+              <a:t>22 rows updated</a:t>
+            </a:r>
+            <a:endParaRPr lang="en-US" dirty="0"/>
+          </a:p>
+        </p:txBody>
+      </p:sp>
+      <p:sp>
+        <p:nvSpPr>
+          <p:cNvPr id="5" name="Right Arrow Callout 4"/>
+          <p:cNvSpPr/>
+          <p:nvPr/>
+        </p:nvSpPr>
+        <p:spPr>
+          <a:xfrm>
+            <a:off x="764976" y="3645024"/>
+            <a:ext cx="3302968" cy="1152128"/>
+          </a:xfrm>
+          <a:prstGeom prst="rightArrowCallout">
+            <a:avLst>
+              <a:gd name="adj1" fmla="val 10287"/>
+              <a:gd name="adj2" fmla="val 15637"/>
+              <a:gd name="adj3" fmla="val 16305"/>
+              <a:gd name="adj4" fmla="val 87052"/>
+            </a:avLst>
+          </a:prstGeom>
+          <a:ln w="12700">
+            <a:prstDash val="sysDash"/>
+          </a:ln>
+        </p:spPr>
+        <p:style>
+          <a:lnRef idx="2">
+            <a:schemeClr val="accent6"/>
+          </a:lnRef>
+          <a:fillRef idx="1">
+            <a:schemeClr val="lt1"/>
+          </a:fillRef>
+          <a:effectRef idx="0">
+            <a:schemeClr val="accent6"/>
+          </a:effectRef>
+          <a:fontRef idx="minor">
+            <a:schemeClr val="dk1"/>
+          </a:fontRef>
+        </p:style>
+        <p:txBody>
+          <a:bodyPr rtlCol="0" anchor="ctr"/>
+          <a:lstStyle/>
+          <a:p>
             <a:pPr fontAlgn="base">
-              <a:lnSpc>
-                <a:spcPct val="150000"/>
-              </a:lnSpc>
               <a:spcBef>
                 <a:spcPct val="0"/>
               </a:spcBef>
@@ -19632,91 +19733,24 @@
               </a:tabLst>
             </a:pPr>
             <a:r>
-              <a:rPr lang="en-US" sz="2000" b="1" dirty="0" smtClean="0">
-                <a:latin typeface="Calibri" pitchFamily="34" charset="0"/>
-                <a:ea typeface="Calibri" pitchFamily="34" charset="0"/>
-                <a:cs typeface="Times New Roman" pitchFamily="18" charset="0"/>
-              </a:rPr>
-              <a:t>INSERT INTO</a:t>
-            </a:r>
-            <a:r>
-              <a:rPr lang="en-US" sz="2000" dirty="0" smtClean="0">
-                <a:latin typeface="Calibri" pitchFamily="34" charset="0"/>
-                <a:ea typeface="Calibri" pitchFamily="34" charset="0"/>
-                <a:cs typeface="Times New Roman" pitchFamily="18" charset="0"/>
-              </a:rPr>
-              <a:t> departments (</a:t>
-            </a:r>
-            <a:r>
-              <a:rPr lang="en-US" sz="2000" dirty="0" err="1" smtClean="0">
-                <a:latin typeface="Calibri" pitchFamily="34" charset="0"/>
-                <a:ea typeface="Calibri" pitchFamily="34" charset="0"/>
-                <a:cs typeface="Times New Roman" pitchFamily="18" charset="0"/>
-              </a:rPr>
-              <a:t>department_id</a:t>
-            </a:r>
-            <a:r>
-              <a:rPr lang="en-US" sz="2000" dirty="0" smtClean="0">
-                <a:latin typeface="Calibri" pitchFamily="34" charset="0"/>
-                <a:ea typeface="Calibri" pitchFamily="34" charset="0"/>
-                <a:cs typeface="Times New Roman" pitchFamily="18" charset="0"/>
-              </a:rPr>
-              <a:t>, </a:t>
-            </a:r>
-            <a:r>
-              <a:rPr lang="en-US" sz="2000" dirty="0" err="1" smtClean="0">
-                <a:latin typeface="Calibri" pitchFamily="34" charset="0"/>
-                <a:ea typeface="Calibri" pitchFamily="34" charset="0"/>
-                <a:cs typeface="Times New Roman" pitchFamily="18" charset="0"/>
-              </a:rPr>
-              <a:t>department_name</a:t>
-            </a:r>
-            <a:r>
-              <a:rPr lang="en-US" sz="2000" dirty="0" smtClean="0">
-                <a:latin typeface="Calibri" pitchFamily="34" charset="0"/>
-                <a:ea typeface="Calibri" pitchFamily="34" charset="0"/>
-                <a:cs typeface="Times New Roman" pitchFamily="18" charset="0"/>
-              </a:rPr>
-              <a:t>, </a:t>
-            </a:r>
-            <a:r>
-              <a:rPr lang="en-US" sz="2000" dirty="0" err="1" smtClean="0">
-                <a:latin typeface="Calibri" pitchFamily="34" charset="0"/>
-                <a:ea typeface="Calibri" pitchFamily="34" charset="0"/>
-                <a:cs typeface="Times New Roman" pitchFamily="18" charset="0"/>
-              </a:rPr>
-              <a:t>manger_id</a:t>
-            </a:r>
-            <a:r>
-              <a:rPr lang="en-US" sz="2000" dirty="0" smtClean="0">
-                <a:latin typeface="Calibri" pitchFamily="34" charset="0"/>
-                <a:ea typeface="Calibri" pitchFamily="34" charset="0"/>
-                <a:cs typeface="Times New Roman" pitchFamily="18" charset="0"/>
-              </a:rPr>
-              <a:t>, </a:t>
-            </a:r>
-            <a:r>
-              <a:rPr lang="en-US" sz="2000" dirty="0" err="1" smtClean="0">
-                <a:latin typeface="Calibri" pitchFamily="34" charset="0"/>
-                <a:ea typeface="Calibri" pitchFamily="34" charset="0"/>
-                <a:cs typeface="Times New Roman" pitchFamily="18" charset="0"/>
-              </a:rPr>
-              <a:t>location_id</a:t>
-            </a:r>
-            <a:r>
-              <a:rPr lang="en-US" sz="2000" dirty="0" smtClean="0">
-                <a:latin typeface="Calibri" pitchFamily="34" charset="0"/>
-                <a:ea typeface="Calibri" pitchFamily="34" charset="0"/>
-                <a:cs typeface="Times New Roman" pitchFamily="18" charset="0"/>
-              </a:rPr>
-              <a:t>)</a:t>
+              <a:rPr lang="en-US" b="1" dirty="0">
+                <a:latin typeface="Calibri" pitchFamily="34" charset="0"/>
+                <a:ea typeface="Calibri" pitchFamily="34" charset="0"/>
+                <a:cs typeface="Times New Roman" pitchFamily="18" charset="0"/>
+              </a:rPr>
+              <a:t>UPDATE </a:t>
+            </a:r>
+            <a:r>
+              <a:rPr lang="en-US" dirty="0">
+                <a:latin typeface="Calibri" pitchFamily="34" charset="0"/>
+                <a:ea typeface="Calibri" pitchFamily="34" charset="0"/>
+                <a:cs typeface="Times New Roman" pitchFamily="18" charset="0"/>
+              </a:rPr>
+              <a:t>employees</a:t>
             </a:r>
           </a:p>
           <a:p>
             <a:pPr fontAlgn="base">
-              <a:lnSpc>
-                <a:spcPct val="150000"/>
-              </a:lnSpc>
               <a:spcBef>
                 <a:spcPct val="0"/>
               </a:spcBef>
@@ -19728,28 +19762,219 @@
               </a:tabLst>
             </a:pPr>
             <a:r>
-              <a:rPr lang="en-US" sz="2000" b="1" dirty="0" smtClean="0">
-                <a:latin typeface="Calibri" pitchFamily="34" charset="0"/>
-                <a:ea typeface="Calibri" pitchFamily="34" charset="0"/>
-                <a:cs typeface="Times New Roman" pitchFamily="18" charset="0"/>
-              </a:rPr>
-              <a:t>VALUES</a:t>
-            </a:r>
-            <a:r>
-              <a:rPr lang="en-US" sz="2000" dirty="0" smtClean="0">
-                <a:latin typeface="Calibri" pitchFamily="34" charset="0"/>
-                <a:ea typeface="Calibri" pitchFamily="34" charset="0"/>
-                <a:cs typeface="Times New Roman" pitchFamily="18" charset="0"/>
-              </a:rPr>
-              <a:t> (70,’Public Relations’, 100, 1700);</a:t>
-            </a:r>
+              <a:rPr lang="en-US" b="1" dirty="0">
+                <a:latin typeface="Calibri" pitchFamily="34" charset="0"/>
+                <a:ea typeface="Calibri" pitchFamily="34" charset="0"/>
+                <a:cs typeface="Times New Roman" pitchFamily="18" charset="0"/>
+              </a:rPr>
+              <a:t>SET</a:t>
+            </a:r>
+            <a:r>
+              <a:rPr lang="en-US" dirty="0">
+                <a:latin typeface="Calibri" pitchFamily="34" charset="0"/>
+                <a:ea typeface="Calibri" pitchFamily="34" charset="0"/>
+                <a:cs typeface="Times New Roman" pitchFamily="18" charset="0"/>
+              </a:rPr>
+              <a:t> </a:t>
+            </a:r>
+            <a:r>
+              <a:rPr lang="en-US" dirty="0" err="1">
+                <a:latin typeface="Calibri" pitchFamily="34" charset="0"/>
+                <a:ea typeface="Calibri" pitchFamily="34" charset="0"/>
+                <a:cs typeface="Times New Roman" pitchFamily="18" charset="0"/>
+              </a:rPr>
+              <a:t>department_id</a:t>
+            </a:r>
+            <a:r>
+              <a:rPr lang="en-US" dirty="0">
+                <a:latin typeface="Calibri" pitchFamily="34" charset="0"/>
+                <a:ea typeface="Calibri" pitchFamily="34" charset="0"/>
+                <a:cs typeface="Times New Roman" pitchFamily="18" charset="0"/>
+              </a:rPr>
+              <a:t> = 70</a:t>
+            </a:r>
+          </a:p>
+          <a:p>
+            <a:pPr fontAlgn="base">
+              <a:spcBef>
+                <a:spcPct val="0"/>
+              </a:spcBef>
+              <a:spcAft>
+                <a:spcPct val="0"/>
+              </a:spcAft>
+              <a:tabLst>
+                <a:tab pos="2311400" algn="l"/>
+              </a:tabLst>
+            </a:pPr>
+            <a:r>
+              <a:rPr lang="en-US" b="1" dirty="0">
+                <a:latin typeface="Calibri" pitchFamily="34" charset="0"/>
+                <a:ea typeface="Calibri" pitchFamily="34" charset="0"/>
+                <a:cs typeface="Times New Roman" pitchFamily="18" charset="0"/>
+              </a:rPr>
+              <a:t>WHERE</a:t>
+            </a:r>
+            <a:r>
+              <a:rPr lang="en-US" dirty="0">
+                <a:latin typeface="Calibri" pitchFamily="34" charset="0"/>
+                <a:ea typeface="Calibri" pitchFamily="34" charset="0"/>
+                <a:cs typeface="Times New Roman" pitchFamily="18" charset="0"/>
+              </a:rPr>
+              <a:t> </a:t>
+            </a:r>
+            <a:r>
+              <a:rPr lang="en-US" dirty="0" err="1">
+                <a:latin typeface="Calibri" pitchFamily="34" charset="0"/>
+                <a:ea typeface="Calibri" pitchFamily="34" charset="0"/>
+                <a:cs typeface="Times New Roman" pitchFamily="18" charset="0"/>
+              </a:rPr>
+              <a:t>emplotee_id</a:t>
+            </a:r>
+            <a:r>
+              <a:rPr lang="en-US" dirty="0">
+                <a:latin typeface="Calibri" pitchFamily="34" charset="0"/>
+                <a:ea typeface="Calibri" pitchFamily="34" charset="0"/>
+                <a:cs typeface="Times New Roman" pitchFamily="18" charset="0"/>
+              </a:rPr>
+              <a:t> = 113;</a:t>
+            </a:r>
+            <a:endParaRPr lang="en-US" dirty="0"/>
+          </a:p>
+        </p:txBody>
+      </p:sp>
+      <p:sp>
+        <p:nvSpPr>
+          <p:cNvPr id="10" name="Right Arrow Callout 9"/>
+          <p:cNvSpPr/>
+          <p:nvPr/>
+        </p:nvSpPr>
+        <p:spPr>
+          <a:xfrm>
+            <a:off x="764976" y="4913585"/>
+            <a:ext cx="3302968" cy="1152128"/>
+          </a:xfrm>
+          <a:prstGeom prst="rightArrowCallout">
+            <a:avLst>
+              <a:gd name="adj1" fmla="val 10287"/>
+              <a:gd name="adj2" fmla="val 15637"/>
+              <a:gd name="adj3" fmla="val 16305"/>
+              <a:gd name="adj4" fmla="val 87052"/>
+            </a:avLst>
+          </a:prstGeom>
+          <a:ln w="12700">
+            <a:prstDash val="sysDash"/>
+          </a:ln>
+        </p:spPr>
+        <p:style>
+          <a:lnRef idx="2">
+            <a:schemeClr val="accent6"/>
+          </a:lnRef>
+          <a:fillRef idx="1">
+            <a:schemeClr val="lt1"/>
+          </a:fillRef>
+          <a:effectRef idx="0">
+            <a:schemeClr val="accent6"/>
+          </a:effectRef>
+          <a:fontRef idx="minor">
+            <a:schemeClr val="dk1"/>
+          </a:fontRef>
+        </p:style>
+        <p:txBody>
+          <a:bodyPr rtlCol="0" anchor="ctr"/>
+          <a:lstStyle/>
+          <a:p>
+            <a:pPr fontAlgn="base">
+              <a:spcBef>
+                <a:spcPct val="0"/>
+              </a:spcBef>
+              <a:spcAft>
+                <a:spcPct val="0"/>
+              </a:spcAft>
+              <a:tabLst>
+                <a:tab pos="2311400" algn="l"/>
+              </a:tabLst>
+            </a:pPr>
+            <a:r>
+              <a:rPr lang="en-US" b="1" dirty="0">
+                <a:latin typeface="Calibri" pitchFamily="34" charset="0"/>
+                <a:ea typeface="Calibri" pitchFamily="34" charset="0"/>
+                <a:cs typeface="Times New Roman" pitchFamily="18" charset="0"/>
+              </a:rPr>
+              <a:t>UPDATE </a:t>
+            </a:r>
+            <a:r>
+              <a:rPr lang="en-US" dirty="0">
+                <a:latin typeface="Calibri" pitchFamily="34" charset="0"/>
+                <a:ea typeface="Calibri" pitchFamily="34" charset="0"/>
+                <a:cs typeface="Times New Roman" pitchFamily="18" charset="0"/>
+              </a:rPr>
+              <a:t>employees</a:t>
+            </a:r>
+          </a:p>
+          <a:p>
+            <a:pPr fontAlgn="base">
+              <a:spcBef>
+                <a:spcPct val="0"/>
+              </a:spcBef>
+              <a:spcAft>
+                <a:spcPct val="0"/>
+              </a:spcAft>
+              <a:tabLst>
+                <a:tab pos="2311400" algn="l"/>
+              </a:tabLst>
+            </a:pPr>
+            <a:r>
+              <a:rPr lang="en-US" b="1" dirty="0">
+                <a:latin typeface="Calibri" pitchFamily="34" charset="0"/>
+                <a:ea typeface="Calibri" pitchFamily="34" charset="0"/>
+                <a:cs typeface="Times New Roman" pitchFamily="18" charset="0"/>
+              </a:rPr>
+              <a:t>SET</a:t>
+            </a:r>
+            <a:r>
+              <a:rPr lang="en-US" dirty="0">
+                <a:latin typeface="Calibri" pitchFamily="34" charset="0"/>
+                <a:ea typeface="Calibri" pitchFamily="34" charset="0"/>
+                <a:cs typeface="Times New Roman" pitchFamily="18" charset="0"/>
+              </a:rPr>
+              <a:t> </a:t>
+            </a:r>
+            <a:r>
+              <a:rPr lang="en-US" dirty="0" err="1">
+                <a:latin typeface="Calibri" pitchFamily="34" charset="0"/>
+                <a:ea typeface="Calibri" pitchFamily="34" charset="0"/>
+                <a:cs typeface="Times New Roman" pitchFamily="18" charset="0"/>
+              </a:rPr>
+              <a:t>department_id</a:t>
+            </a:r>
+            <a:r>
+              <a:rPr lang="en-US" dirty="0">
+                <a:latin typeface="Calibri" pitchFamily="34" charset="0"/>
+                <a:ea typeface="Calibri" pitchFamily="34" charset="0"/>
+                <a:cs typeface="Times New Roman" pitchFamily="18" charset="0"/>
+              </a:rPr>
+              <a:t> = </a:t>
+            </a:r>
+            <a:r>
+              <a:rPr lang="en-US" dirty="0" smtClean="0">
+                <a:latin typeface="Calibri" pitchFamily="34" charset="0"/>
+                <a:ea typeface="Calibri" pitchFamily="34" charset="0"/>
+                <a:cs typeface="Times New Roman" pitchFamily="18" charset="0"/>
+              </a:rPr>
+              <a:t>70;</a:t>
+            </a:r>
+            <a:endParaRPr lang="en-US" dirty="0">
+              <a:latin typeface="Calibri" pitchFamily="34" charset="0"/>
+              <a:ea typeface="Calibri" pitchFamily="34" charset="0"/>
+              <a:cs typeface="Times New Roman" pitchFamily="18" charset="0"/>
+            </a:endParaRPr>
           </a:p>
         </p:txBody>
       </p:sp>
     </p:spTree>
     <p:extLst>
       <p:ext uri="{BB962C8B-B14F-4D97-AF65-F5344CB8AC3E}">
-        <p14:creationId xmlns:p14="http://schemas.microsoft.com/office/powerpoint/2010/main" val="3622466474"/>
+        <p14:creationId xmlns:p14="http://schemas.microsoft.com/office/powerpoint/2010/main" val="1946204808"/>
       </p:ext>
     </p:extLst>
   </p:cSld>
@@ -19792,683 +20017,6 @@
         <p:spPr>
           <a:xfrm>
             <a:off x="533399" y="404664"/>
-            <a:ext cx="3633367" cy="630942"/>
-          </a:xfrm>
-          <a:prstGeom prst="rect">
-            <a:avLst/>
-          </a:prstGeom>
-          <a:noFill/>
-        </p:spPr>
-        <p:txBody>
-          <a:bodyPr wrap="none" rtlCol="0">
-            <a:spAutoFit/>
-          </a:bodyPr>
-          <a:lstStyle/>
-          <a:p>
-            <a:r>
-              <a:rPr lang="en-US" sz="3500" dirty="0" smtClean="0">
-                <a:solidFill>
-                  <a:schemeClr val="tx1">
-                    <a:lumMod val="65000"/>
-                    <a:lumOff val="35000"/>
-                  </a:schemeClr>
-                </a:solidFill>
-                <a:effectLst>
-                  <a:outerShdw blurRad="38100" dist="38100" dir="2700000" algn="tl">
-                    <a:srgbClr val="000000">
-                      <a:alpha val="43137"/>
-                    </a:srgbClr>
-                  </a:outerShdw>
-                </a:effectLst>
-              </a:rPr>
-              <a:t>UPDATE Statement</a:t>
-            </a:r>
-            <a:endParaRPr lang="en-US" sz="3500" dirty="0">
-              <a:solidFill>
-                <a:schemeClr val="tx1">
-                  <a:lumMod val="65000"/>
-                  <a:lumOff val="35000"/>
-                </a:schemeClr>
-              </a:solidFill>
-              <a:effectLst>
-                <a:outerShdw blurRad="38100" dist="38100" dir="2700000" algn="tl">
-                  <a:srgbClr val="000000">
-                    <a:alpha val="43137"/>
-                  </a:srgbClr>
-                </a:outerShdw>
-              </a:effectLst>
-            </a:endParaRPr>
-          </a:p>
-        </p:txBody>
-      </p:sp>
-      <p:sp>
-        <p:nvSpPr>
-          <p:cNvPr id="9" name="Rectangle 8"/>
-          <p:cNvSpPr/>
-          <p:nvPr/>
-        </p:nvSpPr>
-        <p:spPr>
-          <a:xfrm>
-            <a:off x="764976" y="1348036"/>
-            <a:ext cx="6471320" cy="1477328"/>
-          </a:xfrm>
-          <a:prstGeom prst="rect">
-            <a:avLst/>
-          </a:prstGeom>
-        </p:spPr>
-        <p:txBody>
-          <a:bodyPr wrap="square">
-            <a:spAutoFit/>
-          </a:bodyPr>
-          <a:lstStyle/>
-          <a:p>
-            <a:pPr fontAlgn="base">
-              <a:lnSpc>
-                <a:spcPct val="150000"/>
-              </a:lnSpc>
-              <a:spcBef>
-                <a:spcPct val="0"/>
-              </a:spcBef>
-              <a:spcAft>
-                <a:spcPct val="0"/>
-              </a:spcAft>
-              <a:tabLst>
-                <a:tab pos="2311400" algn="l"/>
-              </a:tabLst>
-            </a:pPr>
-            <a:r>
-              <a:rPr lang="en-US" sz="2000" b="1" dirty="0" smtClean="0">
-                <a:latin typeface="Calibri" pitchFamily="34" charset="0"/>
-                <a:ea typeface="Calibri" pitchFamily="34" charset="0"/>
-                <a:cs typeface="Times New Roman" pitchFamily="18" charset="0"/>
-              </a:rPr>
-              <a:t>UPDATE</a:t>
-            </a:r>
-            <a:r>
-              <a:rPr lang="en-US" sz="2000" dirty="0" smtClean="0">
-                <a:latin typeface="Calibri" pitchFamily="34" charset="0"/>
-                <a:ea typeface="Calibri" pitchFamily="34" charset="0"/>
-                <a:cs typeface="Times New Roman" pitchFamily="18" charset="0"/>
-              </a:rPr>
-              <a:t>	</a:t>
-            </a:r>
-            <a:r>
-              <a:rPr lang="en-US" sz="2000" i="1" dirty="0" smtClean="0">
-                <a:latin typeface="Calibri" pitchFamily="34" charset="0"/>
-                <a:ea typeface="Calibri" pitchFamily="34" charset="0"/>
-                <a:cs typeface="Times New Roman" pitchFamily="18" charset="0"/>
-              </a:rPr>
-              <a:t>table</a:t>
-            </a:r>
-          </a:p>
-          <a:p>
-            <a:pPr fontAlgn="base">
-              <a:lnSpc>
-                <a:spcPct val="150000"/>
-              </a:lnSpc>
-              <a:spcBef>
-                <a:spcPct val="0"/>
-              </a:spcBef>
-              <a:spcAft>
-                <a:spcPct val="0"/>
-              </a:spcAft>
-              <a:tabLst>
-                <a:tab pos="2311400" algn="l"/>
-              </a:tabLst>
-            </a:pPr>
-            <a:r>
-              <a:rPr lang="en-US" sz="2000" b="1" dirty="0" smtClean="0">
-                <a:latin typeface="Calibri" pitchFamily="34" charset="0"/>
-                <a:ea typeface="Calibri" pitchFamily="34" charset="0"/>
-                <a:cs typeface="Times New Roman" pitchFamily="18" charset="0"/>
-              </a:rPr>
-              <a:t>SET	</a:t>
-            </a:r>
-            <a:r>
-              <a:rPr lang="en-US" sz="2000" i="1" dirty="0" smtClean="0">
-                <a:latin typeface="Calibri" pitchFamily="34" charset="0"/>
-                <a:ea typeface="Calibri" pitchFamily="34" charset="0"/>
-                <a:cs typeface="Times New Roman" pitchFamily="18" charset="0"/>
-              </a:rPr>
-              <a:t>column = value </a:t>
-            </a:r>
-            <a:r>
-              <a:rPr lang="en-US" sz="2000" dirty="0" smtClean="0">
-                <a:latin typeface="Calibri" pitchFamily="34" charset="0"/>
-                <a:ea typeface="Calibri" pitchFamily="34" charset="0"/>
-                <a:cs typeface="Times New Roman" pitchFamily="18" charset="0"/>
-              </a:rPr>
-              <a:t>[</a:t>
-            </a:r>
-            <a:r>
-              <a:rPr lang="en-US" sz="2000" i="1" dirty="0" smtClean="0">
-                <a:latin typeface="Calibri" pitchFamily="34" charset="0"/>
-                <a:ea typeface="Calibri" pitchFamily="34" charset="0"/>
-                <a:cs typeface="Times New Roman" pitchFamily="18" charset="0"/>
-              </a:rPr>
-              <a:t>, column = value,…</a:t>
-            </a:r>
-            <a:r>
-              <a:rPr lang="en-US" sz="2000" dirty="0" smtClean="0">
-                <a:latin typeface="Calibri" pitchFamily="34" charset="0"/>
-                <a:ea typeface="Calibri" pitchFamily="34" charset="0"/>
-                <a:cs typeface="Times New Roman" pitchFamily="18" charset="0"/>
-              </a:rPr>
-              <a:t>]</a:t>
-            </a:r>
-          </a:p>
-          <a:p>
-            <a:pPr fontAlgn="base">
-              <a:lnSpc>
-                <a:spcPct val="150000"/>
-              </a:lnSpc>
-              <a:spcBef>
-                <a:spcPct val="0"/>
-              </a:spcBef>
-              <a:spcAft>
-                <a:spcPct val="0"/>
-              </a:spcAft>
-              <a:tabLst>
-                <a:tab pos="2311400" algn="l"/>
-              </a:tabLst>
-            </a:pPr>
-            <a:r>
-              <a:rPr lang="en-US" sz="2000" dirty="0" smtClean="0">
-                <a:latin typeface="Calibri" pitchFamily="34" charset="0"/>
-                <a:ea typeface="Calibri" pitchFamily="34" charset="0"/>
-                <a:cs typeface="Times New Roman" pitchFamily="18" charset="0"/>
-              </a:rPr>
-              <a:t>[</a:t>
-            </a:r>
-            <a:r>
-              <a:rPr lang="en-US" sz="2000" b="1" dirty="0" smtClean="0">
-                <a:latin typeface="Calibri" pitchFamily="34" charset="0"/>
-                <a:ea typeface="Calibri" pitchFamily="34" charset="0"/>
-                <a:cs typeface="Times New Roman" pitchFamily="18" charset="0"/>
-              </a:rPr>
-              <a:t>WHERE</a:t>
-            </a:r>
-            <a:r>
-              <a:rPr lang="en-US" sz="2000" dirty="0" smtClean="0">
-                <a:latin typeface="Calibri" pitchFamily="34" charset="0"/>
-                <a:ea typeface="Calibri" pitchFamily="34" charset="0"/>
-                <a:cs typeface="Times New Roman" pitchFamily="18" charset="0"/>
-              </a:rPr>
-              <a:t>	</a:t>
-            </a:r>
-            <a:r>
-              <a:rPr lang="en-US" sz="2000" i="1" dirty="0" smtClean="0">
-                <a:latin typeface="Calibri" pitchFamily="34" charset="0"/>
-                <a:ea typeface="Calibri" pitchFamily="34" charset="0"/>
-                <a:cs typeface="Times New Roman" pitchFamily="18" charset="0"/>
-              </a:rPr>
-              <a:t>condition</a:t>
-            </a:r>
-            <a:r>
-              <a:rPr lang="en-US" sz="2000" dirty="0" smtClean="0">
-                <a:latin typeface="Calibri" pitchFamily="34" charset="0"/>
-                <a:ea typeface="Calibri" pitchFamily="34" charset="0"/>
-                <a:cs typeface="Times New Roman" pitchFamily="18" charset="0"/>
-              </a:rPr>
-              <a:t>];</a:t>
-            </a:r>
-          </a:p>
-        </p:txBody>
-      </p:sp>
-      <p:sp>
-        <p:nvSpPr>
-          <p:cNvPr id="2" name="Rectangle 1"/>
-          <p:cNvSpPr/>
-          <p:nvPr/>
-        </p:nvSpPr>
-        <p:spPr>
-          <a:xfrm>
-            <a:off x="764976" y="3138686"/>
-            <a:ext cx="1350615" cy="400110"/>
-          </a:xfrm>
-          <a:prstGeom prst="rect">
-            <a:avLst/>
-          </a:prstGeom>
-        </p:spPr>
-        <p:txBody>
-          <a:bodyPr wrap="square">
-            <a:spAutoFit/>
-          </a:bodyPr>
-          <a:lstStyle/>
-          <a:p>
-            <a:r>
-              <a:rPr lang="en-US" sz="2000" dirty="0" smtClean="0">
-                <a:solidFill>
-                  <a:schemeClr val="tx1">
-                    <a:lumMod val="65000"/>
-                    <a:lumOff val="35000"/>
-                  </a:schemeClr>
-                </a:solidFill>
-                <a:effectLst>
-                  <a:outerShdw blurRad="38100" dist="38100" dir="2700000" algn="tl">
-                    <a:srgbClr val="000000">
-                      <a:alpha val="43137"/>
-                    </a:srgbClr>
-                  </a:outerShdw>
-                </a:effectLst>
-              </a:rPr>
-              <a:t>Examples:</a:t>
-            </a:r>
-            <a:endParaRPr lang="en-US" sz="2000" dirty="0">
-              <a:solidFill>
-                <a:schemeClr val="tx1">
-                  <a:lumMod val="65000"/>
-                  <a:lumOff val="35000"/>
-                </a:schemeClr>
-              </a:solidFill>
-              <a:effectLst>
-                <a:outerShdw blurRad="38100" dist="38100" dir="2700000" algn="tl">
-                  <a:srgbClr val="000000">
-                    <a:alpha val="43137"/>
-                  </a:srgbClr>
-                </a:outerShdw>
-              </a:effectLst>
-            </a:endParaRPr>
-          </a:p>
-        </p:txBody>
-      </p:sp>
-      <p:sp>
-        <p:nvSpPr>
-          <p:cNvPr id="3" name="TextBox 2"/>
-          <p:cNvSpPr txBox="1"/>
-          <p:nvPr/>
-        </p:nvSpPr>
-        <p:spPr>
-          <a:xfrm>
-            <a:off x="4189065" y="4036422"/>
-            <a:ext cx="2016224" cy="369332"/>
-          </a:xfrm>
-          <a:prstGeom prst="rect">
-            <a:avLst/>
-          </a:prstGeom>
-          <a:noFill/>
-        </p:spPr>
-        <p:txBody>
-          <a:bodyPr wrap="square" rtlCol="0">
-            <a:spAutoFit/>
-          </a:bodyPr>
-          <a:lstStyle/>
-          <a:p>
-            <a:r>
-              <a:rPr lang="en-US" dirty="0" smtClean="0"/>
-              <a:t>1 row updated</a:t>
-            </a:r>
-            <a:endParaRPr lang="en-US" dirty="0"/>
-          </a:p>
-        </p:txBody>
-      </p:sp>
-      <p:sp>
-        <p:nvSpPr>
-          <p:cNvPr id="8" name="TextBox 7"/>
-          <p:cNvSpPr txBox="1"/>
-          <p:nvPr/>
-        </p:nvSpPr>
-        <p:spPr>
-          <a:xfrm>
-            <a:off x="4166766" y="5304541"/>
-            <a:ext cx="2016224" cy="369332"/>
-          </a:xfrm>
-          <a:prstGeom prst="rect">
-            <a:avLst/>
-          </a:prstGeom>
-          <a:noFill/>
-        </p:spPr>
-        <p:txBody>
-          <a:bodyPr wrap="square" rtlCol="0">
-            <a:spAutoFit/>
-          </a:bodyPr>
-          <a:lstStyle/>
-          <a:p>
-            <a:r>
-              <a:rPr lang="en-US" dirty="0" smtClean="0"/>
-              <a:t>22 rows updated</a:t>
-            </a:r>
-            <a:endParaRPr lang="en-US" dirty="0"/>
-          </a:p>
-        </p:txBody>
-      </p:sp>
-      <p:sp>
-        <p:nvSpPr>
-          <p:cNvPr id="5" name="Right Arrow Callout 4"/>
-          <p:cNvSpPr/>
-          <p:nvPr/>
-        </p:nvSpPr>
-        <p:spPr>
-          <a:xfrm>
-            <a:off x="764976" y="3645024"/>
-            <a:ext cx="3302968" cy="1152128"/>
-          </a:xfrm>
-          <a:prstGeom prst="rightArrowCallout">
-            <a:avLst>
-              <a:gd name="adj1" fmla="val 10287"/>
-              <a:gd name="adj2" fmla="val 15637"/>
-              <a:gd name="adj3" fmla="val 16305"/>
-              <a:gd name="adj4" fmla="val 87052"/>
-            </a:avLst>
-          </a:prstGeom>
-          <a:ln w="12700">
-            <a:prstDash val="sysDash"/>
-          </a:ln>
-        </p:spPr>
-        <p:style>
-          <a:lnRef idx="2">
-            <a:schemeClr val="accent6"/>
-          </a:lnRef>
-          <a:fillRef idx="1">
-            <a:schemeClr val="lt1"/>
-          </a:fillRef>
-          <a:effectRef idx="0">
-            <a:schemeClr val="accent6"/>
-          </a:effectRef>
-          <a:fontRef idx="minor">
-            <a:schemeClr val="dk1"/>
-          </a:fontRef>
-        </p:style>
-        <p:txBody>
-          <a:bodyPr rtlCol="0" anchor="ctr"/>
-          <a:lstStyle/>
-          <a:p>
-            <a:pPr fontAlgn="base">
-              <a:spcBef>
-                <a:spcPct val="0"/>
-              </a:spcBef>
-              <a:spcAft>
-                <a:spcPct val="0"/>
-              </a:spcAft>
-              <a:tabLst>
-                <a:tab pos="2311400" algn="l"/>
-              </a:tabLst>
-            </a:pPr>
-            <a:r>
-              <a:rPr lang="en-US" b="1" dirty="0">
-                <a:latin typeface="Calibri" pitchFamily="34" charset="0"/>
-                <a:ea typeface="Calibri" pitchFamily="34" charset="0"/>
-                <a:cs typeface="Times New Roman" pitchFamily="18" charset="0"/>
-              </a:rPr>
-              <a:t>UPDATE </a:t>
-            </a:r>
-            <a:r>
-              <a:rPr lang="en-US" dirty="0">
-                <a:latin typeface="Calibri" pitchFamily="34" charset="0"/>
-                <a:ea typeface="Calibri" pitchFamily="34" charset="0"/>
-                <a:cs typeface="Times New Roman" pitchFamily="18" charset="0"/>
-              </a:rPr>
-              <a:t>employees</a:t>
-            </a:r>
-          </a:p>
-          <a:p>
-            <a:pPr fontAlgn="base">
-              <a:spcBef>
-                <a:spcPct val="0"/>
-              </a:spcBef>
-              <a:spcAft>
-                <a:spcPct val="0"/>
-              </a:spcAft>
-              <a:tabLst>
-                <a:tab pos="2311400" algn="l"/>
-              </a:tabLst>
-            </a:pPr>
-            <a:r>
-              <a:rPr lang="en-US" b="1" dirty="0">
-                <a:latin typeface="Calibri" pitchFamily="34" charset="0"/>
-                <a:ea typeface="Calibri" pitchFamily="34" charset="0"/>
-                <a:cs typeface="Times New Roman" pitchFamily="18" charset="0"/>
-              </a:rPr>
-              <a:t>SET</a:t>
-            </a:r>
-            <a:r>
-              <a:rPr lang="en-US" dirty="0">
-                <a:latin typeface="Calibri" pitchFamily="34" charset="0"/>
-                <a:ea typeface="Calibri" pitchFamily="34" charset="0"/>
-                <a:cs typeface="Times New Roman" pitchFamily="18" charset="0"/>
-              </a:rPr>
-              <a:t> </a:t>
-            </a:r>
-            <a:r>
-              <a:rPr lang="en-US" dirty="0" err="1">
-                <a:latin typeface="Calibri" pitchFamily="34" charset="0"/>
-                <a:ea typeface="Calibri" pitchFamily="34" charset="0"/>
-                <a:cs typeface="Times New Roman" pitchFamily="18" charset="0"/>
-              </a:rPr>
-              <a:t>department_id</a:t>
-            </a:r>
-            <a:r>
-              <a:rPr lang="en-US" dirty="0">
-                <a:latin typeface="Calibri" pitchFamily="34" charset="0"/>
-                <a:ea typeface="Calibri" pitchFamily="34" charset="0"/>
-                <a:cs typeface="Times New Roman" pitchFamily="18" charset="0"/>
-              </a:rPr>
-              <a:t> = 70</a:t>
-            </a:r>
-          </a:p>
-          <a:p>
-            <a:pPr fontAlgn="base">
-              <a:spcBef>
-                <a:spcPct val="0"/>
-              </a:spcBef>
-              <a:spcAft>
-                <a:spcPct val="0"/>
-              </a:spcAft>
-              <a:tabLst>
-                <a:tab pos="2311400" algn="l"/>
-              </a:tabLst>
-            </a:pPr>
-            <a:r>
-              <a:rPr lang="en-US" b="1" dirty="0">
-                <a:latin typeface="Calibri" pitchFamily="34" charset="0"/>
-                <a:ea typeface="Calibri" pitchFamily="34" charset="0"/>
-                <a:cs typeface="Times New Roman" pitchFamily="18" charset="0"/>
-              </a:rPr>
-              <a:t>WHERE</a:t>
-            </a:r>
-            <a:r>
-              <a:rPr lang="en-US" dirty="0">
-                <a:latin typeface="Calibri" pitchFamily="34" charset="0"/>
-                <a:ea typeface="Calibri" pitchFamily="34" charset="0"/>
-                <a:cs typeface="Times New Roman" pitchFamily="18" charset="0"/>
-              </a:rPr>
-              <a:t> </a:t>
-            </a:r>
-            <a:r>
-              <a:rPr lang="en-US" dirty="0" err="1">
-                <a:latin typeface="Calibri" pitchFamily="34" charset="0"/>
-                <a:ea typeface="Calibri" pitchFamily="34" charset="0"/>
-                <a:cs typeface="Times New Roman" pitchFamily="18" charset="0"/>
-              </a:rPr>
-              <a:t>emplotee_id</a:t>
-            </a:r>
-            <a:r>
-              <a:rPr lang="en-US" dirty="0">
-                <a:latin typeface="Calibri" pitchFamily="34" charset="0"/>
-                <a:ea typeface="Calibri" pitchFamily="34" charset="0"/>
-                <a:cs typeface="Times New Roman" pitchFamily="18" charset="0"/>
-              </a:rPr>
-              <a:t> = 113;</a:t>
-            </a:r>
-            <a:endParaRPr lang="en-US" dirty="0"/>
-          </a:p>
-        </p:txBody>
-      </p:sp>
-      <p:sp>
-        <p:nvSpPr>
-          <p:cNvPr id="10" name="Right Arrow Callout 9"/>
-          <p:cNvSpPr/>
-          <p:nvPr/>
-        </p:nvSpPr>
-        <p:spPr>
-          <a:xfrm>
-            <a:off x="764976" y="4913585"/>
-            <a:ext cx="3302968" cy="1152128"/>
-          </a:xfrm>
-          <a:prstGeom prst="rightArrowCallout">
-            <a:avLst>
-              <a:gd name="adj1" fmla="val 10287"/>
-              <a:gd name="adj2" fmla="val 15637"/>
-              <a:gd name="adj3" fmla="val 16305"/>
-              <a:gd name="adj4" fmla="val 87052"/>
-            </a:avLst>
-          </a:prstGeom>
-          <a:ln w="12700">
-            <a:prstDash val="sysDash"/>
-          </a:ln>
-        </p:spPr>
-        <p:style>
-          <a:lnRef idx="2">
-            <a:schemeClr val="accent6"/>
-          </a:lnRef>
-          <a:fillRef idx="1">
-            <a:schemeClr val="lt1"/>
-          </a:fillRef>
-          <a:effectRef idx="0">
-            <a:schemeClr val="accent6"/>
-          </a:effectRef>
-          <a:fontRef idx="minor">
-            <a:schemeClr val="dk1"/>
-          </a:fontRef>
-        </p:style>
-        <p:txBody>
-          <a:bodyPr rtlCol="0" anchor="ctr"/>
-          <a:lstStyle/>
-          <a:p>
-            <a:pPr fontAlgn="base">
-              <a:spcBef>
-                <a:spcPct val="0"/>
-              </a:spcBef>
-              <a:spcAft>
-                <a:spcPct val="0"/>
-              </a:spcAft>
-              <a:tabLst>
-                <a:tab pos="2311400" algn="l"/>
-              </a:tabLst>
-            </a:pPr>
-            <a:r>
-              <a:rPr lang="en-US" b="1" dirty="0">
-                <a:latin typeface="Calibri" pitchFamily="34" charset="0"/>
-                <a:ea typeface="Calibri" pitchFamily="34" charset="0"/>
-                <a:cs typeface="Times New Roman" pitchFamily="18" charset="0"/>
-              </a:rPr>
-              <a:t>UPDATE </a:t>
-            </a:r>
-            <a:r>
-              <a:rPr lang="en-US" dirty="0">
-                <a:latin typeface="Calibri" pitchFamily="34" charset="0"/>
-                <a:ea typeface="Calibri" pitchFamily="34" charset="0"/>
-                <a:cs typeface="Times New Roman" pitchFamily="18" charset="0"/>
-              </a:rPr>
-              <a:t>employees</a:t>
-            </a:r>
-          </a:p>
-          <a:p>
-            <a:pPr fontAlgn="base">
-              <a:spcBef>
-                <a:spcPct val="0"/>
-              </a:spcBef>
-              <a:spcAft>
-                <a:spcPct val="0"/>
-              </a:spcAft>
-              <a:tabLst>
-                <a:tab pos="2311400" algn="l"/>
-              </a:tabLst>
-            </a:pPr>
-            <a:r>
-              <a:rPr lang="en-US" b="1" dirty="0">
-                <a:latin typeface="Calibri" pitchFamily="34" charset="0"/>
-                <a:ea typeface="Calibri" pitchFamily="34" charset="0"/>
-                <a:cs typeface="Times New Roman" pitchFamily="18" charset="0"/>
-              </a:rPr>
-              <a:t>SET</a:t>
-            </a:r>
-            <a:r>
-              <a:rPr lang="en-US" dirty="0">
-                <a:latin typeface="Calibri" pitchFamily="34" charset="0"/>
-                <a:ea typeface="Calibri" pitchFamily="34" charset="0"/>
-                <a:cs typeface="Times New Roman" pitchFamily="18" charset="0"/>
-              </a:rPr>
-              <a:t> </a:t>
-            </a:r>
-            <a:r>
-              <a:rPr lang="en-US" dirty="0" err="1">
-                <a:latin typeface="Calibri" pitchFamily="34" charset="0"/>
-                <a:ea typeface="Calibri" pitchFamily="34" charset="0"/>
-                <a:cs typeface="Times New Roman" pitchFamily="18" charset="0"/>
-              </a:rPr>
-              <a:t>department_id</a:t>
-            </a:r>
-            <a:r>
-              <a:rPr lang="en-US" dirty="0">
-                <a:latin typeface="Calibri" pitchFamily="34" charset="0"/>
-                <a:ea typeface="Calibri" pitchFamily="34" charset="0"/>
-                <a:cs typeface="Times New Roman" pitchFamily="18" charset="0"/>
-              </a:rPr>
-              <a:t> = </a:t>
-            </a:r>
-            <a:r>
-              <a:rPr lang="en-US" dirty="0" smtClean="0">
-                <a:latin typeface="Calibri" pitchFamily="34" charset="0"/>
-                <a:ea typeface="Calibri" pitchFamily="34" charset="0"/>
-                <a:cs typeface="Times New Roman" pitchFamily="18" charset="0"/>
-              </a:rPr>
-              <a:t>70;</a:t>
-            </a:r>
-            <a:endParaRPr lang="en-US" dirty="0">
-              <a:latin typeface="Calibri" pitchFamily="34" charset="0"/>
-              <a:ea typeface="Calibri" pitchFamily="34" charset="0"/>
-              <a:cs typeface="Times New Roman" pitchFamily="18" charset="0"/>
-            </a:endParaRPr>
-          </a:p>
-        </p:txBody>
-      </p:sp>
-    </p:spTree>
-    <p:extLst>
-      <p:ext uri="{BB962C8B-B14F-4D97-AF65-F5344CB8AC3E}">
-        <p14:creationId xmlns:p14="http://schemas.microsoft.com/office/powerpoint/2010/main" val="1946204808"/>
-      </p:ext>
-    </p:extLst>
-  </p:cSld>
-  <p:clrMapOvr>
-    <a:masterClrMapping/>
-  </p:clrMapOvr>
-  <p:timing>
-    <p:tnLst>
-      <p:par>
-        <p:cTn id="1" dur="indefinite" restart="never" nodeType="tmRoot"/>
-      </p:par>
-    </p:tnLst>
-  </p:timing>
-</p:sld>
-</file>
-
-<file path=ppt/slides/slide43.xml><?xml version="1.0" encoding="utf-8"?>
-<p:sld xmlns:a="http://schemas.openxmlformats.org/drawingml/2006/main" xmlns:r="http://schemas.openxmlformats.org/officeDocument/2006/relationships" xmlns:p="http://schemas.openxmlformats.org/presentationml/2006/main">
-  <p:cSld>
-    <p:spTree>
-      <p:nvGrpSpPr>
-        <p:cNvPr id="1" name=""/>
-        <p:cNvGrpSpPr/>
-        <p:nvPr/>
-      </p:nvGrpSpPr>
-      <p:grpSpPr>
-        <a:xfrm>
-          <a:off x="0" y="0"/>
-          <a:ext cx="0" cy="0"/>
-          <a:chOff x="0" y="0"/>
-          <a:chExt cx="0" cy="0"/>
-        </a:xfrm>
-      </p:grpSpPr>
-      <p:sp>
-        <p:nvSpPr>
-          <p:cNvPr id="4" name="TextBox 3"/>
-          <p:cNvSpPr txBox="1"/>
-          <p:nvPr/>
-        </p:nvSpPr>
-        <p:spPr>
-          <a:xfrm>
-            <a:off x="533399" y="404664"/>
             <a:ext cx="3487237" cy="630942"/>
           </a:xfrm>
           <a:prstGeom prst="rect">
@@ -20995,7 +20543,7 @@
 </p:sld>
 </file>
 
-<file path=ppt/slides/slide44.xml><?xml version="1.0" encoding="utf-8"?>
+<file path=ppt/slides/slide43.xml><?xml version="1.0" encoding="utf-8"?>
 <p:sld xmlns:a="http://schemas.openxmlformats.org/drawingml/2006/main" xmlns:r="http://schemas.openxmlformats.org/officeDocument/2006/relationships" xmlns:p="http://schemas.openxmlformats.org/presentationml/2006/main">
   <p:cSld>
     <p:spTree>
@@ -21338,254 +20886,6 @@
         <p:spPr>
           <a:xfrm>
             <a:off x="468288" y="404664"/>
-            <a:ext cx="7632795" cy="630942"/>
-          </a:xfrm>
-          <a:prstGeom prst="rect">
-            <a:avLst/>
-          </a:prstGeom>
-          <a:noFill/>
-        </p:spPr>
-        <p:txBody>
-          <a:bodyPr wrap="none" rtlCol="0">
-            <a:spAutoFit/>
-          </a:bodyPr>
-          <a:lstStyle/>
-          <a:p>
-            <a:r>
-              <a:rPr lang="ru-RU" sz="3500" dirty="0" smtClean="0">
-                <a:solidFill>
-                  <a:schemeClr val="tx1">
-                    <a:lumMod val="65000"/>
-                    <a:lumOff val="35000"/>
-                  </a:schemeClr>
-                </a:solidFill>
-                <a:effectLst>
-                  <a:outerShdw blurRad="38100" dist="38100" dir="2700000" algn="tl">
-                    <a:srgbClr val="000000">
-                      <a:alpha val="43137"/>
-                    </a:srgbClr>
-                  </a:outerShdw>
-                </a:effectLst>
-              </a:rPr>
-              <a:t>Типы БД </a:t>
-            </a:r>
-            <a:r>
-              <a:rPr lang="ru-RU" sz="3500" dirty="0">
-                <a:solidFill>
-                  <a:schemeClr val="tx1">
-                    <a:lumMod val="65000"/>
-                    <a:lumOff val="35000"/>
-                  </a:schemeClr>
-                </a:solidFill>
-                <a:effectLst>
-                  <a:outerShdw blurRad="38100" dist="38100" dir="2700000" algn="tl">
-                    <a:srgbClr val="000000">
-                      <a:alpha val="43137"/>
-                    </a:srgbClr>
-                  </a:outerShdw>
-                </a:effectLst>
-              </a:rPr>
-              <a:t>по </a:t>
-            </a:r>
-            <a:r>
-              <a:rPr lang="ru-RU" sz="3500" dirty="0" smtClean="0">
-                <a:solidFill>
-                  <a:schemeClr val="tx1">
-                    <a:lumMod val="65000"/>
-                    <a:lumOff val="35000"/>
-                  </a:schemeClr>
-                </a:solidFill>
-                <a:effectLst>
-                  <a:outerShdw blurRad="38100" dist="38100" dir="2700000" algn="tl">
-                    <a:srgbClr val="000000">
-                      <a:alpha val="43137"/>
-                    </a:srgbClr>
-                  </a:outerShdw>
-                </a:effectLst>
-              </a:rPr>
-              <a:t>степени </a:t>
-            </a:r>
-            <a:r>
-              <a:rPr lang="ru-RU" sz="3500" dirty="0" err="1">
-                <a:solidFill>
-                  <a:schemeClr val="tx1">
-                    <a:lumMod val="65000"/>
-                    <a:lumOff val="35000"/>
-                  </a:schemeClr>
-                </a:solidFill>
-                <a:effectLst>
-                  <a:outerShdw blurRad="38100" dist="38100" dir="2700000" algn="tl">
-                    <a:srgbClr val="000000">
-                      <a:alpha val="43137"/>
-                    </a:srgbClr>
-                  </a:outerShdw>
-                </a:effectLst>
-              </a:rPr>
-              <a:t>распределённости</a:t>
-            </a:r>
-            <a:endParaRPr lang="en-US" sz="3500" dirty="0">
-              <a:solidFill>
-                <a:schemeClr val="tx1">
-                  <a:lumMod val="65000"/>
-                  <a:lumOff val="35000"/>
-                </a:schemeClr>
-              </a:solidFill>
-              <a:effectLst>
-                <a:outerShdw blurRad="38100" dist="38100" dir="2700000" algn="tl">
-                  <a:srgbClr val="000000">
-                    <a:alpha val="43137"/>
-                  </a:srgbClr>
-                </a:outerShdw>
-              </a:effectLst>
-            </a:endParaRPr>
-          </a:p>
-        </p:txBody>
-      </p:sp>
-      <p:sp>
-        <p:nvSpPr>
-          <p:cNvPr id="2" name="Rectangle 1"/>
-          <p:cNvSpPr/>
-          <p:nvPr/>
-        </p:nvSpPr>
-        <p:spPr>
-          <a:xfrm>
-            <a:off x="647969" y="1292076"/>
-            <a:ext cx="7111752" cy="3416320"/>
-          </a:xfrm>
-          <a:prstGeom prst="rect">
-            <a:avLst/>
-          </a:prstGeom>
-        </p:spPr>
-        <p:txBody>
-          <a:bodyPr wrap="square">
-            <a:spAutoFit/>
-          </a:bodyPr>
-          <a:lstStyle/>
-          <a:p>
-            <a:pPr marL="285750" indent="-285750">
-              <a:buFont typeface="Arial" panose="020B0604020202020204" pitchFamily="34" charset="0"/>
-              <a:buChar char="•"/>
-            </a:pPr>
-            <a:r>
-              <a:rPr lang="ru-RU" sz="2400" dirty="0"/>
-              <a:t>Централизованная, или сосредоточенная</a:t>
-            </a:r>
-            <a:endParaRPr lang="en-US" sz="2400" dirty="0" smtClean="0"/>
-          </a:p>
-          <a:p>
-            <a:pPr marL="285750" indent="-285750">
-              <a:buFont typeface="Arial" panose="020B0604020202020204" pitchFamily="34" charset="0"/>
-              <a:buChar char="•"/>
-            </a:pPr>
-            <a:endParaRPr lang="en-US" sz="2400" dirty="0"/>
-          </a:p>
-          <a:p>
-            <a:pPr marL="285750" indent="-285750">
-              <a:buFont typeface="Arial" panose="020B0604020202020204" pitchFamily="34" charset="0"/>
-              <a:buChar char="•"/>
-            </a:pPr>
-            <a:r>
-              <a:rPr lang="ru-RU" sz="2400" dirty="0"/>
-              <a:t>Распределённая</a:t>
-            </a:r>
-            <a:endParaRPr lang="en-US" sz="2400" dirty="0" smtClean="0"/>
-          </a:p>
-          <a:p>
-            <a:pPr marL="285750" indent="-285750">
-              <a:buFont typeface="Arial" panose="020B0604020202020204" pitchFamily="34" charset="0"/>
-              <a:buChar char="•"/>
-            </a:pPr>
-            <a:endParaRPr lang="en-US" sz="2400" dirty="0"/>
-          </a:p>
-          <a:p>
-            <a:pPr marL="742950" lvl="1" indent="-285750">
-              <a:buFont typeface="Arial" panose="020B0604020202020204" pitchFamily="34" charset="0"/>
-              <a:buChar char="•"/>
-            </a:pPr>
-            <a:r>
-              <a:rPr lang="ru-RU" sz="2400" dirty="0" smtClean="0"/>
-              <a:t>Неоднородная</a:t>
-            </a:r>
-          </a:p>
-          <a:p>
-            <a:pPr marL="742950" lvl="1" indent="-285750">
-              <a:buFont typeface="Arial" panose="020B0604020202020204" pitchFamily="34" charset="0"/>
-              <a:buChar char="•"/>
-            </a:pPr>
-            <a:endParaRPr lang="ru-RU" sz="2400" dirty="0"/>
-          </a:p>
-          <a:p>
-            <a:pPr marL="742950" lvl="1" indent="-285750">
-              <a:buFont typeface="Arial" panose="020B0604020202020204" pitchFamily="34" charset="0"/>
-              <a:buChar char="•"/>
-            </a:pPr>
-            <a:r>
-              <a:rPr lang="ru-RU" sz="2400" dirty="0" smtClean="0"/>
-              <a:t>Однородная</a:t>
-            </a:r>
-          </a:p>
-          <a:p>
-            <a:pPr marL="742950" lvl="1" indent="-285750">
-              <a:buFont typeface="Arial" panose="020B0604020202020204" pitchFamily="34" charset="0"/>
-              <a:buChar char="•"/>
-            </a:pPr>
-            <a:endParaRPr lang="ru-RU" sz="2400" dirty="0"/>
-          </a:p>
-          <a:p>
-            <a:pPr marL="742950" lvl="1" indent="-285750">
-              <a:buFont typeface="Arial" panose="020B0604020202020204" pitchFamily="34" charset="0"/>
-              <a:buChar char="•"/>
-            </a:pPr>
-            <a:endParaRPr lang="en-US" sz="2400" dirty="0" smtClean="0"/>
-          </a:p>
-        </p:txBody>
-      </p:sp>
-    </p:spTree>
-    <p:extLst>
-      <p:ext uri="{BB962C8B-B14F-4D97-AF65-F5344CB8AC3E}">
-        <p14:creationId xmlns:p14="http://schemas.microsoft.com/office/powerpoint/2010/main" val="1849551520"/>
-      </p:ext>
-    </p:extLst>
-  </p:cSld>
-  <p:clrMapOvr>
-    <a:masterClrMapping/>
-  </p:clrMapOvr>
-  <p:timing>
-    <p:tnLst>
-      <p:par>
-        <p:cTn id="1" dur="indefinite" restart="never" nodeType="tmRoot"/>
-      </p:par>
-    </p:tnLst>
-  </p:timing>
-</p:sld>
-</file>
-
-<file path=ppt/slides/slide6.xml><?xml version="1.0" encoding="utf-8"?>
-<p:sld xmlns:a="http://schemas.openxmlformats.org/drawingml/2006/main" xmlns:r="http://schemas.openxmlformats.org/officeDocument/2006/relationships" xmlns:p="http://schemas.openxmlformats.org/presentationml/2006/main">
-  <p:cSld>
-    <p:spTree>
-      <p:nvGrpSpPr>
-        <p:cNvPr id="1" name=""/>
-        <p:cNvGrpSpPr/>
-        <p:nvPr/>
-      </p:nvGrpSpPr>
-      <p:grpSpPr>
-        <a:xfrm>
-          <a:off x="0" y="0"/>
-          <a:ext cx="0" cy="0"/>
-          <a:chOff x="0" y="0"/>
-          <a:chExt cx="0" cy="0"/>
-        </a:xfrm>
-      </p:grpSpPr>
-      <p:sp>
-        <p:nvSpPr>
-          <p:cNvPr id="3" name="TextBox 2"/>
-          <p:cNvSpPr txBox="1"/>
-          <p:nvPr/>
-        </p:nvSpPr>
-        <p:spPr>
-          <a:xfrm>
-            <a:off x="468288" y="404664"/>
             <a:ext cx="4862806" cy="630942"/>
           </a:xfrm>
           <a:prstGeom prst="rect">
@@ -21819,7 +21119,7 @@
 </p:sld>
 </file>
 
-<file path=ppt/slides/slide7.xml><?xml version="1.0" encoding="utf-8"?>
+<file path=ppt/slides/slide6.xml><?xml version="1.0" encoding="utf-8"?>
 <p:sld xmlns:a="http://schemas.openxmlformats.org/drawingml/2006/main" xmlns:r="http://schemas.openxmlformats.org/officeDocument/2006/relationships" xmlns:p="http://schemas.openxmlformats.org/presentationml/2006/main">
   <p:cSld>
     <p:spTree>
@@ -21952,6 +21252,375 @@
 </p:sld>
 </file>
 
+<file path=ppt/slides/slide7.xml><?xml version="1.0" encoding="utf-8"?>
+<p:sld xmlns:a="http://schemas.openxmlformats.org/drawingml/2006/main" xmlns:r="http://schemas.openxmlformats.org/officeDocument/2006/relationships" xmlns:p="http://schemas.openxmlformats.org/presentationml/2006/main">
+  <p:cSld>
+    <p:spTree>
+      <p:nvGrpSpPr>
+        <p:cNvPr id="1" name=""/>
+        <p:cNvGrpSpPr/>
+        <p:nvPr/>
+      </p:nvGrpSpPr>
+      <p:grpSpPr>
+        <a:xfrm>
+          <a:off x="0" y="0"/>
+          <a:ext cx="0" cy="0"/>
+          <a:chOff x="0" y="0"/>
+          <a:chExt cx="0" cy="0"/>
+        </a:xfrm>
+      </p:grpSpPr>
+      <p:sp>
+        <p:nvSpPr>
+          <p:cNvPr id="3" name="TextBox 2"/>
+          <p:cNvSpPr txBox="1"/>
+          <p:nvPr/>
+        </p:nvSpPr>
+        <p:spPr>
+          <a:xfrm>
+            <a:off x="457200" y="533400"/>
+            <a:ext cx="3434466" cy="630942"/>
+          </a:xfrm>
+          <a:prstGeom prst="rect">
+            <a:avLst/>
+          </a:prstGeom>
+          <a:noFill/>
+        </p:spPr>
+        <p:txBody>
+          <a:bodyPr wrap="none" rtlCol="0">
+            <a:spAutoFit/>
+          </a:bodyPr>
+          <a:lstStyle/>
+          <a:p>
+            <a:r>
+              <a:rPr lang="en-US" sz="3500" dirty="0" smtClean="0">
+                <a:solidFill>
+                  <a:schemeClr val="tx1">
+                    <a:lumMod val="65000"/>
+                    <a:lumOff val="35000"/>
+                  </a:schemeClr>
+                </a:solidFill>
+                <a:effectLst>
+                  <a:outerShdw blurRad="38100" dist="38100" dir="2700000" algn="tl">
+                    <a:srgbClr val="000000">
+                      <a:alpha val="43137"/>
+                    </a:srgbClr>
+                  </a:outerShdw>
+                </a:effectLst>
+              </a:rPr>
+              <a:t>SELECT statement</a:t>
+            </a:r>
+            <a:endParaRPr lang="en-US" sz="3500" dirty="0">
+              <a:solidFill>
+                <a:schemeClr val="tx1">
+                  <a:lumMod val="65000"/>
+                  <a:lumOff val="35000"/>
+                </a:schemeClr>
+              </a:solidFill>
+              <a:effectLst>
+                <a:outerShdw blurRad="38100" dist="38100" dir="2700000" algn="tl">
+                  <a:srgbClr val="000000">
+                    <a:alpha val="43137"/>
+                  </a:srgbClr>
+                </a:outerShdw>
+              </a:effectLst>
+            </a:endParaRPr>
+          </a:p>
+        </p:txBody>
+      </p:sp>
+      <p:sp>
+        <p:nvSpPr>
+          <p:cNvPr id="2" name="Rectangle 1"/>
+          <p:cNvSpPr/>
+          <p:nvPr/>
+        </p:nvSpPr>
+        <p:spPr>
+          <a:xfrm>
+            <a:off x="683568" y="1556792"/>
+            <a:ext cx="7111752" cy="830997"/>
+          </a:xfrm>
+          <a:prstGeom prst="rect">
+            <a:avLst/>
+          </a:prstGeom>
+        </p:spPr>
+        <p:txBody>
+          <a:bodyPr wrap="square">
+            <a:spAutoFit/>
+          </a:bodyPr>
+          <a:lstStyle/>
+          <a:p>
+            <a:r>
+              <a:rPr lang="en-US" sz="2400" b="1" dirty="0"/>
+              <a:t>SELECT</a:t>
+            </a:r>
+            <a:r>
+              <a:rPr lang="en-US" sz="2400" dirty="0"/>
+              <a:t> *|{[DISTINCT] </a:t>
+            </a:r>
+            <a:r>
+              <a:rPr lang="en-US" sz="2400" i="1" dirty="0" err="1"/>
+              <a:t>column</a:t>
+            </a:r>
+            <a:r>
+              <a:rPr lang="en-US" sz="2400" dirty="0" err="1"/>
+              <a:t>|</a:t>
+            </a:r>
+            <a:r>
+              <a:rPr lang="en-US" sz="2400" i="1" dirty="0" err="1"/>
+              <a:t>expression</a:t>
+            </a:r>
+            <a:r>
+              <a:rPr lang="en-US" sz="2400" dirty="0"/>
+              <a:t> [alias], …} </a:t>
+            </a:r>
+            <a:endParaRPr lang="en-US" sz="2400" dirty="0" smtClean="0"/>
+          </a:p>
+          <a:p>
+            <a:r>
+              <a:rPr lang="en-US" sz="2400" b="1" dirty="0" smtClean="0"/>
+              <a:t>FROM</a:t>
+            </a:r>
+            <a:r>
+              <a:rPr lang="en-US" sz="2400" dirty="0" smtClean="0"/>
+              <a:t> </a:t>
+            </a:r>
+            <a:r>
+              <a:rPr lang="en-US" sz="2400" i="1" dirty="0"/>
+              <a:t>table;</a:t>
+            </a:r>
+            <a:endParaRPr lang="en-US" sz="2400" dirty="0"/>
+          </a:p>
+        </p:txBody>
+      </p:sp>
+      <p:sp>
+        <p:nvSpPr>
+          <p:cNvPr id="8" name="Rectangle 7"/>
+          <p:cNvSpPr/>
+          <p:nvPr/>
+        </p:nvSpPr>
+        <p:spPr>
+          <a:xfrm>
+            <a:off x="717104" y="2564904"/>
+            <a:ext cx="4572000" cy="1200329"/>
+          </a:xfrm>
+          <a:prstGeom prst="rect">
+            <a:avLst/>
+          </a:prstGeom>
+        </p:spPr>
+        <p:txBody>
+          <a:bodyPr>
+            <a:spAutoFit/>
+          </a:bodyPr>
+          <a:lstStyle/>
+          <a:p>
+            <a:pPr marL="285750" indent="-285750">
+              <a:lnSpc>
+                <a:spcPct val="200000"/>
+              </a:lnSpc>
+              <a:buFont typeface="Arial" pitchFamily="34" charset="0"/>
+              <a:buChar char="•"/>
+            </a:pPr>
+            <a:r>
+              <a:rPr lang="en-US" b="1" dirty="0"/>
+              <a:t>SELECT</a:t>
+            </a:r>
+            <a:r>
+              <a:rPr lang="en-US" dirty="0"/>
+              <a:t> </a:t>
+            </a:r>
+            <a:r>
+              <a:rPr lang="ru-RU" dirty="0" smtClean="0"/>
+              <a:t>- </a:t>
+            </a:r>
+            <a:r>
+              <a:rPr lang="en-US" dirty="0" smtClean="0"/>
+              <a:t>identifies </a:t>
+            </a:r>
+            <a:r>
+              <a:rPr lang="en-US" i="1" dirty="0"/>
+              <a:t>what</a:t>
+            </a:r>
+            <a:r>
+              <a:rPr lang="en-US" dirty="0"/>
+              <a:t> columns</a:t>
+            </a:r>
+          </a:p>
+          <a:p>
+            <a:pPr marL="285750" indent="-285750">
+              <a:lnSpc>
+                <a:spcPct val="200000"/>
+              </a:lnSpc>
+              <a:buFont typeface="Arial" pitchFamily="34" charset="0"/>
+              <a:buChar char="•"/>
+            </a:pPr>
+            <a:r>
+              <a:rPr lang="en-US" b="1" dirty="0"/>
+              <a:t>FROM</a:t>
+            </a:r>
+            <a:r>
+              <a:rPr lang="en-US" dirty="0"/>
+              <a:t> </a:t>
+            </a:r>
+            <a:r>
+              <a:rPr lang="ru-RU" dirty="0" smtClean="0"/>
+              <a:t>- </a:t>
+            </a:r>
+            <a:r>
+              <a:rPr lang="en-US" dirty="0" smtClean="0"/>
+              <a:t>identifies </a:t>
+            </a:r>
+            <a:r>
+              <a:rPr lang="en-US" i="1" dirty="0"/>
+              <a:t>which</a:t>
+            </a:r>
+            <a:r>
+              <a:rPr lang="en-US" dirty="0"/>
+              <a:t> table</a:t>
+            </a:r>
+          </a:p>
+        </p:txBody>
+      </p:sp>
+      <p:sp>
+        <p:nvSpPr>
+          <p:cNvPr id="4" name="Rectangle 3"/>
+          <p:cNvSpPr/>
+          <p:nvPr/>
+        </p:nvSpPr>
+        <p:spPr>
+          <a:xfrm>
+            <a:off x="667196" y="4221088"/>
+            <a:ext cx="7001148" cy="1477328"/>
+          </a:xfrm>
+          <a:prstGeom prst="rect">
+            <a:avLst/>
+          </a:prstGeom>
+        </p:spPr>
+        <p:txBody>
+          <a:bodyPr wrap="square">
+            <a:spAutoFit/>
+          </a:bodyPr>
+          <a:lstStyle/>
+          <a:p>
+            <a:r>
+              <a:rPr lang="en-US" dirty="0"/>
+              <a:t>SELECT *</a:t>
+            </a:r>
+          </a:p>
+          <a:p>
+            <a:r>
+              <a:rPr lang="en-US" dirty="0"/>
+              <a:t>FROM departments;     </a:t>
+            </a:r>
+            <a:r>
+              <a:rPr lang="en-US" dirty="0" smtClean="0"/>
+              <a:t>		</a:t>
+            </a:r>
+            <a:r>
+              <a:rPr lang="en-US" sz="1600" dirty="0" smtClean="0">
+                <a:solidFill>
+                  <a:schemeClr val="tx1">
+                    <a:lumMod val="50000"/>
+                    <a:lumOff val="50000"/>
+                  </a:schemeClr>
+                </a:solidFill>
+              </a:rPr>
+              <a:t>- select </a:t>
+            </a:r>
+            <a:r>
+              <a:rPr lang="en-US" sz="1600" dirty="0">
+                <a:solidFill>
+                  <a:schemeClr val="tx1">
+                    <a:lumMod val="50000"/>
+                    <a:lumOff val="50000"/>
+                  </a:schemeClr>
+                </a:solidFill>
+              </a:rPr>
+              <a:t>all columns of all </a:t>
+            </a:r>
+            <a:r>
+              <a:rPr lang="en-US" sz="1600" dirty="0" smtClean="0">
+                <a:solidFill>
+                  <a:schemeClr val="tx1">
+                    <a:lumMod val="50000"/>
+                    <a:lumOff val="50000"/>
+                  </a:schemeClr>
+                </a:solidFill>
+              </a:rPr>
+              <a:t>rows</a:t>
+            </a:r>
+          </a:p>
+          <a:p>
+            <a:endParaRPr lang="en-US" dirty="0"/>
+          </a:p>
+          <a:p>
+            <a:r>
+              <a:rPr lang="en-US" dirty="0"/>
+              <a:t>SELECT </a:t>
+            </a:r>
+            <a:r>
+              <a:rPr lang="en-US" dirty="0" err="1"/>
+              <a:t>department_id</a:t>
+            </a:r>
+            <a:r>
+              <a:rPr lang="en-US" dirty="0"/>
+              <a:t>, </a:t>
+            </a:r>
+            <a:r>
+              <a:rPr lang="en-US" dirty="0" err="1"/>
+              <a:t>location_id</a:t>
+            </a:r>
+            <a:endParaRPr lang="en-US" dirty="0"/>
+          </a:p>
+          <a:p>
+            <a:r>
+              <a:rPr lang="en-US" dirty="0"/>
+              <a:t>FROM departments; </a:t>
+            </a:r>
+            <a:r>
+              <a:rPr lang="en-US" dirty="0" smtClean="0"/>
+              <a:t>		</a:t>
+            </a:r>
+            <a:r>
+              <a:rPr lang="en-US" sz="1600" dirty="0" smtClean="0">
+                <a:solidFill>
+                  <a:schemeClr val="tx1">
+                    <a:lumMod val="50000"/>
+                    <a:lumOff val="50000"/>
+                  </a:schemeClr>
+                </a:solidFill>
+              </a:rPr>
+              <a:t>- selecting specific columns</a:t>
+            </a:r>
+            <a:endParaRPr lang="en-US" sz="1600" dirty="0">
+              <a:solidFill>
+                <a:schemeClr val="tx1">
+                  <a:lumMod val="50000"/>
+                  <a:lumOff val="50000"/>
+                </a:schemeClr>
+              </a:solidFill>
+            </a:endParaRPr>
+          </a:p>
+        </p:txBody>
+      </p:sp>
+    </p:spTree>
+    <p:extLst>
+      <p:ext uri="{BB962C8B-B14F-4D97-AF65-F5344CB8AC3E}">
+        <p14:creationId xmlns:p14="http://schemas.microsoft.com/office/powerpoint/2010/main" val="4060775951"/>
+      </p:ext>
+    </p:extLst>
+  </p:cSld>
+  <p:clrMapOvr>
+    <a:masterClrMapping/>
+  </p:clrMapOvr>
+  <p:timing>
+    <p:tnLst>
+      <p:par>
+        <p:cTn id="1" dur="indefinite" restart="never" nodeType="tmRoot"/>
+      </p:par>
+    </p:tnLst>
+  </p:timing>
+</p:sld>
+</file>
+
 <file path=ppt/slides/slide8.xml><?xml version="1.0" encoding="utf-8"?>
 <p:sld xmlns:a="http://schemas.openxmlformats.org/drawingml/2006/main" xmlns:r="http://schemas.openxmlformats.org/officeDocument/2006/relationships" xmlns:p="http://schemas.openxmlformats.org/presentationml/2006/main">
   <p:cSld>
@@ -21978,7 +21647,7 @@
         <p:spPr>
           <a:xfrm>
             <a:off x="457200" y="533400"/>
-            <a:ext cx="3434466" cy="630942"/>
+            <a:ext cx="6908173" cy="630942"/>
           </a:xfrm>
           <a:prstGeom prst="rect">
             <a:avLst/>
@@ -22007,7 +21676,7 @@
                   </a:outerShdw>
                 </a:effectLst>
               </a:rPr>
-              <a:t>SELECT statement</a:t>
+              <a:t>Capabilities of SQL SELECT statement</a:t>
             </a:r>
             <a:endParaRPr lang="en-US" sz="3500" dirty="0">
               <a:solidFill>
@@ -22027,284 +21696,109 @@
           </a:p>
         </p:txBody>
       </p:sp>
-      <p:sp>
-        <p:nvSpPr>
-          <p:cNvPr id="2" name="Rectangle 1"/>
-          <p:cNvSpPr/>
+      <p:pic>
+        <p:nvPicPr>
+          <p:cNvPr id="5" name="Picture 4"/>
+          <p:cNvPicPr/>
           <p:nvPr/>
-        </p:nvSpPr>
+        </p:nvPicPr>
+        <p:blipFill rotWithShape="1">
+          <a:blip r:embed="rId3">
+            <a:extLst>
+              <a:ext uri="{28A0092B-C50C-407E-A947-70E740481C1C}">
+                <a14:useLocalDpi xmlns:a14="http://schemas.microsoft.com/office/drawing/2010/main" val="0"/>
+              </a:ext>
+            </a:extLst>
+          </a:blip>
+          <a:srcRect l="5087" t="21463" r="7115"/>
+          <a:stretch/>
+        </p:blipFill>
         <p:spPr>
           <a:xfrm>
-            <a:off x="683568" y="1556792"/>
-            <a:ext cx="7111752" cy="830997"/>
+            <a:off x="611560" y="1340768"/>
+            <a:ext cx="5256584" cy="3456384"/>
           </a:xfrm>
           <a:prstGeom prst="rect">
             <a:avLst/>
           </a:prstGeom>
         </p:spPr>
-        <p:txBody>
-          <a:bodyPr wrap="square">
-            <a:spAutoFit/>
-          </a:bodyPr>
-          <a:lstStyle/>
-          <a:p>
-            <a:r>
-              <a:rPr lang="en-US" sz="2400" b="1" dirty="0"/>
-              <a:t>SELECT</a:t>
-            </a:r>
-            <a:r>
-              <a:rPr lang="en-US" sz="2400" dirty="0"/>
-              <a:t> *|{[DISTINCT] </a:t>
-            </a:r>
-            <a:r>
-              <a:rPr lang="en-US" sz="2400" i="1" dirty="0" err="1"/>
-              <a:t>column</a:t>
-            </a:r>
-            <a:r>
-              <a:rPr lang="en-US" sz="2400" dirty="0" err="1"/>
-              <a:t>|</a:t>
-            </a:r>
-            <a:r>
-              <a:rPr lang="en-US" sz="2400" i="1" dirty="0" err="1"/>
-              <a:t>expression</a:t>
-            </a:r>
-            <a:r>
-              <a:rPr lang="en-US" sz="2400" dirty="0"/>
-              <a:t> [alias], …} </a:t>
-            </a:r>
-            <a:endParaRPr lang="en-US" sz="2400" dirty="0" smtClean="0"/>
-          </a:p>
-          <a:p>
-            <a:r>
-              <a:rPr lang="en-US" sz="2400" b="1" dirty="0" smtClean="0"/>
-              <a:t>FROM</a:t>
-            </a:r>
-            <a:r>
-              <a:rPr lang="en-US" sz="2400" dirty="0" smtClean="0"/>
-              <a:t> </a:t>
-            </a:r>
-            <a:r>
-              <a:rPr lang="en-US" sz="2400" i="1" dirty="0"/>
-              <a:t>table;</a:t>
-            </a:r>
-            <a:endParaRPr lang="en-US" sz="2400" dirty="0"/>
-          </a:p>
-        </p:txBody>
-      </p:sp>
-      <p:sp>
-        <p:nvSpPr>
-          <p:cNvPr id="8" name="Rectangle 7"/>
+      </p:pic>
+      <p:sp>
+        <p:nvSpPr>
+          <p:cNvPr id="7" name="Rectangle 6"/>
           <p:cNvSpPr/>
           <p:nvPr/>
         </p:nvSpPr>
         <p:spPr>
           <a:xfrm>
-            <a:off x="717104" y="2564904"/>
-            <a:ext cx="4572000" cy="1200329"/>
+            <a:off x="6300192" y="1376611"/>
+            <a:ext cx="2016224" cy="1615827"/>
           </a:xfrm>
           <a:prstGeom prst="rect">
             <a:avLst/>
           </a:prstGeom>
         </p:spPr>
         <p:txBody>
-          <a:bodyPr>
+          <a:bodyPr wrap="square">
             <a:spAutoFit/>
           </a:bodyPr>
           <a:lstStyle/>
           <a:p>
             <a:pPr marL="285750" indent="-285750">
               <a:lnSpc>
-                <a:spcPct val="200000"/>
+                <a:spcPct val="150000"/>
               </a:lnSpc>
+              <a:buClr>
+                <a:srgbClr val="FF0000"/>
+              </a:buClr>
               <a:buFont typeface="Arial" pitchFamily="34" charset="0"/>
               <a:buChar char="•"/>
             </a:pPr>
             <a:r>
-              <a:rPr lang="en-US" b="1" dirty="0"/>
-              <a:t>SELECT</a:t>
-            </a:r>
-            <a:r>
-              <a:rPr lang="en-US" dirty="0"/>
-              <a:t> </a:t>
-            </a:r>
-            <a:r>
-              <a:rPr lang="ru-RU" dirty="0" smtClean="0"/>
-              <a:t>- </a:t>
-            </a:r>
-            <a:r>
-              <a:rPr lang="en-US" dirty="0" smtClean="0"/>
-              <a:t>identifies </a:t>
-            </a:r>
-            <a:r>
-              <a:rPr lang="en-US" i="1" dirty="0"/>
-              <a:t>what</a:t>
-            </a:r>
-            <a:r>
-              <a:rPr lang="en-US" dirty="0"/>
-              <a:t> columns</a:t>
+              <a:rPr lang="en-US" sz="2200" dirty="0" smtClean="0"/>
+              <a:t>Projection</a:t>
             </a:r>
           </a:p>
           <a:p>
             <a:pPr marL="285750" indent="-285750">
               <a:lnSpc>
-                <a:spcPct val="200000"/>
+                <a:spcPct val="150000"/>
               </a:lnSpc>
+              <a:buClr>
+                <a:srgbClr val="FF0000"/>
+              </a:buClr>
               <a:buFont typeface="Arial" pitchFamily="34" charset="0"/>
               <a:buChar char="•"/>
             </a:pPr>
             <a:r>
-              <a:rPr lang="en-US" b="1" dirty="0"/>
-              <a:t>FROM</a:t>
-            </a:r>
-            <a:r>
-              <a:rPr lang="en-US" dirty="0"/>
-              <a:t> </a:t>
-            </a:r>
-            <a:r>
-              <a:rPr lang="ru-RU" dirty="0" smtClean="0"/>
-              <a:t>- </a:t>
-            </a:r>
-            <a:r>
-              <a:rPr lang="en-US" dirty="0" smtClean="0"/>
-              <a:t>identifies </a:t>
-            </a:r>
-            <a:r>
-              <a:rPr lang="en-US" i="1" dirty="0"/>
-              <a:t>which</a:t>
-            </a:r>
-            <a:r>
-              <a:rPr lang="en-US" dirty="0"/>
-              <a:t> table</a:t>
-            </a:r>
-          </a:p>
-        </p:txBody>
-      </p:sp>
-      <p:sp>
-        <p:nvSpPr>
-          <p:cNvPr id="4" name="Rectangle 3"/>
-          <p:cNvSpPr/>
-          <p:nvPr/>
-        </p:nvSpPr>
-        <p:spPr>
-          <a:xfrm>
-            <a:off x="667196" y="4221088"/>
-            <a:ext cx="7001148" cy="1477328"/>
-          </a:xfrm>
-          <a:prstGeom prst="rect">
-            <a:avLst/>
-          </a:prstGeom>
-        </p:spPr>
-        <p:txBody>
-          <a:bodyPr wrap="square">
-            <a:spAutoFit/>
-          </a:bodyPr>
-          <a:lstStyle/>
-          <a:p>
-            <a:r>
-              <a:rPr lang="en-US" dirty="0"/>
-              <a:t>SELECT *</a:t>
-            </a:r>
-          </a:p>
-          <a:p>
-            <a:r>
-              <a:rPr lang="en-US" dirty="0"/>
-              <a:t>FROM departments;     </a:t>
-            </a:r>
-            <a:r>
-              <a:rPr lang="en-US" dirty="0" smtClean="0"/>
-              <a:t>		</a:t>
-            </a:r>
-            <a:r>
-              <a:rPr lang="en-US" sz="1600" dirty="0" smtClean="0">
-                <a:solidFill>
-                  <a:schemeClr val="tx1">
-                    <a:lumMod val="50000"/>
-                    <a:lumOff val="50000"/>
-                  </a:schemeClr>
-                </a:solidFill>
-              </a:rPr>
-              <a:t>- select </a:t>
-            </a:r>
-            <a:r>
-              <a:rPr lang="en-US" sz="1600" dirty="0">
-                <a:solidFill>
-                  <a:schemeClr val="tx1">
-                    <a:lumMod val="50000"/>
-                    <a:lumOff val="50000"/>
-                  </a:schemeClr>
-                </a:solidFill>
-              </a:rPr>
-              <a:t>all columns of all </a:t>
-            </a:r>
-            <a:r>
-              <a:rPr lang="en-US" sz="1600" dirty="0" smtClean="0">
-                <a:solidFill>
-                  <a:schemeClr val="tx1">
-                    <a:lumMod val="50000"/>
-                    <a:lumOff val="50000"/>
-                  </a:schemeClr>
-                </a:solidFill>
-              </a:rPr>
-              <a:t>rows</a:t>
-            </a:r>
-          </a:p>
-          <a:p>
-            <a:endParaRPr lang="en-US" dirty="0"/>
-          </a:p>
-          <a:p>
-            <a:r>
-              <a:rPr lang="en-US" dirty="0"/>
-              <a:t>SELECT </a:t>
-            </a:r>
-            <a:r>
-              <a:rPr lang="en-US" dirty="0" err="1"/>
-              <a:t>department_id</a:t>
-            </a:r>
-            <a:r>
-              <a:rPr lang="en-US" dirty="0"/>
-              <a:t>, </a:t>
-            </a:r>
-            <a:r>
-              <a:rPr lang="en-US" dirty="0" err="1"/>
-              <a:t>location_id</a:t>
-            </a:r>
-            <a:endParaRPr lang="en-US" dirty="0"/>
-          </a:p>
-          <a:p>
-            <a:r>
-              <a:rPr lang="en-US" dirty="0"/>
-              <a:t>FROM departments; </a:t>
-            </a:r>
-            <a:r>
-              <a:rPr lang="en-US" dirty="0" smtClean="0"/>
-              <a:t>		</a:t>
-            </a:r>
-            <a:r>
-              <a:rPr lang="en-US" sz="1600" dirty="0" smtClean="0">
-                <a:solidFill>
-                  <a:schemeClr val="tx1">
-                    <a:lumMod val="50000"/>
-                    <a:lumOff val="50000"/>
-                  </a:schemeClr>
-                </a:solidFill>
-              </a:rPr>
-              <a:t>- selecting specific columns</a:t>
-            </a:r>
-            <a:endParaRPr lang="en-US" sz="1600" dirty="0">
-              <a:solidFill>
-                <a:schemeClr val="tx1">
-                  <a:lumMod val="50000"/>
-                  <a:lumOff val="50000"/>
-                </a:schemeClr>
-              </a:solidFill>
-            </a:endParaRPr>
+              <a:rPr lang="en-US" sz="2200" dirty="0" smtClean="0"/>
+              <a:t>Selection</a:t>
+            </a:r>
+            <a:endParaRPr lang="en-US" sz="2200" dirty="0"/>
+          </a:p>
+          <a:p>
+            <a:pPr marL="285750" indent="-285750">
+              <a:lnSpc>
+                <a:spcPct val="150000"/>
+              </a:lnSpc>
+              <a:buClr>
+                <a:srgbClr val="FF0000"/>
+              </a:buClr>
+              <a:buFont typeface="Arial" pitchFamily="34" charset="0"/>
+              <a:buChar char="•"/>
+            </a:pPr>
+            <a:r>
+              <a:rPr lang="en-US" sz="2200" dirty="0" smtClean="0"/>
+              <a:t>Joining</a:t>
+            </a:r>
+            <a:endParaRPr lang="en-US" sz="2200" dirty="0"/>
           </a:p>
         </p:txBody>
       </p:sp>
     </p:spTree>
     <p:extLst>
       <p:ext uri="{BB962C8B-B14F-4D97-AF65-F5344CB8AC3E}">
-        <p14:creationId xmlns:p14="http://schemas.microsoft.com/office/powerpoint/2010/main" val="4060775951"/>
+        <p14:creationId xmlns:p14="http://schemas.microsoft.com/office/powerpoint/2010/main" val="30859786"/>
       </p:ext>
     </p:extLst>
   </p:cSld>
@@ -22346,8 +21840,8 @@
         </p:nvSpPr>
         <p:spPr>
           <a:xfrm>
-            <a:off x="457200" y="533400"/>
-            <a:ext cx="6908173" cy="630942"/>
+            <a:off x="466725" y="404664"/>
+            <a:ext cx="4340932" cy="630942"/>
           </a:xfrm>
           <a:prstGeom prst="rect">
             <a:avLst/>
@@ -22376,7 +21870,7 @@
                   </a:outerShdw>
                 </a:effectLst>
               </a:rPr>
-              <a:t>Capabilities of SQL SELECT statement</a:t>
+              <a:t>Arithmetic Expressions</a:t>
             </a:r>
             <a:endParaRPr lang="en-US" sz="3500" dirty="0">
               <a:solidFill>
@@ -22396,9 +21890,246 @@
           </a:p>
         </p:txBody>
       </p:sp>
+      <p:graphicFrame>
+        <p:nvGraphicFramePr>
+          <p:cNvPr id="4" name="Table 3"/>
+          <p:cNvGraphicFramePr>
+            <a:graphicFrameLocks noGrp="1"/>
+          </p:cNvGraphicFramePr>
+          <p:nvPr>
+            <p:extLst>
+              <p:ext uri="{D42A27DB-BD31-4B8C-83A1-F6EECF244321}">
+                <p14:modId xmlns:p14="http://schemas.microsoft.com/office/powerpoint/2010/main" val="3439603618"/>
+              </p:ext>
+            </p:extLst>
+          </p:nvPr>
+        </p:nvGraphicFramePr>
+        <p:xfrm>
+          <a:off x="1140296" y="1340768"/>
+          <a:ext cx="6096000" cy="1849120"/>
+        </p:xfrm>
+        <a:graphic>
+          <a:graphicData uri="http://schemas.openxmlformats.org/drawingml/2006/table">
+            <a:tbl>
+              <a:tblPr firstRow="1" bandRow="1">
+                <a:tableStyleId>{9D7B26C5-4107-4FEC-AEDC-1716B250A1EF}</a:tableStyleId>
+              </a:tblPr>
+              <a:tblGrid>
+                <a:gridCol w="3048000"/>
+                <a:gridCol w="3048000"/>
+              </a:tblGrid>
+              <a:tr h="298832">
+                <a:tc>
+                  <a:txBody>
+                    <a:bodyPr/>
+                    <a:lstStyle/>
+                    <a:p>
+                      <a:r>
+                        <a:rPr lang="en-US" dirty="0" smtClean="0"/>
+                        <a:t>Operator</a:t>
+                      </a:r>
+                      <a:endParaRPr lang="en-US" dirty="0"/>
+                    </a:p>
+                  </a:txBody>
+                  <a:tcPr/>
+                </a:tc>
+                <a:tc>
+                  <a:txBody>
+                    <a:bodyPr/>
+                    <a:lstStyle/>
+                    <a:p>
+                      <a:r>
+                        <a:rPr lang="en-US" dirty="0" smtClean="0"/>
+                        <a:t>Description</a:t>
+                      </a:r>
+                      <a:endParaRPr lang="en-US" dirty="0"/>
+                    </a:p>
+                  </a:txBody>
+                  <a:tcPr/>
+                </a:tc>
+              </a:tr>
+              <a:tr h="370840">
+                <a:tc>
+                  <a:txBody>
+                    <a:bodyPr/>
+                    <a:lstStyle/>
+                    <a:p>
+                      <a:r>
+                        <a:rPr lang="en-US" dirty="0" smtClean="0"/>
+                        <a:t>+</a:t>
+                      </a:r>
+                      <a:endParaRPr lang="en-US" dirty="0"/>
+                    </a:p>
+                  </a:txBody>
+                  <a:tcPr/>
+                </a:tc>
+                <a:tc>
+                  <a:txBody>
+                    <a:bodyPr/>
+                    <a:lstStyle/>
+                    <a:p>
+                      <a:r>
+                        <a:rPr lang="en-US" dirty="0" smtClean="0"/>
+                        <a:t>Add</a:t>
+                      </a:r>
+                      <a:endParaRPr lang="en-US" dirty="0"/>
+                    </a:p>
+                  </a:txBody>
+                  <a:tcPr/>
+                </a:tc>
+              </a:tr>
+              <a:tr h="370840">
+                <a:tc>
+                  <a:txBody>
+                    <a:bodyPr/>
+                    <a:lstStyle/>
+                    <a:p>
+                      <a:r>
+                        <a:rPr lang="en-US" dirty="0" smtClean="0"/>
+                        <a:t>-</a:t>
+                      </a:r>
+                      <a:endParaRPr lang="en-US" dirty="0"/>
+                    </a:p>
+                  </a:txBody>
+                  <a:tcPr/>
+                </a:tc>
+                <a:tc>
+                  <a:txBody>
+                    <a:bodyPr/>
+                    <a:lstStyle/>
+                    <a:p>
+                      <a:r>
+                        <a:rPr lang="en-US" dirty="0" smtClean="0"/>
+                        <a:t>Subtract</a:t>
+                      </a:r>
+                      <a:endParaRPr lang="en-US" dirty="0"/>
+                    </a:p>
+                  </a:txBody>
+                  <a:tcPr/>
+                </a:tc>
+              </a:tr>
+              <a:tr h="370840">
+                <a:tc>
+                  <a:txBody>
+                    <a:bodyPr/>
+                    <a:lstStyle/>
+                    <a:p>
+                      <a:r>
+                        <a:rPr lang="en-US" dirty="0" smtClean="0"/>
+                        <a:t>*</a:t>
+                      </a:r>
+                      <a:endParaRPr lang="en-US" dirty="0"/>
+                    </a:p>
+                  </a:txBody>
+                  <a:tcPr/>
+                </a:tc>
+                <a:tc>
+                  <a:txBody>
+                    <a:bodyPr/>
+                    <a:lstStyle/>
+                    <a:p>
+                      <a:r>
+                        <a:rPr lang="en-US" dirty="0" smtClean="0"/>
+                        <a:t>Multiply</a:t>
+                      </a:r>
+                      <a:endParaRPr lang="en-US" dirty="0"/>
+                    </a:p>
+                  </a:txBody>
+                  <a:tcPr/>
+                </a:tc>
+              </a:tr>
+              <a:tr h="370840">
+                <a:tc>
+                  <a:txBody>
+                    <a:bodyPr/>
+                    <a:lstStyle/>
+                    <a:p>
+                      <a:r>
+                        <a:rPr lang="en-US" dirty="0" smtClean="0"/>
+                        <a:t>/</a:t>
+                      </a:r>
+                      <a:endParaRPr lang="en-US" dirty="0"/>
+                    </a:p>
+                  </a:txBody>
+                  <a:tcPr/>
+                </a:tc>
+                <a:tc>
+                  <a:txBody>
+                    <a:bodyPr/>
+                    <a:lstStyle/>
+                    <a:p>
+                      <a:r>
+                        <a:rPr lang="en-US" dirty="0" smtClean="0"/>
+                        <a:t>Divide</a:t>
+                      </a:r>
+                      <a:endParaRPr lang="en-US" dirty="0"/>
+                    </a:p>
+                  </a:txBody>
+                  <a:tcPr/>
+                </a:tc>
+              </a:tr>
+            </a:tbl>
+          </a:graphicData>
+        </a:graphic>
+      </p:graphicFrame>
+      <p:sp>
+        <p:nvSpPr>
+          <p:cNvPr id="6" name="Rectangle 5"/>
+          <p:cNvSpPr/>
+          <p:nvPr/>
+        </p:nvSpPr>
+        <p:spPr>
+          <a:xfrm>
+            <a:off x="1140296" y="3429000"/>
+            <a:ext cx="6048672" cy="830997"/>
+          </a:xfrm>
+          <a:prstGeom prst="rect">
+            <a:avLst/>
+          </a:prstGeom>
+        </p:spPr>
+        <p:txBody>
+          <a:bodyPr wrap="square">
+            <a:spAutoFit/>
+          </a:bodyPr>
+          <a:lstStyle/>
+          <a:p>
+            <a:r>
+              <a:rPr lang="en-US" sz="2400" b="1" dirty="0"/>
+              <a:t>SELECT</a:t>
+            </a:r>
+            <a:r>
+              <a:rPr lang="en-US" sz="2400" dirty="0"/>
+              <a:t> </a:t>
+            </a:r>
+            <a:r>
+              <a:rPr lang="en-US" sz="2400" dirty="0" err="1"/>
+              <a:t>last_name</a:t>
+            </a:r>
+            <a:r>
+              <a:rPr lang="en-US" sz="2400" dirty="0"/>
+              <a:t>, salary, salary+300</a:t>
+            </a:r>
+          </a:p>
+          <a:p>
+            <a:r>
+              <a:rPr lang="en-US" sz="2400" b="1" dirty="0"/>
+              <a:t>FROM</a:t>
+            </a:r>
+            <a:r>
+              <a:rPr lang="en-US" sz="2400" dirty="0"/>
+              <a:t> employees</a:t>
+            </a:r>
+            <a:r>
+              <a:rPr lang="ru-RU" sz="2400" dirty="0"/>
+              <a:t>;</a:t>
+            </a:r>
+            <a:endParaRPr lang="en-US" sz="2400" dirty="0"/>
+          </a:p>
+        </p:txBody>
+      </p:sp>
       <p:pic>
         <p:nvPicPr>
-          <p:cNvPr id="5" name="Picture 4"/>
+          <p:cNvPr id="8" name="Picture 7"/>
           <p:cNvPicPr/>
           <p:nvPr/>
         </p:nvPicPr>
@@ -22410,95 +22141,23 @@
               </a:ext>
             </a:extLst>
           </a:blip>
-          <a:srcRect l="5087" t="21463" r="7115"/>
+          <a:srcRect l="4706" t="56336"/>
           <a:stretch/>
         </p:blipFill>
         <p:spPr>
           <a:xfrm>
-            <a:off x="611560" y="1340768"/>
-            <a:ext cx="5256584" cy="3456384"/>
+            <a:off x="1141858" y="4259997"/>
+            <a:ext cx="5543053" cy="1544538"/>
           </a:xfrm>
           <a:prstGeom prst="rect">
             <a:avLst/>
           </a:prstGeom>
         </p:spPr>
       </p:pic>
-      <p:sp>
-        <p:nvSpPr>
-          <p:cNvPr id="7" name="Rectangle 6"/>
-          <p:cNvSpPr/>
-          <p:nvPr/>
-        </p:nvSpPr>
-        <p:spPr>
-          <a:xfrm>
-            <a:off x="6300192" y="1376611"/>
-            <a:ext cx="2016224" cy="1615827"/>
-          </a:xfrm>
-          <a:prstGeom prst="rect">
-            <a:avLst/>
-          </a:prstGeom>
-        </p:spPr>
-        <p:txBody>
-          <a:bodyPr wrap="square">
-            <a:spAutoFit/>
-          </a:bodyPr>
-          <a:lstStyle/>
-          <a:p>
-            <a:pPr marL="285750" indent="-285750">
-              <a:lnSpc>
-                <a:spcPct val="150000"/>
-              </a:lnSpc>
-              <a:buClr>
-                <a:srgbClr val="FF0000"/>
-              </a:buClr>
-              <a:buFont typeface="Arial" pitchFamily="34" charset="0"/>
-              <a:buChar char="•"/>
-            </a:pPr>
-            <a:r>
-              <a:rPr lang="en-US" sz="2200" dirty="0" smtClean="0"/>
-              <a:t>Projection</a:t>
-            </a:r>
-          </a:p>
-          <a:p>
-            <a:pPr marL="285750" indent="-285750">
-              <a:lnSpc>
-                <a:spcPct val="150000"/>
-              </a:lnSpc>
-              <a:buClr>
-                <a:srgbClr val="FF0000"/>
-              </a:buClr>
-              <a:buFont typeface="Arial" pitchFamily="34" charset="0"/>
-              <a:buChar char="•"/>
-            </a:pPr>
-            <a:r>
-              <a:rPr lang="en-US" sz="2200" dirty="0" smtClean="0"/>
-              <a:t>Selection</a:t>
-            </a:r>
-            <a:endParaRPr lang="en-US" sz="2200" dirty="0"/>
-          </a:p>
-          <a:p>
-            <a:pPr marL="285750" indent="-285750">
-              <a:lnSpc>
-                <a:spcPct val="150000"/>
-              </a:lnSpc>
-              <a:buClr>
-                <a:srgbClr val="FF0000"/>
-              </a:buClr>
-              <a:buFont typeface="Arial" pitchFamily="34" charset="0"/>
-              <a:buChar char="•"/>
-            </a:pPr>
-            <a:r>
-              <a:rPr lang="en-US" sz="2200" dirty="0" smtClean="0"/>
-              <a:t>Joining</a:t>
-            </a:r>
-            <a:endParaRPr lang="en-US" sz="2200" dirty="0"/>
-          </a:p>
-        </p:txBody>
-      </p:sp>
     </p:spTree>
     <p:extLst>
       <p:ext uri="{BB962C8B-B14F-4D97-AF65-F5344CB8AC3E}">
-        <p14:creationId xmlns:p14="http://schemas.microsoft.com/office/powerpoint/2010/main" val="30859786"/>
+        <p14:creationId xmlns:p14="http://schemas.microsoft.com/office/powerpoint/2010/main" val="2531351565"/>
       </p:ext>
     </p:extLst>
   </p:cSld>
